--- a/SC Seminar/µ-LMS.pptx
+++ b/SC Seminar/µ-LMS.pptx
@@ -10,9 +10,10 @@
     <p:sldId id="258" r:id="rId4"/>
     <p:sldId id="259" r:id="rId5"/>
     <p:sldId id="263" r:id="rId6"/>
-    <p:sldId id="260" r:id="rId7"/>
-    <p:sldId id="261" r:id="rId8"/>
-    <p:sldId id="262" r:id="rId9"/>
+    <p:sldId id="264" r:id="rId7"/>
+    <p:sldId id="260" r:id="rId8"/>
+    <p:sldId id="261" r:id="rId9"/>
+    <p:sldId id="262" r:id="rId10"/>
   </p:sldIdLst>
   <p:sldSz cx="12192000" cy="6858000"/>
   <p:notesSz cx="6858000" cy="9144000"/>
@@ -1880,9 +1881,10 @@
         <a:lstStyle/>
         <a:p>
           <a:r>
-            <a:rPr lang="en-US" dirty="0"/>
+            <a:rPr lang="en-US"/>
             <a:t>Simplicity: The algorithm is relatively simple and easy to implement, making it suitable for real-time applications.</a:t>
           </a:r>
+          <a:endParaRPr lang="en-US" dirty="0"/>
         </a:p>
       </dgm:t>
     </dgm:pt>
@@ -1916,9 +1918,10 @@
         <a:lstStyle/>
         <a:p>
           <a:r>
-            <a:rPr lang="en-US" dirty="0"/>
+            <a:rPr lang="en-US"/>
             <a:t>Fast Convergence: The algorithm can converge quickly to the optimal solution with a suitable choice of the learning rate parameter.</a:t>
           </a:r>
+          <a:endParaRPr lang="en-US" dirty="0"/>
         </a:p>
       </dgm:t>
     </dgm:pt>
@@ -1952,9 +1955,10 @@
         <a:lstStyle/>
         <a:p>
           <a:r>
-            <a:rPr lang="en-US" dirty="0"/>
+            <a:rPr lang="en-US"/>
             <a:t>Low Computational Complexity: The algorithm has a low computational complexity, which makes it suitable for real-time applications with limited computational resources.</a:t>
           </a:r>
+          <a:endParaRPr lang="en-US" dirty="0"/>
         </a:p>
       </dgm:t>
     </dgm:pt>
@@ -1988,9 +1992,10 @@
         <a:lstStyle/>
         <a:p>
           <a:r>
-            <a:rPr lang="en-US" dirty="0"/>
+            <a:rPr lang="en-US"/>
             <a:t>Robustness: The algorithm is robust to noise and can handle non-linear input-output mappings.</a:t>
           </a:r>
+          <a:endParaRPr lang="en-US" dirty="0"/>
         </a:p>
       </dgm:t>
     </dgm:pt>
@@ -2060,9 +2065,10 @@
         <a:lstStyle/>
         <a:p>
           <a:r>
-            <a:rPr lang="en-US" dirty="0"/>
+            <a:rPr lang="en-US"/>
             <a:t>Sensitivity to Learning Rate: The algorithm can be sensitive to the choice of the learning rate parameter, which affects the rate of convergence and stability of the algorithm.</a:t>
           </a:r>
+          <a:endParaRPr lang="en-US" dirty="0"/>
         </a:p>
       </dgm:t>
     </dgm:pt>
@@ -2096,9 +2102,10 @@
         <a:lstStyle/>
         <a:p>
           <a:r>
-            <a:rPr lang="en-US" dirty="0"/>
+            <a:rPr lang="en-US"/>
             <a:t>Local Minima: The algorithm can converge to local minima in the error surface, leading to suboptimal solutions.</a:t>
           </a:r>
+          <a:endParaRPr lang="en-US" dirty="0"/>
         </a:p>
       </dgm:t>
     </dgm:pt>
@@ -2168,9 +2175,10 @@
         <a:lstStyle/>
         <a:p>
           <a:r>
-            <a:rPr lang="en-US" dirty="0"/>
+            <a:rPr lang="en-US"/>
             <a:t>Lack of Memory: The algorithm does not have memory of past inputs and outputs, which can affect the accuracy of the predictions in non-stationary environments.</a:t>
           </a:r>
+          <a:endParaRPr lang="en-US" dirty="0"/>
         </a:p>
       </dgm:t>
     </dgm:pt>
@@ -2256,34 +2264,34 @@
     </dgm:pt>
   </dgm:ptLst>
   <dgm:cxnLst>
-    <dgm:cxn modelId="{459F0200-7700-4DFF-B737-D3CAF1A60F0C}" type="presOf" srcId="{D44C755B-F1B2-43A5-AE47-98585B6ACB72}" destId="{519DCB9E-32DA-4DE3-8F56-D1BB68522815}" srcOrd="0" destOrd="3" presId="urn:microsoft.com/office/officeart/2005/8/layout/hList1"/>
+    <dgm:cxn modelId="{17604C02-E8FF-4EA6-8D0E-8B34F363B8DB}" type="presOf" srcId="{044A4380-5705-4F2F-B614-F9E107EAC4B1}" destId="{519DCB9E-32DA-4DE3-8F56-D1BB68522815}" srcOrd="0" destOrd="0" presId="urn:microsoft.com/office/officeart/2005/8/layout/hList1"/>
+    <dgm:cxn modelId="{8FE33906-0E12-4558-A164-7C5ED7231BA9}" type="presOf" srcId="{F7CD5A96-9B96-4D60-BDE5-1BEB1E21F30E}" destId="{519DCB9E-32DA-4DE3-8F56-D1BB68522815}" srcOrd="0" destOrd="1" presId="urn:microsoft.com/office/officeart/2005/8/layout/hList1"/>
     <dgm:cxn modelId="{CFEF8A0C-2857-4CBE-B6AD-108B69B6101C}" srcId="{933661B4-D24E-44C5-91D7-6EED65F6387D}" destId="{044A4380-5705-4F2F-B614-F9E107EAC4B1}" srcOrd="0" destOrd="0" parTransId="{0D84EE3E-7BB7-4DF7-AF3C-C720B35375B8}" sibTransId="{10B466F6-210F-4199-AED5-B85E1875E5F7}"/>
     <dgm:cxn modelId="{5338BE0D-87B8-4B91-9C06-B16D640733FC}" srcId="{933661B4-D24E-44C5-91D7-6EED65F6387D}" destId="{D44C755B-F1B2-43A5-AE47-98585B6ACB72}" srcOrd="3" destOrd="0" parTransId="{9E5FAB18-9B5C-4635-BC8A-07D7B4F53E61}" sibTransId="{AC1D493F-F338-4EA2-8297-A5057D620E96}"/>
-    <dgm:cxn modelId="{6DDD841D-5809-4DE0-B888-A9D92D02E9C6}" type="presOf" srcId="{F7CD5A96-9B96-4D60-BDE5-1BEB1E21F30E}" destId="{519DCB9E-32DA-4DE3-8F56-D1BB68522815}" srcOrd="0" destOrd="1" presId="urn:microsoft.com/office/officeart/2005/8/layout/hList1"/>
-    <dgm:cxn modelId="{4A87641E-CB88-4AFF-902A-9AED828B69B7}" type="presOf" srcId="{E2841F36-F02E-4E43-88F8-4703EB4BC27C}" destId="{A3ED0974-50CA-4476-8C62-A8D712C54DB2}" srcOrd="0" destOrd="1" presId="urn:microsoft.com/office/officeart/2005/8/layout/hList1"/>
+    <dgm:cxn modelId="{63A0852F-BCAD-4010-92FE-232EFF359AF0}" type="presOf" srcId="{ECFA5594-6F98-49BA-9E62-4556C6972519}" destId="{A3ED0974-50CA-4476-8C62-A8D712C54DB2}" srcOrd="0" destOrd="0" presId="urn:microsoft.com/office/officeart/2005/8/layout/hList1"/>
     <dgm:cxn modelId="{2634473A-A0F3-42FC-9C54-554DA0CB7026}" srcId="{FF6B8972-937D-4B45-ACA1-95BD0F166F99}" destId="{933661B4-D24E-44C5-91D7-6EED65F6387D}" srcOrd="1" destOrd="0" parTransId="{78CB1C97-2E27-4305-8A32-AE46E50893A0}" sibTransId="{40E3B54B-59B1-41F8-A0CA-61757C711A22}"/>
-    <dgm:cxn modelId="{6199963E-7B96-41C4-AF22-A7719F064F2D}" type="presOf" srcId="{A902254C-E39A-4545-9F00-787848BEA989}" destId="{2ADA4DAB-6975-454E-9C1C-4985BEAE2B51}" srcOrd="0" destOrd="0" presId="urn:microsoft.com/office/officeart/2005/8/layout/hList1"/>
     <dgm:cxn modelId="{7D08275D-690D-4983-B478-C2486CDEE863}" srcId="{A902254C-E39A-4545-9F00-787848BEA989}" destId="{E2CD9546-87A9-444B-AD99-24A763A67AD0}" srcOrd="2" destOrd="0" parTransId="{F20E8593-5329-490E-9394-37CC61EDBF0B}" sibTransId="{91383D8D-E636-4565-900F-4CB290978B66}"/>
-    <dgm:cxn modelId="{A6F2765D-55BA-4ADC-BDAB-02A0EA24C707}" type="presOf" srcId="{044A4380-5705-4F2F-B614-F9E107EAC4B1}" destId="{519DCB9E-32DA-4DE3-8F56-D1BB68522815}" srcOrd="0" destOrd="0" presId="urn:microsoft.com/office/officeart/2005/8/layout/hList1"/>
     <dgm:cxn modelId="{7D8B9161-F1E4-449A-9128-F2189F79658A}" srcId="{FF6B8972-937D-4B45-ACA1-95BD0F166F99}" destId="{A902254C-E39A-4545-9F00-787848BEA989}" srcOrd="0" destOrd="0" parTransId="{0D26E82A-383B-4853-B104-EE87CCC5D38F}" sibTransId="{03C6E267-7001-4D52-AE39-8F5E1142F6D9}"/>
-    <dgm:cxn modelId="{43B32E6B-315E-452A-91C2-D44C3A295674}" type="presOf" srcId="{E6DEA049-5F1B-4D02-B7CF-5092558ABE2A}" destId="{A3ED0974-50CA-4476-8C62-A8D712C54DB2}" srcOrd="0" destOrd="3" presId="urn:microsoft.com/office/officeart/2005/8/layout/hList1"/>
-    <dgm:cxn modelId="{3D0C564D-C3EF-4D08-90E2-62450787C3FD}" type="presOf" srcId="{CF384906-1B95-4484-A84A-CFE620620F2C}" destId="{519DCB9E-32DA-4DE3-8F56-D1BB68522815}" srcOrd="0" destOrd="2" presId="urn:microsoft.com/office/officeart/2005/8/layout/hList1"/>
-    <dgm:cxn modelId="{700FBC4E-1B66-4922-8746-2F59F762053F}" type="presOf" srcId="{933661B4-D24E-44C5-91D7-6EED65F6387D}" destId="{21068E7A-49B2-4B21-BE12-8D2967075044}" srcOrd="0" destOrd="0" presId="urn:microsoft.com/office/officeart/2005/8/layout/hList1"/>
+    <dgm:cxn modelId="{AA035C6B-27A4-4299-B245-D36BE0F1BA31}" type="presOf" srcId="{E2CD9546-87A9-444B-AD99-24A763A67AD0}" destId="{A3ED0974-50CA-4476-8C62-A8D712C54DB2}" srcOrd="0" destOrd="2" presId="urn:microsoft.com/office/officeart/2005/8/layout/hList1"/>
+    <dgm:cxn modelId="{60E5B150-A411-46AA-8427-FEA4278939C6}" type="presOf" srcId="{CF384906-1B95-4484-A84A-CFE620620F2C}" destId="{519DCB9E-32DA-4DE3-8F56-D1BB68522815}" srcOrd="0" destOrd="2" presId="urn:microsoft.com/office/officeart/2005/8/layout/hList1"/>
     <dgm:cxn modelId="{6385DA72-0BBC-46D7-A8E1-878BCD3CCCD7}" srcId="{A902254C-E39A-4545-9F00-787848BEA989}" destId="{E6DEA049-5F1B-4D02-B7CF-5092558ABE2A}" srcOrd="3" destOrd="0" parTransId="{61F33045-C779-426A-8D82-4D95F7953F90}" sibTransId="{BB5EF9B9-FF31-43F4-B6D0-CA167C657BBC}"/>
     <dgm:cxn modelId="{AC988F8A-AC75-4C8A-A72D-AA2A1A68B8E6}" srcId="{933661B4-D24E-44C5-91D7-6EED65F6387D}" destId="{CF384906-1B95-4484-A84A-CFE620620F2C}" srcOrd="2" destOrd="0" parTransId="{C308713B-F52C-42D4-B3C9-09BBD8C1919B}" sibTransId="{4D65F8E0-DF3A-45C0-95A4-D48CD885E035}"/>
+    <dgm:cxn modelId="{D4966B91-7ABD-4DCC-BCEC-0FE09CB42D5C}" type="presOf" srcId="{E2841F36-F02E-4E43-88F8-4703EB4BC27C}" destId="{A3ED0974-50CA-4476-8C62-A8D712C54DB2}" srcOrd="0" destOrd="1" presId="urn:microsoft.com/office/officeart/2005/8/layout/hList1"/>
+    <dgm:cxn modelId="{5A79D391-7C3C-4FDA-913F-A7F863CC82D1}" type="presOf" srcId="{D44C755B-F1B2-43A5-AE47-98585B6ACB72}" destId="{519DCB9E-32DA-4DE3-8F56-D1BB68522815}" srcOrd="0" destOrd="3" presId="urn:microsoft.com/office/officeart/2005/8/layout/hList1"/>
+    <dgm:cxn modelId="{8DA87EA6-74CF-4FED-9FAE-5455DBF37978}" type="presOf" srcId="{A902254C-E39A-4545-9F00-787848BEA989}" destId="{2ADA4DAB-6975-454E-9C1C-4985BEAE2B51}" srcOrd="0" destOrd="0" presId="urn:microsoft.com/office/officeart/2005/8/layout/hList1"/>
     <dgm:cxn modelId="{612382B5-0302-45E2-8381-94E82695036C}" srcId="{A902254C-E39A-4545-9F00-787848BEA989}" destId="{ECFA5594-6F98-49BA-9E62-4556C6972519}" srcOrd="0" destOrd="0" parTransId="{E9E4DEE0-F940-4E4D-B6A9-4B046F594218}" sibTransId="{C7DA0BFD-4F8D-4083-BE0C-9F1613D732C1}"/>
-    <dgm:cxn modelId="{58551BCC-6A55-4C73-BAC8-7530135664AC}" type="presOf" srcId="{ECFA5594-6F98-49BA-9E62-4556C6972519}" destId="{A3ED0974-50CA-4476-8C62-A8D712C54DB2}" srcOrd="0" destOrd="0" presId="urn:microsoft.com/office/officeart/2005/8/layout/hList1"/>
-    <dgm:cxn modelId="{39446CD9-7191-41CC-A392-D13471FF7FAD}" type="presOf" srcId="{FF6B8972-937D-4B45-ACA1-95BD0F166F99}" destId="{542732E9-B58E-4EE0-B5B1-750BEA322303}" srcOrd="0" destOrd="0" presId="urn:microsoft.com/office/officeart/2005/8/layout/hList1"/>
+    <dgm:cxn modelId="{556A1DB6-E311-451B-BECC-AA0F4217321E}" type="presOf" srcId="{E6DEA049-5F1B-4D02-B7CF-5092558ABE2A}" destId="{A3ED0974-50CA-4476-8C62-A8D712C54DB2}" srcOrd="0" destOrd="3" presId="urn:microsoft.com/office/officeart/2005/8/layout/hList1"/>
     <dgm:cxn modelId="{CDE41EE1-611D-45FD-8215-997F4405D07B}" srcId="{A902254C-E39A-4545-9F00-787848BEA989}" destId="{E2841F36-F02E-4E43-88F8-4703EB4BC27C}" srcOrd="1" destOrd="0" parTransId="{AED84460-CCD0-4300-A1E6-4F2B6DF25EFC}" sibTransId="{AFA47FB6-756C-4A6A-93D1-A24375BC0228}"/>
+    <dgm:cxn modelId="{5BE1B9E5-5FB2-48A5-BD7C-F71F6EFFE88D}" type="presOf" srcId="{933661B4-D24E-44C5-91D7-6EED65F6387D}" destId="{21068E7A-49B2-4B21-BE12-8D2967075044}" srcOrd="0" destOrd="0" presId="urn:microsoft.com/office/officeart/2005/8/layout/hList1"/>
+    <dgm:cxn modelId="{943E8FE9-9836-4D81-B587-7FFC0804E287}" type="presOf" srcId="{FF6B8972-937D-4B45-ACA1-95BD0F166F99}" destId="{542732E9-B58E-4EE0-B5B1-750BEA322303}" srcOrd="0" destOrd="0" presId="urn:microsoft.com/office/officeart/2005/8/layout/hList1"/>
     <dgm:cxn modelId="{18BDFBED-388E-4BE4-9A0F-BAD7BD675B3F}" srcId="{933661B4-D24E-44C5-91D7-6EED65F6387D}" destId="{F7CD5A96-9B96-4D60-BDE5-1BEB1E21F30E}" srcOrd="1" destOrd="0" parTransId="{AB674013-6D96-417A-B962-073690DC32ED}" sibTransId="{B41756FF-D052-4556-BD0E-2D16FB371677}"/>
-    <dgm:cxn modelId="{469118F8-00DE-4513-832C-B6869EFA25F9}" type="presOf" srcId="{E2CD9546-87A9-444B-AD99-24A763A67AD0}" destId="{A3ED0974-50CA-4476-8C62-A8D712C54DB2}" srcOrd="0" destOrd="2" presId="urn:microsoft.com/office/officeart/2005/8/layout/hList1"/>
-    <dgm:cxn modelId="{A72140E2-277C-4AFC-B2F6-2038FFE3FD13}" type="presParOf" srcId="{542732E9-B58E-4EE0-B5B1-750BEA322303}" destId="{0A25659C-28D7-474C-A7D7-8F8DD4B8EEE7}" srcOrd="0" destOrd="0" presId="urn:microsoft.com/office/officeart/2005/8/layout/hList1"/>
-    <dgm:cxn modelId="{BA6EAB20-BCB7-4DBB-A54F-609B5CD1A59B}" type="presParOf" srcId="{0A25659C-28D7-474C-A7D7-8F8DD4B8EEE7}" destId="{2ADA4DAB-6975-454E-9C1C-4985BEAE2B51}" srcOrd="0" destOrd="0" presId="urn:microsoft.com/office/officeart/2005/8/layout/hList1"/>
-    <dgm:cxn modelId="{432C354A-3629-4D1A-BBD8-C38A878D2ACB}" type="presParOf" srcId="{0A25659C-28D7-474C-A7D7-8F8DD4B8EEE7}" destId="{A3ED0974-50CA-4476-8C62-A8D712C54DB2}" srcOrd="1" destOrd="0" presId="urn:microsoft.com/office/officeart/2005/8/layout/hList1"/>
-    <dgm:cxn modelId="{585C94DB-975E-4CB3-A3F4-0AF52414AE30}" type="presParOf" srcId="{542732E9-B58E-4EE0-B5B1-750BEA322303}" destId="{F1CF7826-64C0-4BB5-ADA7-CE7A3F147F6A}" srcOrd="1" destOrd="0" presId="urn:microsoft.com/office/officeart/2005/8/layout/hList1"/>
-    <dgm:cxn modelId="{0C80DA1A-438E-4B22-90B3-3BD74B5C9C91}" type="presParOf" srcId="{542732E9-B58E-4EE0-B5B1-750BEA322303}" destId="{8274F4CD-D039-4BDD-84F6-424027A35214}" srcOrd="2" destOrd="0" presId="urn:microsoft.com/office/officeart/2005/8/layout/hList1"/>
-    <dgm:cxn modelId="{464C6FD4-69B9-4F3E-B7AF-C3796B333344}" type="presParOf" srcId="{8274F4CD-D039-4BDD-84F6-424027A35214}" destId="{21068E7A-49B2-4B21-BE12-8D2967075044}" srcOrd="0" destOrd="0" presId="urn:microsoft.com/office/officeart/2005/8/layout/hList1"/>
-    <dgm:cxn modelId="{4D2B8840-128D-4FF1-9B59-C0392CAB3DE0}" type="presParOf" srcId="{8274F4CD-D039-4BDD-84F6-424027A35214}" destId="{519DCB9E-32DA-4DE3-8F56-D1BB68522815}" srcOrd="1" destOrd="0" presId="urn:microsoft.com/office/officeart/2005/8/layout/hList1"/>
+    <dgm:cxn modelId="{CEDF4409-887F-42E1-9034-CCD057C8BC25}" type="presParOf" srcId="{542732E9-B58E-4EE0-B5B1-750BEA322303}" destId="{0A25659C-28D7-474C-A7D7-8F8DD4B8EEE7}" srcOrd="0" destOrd="0" presId="urn:microsoft.com/office/officeart/2005/8/layout/hList1"/>
+    <dgm:cxn modelId="{F0559556-4FB6-4F1C-99AE-B03D54335D2D}" type="presParOf" srcId="{0A25659C-28D7-474C-A7D7-8F8DD4B8EEE7}" destId="{2ADA4DAB-6975-454E-9C1C-4985BEAE2B51}" srcOrd="0" destOrd="0" presId="urn:microsoft.com/office/officeart/2005/8/layout/hList1"/>
+    <dgm:cxn modelId="{D966A112-8A48-432E-93A0-F8E876C4DB5E}" type="presParOf" srcId="{0A25659C-28D7-474C-A7D7-8F8DD4B8EEE7}" destId="{A3ED0974-50CA-4476-8C62-A8D712C54DB2}" srcOrd="1" destOrd="0" presId="urn:microsoft.com/office/officeart/2005/8/layout/hList1"/>
+    <dgm:cxn modelId="{D18007B9-D3B4-4CBC-98EB-08C7E59B4023}" type="presParOf" srcId="{542732E9-B58E-4EE0-B5B1-750BEA322303}" destId="{F1CF7826-64C0-4BB5-ADA7-CE7A3F147F6A}" srcOrd="1" destOrd="0" presId="urn:microsoft.com/office/officeart/2005/8/layout/hList1"/>
+    <dgm:cxn modelId="{64A4B511-89B3-46CF-B1CA-0F662EAF2AA2}" type="presParOf" srcId="{542732E9-B58E-4EE0-B5B1-750BEA322303}" destId="{8274F4CD-D039-4BDD-84F6-424027A35214}" srcOrd="2" destOrd="0" presId="urn:microsoft.com/office/officeart/2005/8/layout/hList1"/>
+    <dgm:cxn modelId="{783E03CF-43ED-4F23-86CA-381734483A04}" type="presParOf" srcId="{8274F4CD-D039-4BDD-84F6-424027A35214}" destId="{21068E7A-49B2-4B21-BE12-8D2967075044}" srcOrd="0" destOrd="0" presId="urn:microsoft.com/office/officeart/2005/8/layout/hList1"/>
+    <dgm:cxn modelId="{12D96266-5C89-4E3B-B73D-DC68BA872F7B}" type="presParOf" srcId="{8274F4CD-D039-4BDD-84F6-424027A35214}" destId="{519DCB9E-32DA-4DE3-8F56-D1BB68522815}" srcOrd="1" destOrd="0" presId="urn:microsoft.com/office/officeart/2005/8/layout/hList1"/>
   </dgm:cxnLst>
   <dgm:bg/>
   <dgm:whole/>
@@ -2316,6 +2324,11 @@
         <a:bodyPr/>
         <a:lstStyle/>
         <a:p>
+          <a:pPr>
+            <a:lnSpc>
+              <a:spcPct val="100000"/>
+            </a:lnSpc>
+          </a:pPr>
           <a:r>
             <a:rPr lang="en-US" b="0" baseline="0"/>
             <a:t>The Widrow-Hoff µ-LMS algorithm is a widely used method for updating the weights of a linear regression model. </a:t>
@@ -2353,6 +2366,11 @@
         <a:bodyPr/>
         <a:lstStyle/>
         <a:p>
+          <a:pPr>
+            <a:lnSpc>
+              <a:spcPct val="100000"/>
+            </a:lnSpc>
+          </a:pPr>
           <a:r>
             <a:rPr lang="en-US" b="0" baseline="0"/>
             <a:t>It is well-suited for problems with correlated input features and many features relative to the number of training samples. </a:t>
@@ -2390,6 +2408,11 @@
         <a:bodyPr/>
         <a:lstStyle/>
         <a:p>
+          <a:pPr>
+            <a:lnSpc>
+              <a:spcPct val="100000"/>
+            </a:lnSpc>
+          </a:pPr>
           <a:r>
             <a:rPr lang="en-US" b="0" baseline="0" dirty="0"/>
             <a:t>The algorithm is computationally efficient and can converge to a good solution with relatively few iterations. However, it is sensitive to the choice of learning rate, and may not be suitable for non-linear problems or problems with non-Gaussian noise. </a:t>
@@ -2427,6 +2450,11 @@
         <a:bodyPr/>
         <a:lstStyle/>
         <a:p>
+          <a:pPr>
+            <a:lnSpc>
+              <a:spcPct val="100000"/>
+            </a:lnSpc>
+          </a:pPr>
           <a:r>
             <a:rPr lang="en-US" b="0" baseline="0" dirty="0"/>
             <a:t>Overall, the Widrow-Hoff µ-LMS algorithm is a valuable tool for machine learning practitioners in a variety of fields.</a:t>
@@ -2676,38 +2704,38 @@
     </dgm:pt>
   </dgm:ptLst>
   <dgm:cxnLst>
+    <dgm:cxn modelId="{76F47408-61DD-425F-9D2F-A7D9C0F75BAD}" type="presOf" srcId="{48F86846-01D3-447E-BF1B-8571492351EB}" destId="{B6EDBC08-1468-469A-970D-01F130AF6341}" srcOrd="0" destOrd="0" presId="urn:microsoft.com/office/officeart/2018/2/layout/IconVerticalSolidList"/>
     <dgm:cxn modelId="{9FDF0E0D-D0B2-4DAD-BDB1-F828727EBBDA}" srcId="{0BC4A9C1-B63E-4487-BB15-D9F7A4F3954F}" destId="{DE0C759E-5F44-46ED-935C-5F4252FA458D}" srcOrd="3" destOrd="0" parTransId="{60263FE2-DADC-4F60-9E14-697808082D47}" sibTransId="{6C4DA8B6-6DF3-4DDF-ADEC-CE9D03AF17FB}"/>
-    <dgm:cxn modelId="{69A3C312-74D1-4B3A-BC22-1F397D74D420}" type="presOf" srcId="{48F86846-01D3-447E-BF1B-8571492351EB}" destId="{B6EDBC08-1468-469A-970D-01F130AF6341}" srcOrd="0" destOrd="0" presId="urn:microsoft.com/office/officeart/2018/2/layout/IconVerticalSolidList"/>
     <dgm:cxn modelId="{30820219-BFED-4C0B-8303-C688495C7225}" srcId="{0BC4A9C1-B63E-4487-BB15-D9F7A4F3954F}" destId="{37FBE082-44AF-4644-9EA2-D2A77C69974C}" srcOrd="1" destOrd="0" parTransId="{EA7FE664-0DA6-42A8-A14A-E7282C9FAC66}" sibTransId="{F7C692B2-EC17-4911-9E65-12A9E3BA6A67}"/>
-    <dgm:cxn modelId="{D3D15240-D53B-40AC-939C-C46690CFCEF1}" type="presOf" srcId="{37FBE082-44AF-4644-9EA2-D2A77C69974C}" destId="{D5BA7034-B5C1-4000-8639-F7BF25177BF8}" srcOrd="0" destOrd="0" presId="urn:microsoft.com/office/officeart/2018/2/layout/IconVerticalSolidList"/>
-    <dgm:cxn modelId="{26FE754A-D181-4812-9147-E4A65730CADD}" type="presOf" srcId="{0BC4A9C1-B63E-4487-BB15-D9F7A4F3954F}" destId="{191D434B-C5A3-4DF5-ADFF-1AFD61069726}" srcOrd="0" destOrd="0" presId="urn:microsoft.com/office/officeart/2018/2/layout/IconVerticalSolidList"/>
-    <dgm:cxn modelId="{DAF27254-0768-4501-9322-1F5DE6853E26}" type="presOf" srcId="{DE0C759E-5F44-46ED-935C-5F4252FA458D}" destId="{720ABDCC-9DC4-4D2F-8016-1B42F0ECC5FC}" srcOrd="0" destOrd="0" presId="urn:microsoft.com/office/officeart/2018/2/layout/IconVerticalSolidList"/>
+    <dgm:cxn modelId="{365A2924-B410-443E-82FA-ACD164A86CD6}" type="presOf" srcId="{DE0C759E-5F44-46ED-935C-5F4252FA458D}" destId="{720ABDCC-9DC4-4D2F-8016-1B42F0ECC5FC}" srcOrd="0" destOrd="0" presId="urn:microsoft.com/office/officeart/2018/2/layout/IconVerticalSolidList"/>
+    <dgm:cxn modelId="{03F87561-B6CF-4851-B961-15CE3ECC7B07}" type="presOf" srcId="{0BC4A9C1-B63E-4487-BB15-D9F7A4F3954F}" destId="{191D434B-C5A3-4DF5-ADFF-1AFD61069726}" srcOrd="0" destOrd="0" presId="urn:microsoft.com/office/officeart/2018/2/layout/IconVerticalSolidList"/>
     <dgm:cxn modelId="{A3B16F7D-AC24-48DB-904E-80F5D35D2E36}" srcId="{0BC4A9C1-B63E-4487-BB15-D9F7A4F3954F}" destId="{48F86846-01D3-447E-BF1B-8571492351EB}" srcOrd="0" destOrd="0" parTransId="{73CE62D5-6E5E-4603-94CC-F479082BFC93}" sibTransId="{F120C429-E5D2-4815-AA14-8DA29BE0BA51}"/>
-    <dgm:cxn modelId="{1F901583-C7DF-4DE2-B1A3-6A76C4C167DF}" type="presOf" srcId="{32C6396E-9C9F-4A6F-9126-6C9FF1816565}" destId="{6FF99AD5-1247-4D15-9BBC-E7EFD7A3EFA7}" srcOrd="0" destOrd="0" presId="urn:microsoft.com/office/officeart/2018/2/layout/IconVerticalSolidList"/>
     <dgm:cxn modelId="{935D98C8-DF78-427D-BA92-12A2637F5906}" srcId="{0BC4A9C1-B63E-4487-BB15-D9F7A4F3954F}" destId="{32C6396E-9C9F-4A6F-9126-6C9FF1816565}" srcOrd="2" destOrd="0" parTransId="{246A3BE9-3560-47D5-9EEF-7DBA2CD98BB2}" sibTransId="{E68A283D-FAB2-458A-9803-D09AE15965AC}"/>
-    <dgm:cxn modelId="{36C91A87-8A35-4D17-8B8E-64C8973AE7E2}" type="presParOf" srcId="{191D434B-C5A3-4DF5-ADFF-1AFD61069726}" destId="{6E934B55-B9A7-44D1-8A77-FEEBD50085AF}" srcOrd="0" destOrd="0" presId="urn:microsoft.com/office/officeart/2018/2/layout/IconVerticalSolidList"/>
-    <dgm:cxn modelId="{3FC74CF4-1000-4961-B941-D3170758063C}" type="presParOf" srcId="{6E934B55-B9A7-44D1-8A77-FEEBD50085AF}" destId="{870E5A6B-BA3A-42AD-BBDE-5034A1915D30}" srcOrd="0" destOrd="0" presId="urn:microsoft.com/office/officeart/2018/2/layout/IconVerticalSolidList"/>
-    <dgm:cxn modelId="{8E90EA79-D6BF-4501-A396-013AA7061576}" type="presParOf" srcId="{6E934B55-B9A7-44D1-8A77-FEEBD50085AF}" destId="{2B6CE494-D98C-4599-BCF4-CF15284BB8C4}" srcOrd="1" destOrd="0" presId="urn:microsoft.com/office/officeart/2018/2/layout/IconVerticalSolidList"/>
-    <dgm:cxn modelId="{D6F80571-0A44-4134-BBF9-159901F6F6F2}" type="presParOf" srcId="{6E934B55-B9A7-44D1-8A77-FEEBD50085AF}" destId="{6A85BEA8-1F17-4D3C-B62C-B957E4A8C480}" srcOrd="2" destOrd="0" presId="urn:microsoft.com/office/officeart/2018/2/layout/IconVerticalSolidList"/>
-    <dgm:cxn modelId="{EED5280E-9BB3-44AE-8FC4-58D09220B25B}" type="presParOf" srcId="{6E934B55-B9A7-44D1-8A77-FEEBD50085AF}" destId="{B6EDBC08-1468-469A-970D-01F130AF6341}" srcOrd="3" destOrd="0" presId="urn:microsoft.com/office/officeart/2018/2/layout/IconVerticalSolidList"/>
-    <dgm:cxn modelId="{018ED078-D96E-4CFB-BCE5-722EEC652CAB}" type="presParOf" srcId="{191D434B-C5A3-4DF5-ADFF-1AFD61069726}" destId="{D26CC4E5-3775-4D63-BABC-F53EE835A063}" srcOrd="1" destOrd="0" presId="urn:microsoft.com/office/officeart/2018/2/layout/IconVerticalSolidList"/>
-    <dgm:cxn modelId="{8A14AAE0-1612-40AD-AC7E-EF5BE322B120}" type="presParOf" srcId="{191D434B-C5A3-4DF5-ADFF-1AFD61069726}" destId="{F4DC61AB-FF52-4947-AF9F-93F31FD945AC}" srcOrd="2" destOrd="0" presId="urn:microsoft.com/office/officeart/2018/2/layout/IconVerticalSolidList"/>
-    <dgm:cxn modelId="{575B9742-F922-48C2-85AF-8E243DF49808}" type="presParOf" srcId="{F4DC61AB-FF52-4947-AF9F-93F31FD945AC}" destId="{0D7313B1-109B-476D-A5AA-DB9C1C071917}" srcOrd="0" destOrd="0" presId="urn:microsoft.com/office/officeart/2018/2/layout/IconVerticalSolidList"/>
-    <dgm:cxn modelId="{488FE24A-069E-49BF-99DD-8233BACD1D9F}" type="presParOf" srcId="{F4DC61AB-FF52-4947-AF9F-93F31FD945AC}" destId="{8C8C173B-2433-49D4-B3C5-C71D089CA56B}" srcOrd="1" destOrd="0" presId="urn:microsoft.com/office/officeart/2018/2/layout/IconVerticalSolidList"/>
-    <dgm:cxn modelId="{85BCE460-F652-4BB5-B870-87E76C5985B9}" type="presParOf" srcId="{F4DC61AB-FF52-4947-AF9F-93F31FD945AC}" destId="{23A5A960-7993-4A68-A973-410CA6976701}" srcOrd="2" destOrd="0" presId="urn:microsoft.com/office/officeart/2018/2/layout/IconVerticalSolidList"/>
-    <dgm:cxn modelId="{F66FD331-3A1A-4981-AF54-0476632F0E77}" type="presParOf" srcId="{F4DC61AB-FF52-4947-AF9F-93F31FD945AC}" destId="{D5BA7034-B5C1-4000-8639-F7BF25177BF8}" srcOrd="3" destOrd="0" presId="urn:microsoft.com/office/officeart/2018/2/layout/IconVerticalSolidList"/>
-    <dgm:cxn modelId="{F4DBD3F6-98C0-4CE3-ADAE-EC8A212615D5}" type="presParOf" srcId="{191D434B-C5A3-4DF5-ADFF-1AFD61069726}" destId="{F2999BE0-5EB5-40DF-A489-4FCDA81ED4AC}" srcOrd="3" destOrd="0" presId="urn:microsoft.com/office/officeart/2018/2/layout/IconVerticalSolidList"/>
-    <dgm:cxn modelId="{B0E1381F-5490-4AE0-98B5-6A057951FFCC}" type="presParOf" srcId="{191D434B-C5A3-4DF5-ADFF-1AFD61069726}" destId="{58BB45D2-3C89-4A48-B6EA-6094768773E2}" srcOrd="4" destOrd="0" presId="urn:microsoft.com/office/officeart/2018/2/layout/IconVerticalSolidList"/>
-    <dgm:cxn modelId="{C7855B7A-42D1-48CC-870B-837FABD9A77B}" type="presParOf" srcId="{58BB45D2-3C89-4A48-B6EA-6094768773E2}" destId="{DB4637E2-A3DD-4239-BF33-DB52BF7AC958}" srcOrd="0" destOrd="0" presId="urn:microsoft.com/office/officeart/2018/2/layout/IconVerticalSolidList"/>
-    <dgm:cxn modelId="{753C4891-EE25-49E1-90F4-DBDEDEFC75DD}" type="presParOf" srcId="{58BB45D2-3C89-4A48-B6EA-6094768773E2}" destId="{F14315B0-4253-4DA1-B8E4-D16813310724}" srcOrd="1" destOrd="0" presId="urn:microsoft.com/office/officeart/2018/2/layout/IconVerticalSolidList"/>
-    <dgm:cxn modelId="{A8DD7E4D-3D08-46B3-86ED-4FE78362932F}" type="presParOf" srcId="{58BB45D2-3C89-4A48-B6EA-6094768773E2}" destId="{BBBA7EB0-3CB8-4A06-8517-ACA2EF5EE2A2}" srcOrd="2" destOrd="0" presId="urn:microsoft.com/office/officeart/2018/2/layout/IconVerticalSolidList"/>
-    <dgm:cxn modelId="{0505E6FE-C9A8-42AF-9554-F5A457702A17}" type="presParOf" srcId="{58BB45D2-3C89-4A48-B6EA-6094768773E2}" destId="{6FF99AD5-1247-4D15-9BBC-E7EFD7A3EFA7}" srcOrd="3" destOrd="0" presId="urn:microsoft.com/office/officeart/2018/2/layout/IconVerticalSolidList"/>
-    <dgm:cxn modelId="{B3BFB0AA-41C4-471F-997C-6A9F4D4864A7}" type="presParOf" srcId="{191D434B-C5A3-4DF5-ADFF-1AFD61069726}" destId="{74807AFF-B050-4970-89C4-6458ED977F42}" srcOrd="5" destOrd="0" presId="urn:microsoft.com/office/officeart/2018/2/layout/IconVerticalSolidList"/>
-    <dgm:cxn modelId="{FCB58CB6-6324-4406-94CE-62C48CE15097}" type="presParOf" srcId="{191D434B-C5A3-4DF5-ADFF-1AFD61069726}" destId="{FA53AC3D-659E-42F9-AB0E-C8E479ABA807}" srcOrd="6" destOrd="0" presId="urn:microsoft.com/office/officeart/2018/2/layout/IconVerticalSolidList"/>
-    <dgm:cxn modelId="{22614E69-E9ED-4E97-8477-2D7B5A4D1FE9}" type="presParOf" srcId="{FA53AC3D-659E-42F9-AB0E-C8E479ABA807}" destId="{E5FDE0A7-55A6-49BF-A2FF-04E3E0C6E7B1}" srcOrd="0" destOrd="0" presId="urn:microsoft.com/office/officeart/2018/2/layout/IconVerticalSolidList"/>
-    <dgm:cxn modelId="{75128D05-F586-4E6F-9581-6E054FD957C9}" type="presParOf" srcId="{FA53AC3D-659E-42F9-AB0E-C8E479ABA807}" destId="{DC8B534F-3677-4738-8717-751FB3DB91BD}" srcOrd="1" destOrd="0" presId="urn:microsoft.com/office/officeart/2018/2/layout/IconVerticalSolidList"/>
-    <dgm:cxn modelId="{FCD9636A-33AD-4EEC-BC34-7040AFE8FC68}" type="presParOf" srcId="{FA53AC3D-659E-42F9-AB0E-C8E479ABA807}" destId="{02DE4FA1-98F6-4592-AF08-523D7AAFE4C6}" srcOrd="2" destOrd="0" presId="urn:microsoft.com/office/officeart/2018/2/layout/IconVerticalSolidList"/>
-    <dgm:cxn modelId="{F39522E6-40CF-434D-A5F0-E43FC955EF37}" type="presParOf" srcId="{FA53AC3D-659E-42F9-AB0E-C8E479ABA807}" destId="{720ABDCC-9DC4-4D2F-8016-1B42F0ECC5FC}" srcOrd="3" destOrd="0" presId="urn:microsoft.com/office/officeart/2018/2/layout/IconVerticalSolidList"/>
+    <dgm:cxn modelId="{F9057EE4-B3B9-4DCE-A923-228FD71D54B0}" type="presOf" srcId="{37FBE082-44AF-4644-9EA2-D2A77C69974C}" destId="{D5BA7034-B5C1-4000-8639-F7BF25177BF8}" srcOrd="0" destOrd="0" presId="urn:microsoft.com/office/officeart/2018/2/layout/IconVerticalSolidList"/>
+    <dgm:cxn modelId="{6A4A4EFC-7C84-4D95-961B-647C147C82D5}" type="presOf" srcId="{32C6396E-9C9F-4A6F-9126-6C9FF1816565}" destId="{6FF99AD5-1247-4D15-9BBC-E7EFD7A3EFA7}" srcOrd="0" destOrd="0" presId="urn:microsoft.com/office/officeart/2018/2/layout/IconVerticalSolidList"/>
+    <dgm:cxn modelId="{05CCCD21-11F8-4BBD-B9F6-1A48B82EC8B7}" type="presParOf" srcId="{191D434B-C5A3-4DF5-ADFF-1AFD61069726}" destId="{6E934B55-B9A7-44D1-8A77-FEEBD50085AF}" srcOrd="0" destOrd="0" presId="urn:microsoft.com/office/officeart/2018/2/layout/IconVerticalSolidList"/>
+    <dgm:cxn modelId="{E869D776-5922-4C73-8265-4C39EC0C4D54}" type="presParOf" srcId="{6E934B55-B9A7-44D1-8A77-FEEBD50085AF}" destId="{870E5A6B-BA3A-42AD-BBDE-5034A1915D30}" srcOrd="0" destOrd="0" presId="urn:microsoft.com/office/officeart/2018/2/layout/IconVerticalSolidList"/>
+    <dgm:cxn modelId="{B2870CF8-69DE-4D39-8ED1-6AD2B98589EB}" type="presParOf" srcId="{6E934B55-B9A7-44D1-8A77-FEEBD50085AF}" destId="{2B6CE494-D98C-4599-BCF4-CF15284BB8C4}" srcOrd="1" destOrd="0" presId="urn:microsoft.com/office/officeart/2018/2/layout/IconVerticalSolidList"/>
+    <dgm:cxn modelId="{054F2312-40C5-4DCD-9F47-736B226411F7}" type="presParOf" srcId="{6E934B55-B9A7-44D1-8A77-FEEBD50085AF}" destId="{6A85BEA8-1F17-4D3C-B62C-B957E4A8C480}" srcOrd="2" destOrd="0" presId="urn:microsoft.com/office/officeart/2018/2/layout/IconVerticalSolidList"/>
+    <dgm:cxn modelId="{E71B8976-F69B-41C7-880D-D60713CA74CA}" type="presParOf" srcId="{6E934B55-B9A7-44D1-8A77-FEEBD50085AF}" destId="{B6EDBC08-1468-469A-970D-01F130AF6341}" srcOrd="3" destOrd="0" presId="urn:microsoft.com/office/officeart/2018/2/layout/IconVerticalSolidList"/>
+    <dgm:cxn modelId="{67F4F7F3-F517-4018-BD21-C806DEB15403}" type="presParOf" srcId="{191D434B-C5A3-4DF5-ADFF-1AFD61069726}" destId="{D26CC4E5-3775-4D63-BABC-F53EE835A063}" srcOrd="1" destOrd="0" presId="urn:microsoft.com/office/officeart/2018/2/layout/IconVerticalSolidList"/>
+    <dgm:cxn modelId="{AC1EA1E5-3DCD-4C94-AC55-AFFEDA1EA6F2}" type="presParOf" srcId="{191D434B-C5A3-4DF5-ADFF-1AFD61069726}" destId="{F4DC61AB-FF52-4947-AF9F-93F31FD945AC}" srcOrd="2" destOrd="0" presId="urn:microsoft.com/office/officeart/2018/2/layout/IconVerticalSolidList"/>
+    <dgm:cxn modelId="{05B091F7-A6B7-4206-95CD-05509D7F6B1B}" type="presParOf" srcId="{F4DC61AB-FF52-4947-AF9F-93F31FD945AC}" destId="{0D7313B1-109B-476D-A5AA-DB9C1C071917}" srcOrd="0" destOrd="0" presId="urn:microsoft.com/office/officeart/2018/2/layout/IconVerticalSolidList"/>
+    <dgm:cxn modelId="{9F65DE70-4B64-451C-92D0-BE1B9695254A}" type="presParOf" srcId="{F4DC61AB-FF52-4947-AF9F-93F31FD945AC}" destId="{8C8C173B-2433-49D4-B3C5-C71D089CA56B}" srcOrd="1" destOrd="0" presId="urn:microsoft.com/office/officeart/2018/2/layout/IconVerticalSolidList"/>
+    <dgm:cxn modelId="{5EDDB16C-41D8-4DD9-939B-213E430A8E33}" type="presParOf" srcId="{F4DC61AB-FF52-4947-AF9F-93F31FD945AC}" destId="{23A5A960-7993-4A68-A973-410CA6976701}" srcOrd="2" destOrd="0" presId="urn:microsoft.com/office/officeart/2018/2/layout/IconVerticalSolidList"/>
+    <dgm:cxn modelId="{55BEA560-4E39-4436-97BA-A0E1BC489392}" type="presParOf" srcId="{F4DC61AB-FF52-4947-AF9F-93F31FD945AC}" destId="{D5BA7034-B5C1-4000-8639-F7BF25177BF8}" srcOrd="3" destOrd="0" presId="urn:microsoft.com/office/officeart/2018/2/layout/IconVerticalSolidList"/>
+    <dgm:cxn modelId="{697F474D-6802-4CE2-9AC4-0C30355D7FFA}" type="presParOf" srcId="{191D434B-C5A3-4DF5-ADFF-1AFD61069726}" destId="{F2999BE0-5EB5-40DF-A489-4FCDA81ED4AC}" srcOrd="3" destOrd="0" presId="urn:microsoft.com/office/officeart/2018/2/layout/IconVerticalSolidList"/>
+    <dgm:cxn modelId="{17DD5941-EF25-49DF-8D60-ABFEE5C63AFB}" type="presParOf" srcId="{191D434B-C5A3-4DF5-ADFF-1AFD61069726}" destId="{58BB45D2-3C89-4A48-B6EA-6094768773E2}" srcOrd="4" destOrd="0" presId="urn:microsoft.com/office/officeart/2018/2/layout/IconVerticalSolidList"/>
+    <dgm:cxn modelId="{1A081C64-FF63-4F92-9BFE-80640320664D}" type="presParOf" srcId="{58BB45D2-3C89-4A48-B6EA-6094768773E2}" destId="{DB4637E2-A3DD-4239-BF33-DB52BF7AC958}" srcOrd="0" destOrd="0" presId="urn:microsoft.com/office/officeart/2018/2/layout/IconVerticalSolidList"/>
+    <dgm:cxn modelId="{FB80A374-2641-4557-8201-80B4EF9F3BF6}" type="presParOf" srcId="{58BB45D2-3C89-4A48-B6EA-6094768773E2}" destId="{F14315B0-4253-4DA1-B8E4-D16813310724}" srcOrd="1" destOrd="0" presId="urn:microsoft.com/office/officeart/2018/2/layout/IconVerticalSolidList"/>
+    <dgm:cxn modelId="{8F917B56-645B-40B9-BB12-E3CF75ECDB6F}" type="presParOf" srcId="{58BB45D2-3C89-4A48-B6EA-6094768773E2}" destId="{BBBA7EB0-3CB8-4A06-8517-ACA2EF5EE2A2}" srcOrd="2" destOrd="0" presId="urn:microsoft.com/office/officeart/2018/2/layout/IconVerticalSolidList"/>
+    <dgm:cxn modelId="{BCEE4EEB-60B0-416D-987A-A19E579C9483}" type="presParOf" srcId="{58BB45D2-3C89-4A48-B6EA-6094768773E2}" destId="{6FF99AD5-1247-4D15-9BBC-E7EFD7A3EFA7}" srcOrd="3" destOrd="0" presId="urn:microsoft.com/office/officeart/2018/2/layout/IconVerticalSolidList"/>
+    <dgm:cxn modelId="{F5F82016-4366-4547-B124-3FEA037F45E5}" type="presParOf" srcId="{191D434B-C5A3-4DF5-ADFF-1AFD61069726}" destId="{74807AFF-B050-4970-89C4-6458ED977F42}" srcOrd="5" destOrd="0" presId="urn:microsoft.com/office/officeart/2018/2/layout/IconVerticalSolidList"/>
+    <dgm:cxn modelId="{1C14FAD4-D2EF-4A92-829E-FA0E9A57F042}" type="presParOf" srcId="{191D434B-C5A3-4DF5-ADFF-1AFD61069726}" destId="{FA53AC3D-659E-42F9-AB0E-C8E479ABA807}" srcOrd="6" destOrd="0" presId="urn:microsoft.com/office/officeart/2018/2/layout/IconVerticalSolidList"/>
+    <dgm:cxn modelId="{CD1848D9-5807-4022-AB05-9748AE60F7A7}" type="presParOf" srcId="{FA53AC3D-659E-42F9-AB0E-C8E479ABA807}" destId="{E5FDE0A7-55A6-49BF-A2FF-04E3E0C6E7B1}" srcOrd="0" destOrd="0" presId="urn:microsoft.com/office/officeart/2018/2/layout/IconVerticalSolidList"/>
+    <dgm:cxn modelId="{71ED7A96-502E-4F61-A3C9-17C51800D7FB}" type="presParOf" srcId="{FA53AC3D-659E-42F9-AB0E-C8E479ABA807}" destId="{DC8B534F-3677-4738-8717-751FB3DB91BD}" srcOrd="1" destOrd="0" presId="urn:microsoft.com/office/officeart/2018/2/layout/IconVerticalSolidList"/>
+    <dgm:cxn modelId="{6676945D-012C-46C0-9523-60D77A852EE8}" type="presParOf" srcId="{FA53AC3D-659E-42F9-AB0E-C8E479ABA807}" destId="{02DE4FA1-98F6-4592-AF08-523D7AAFE4C6}" srcOrd="2" destOrd="0" presId="urn:microsoft.com/office/officeart/2018/2/layout/IconVerticalSolidList"/>
+    <dgm:cxn modelId="{EB828BB8-24C7-4FAC-988E-B9B507EEFC39}" type="presParOf" srcId="{FA53AC3D-659E-42F9-AB0E-C8E479ABA807}" destId="{720ABDCC-9DC4-4D2F-8016-1B42F0ECC5FC}" srcOrd="3" destOrd="0" presId="urn:microsoft.com/office/officeart/2018/2/layout/IconVerticalSolidList"/>
   </dgm:cxnLst>
   <dgm:bg/>
   <dgm:whole/>
@@ -2873,9 +2901,10 @@
             <a:buChar char="•"/>
           </a:pPr>
           <a:r>
-            <a:rPr lang="en-US" sz="1400" kern="1200" dirty="0"/>
+            <a:rPr lang="en-US" sz="1400" kern="1200"/>
             <a:t>Simplicity: The algorithm is relatively simple and easy to implement, making it suitable for real-time applications.</a:t>
           </a:r>
+          <a:endParaRPr lang="en-US" sz="1400" kern="1200" dirty="0"/>
         </a:p>
         <a:p>
           <a:pPr marL="114300" lvl="1" indent="-114300" algn="l" defTabSz="622300">
@@ -2891,9 +2920,10 @@
             <a:buChar char="•"/>
           </a:pPr>
           <a:r>
-            <a:rPr lang="en-US" sz="1400" kern="1200" dirty="0"/>
+            <a:rPr lang="en-US" sz="1400" kern="1200"/>
             <a:t>Fast Convergence: The algorithm can converge quickly to the optimal solution with a suitable choice of the learning rate parameter.</a:t>
           </a:r>
+          <a:endParaRPr lang="en-US" sz="1400" kern="1200" dirty="0"/>
         </a:p>
         <a:p>
           <a:pPr marL="114300" lvl="1" indent="-114300" algn="l" defTabSz="622300">
@@ -2909,9 +2939,10 @@
             <a:buChar char="•"/>
           </a:pPr>
           <a:r>
-            <a:rPr lang="en-US" sz="1400" kern="1200" dirty="0"/>
+            <a:rPr lang="en-US" sz="1400" kern="1200"/>
             <a:t>Low Computational Complexity: The algorithm has a low computational complexity, which makes it suitable for real-time applications with limited computational resources.</a:t>
           </a:r>
+          <a:endParaRPr lang="en-US" sz="1400" kern="1200" dirty="0"/>
         </a:p>
         <a:p>
           <a:pPr marL="114300" lvl="1" indent="-114300" algn="l" defTabSz="622300">
@@ -2927,9 +2958,10 @@
             <a:buChar char="•"/>
           </a:pPr>
           <a:r>
-            <a:rPr lang="en-US" sz="1400" kern="1200" dirty="0"/>
+            <a:rPr lang="en-US" sz="1400" kern="1200"/>
             <a:t>Robustness: The algorithm is robust to noise and can handle non-linear input-output mappings.</a:t>
           </a:r>
+          <a:endParaRPr lang="en-US" sz="1400" kern="1200" dirty="0"/>
         </a:p>
       </dsp:txBody>
       <dsp:txXfrm>
@@ -3083,9 +3115,10 @@
             <a:buChar char="•"/>
           </a:pPr>
           <a:r>
-            <a:rPr lang="en-US" sz="1400" kern="1200" dirty="0"/>
+            <a:rPr lang="en-US" sz="1400" kern="1200"/>
             <a:t>Sensitivity to Learning Rate: The algorithm can be sensitive to the choice of the learning rate parameter, which affects the rate of convergence and stability of the algorithm.</a:t>
           </a:r>
+          <a:endParaRPr lang="en-US" sz="1400" kern="1200" dirty="0"/>
         </a:p>
         <a:p>
           <a:pPr marL="114300" lvl="1" indent="-114300" algn="l" defTabSz="622300">
@@ -3101,9 +3134,10 @@
             <a:buChar char="•"/>
           </a:pPr>
           <a:r>
-            <a:rPr lang="en-US" sz="1400" kern="1200" dirty="0"/>
+            <a:rPr lang="en-US" sz="1400" kern="1200"/>
             <a:t>Local Minima: The algorithm can converge to local minima in the error surface, leading to suboptimal solutions.</a:t>
           </a:r>
+          <a:endParaRPr lang="en-US" sz="1400" kern="1200" dirty="0"/>
         </a:p>
         <a:p>
           <a:pPr marL="114300" lvl="1" indent="-114300" algn="l" defTabSz="622300">
@@ -3137,9 +3171,10 @@
             <a:buChar char="•"/>
           </a:pPr>
           <a:r>
-            <a:rPr lang="en-US" sz="1400" kern="1200" dirty="0"/>
+            <a:rPr lang="en-US" sz="1400" kern="1200"/>
             <a:t>Lack of Memory: The algorithm does not have memory of past inputs and outputs, which can affect the accuracy of the predictions in non-stationary environments.</a:t>
           </a:r>
+          <a:endParaRPr lang="en-US" sz="1400" kern="1200" dirty="0"/>
         </a:p>
       </dsp:txBody>
       <dsp:txXfrm>
@@ -3166,8 +3201,8 @@
       </dsp:nvSpPr>
       <dsp:spPr>
         <a:xfrm>
-          <a:off x="0" y="6175"/>
-          <a:ext cx="6105526" cy="894327"/>
+          <a:off x="0" y="7515"/>
+          <a:ext cx="6105526" cy="1053535"/>
         </a:xfrm>
         <a:prstGeom prst="roundRect">
           <a:avLst>
@@ -3208,8 +3243,8 @@
       </dsp:nvSpPr>
       <dsp:spPr>
         <a:xfrm>
-          <a:off x="270534" y="207399"/>
-          <a:ext cx="492361" cy="491880"/>
+          <a:off x="318694" y="244561"/>
+          <a:ext cx="580011" cy="579444"/>
         </a:xfrm>
         <a:prstGeom prst="rect">
           <a:avLst/>
@@ -3257,8 +3292,8 @@
       </dsp:nvSpPr>
       <dsp:spPr>
         <a:xfrm>
-          <a:off x="1033429" y="6175"/>
-          <a:ext cx="4509859" cy="1062014"/>
+          <a:off x="1217400" y="7515"/>
+          <a:ext cx="4283490" cy="1218150"/>
         </a:xfrm>
         <a:prstGeom prst="rect">
           <a:avLst/>
@@ -3282,14 +3317,14 @@
         <a:fontRef idx="minor"/>
       </dsp:style>
       <dsp:txBody>
-        <a:bodyPr spcFirstLastPara="0" vert="horz" wrap="square" lIns="112397" tIns="112397" rIns="112397" bIns="112397" numCol="1" spcCol="1270" anchor="ctr" anchorCtr="0">
+        <a:bodyPr spcFirstLastPara="0" vert="horz" wrap="square" lIns="128921" tIns="128921" rIns="128921" bIns="128921" numCol="1" spcCol="1270" anchor="ctr" anchorCtr="0">
           <a:noAutofit/>
         </a:bodyPr>
         <a:lstStyle/>
         <a:p>
           <a:pPr marL="0" lvl="0" indent="0" algn="l" defTabSz="622300">
             <a:lnSpc>
-              <a:spcPct val="90000"/>
+              <a:spcPct val="100000"/>
             </a:lnSpc>
             <a:spcBef>
               <a:spcPct val="0"/>
@@ -3307,8 +3342,8 @@
         </a:p>
       </dsp:txBody>
       <dsp:txXfrm>
-        <a:off x="1033429" y="6175"/>
-        <a:ext cx="4509859" cy="1062014"/>
+        <a:off x="1217400" y="7515"/>
+        <a:ext cx="4283490" cy="1218150"/>
       </dsp:txXfrm>
     </dsp:sp>
     <dsp:sp modelId="{0D7313B1-109B-476D-A5AA-DB9C1C071917}">
@@ -3318,8 +3353,8 @@
       </dsp:nvSpPr>
       <dsp:spPr>
         <a:xfrm>
-          <a:off x="0" y="1270478"/>
-          <a:ext cx="6105526" cy="894327"/>
+          <a:off x="0" y="1463354"/>
+          <a:ext cx="6105526" cy="1053535"/>
         </a:xfrm>
         <a:prstGeom prst="roundRect">
           <a:avLst>
@@ -3360,8 +3395,8 @@
       </dsp:nvSpPr>
       <dsp:spPr>
         <a:xfrm>
-          <a:off x="270534" y="1471702"/>
-          <a:ext cx="492361" cy="491880"/>
+          <a:off x="318694" y="1700400"/>
+          <a:ext cx="580011" cy="579444"/>
         </a:xfrm>
         <a:prstGeom prst="rect">
           <a:avLst/>
@@ -3409,8 +3444,8 @@
       </dsp:nvSpPr>
       <dsp:spPr>
         <a:xfrm>
-          <a:off x="1033429" y="1270478"/>
-          <a:ext cx="4509859" cy="1062014"/>
+          <a:off x="1217400" y="1463354"/>
+          <a:ext cx="4283490" cy="1218150"/>
         </a:xfrm>
         <a:prstGeom prst="rect">
           <a:avLst/>
@@ -3434,14 +3469,14 @@
         <a:fontRef idx="minor"/>
       </dsp:style>
       <dsp:txBody>
-        <a:bodyPr spcFirstLastPara="0" vert="horz" wrap="square" lIns="112397" tIns="112397" rIns="112397" bIns="112397" numCol="1" spcCol="1270" anchor="ctr" anchorCtr="0">
+        <a:bodyPr spcFirstLastPara="0" vert="horz" wrap="square" lIns="128921" tIns="128921" rIns="128921" bIns="128921" numCol="1" spcCol="1270" anchor="ctr" anchorCtr="0">
           <a:noAutofit/>
         </a:bodyPr>
         <a:lstStyle/>
         <a:p>
           <a:pPr marL="0" lvl="0" indent="0" algn="l" defTabSz="622300">
             <a:lnSpc>
-              <a:spcPct val="90000"/>
+              <a:spcPct val="100000"/>
             </a:lnSpc>
             <a:spcBef>
               <a:spcPct val="0"/>
@@ -3459,8 +3494,8 @@
         </a:p>
       </dsp:txBody>
       <dsp:txXfrm>
-        <a:off x="1033429" y="1270478"/>
-        <a:ext cx="4509859" cy="1062014"/>
+        <a:off x="1217400" y="1463354"/>
+        <a:ext cx="4283490" cy="1218150"/>
       </dsp:txXfrm>
     </dsp:sp>
     <dsp:sp modelId="{DB4637E2-A3DD-4239-BF33-DB52BF7AC958}">
@@ -3470,8 +3505,8 @@
       </dsp:nvSpPr>
       <dsp:spPr>
         <a:xfrm>
-          <a:off x="0" y="2534781"/>
-          <a:ext cx="6105526" cy="894327"/>
+          <a:off x="0" y="2919193"/>
+          <a:ext cx="6105526" cy="1053535"/>
         </a:xfrm>
         <a:prstGeom prst="roundRect">
           <a:avLst>
@@ -3512,8 +3547,8 @@
       </dsp:nvSpPr>
       <dsp:spPr>
         <a:xfrm>
-          <a:off x="270534" y="2736005"/>
-          <a:ext cx="492361" cy="491880"/>
+          <a:off x="318694" y="3156239"/>
+          <a:ext cx="580011" cy="579444"/>
         </a:xfrm>
         <a:prstGeom prst="rect">
           <a:avLst/>
@@ -3561,8 +3596,8 @@
       </dsp:nvSpPr>
       <dsp:spPr>
         <a:xfrm>
-          <a:off x="1033429" y="2534781"/>
-          <a:ext cx="4509859" cy="1062014"/>
+          <a:off x="1217400" y="2919193"/>
+          <a:ext cx="4283490" cy="1218150"/>
         </a:xfrm>
         <a:prstGeom prst="rect">
           <a:avLst/>
@@ -3586,14 +3621,14 @@
         <a:fontRef idx="minor"/>
       </dsp:style>
       <dsp:txBody>
-        <a:bodyPr spcFirstLastPara="0" vert="horz" wrap="square" lIns="112397" tIns="112397" rIns="112397" bIns="112397" numCol="1" spcCol="1270" anchor="ctr" anchorCtr="0">
+        <a:bodyPr spcFirstLastPara="0" vert="horz" wrap="square" lIns="128921" tIns="128921" rIns="128921" bIns="128921" numCol="1" spcCol="1270" anchor="ctr" anchorCtr="0">
           <a:noAutofit/>
         </a:bodyPr>
         <a:lstStyle/>
         <a:p>
           <a:pPr marL="0" lvl="0" indent="0" algn="l" defTabSz="622300">
             <a:lnSpc>
-              <a:spcPct val="90000"/>
+              <a:spcPct val="100000"/>
             </a:lnSpc>
             <a:spcBef>
               <a:spcPct val="0"/>
@@ -3611,8 +3646,8 @@
         </a:p>
       </dsp:txBody>
       <dsp:txXfrm>
-        <a:off x="1033429" y="2534781"/>
-        <a:ext cx="4509859" cy="1062014"/>
+        <a:off x="1217400" y="2919193"/>
+        <a:ext cx="4283490" cy="1218150"/>
       </dsp:txXfrm>
     </dsp:sp>
     <dsp:sp modelId="{E5FDE0A7-55A6-49BF-A2FF-04E3E0C6E7B1}">
@@ -3622,8 +3657,8 @@
       </dsp:nvSpPr>
       <dsp:spPr>
         <a:xfrm>
-          <a:off x="0" y="3799084"/>
-          <a:ext cx="6105526" cy="894327"/>
+          <a:off x="0" y="4375032"/>
+          <a:ext cx="6105526" cy="1053535"/>
         </a:xfrm>
         <a:prstGeom prst="roundRect">
           <a:avLst>
@@ -3664,8 +3699,8 @@
       </dsp:nvSpPr>
       <dsp:spPr>
         <a:xfrm>
-          <a:off x="270534" y="4000307"/>
-          <a:ext cx="492361" cy="491880"/>
+          <a:off x="318694" y="4612077"/>
+          <a:ext cx="580011" cy="579444"/>
         </a:xfrm>
         <a:prstGeom prst="rect">
           <a:avLst/>
@@ -3713,8 +3748,8 @@
       </dsp:nvSpPr>
       <dsp:spPr>
         <a:xfrm>
-          <a:off x="1033429" y="3799084"/>
-          <a:ext cx="4509859" cy="1062014"/>
+          <a:off x="1217400" y="4375032"/>
+          <a:ext cx="4283490" cy="1218150"/>
         </a:xfrm>
         <a:prstGeom prst="rect">
           <a:avLst/>
@@ -3738,14 +3773,14 @@
         <a:fontRef idx="minor"/>
       </dsp:style>
       <dsp:txBody>
-        <a:bodyPr spcFirstLastPara="0" vert="horz" wrap="square" lIns="112397" tIns="112397" rIns="112397" bIns="112397" numCol="1" spcCol="1270" anchor="ctr" anchorCtr="0">
+        <a:bodyPr spcFirstLastPara="0" vert="horz" wrap="square" lIns="128921" tIns="128921" rIns="128921" bIns="128921" numCol="1" spcCol="1270" anchor="ctr" anchorCtr="0">
           <a:noAutofit/>
         </a:bodyPr>
         <a:lstStyle/>
         <a:p>
           <a:pPr marL="0" lvl="0" indent="0" algn="l" defTabSz="622300">
             <a:lnSpc>
-              <a:spcPct val="90000"/>
+              <a:spcPct val="100000"/>
             </a:lnSpc>
             <a:spcBef>
               <a:spcPct val="0"/>
@@ -3763,8 +3798,8 @@
         </a:p>
       </dsp:txBody>
       <dsp:txXfrm>
-        <a:off x="1033429" y="3799084"/>
-        <a:ext cx="4509859" cy="1062014"/>
+        <a:off x="1217400" y="4375032"/>
+        <a:ext cx="4283490" cy="1218150"/>
       </dsp:txXfrm>
     </dsp:sp>
   </dsp:spTree>
@@ -12819,10 +12854,302 @@
       </p:grpSpPr>
       <p:sp useBgFill="1">
         <p:nvSpPr>
+          <p:cNvPr id="30" name="Rectangle 29">
+            <a:extLst>
+              <a:ext uri="{FF2B5EF4-FFF2-40B4-BE49-F238E27FC236}">
+                <a16:creationId xmlns:a16="http://schemas.microsoft.com/office/drawing/2014/main" id="{E217F32C-75AA-4B97-ADFB-5E2C3C7ECBCF}"/>
+              </a:ext>
+              <a:ext uri="{C183D7F6-B498-43B3-948B-1728B52AA6E4}">
+                <adec:decorative xmlns:adec="http://schemas.microsoft.com/office/drawing/2017/decorative" val="1"/>
+              </a:ext>
+            </a:extLst>
+          </p:cNvPr>
+          <p:cNvSpPr>
+            <a:spLocks noGrp="1" noRot="1" noChangeAspect="1" noMove="1" noResize="1" noEditPoints="1" noAdjustHandles="1" noChangeArrowheads="1" noChangeShapeType="1" noTextEdit="1"/>
+          </p:cNvSpPr>
+          <p:nvPr>
+            <p:extLst>
+              <p:ext uri="{386F3935-93C4-4BCD-93E2-E3B085C9AB24}">
+                <p16:designElem xmlns:p16="http://schemas.microsoft.com/office/powerpoint/2015/main" val="1"/>
+              </p:ext>
+            </p:extLst>
+          </p:nvPr>
+        </p:nvSpPr>
+        <p:spPr>
+          <a:xfrm>
+            <a:off x="0" y="0"/>
+            <a:ext cx="12192000" cy="6858000"/>
+          </a:xfrm>
+          <a:prstGeom prst="rect">
+            <a:avLst/>
+          </a:prstGeom>
+          <a:ln>
+            <a:noFill/>
+          </a:ln>
+        </p:spPr>
+        <p:style>
+          <a:lnRef idx="2">
+            <a:schemeClr val="accent1">
+              <a:shade val="50000"/>
+            </a:schemeClr>
+          </a:lnRef>
+          <a:fillRef idx="1">
+            <a:schemeClr val="accent1"/>
+          </a:fillRef>
+          <a:effectRef idx="0">
+            <a:schemeClr val="accent1"/>
+          </a:effectRef>
+          <a:fontRef idx="minor">
+            <a:schemeClr val="lt1"/>
+          </a:fontRef>
+        </p:style>
+        <p:txBody>
+          <a:bodyPr rtlCol="0" anchor="ctr"/>
+          <a:lstStyle/>
+          <a:p>
+            <a:pPr algn="ctr"/>
+            <a:endParaRPr lang="en-US"/>
+          </a:p>
+        </p:txBody>
+      </p:sp>
+      <p:pic>
+        <p:nvPicPr>
+          <p:cNvPr id="4" name="Picture 3">
+            <a:extLst>
+              <a:ext uri="{FF2B5EF4-FFF2-40B4-BE49-F238E27FC236}">
+                <a16:creationId xmlns:a16="http://schemas.microsoft.com/office/drawing/2014/main" id="{B8AA5801-8CBE-34EB-39DD-3F7076745D0F}"/>
+              </a:ext>
+            </a:extLst>
+          </p:cNvPr>
+          <p:cNvPicPr>
+            <a:picLocks noChangeAspect="1"/>
+          </p:cNvPicPr>
+          <p:nvPr/>
+        </p:nvPicPr>
+        <p:blipFill rotWithShape="1">
+          <a:blip r:embed="rId2"/>
+          <a:srcRect t="23470" b="20280"/>
+          <a:stretch/>
+        </p:blipFill>
+        <p:spPr>
+          <a:xfrm>
+            <a:off x="20" y="10"/>
+            <a:ext cx="12191980" cy="6857990"/>
+          </a:xfrm>
+          <a:prstGeom prst="rect">
+            <a:avLst/>
+          </a:prstGeom>
+        </p:spPr>
+      </p:pic>
+      <p:sp>
+        <p:nvSpPr>
+          <p:cNvPr id="32" name="Rectangle 31">
+            <a:extLst>
+              <a:ext uri="{FF2B5EF4-FFF2-40B4-BE49-F238E27FC236}">
+                <a16:creationId xmlns:a16="http://schemas.microsoft.com/office/drawing/2014/main" id="{4D76AAEA-AF3A-4616-9F99-E9AA131A51F5}"/>
+              </a:ext>
+              <a:ext uri="{C183D7F6-B498-43B3-948B-1728B52AA6E4}">
+                <adec:decorative xmlns:adec="http://schemas.microsoft.com/office/drawing/2017/decorative" val="1"/>
+              </a:ext>
+            </a:extLst>
+          </p:cNvPr>
+          <p:cNvSpPr>
+            <a:spLocks noGrp="1" noRot="1" noChangeAspect="1" noMove="1" noResize="1" noEditPoints="1" noAdjustHandles="1" noChangeArrowheads="1" noChangeShapeType="1" noTextEdit="1"/>
+          </p:cNvSpPr>
+          <p:nvPr>
+            <p:extLst>
+              <p:ext uri="{386F3935-93C4-4BCD-93E2-E3B085C9AB24}">
+                <p16:designElem xmlns:p16="http://schemas.microsoft.com/office/powerpoint/2015/main" val="1"/>
+              </p:ext>
+            </p:extLst>
+          </p:nvPr>
+        </p:nvSpPr>
+        <p:spPr>
+          <a:xfrm>
+            <a:off x="4023360" y="0"/>
+            <a:ext cx="8168639" cy="6858000"/>
+          </a:xfrm>
+          <a:prstGeom prst="rect">
+            <a:avLst/>
+          </a:prstGeom>
+          <a:gradFill>
+            <a:gsLst>
+              <a:gs pos="58000">
+                <a:schemeClr val="tx1">
+                  <a:alpha val="55000"/>
+                </a:schemeClr>
+              </a:gs>
+              <a:gs pos="33000">
+                <a:schemeClr val="tx1">
+                  <a:alpha val="40000"/>
+                </a:schemeClr>
+              </a:gs>
+              <a:gs pos="3000">
+                <a:schemeClr val="tx1">
+                  <a:alpha val="0"/>
+                </a:schemeClr>
+              </a:gs>
+              <a:gs pos="100000">
+                <a:schemeClr val="tx1">
+                  <a:alpha val="55000"/>
+                </a:schemeClr>
+              </a:gs>
+            </a:gsLst>
+            <a:lin ang="0" scaled="0"/>
+          </a:gradFill>
+          <a:ln>
+            <a:noFill/>
+          </a:ln>
+        </p:spPr>
+        <p:style>
+          <a:lnRef idx="2">
+            <a:schemeClr val="accent1">
+              <a:shade val="50000"/>
+            </a:schemeClr>
+          </a:lnRef>
+          <a:fillRef idx="1">
+            <a:schemeClr val="accent1"/>
+          </a:fillRef>
+          <a:effectRef idx="0">
+            <a:schemeClr val="accent1"/>
+          </a:effectRef>
+          <a:fontRef idx="minor">
+            <a:schemeClr val="lt1"/>
+          </a:fontRef>
+        </p:style>
+        <p:txBody>
+          <a:bodyPr rtlCol="0" anchor="ctr"/>
+          <a:lstStyle/>
+          <a:p>
+            <a:pPr algn="ctr"/>
+            <a:endParaRPr lang="en-US"/>
+          </a:p>
+        </p:txBody>
+      </p:sp>
+      <p:sp>
+        <p:nvSpPr>
+          <p:cNvPr id="2" name="Title 1">
+            <a:extLst>
+              <a:ext uri="{FF2B5EF4-FFF2-40B4-BE49-F238E27FC236}">
+                <a16:creationId xmlns:a16="http://schemas.microsoft.com/office/drawing/2014/main" id="{9DBDA61A-3548-4DAB-8E87-8108897C8DB0}"/>
+              </a:ext>
+            </a:extLst>
+          </p:cNvPr>
+          <p:cNvSpPr>
+            <a:spLocks noGrp="1"/>
+          </p:cNvSpPr>
+          <p:nvPr>
+            <p:ph type="ctrTitle"/>
+          </p:nvPr>
+        </p:nvSpPr>
+        <p:spPr>
+          <a:xfrm>
+            <a:off x="6573549" y="1382127"/>
+            <a:ext cx="5618431" cy="3285207"/>
+          </a:xfrm>
+        </p:spPr>
+        <p:txBody>
+          <a:bodyPr>
+            <a:normAutofit/>
+          </a:bodyPr>
+          <a:lstStyle/>
+          <a:p>
+            <a:r>
+              <a:rPr lang="en-US" dirty="0">
+                <a:solidFill>
+                  <a:schemeClr val="bg1"/>
+                </a:solidFill>
+                <a:latin typeface="Franklin Gothic Book" panose="020B0503020102020204" pitchFamily="34" charset="0"/>
+              </a:rPr>
+              <a:t>µ-LMS: Approximate Gradient Descent</a:t>
+            </a:r>
+          </a:p>
+        </p:txBody>
+      </p:sp>
+      <p:sp>
+        <p:nvSpPr>
+          <p:cNvPr id="3" name="TextBox 2">
+            <a:extLst>
+              <a:ext uri="{FF2B5EF4-FFF2-40B4-BE49-F238E27FC236}">
+                <a16:creationId xmlns:a16="http://schemas.microsoft.com/office/drawing/2014/main" id="{830A34B9-08A7-4ADB-8EA4-CFDA2A796515}"/>
+              </a:ext>
+            </a:extLst>
+          </p:cNvPr>
+          <p:cNvSpPr txBox="1"/>
+          <p:nvPr/>
+        </p:nvSpPr>
+        <p:spPr>
+          <a:xfrm>
+            <a:off x="8776427" y="6311154"/>
+            <a:ext cx="3415553" cy="400110"/>
+          </a:xfrm>
+          <a:prstGeom prst="rect">
+            <a:avLst/>
+          </a:prstGeom>
+          <a:noFill/>
+        </p:spPr>
+        <p:txBody>
+          <a:bodyPr wrap="square" rtlCol="0">
+            <a:spAutoFit/>
+          </a:bodyPr>
+          <a:lstStyle/>
+          <a:p>
+            <a:pPr algn="r"/>
+            <a:r>
+              <a:rPr lang="en-US" sz="2000" dirty="0">
+                <a:solidFill>
+                  <a:schemeClr val="bg1"/>
+                </a:solidFill>
+              </a:rPr>
+              <a:t>By : Harshit Singh</a:t>
+            </a:r>
+          </a:p>
+        </p:txBody>
+      </p:sp>
+    </p:spTree>
+    <p:extLst>
+      <p:ext uri="{BB962C8B-B14F-4D97-AF65-F5344CB8AC3E}">
+        <p14:creationId xmlns:p14="http://schemas.microsoft.com/office/powerpoint/2010/main" val="2691642322"/>
+      </p:ext>
+    </p:extLst>
+  </p:cSld>
+  <p:clrMapOvr>
+    <a:masterClrMapping/>
+  </p:clrMapOvr>
+</p:sld>
+</file>
+
+<file path=ppt/slides/slide2.xml><?xml version="1.0" encoding="utf-8"?>
+<p:sld xmlns:a="http://schemas.openxmlformats.org/drawingml/2006/main" xmlns:r="http://schemas.openxmlformats.org/officeDocument/2006/relationships" xmlns:p="http://schemas.openxmlformats.org/presentationml/2006/main">
+  <p:cSld>
+    <p:bg>
+      <p:bgPr>
+        <a:solidFill>
+          <a:schemeClr val="bg2"/>
+        </a:solidFill>
+        <a:effectLst/>
+      </p:bgPr>
+    </p:bg>
+    <p:spTree>
+      <p:nvGrpSpPr>
+        <p:cNvPr id="1" name=""/>
+        <p:cNvGrpSpPr/>
+        <p:nvPr/>
+      </p:nvGrpSpPr>
+      <p:grpSpPr>
+        <a:xfrm>
+          <a:off x="0" y="0"/>
+          <a:ext cx="0" cy="0"/>
+          <a:chOff x="0" y="0"/>
+          <a:chExt cx="0" cy="0"/>
+        </a:xfrm>
+      </p:grpSpPr>
+      <p:sp useBgFill="1">
+        <p:nvSpPr>
           <p:cNvPr id="20" name="Rectangle 19">
             <a:extLst>
               <a:ext uri="{FF2B5EF4-FFF2-40B4-BE49-F238E27FC236}">
-                <a16:creationId xmlns:a16="http://schemas.microsoft.com/office/drawing/2014/main" id="{AC8EEB0F-BA72-49AC-956F-331B60FDE79E}"/>
+                <a16:creationId xmlns:a16="http://schemas.microsoft.com/office/drawing/2014/main" id="{8181FC64-B306-4821-98E2-780662EFC486}"/>
               </a:ext>
               <a:ext uri="{C183D7F6-B498-43B3-948B-1728B52AA6E4}">
                 <adec:decorative xmlns:adec="http://schemas.microsoft.com/office/drawing/2017/decorative" val="1"/>
@@ -12889,7 +13216,7 @@
               <a:tabLst/>
               <a:defRPr/>
             </a:pPr>
-            <a:endParaRPr kumimoji="0" lang="en-US" sz="1800" b="0" i="0" u="none" strike="noStrike" kern="1200" cap="none" spc="0" normalizeH="0" baseline="0" noProof="0">
+            <a:endParaRPr kumimoji="0" lang="en-US" sz="1800" b="0" i="0" u="none" strike="noStrike" kern="1200" cap="none" spc="0" normalizeH="0" baseline="0" noProof="0" dirty="0">
               <a:ln>
                 <a:noFill/>
               </a:ln>
@@ -12906,743 +13233,12 @@
           </a:p>
         </p:txBody>
       </p:sp>
-      <p:pic>
-        <p:nvPicPr>
-          <p:cNvPr id="4" name="Picture 3">
-            <a:extLst>
-              <a:ext uri="{FF2B5EF4-FFF2-40B4-BE49-F238E27FC236}">
-                <a16:creationId xmlns:a16="http://schemas.microsoft.com/office/drawing/2014/main" id="{B8AA5801-8CBE-34EB-39DD-3F7076745D0F}"/>
-              </a:ext>
-            </a:extLst>
-          </p:cNvPr>
-          <p:cNvPicPr>
-            <a:picLocks noChangeAspect="1"/>
-          </p:cNvPicPr>
-          <p:nvPr/>
-        </p:nvPicPr>
-        <p:blipFill rotWithShape="1">
-          <a:blip r:embed="rId2"/>
-          <a:srcRect t="23464" r="-1" b="20272"/>
-          <a:stretch/>
-        </p:blipFill>
-        <p:spPr>
-          <a:xfrm>
-            <a:off x="1524" y="10"/>
-            <a:ext cx="12188952" cy="6857990"/>
-          </a:xfrm>
-          <a:prstGeom prst="rect">
-            <a:avLst/>
-          </a:prstGeom>
-        </p:spPr>
-      </p:pic>
-      <p:grpSp>
-        <p:nvGrpSpPr>
-          <p:cNvPr id="22" name="Group 21">
-            <a:extLst>
-              <a:ext uri="{FF2B5EF4-FFF2-40B4-BE49-F238E27FC236}">
-                <a16:creationId xmlns:a16="http://schemas.microsoft.com/office/drawing/2014/main" id="{FB8CE58F-407C-497E-B723-21FD8C6D35E4}"/>
-              </a:ext>
-              <a:ext uri="{C183D7F6-B498-43B3-948B-1728B52AA6E4}">
-                <adec:decorative xmlns:adec="http://schemas.microsoft.com/office/drawing/2017/decorative" val="1"/>
-              </a:ext>
-            </a:extLst>
-          </p:cNvPr>
-          <p:cNvGrpSpPr>
-            <a:grpSpLocks noGrp="1" noUngrp="1" noRot="1" noChangeAspect="1" noMove="1" noResize="1"/>
-          </p:cNvGrpSpPr>
-          <p:nvPr>
-            <p:extLst>
-              <p:ext uri="{386F3935-93C4-4BCD-93E2-E3B085C9AB24}">
-                <p16:designElem xmlns:p16="http://schemas.microsoft.com/office/powerpoint/2015/main" val="1"/>
-              </p:ext>
-            </p:extLst>
-          </p:nvPr>
-        </p:nvGrpSpPr>
-        <p:grpSpPr>
-          <a:xfrm>
-            <a:off x="709937" y="721297"/>
-            <a:ext cx="5565913" cy="5415406"/>
-            <a:chOff x="797792" y="912854"/>
-            <a:chExt cx="5298208" cy="5032292"/>
-          </a:xfrm>
-        </p:grpSpPr>
-        <p:sp>
-          <p:nvSpPr>
-            <p:cNvPr id="23" name="Freeform: Shape 22">
-              <a:extLst>
-                <a:ext uri="{FF2B5EF4-FFF2-40B4-BE49-F238E27FC236}">
-                  <a16:creationId xmlns:a16="http://schemas.microsoft.com/office/drawing/2014/main" id="{1BE70332-ECAF-47BB-8C7B-BD049452F653}"/>
-                </a:ext>
-                <a:ext uri="{C183D7F6-B498-43B3-948B-1728B52AA6E4}">
-                  <adec:decorative xmlns:adec="http://schemas.microsoft.com/office/drawing/2017/decorative" val="1"/>
-                </a:ext>
-              </a:extLst>
-            </p:cNvPr>
-            <p:cNvSpPr/>
-            <p:nvPr>
-              <p:extLst>
-                <p:ext uri="{386F3935-93C4-4BCD-93E2-E3B085C9AB24}">
-                  <p16:designElem xmlns:p16="http://schemas.microsoft.com/office/powerpoint/2015/main" val="1"/>
-                </p:ext>
-              </p:extLst>
-            </p:nvPr>
-          </p:nvSpPr>
-          <p:spPr>
-            <a:xfrm>
-              <a:off x="931439" y="1056388"/>
-              <a:ext cx="4968823" cy="4748064"/>
-            </a:xfrm>
-            <a:custGeom>
-              <a:avLst/>
-              <a:gdLst>
-                <a:gd name="connsiteX0" fmla="*/ 2180840 w 3810827"/>
-                <a:gd name="connsiteY0" fmla="*/ 0 h 3634591"/>
-                <a:gd name="connsiteX1" fmla="*/ 2866380 w 3810827"/>
-                <a:gd name="connsiteY1" fmla="*/ 145165 h 3634591"/>
-                <a:gd name="connsiteX2" fmla="*/ 3366366 w 3810827"/>
-                <a:gd name="connsiteY2" fmla="*/ 536835 h 3634591"/>
-                <a:gd name="connsiteX3" fmla="*/ 3810827 w 3810827"/>
-                <a:gd name="connsiteY3" fmla="*/ 1924156 h 3634591"/>
-                <a:gd name="connsiteX4" fmla="*/ 3612844 w 3810827"/>
-                <a:gd name="connsiteY4" fmla="*/ 2493111 h 3634591"/>
-                <a:gd name="connsiteX5" fmla="*/ 3026664 w 3810827"/>
-                <a:gd name="connsiteY5" fmla="*/ 3022891 h 3634591"/>
-                <a:gd name="connsiteX6" fmla="*/ 2897783 w 3810827"/>
-                <a:gd name="connsiteY6" fmla="*/ 3124233 h 3634591"/>
-                <a:gd name="connsiteX7" fmla="*/ 1838765 w 3810827"/>
-                <a:gd name="connsiteY7" fmla="*/ 3634591 h 3634591"/>
-                <a:gd name="connsiteX8" fmla="*/ 443724 w 3810827"/>
-                <a:gd name="connsiteY8" fmla="*/ 2805020 h 3634591"/>
-                <a:gd name="connsiteX9" fmla="*/ 295053 w 3810827"/>
-                <a:gd name="connsiteY9" fmla="*/ 2592792 h 3634591"/>
-                <a:gd name="connsiteX10" fmla="*/ 0 w 3810827"/>
-                <a:gd name="connsiteY10" fmla="*/ 1924156 h 3634591"/>
-                <a:gd name="connsiteX11" fmla="*/ 178275 w 3810827"/>
-                <a:gd name="connsiteY11" fmla="*/ 1204061 h 3634591"/>
-                <a:gd name="connsiteX12" fmla="*/ 669921 w 3810827"/>
-                <a:gd name="connsiteY12" fmla="*/ 585306 h 3634591"/>
-                <a:gd name="connsiteX13" fmla="*/ 1380730 w 3810827"/>
-                <a:gd name="connsiteY13" fmla="*/ 156203 h 3634591"/>
-                <a:gd name="connsiteX14" fmla="*/ 2180840 w 3810827"/>
-                <a:gd name="connsiteY14" fmla="*/ 0 h 3634591"/>
-              </a:gdLst>
-              <a:ahLst/>
-              <a:cxnLst>
-                <a:cxn ang="0">
-                  <a:pos x="connsiteX0" y="connsiteY0"/>
-                </a:cxn>
-                <a:cxn ang="0">
-                  <a:pos x="connsiteX1" y="connsiteY1"/>
-                </a:cxn>
-                <a:cxn ang="0">
-                  <a:pos x="connsiteX2" y="connsiteY2"/>
-                </a:cxn>
-                <a:cxn ang="0">
-                  <a:pos x="connsiteX3" y="connsiteY3"/>
-                </a:cxn>
-                <a:cxn ang="0">
-                  <a:pos x="connsiteX4" y="connsiteY4"/>
-                </a:cxn>
-                <a:cxn ang="0">
-                  <a:pos x="connsiteX5" y="connsiteY5"/>
-                </a:cxn>
-                <a:cxn ang="0">
-                  <a:pos x="connsiteX6" y="connsiteY6"/>
-                </a:cxn>
-                <a:cxn ang="0">
-                  <a:pos x="connsiteX7" y="connsiteY7"/>
-                </a:cxn>
-                <a:cxn ang="0">
-                  <a:pos x="connsiteX8" y="connsiteY8"/>
-                </a:cxn>
-                <a:cxn ang="0">
-                  <a:pos x="connsiteX9" y="connsiteY9"/>
-                </a:cxn>
-                <a:cxn ang="0">
-                  <a:pos x="connsiteX10" y="connsiteY10"/>
-                </a:cxn>
-                <a:cxn ang="0">
-                  <a:pos x="connsiteX11" y="connsiteY11"/>
-                </a:cxn>
-                <a:cxn ang="0">
-                  <a:pos x="connsiteX12" y="connsiteY12"/>
-                </a:cxn>
-                <a:cxn ang="0">
-                  <a:pos x="connsiteX13" y="connsiteY13"/>
-                </a:cxn>
-                <a:cxn ang="0">
-                  <a:pos x="connsiteX14" y="connsiteY14"/>
-                </a:cxn>
-              </a:cxnLst>
-              <a:rect l="l" t="t" r="r" b="b"/>
-              <a:pathLst>
-                <a:path w="3810827" h="3634591">
-                  <a:moveTo>
-                    <a:pt x="2180840" y="0"/>
-                  </a:moveTo>
-                  <a:cubicBezTo>
-                    <a:pt x="2431406" y="0"/>
-                    <a:pt x="2662018" y="48886"/>
-                    <a:pt x="2866380" y="145165"/>
-                  </a:cubicBezTo>
-                  <a:cubicBezTo>
-                    <a:pt x="3057903" y="235467"/>
-                    <a:pt x="3226119" y="367269"/>
-                    <a:pt x="3366366" y="536835"/>
-                  </a:cubicBezTo>
-                  <a:cubicBezTo>
-                    <a:pt x="3652997" y="883519"/>
-                    <a:pt x="3810827" y="1376199"/>
-                    <a:pt x="3810827" y="1924156"/>
-                  </a:cubicBezTo>
-                  <a:cubicBezTo>
-                    <a:pt x="3810827" y="2142775"/>
-                    <a:pt x="3749739" y="2318234"/>
-                    <a:pt x="3612844" y="2493111"/>
-                  </a:cubicBezTo>
-                  <a:cubicBezTo>
-                    <a:pt x="3469652" y="2676041"/>
-                    <a:pt x="3254495" y="2844528"/>
-                    <a:pt x="3026664" y="3022891"/>
-                  </a:cubicBezTo>
-                  <a:cubicBezTo>
-                    <a:pt x="2984630" y="3055759"/>
-                    <a:pt x="2941206" y="3089789"/>
-                    <a:pt x="2897783" y="3124233"/>
-                  </a:cubicBezTo>
-                  <a:cubicBezTo>
-                    <a:pt x="2509094" y="3432490"/>
-                    <a:pt x="2225408" y="3634591"/>
-                    <a:pt x="1838765" y="3634591"/>
-                  </a:cubicBezTo>
-                  <a:cubicBezTo>
-                    <a:pt x="1249640" y="3634591"/>
-                    <a:pt x="832413" y="3386508"/>
-                    <a:pt x="443724" y="2805020"/>
-                  </a:cubicBezTo>
-                  <a:cubicBezTo>
-                    <a:pt x="392859" y="2728910"/>
-                    <a:pt x="343138" y="2659690"/>
-                    <a:pt x="295053" y="2592792"/>
-                  </a:cubicBezTo>
-                  <a:cubicBezTo>
-                    <a:pt x="95761" y="2315411"/>
-                    <a:pt x="0" y="2171160"/>
-                    <a:pt x="0" y="1924156"/>
-                  </a:cubicBezTo>
-                  <a:cubicBezTo>
-                    <a:pt x="0" y="1678896"/>
-                    <a:pt x="60024" y="1436622"/>
-                    <a:pt x="178275" y="1204061"/>
-                  </a:cubicBezTo>
-                  <a:cubicBezTo>
-                    <a:pt x="293990" y="976561"/>
-                    <a:pt x="459425" y="768319"/>
-                    <a:pt x="669921" y="585306"/>
-                  </a:cubicBezTo>
-                  <a:cubicBezTo>
-                    <a:pt x="876818" y="405365"/>
-                    <a:pt x="1122558" y="256964"/>
-                    <a:pt x="1380730" y="156203"/>
-                  </a:cubicBezTo>
-                  <a:cubicBezTo>
-                    <a:pt x="1645852" y="52539"/>
-                    <a:pt x="1915145" y="0"/>
-                    <a:pt x="2180840" y="0"/>
-                  </a:cubicBezTo>
-                  <a:close/>
-                </a:path>
-              </a:pathLst>
-            </a:custGeom>
-            <a:solidFill>
-              <a:srgbClr val="FFFFFF">
-                <a:alpha val="60000"/>
-              </a:srgbClr>
-            </a:solidFill>
-            <a:ln w="15875">
-              <a:noFill/>
-            </a:ln>
-          </p:spPr>
-          <p:style>
-            <a:lnRef idx="2">
-              <a:schemeClr val="accent1">
-                <a:shade val="50000"/>
-              </a:schemeClr>
-            </a:lnRef>
-            <a:fillRef idx="1">
-              <a:schemeClr val="accent1"/>
-            </a:fillRef>
-            <a:effectRef idx="0">
-              <a:schemeClr val="accent1"/>
-            </a:effectRef>
-            <a:fontRef idx="minor">
-              <a:schemeClr val="lt1"/>
-            </a:fontRef>
-          </p:style>
-          <p:txBody>
-            <a:bodyPr wrap="square" rtlCol="0" anchor="ctr">
-              <a:noAutofit/>
-            </a:bodyPr>
-            <a:lstStyle/>
-            <a:p>
-              <a:pPr algn="ctr"/>
-              <a:endParaRPr lang="en-US" dirty="0"/>
-            </a:p>
-          </p:txBody>
-        </p:sp>
-        <p:sp>
-          <p:nvSpPr>
-            <p:cNvPr id="24" name="Freeform: Shape 23">
-              <a:extLst>
-                <a:ext uri="{FF2B5EF4-FFF2-40B4-BE49-F238E27FC236}">
-                  <a16:creationId xmlns:a16="http://schemas.microsoft.com/office/drawing/2014/main" id="{716D9361-A35A-4DC8-AAB9-04FD2D6FEE1D}"/>
-                </a:ext>
-                <a:ext uri="{C183D7F6-B498-43B3-948B-1728B52AA6E4}">
-                  <adec:decorative xmlns:adec="http://schemas.microsoft.com/office/drawing/2017/decorative" val="1"/>
-                </a:ext>
-              </a:extLst>
-            </p:cNvPr>
-            <p:cNvSpPr/>
-            <p:nvPr>
-              <p:extLst>
-                <p:ext uri="{386F3935-93C4-4BCD-93E2-E3B085C9AB24}">
-                  <p16:designElem xmlns:p16="http://schemas.microsoft.com/office/powerpoint/2015/main" val="1"/>
-                </p:ext>
-              </p:extLst>
-            </p:nvPr>
-          </p:nvSpPr>
-          <p:spPr>
-            <a:xfrm>
-              <a:off x="797792" y="912854"/>
-              <a:ext cx="5298208" cy="5032292"/>
-            </a:xfrm>
-            <a:custGeom>
-              <a:avLst/>
-              <a:gdLst>
-                <a:gd name="connsiteX0" fmla="*/ 2180840 w 3810827"/>
-                <a:gd name="connsiteY0" fmla="*/ 0 h 3634591"/>
-                <a:gd name="connsiteX1" fmla="*/ 2866380 w 3810827"/>
-                <a:gd name="connsiteY1" fmla="*/ 145165 h 3634591"/>
-                <a:gd name="connsiteX2" fmla="*/ 3366366 w 3810827"/>
-                <a:gd name="connsiteY2" fmla="*/ 536835 h 3634591"/>
-                <a:gd name="connsiteX3" fmla="*/ 3810827 w 3810827"/>
-                <a:gd name="connsiteY3" fmla="*/ 1924156 h 3634591"/>
-                <a:gd name="connsiteX4" fmla="*/ 3612844 w 3810827"/>
-                <a:gd name="connsiteY4" fmla="*/ 2493111 h 3634591"/>
-                <a:gd name="connsiteX5" fmla="*/ 3026664 w 3810827"/>
-                <a:gd name="connsiteY5" fmla="*/ 3022891 h 3634591"/>
-                <a:gd name="connsiteX6" fmla="*/ 2897783 w 3810827"/>
-                <a:gd name="connsiteY6" fmla="*/ 3124233 h 3634591"/>
-                <a:gd name="connsiteX7" fmla="*/ 1838765 w 3810827"/>
-                <a:gd name="connsiteY7" fmla="*/ 3634591 h 3634591"/>
-                <a:gd name="connsiteX8" fmla="*/ 443724 w 3810827"/>
-                <a:gd name="connsiteY8" fmla="*/ 2805020 h 3634591"/>
-                <a:gd name="connsiteX9" fmla="*/ 295053 w 3810827"/>
-                <a:gd name="connsiteY9" fmla="*/ 2592792 h 3634591"/>
-                <a:gd name="connsiteX10" fmla="*/ 0 w 3810827"/>
-                <a:gd name="connsiteY10" fmla="*/ 1924156 h 3634591"/>
-                <a:gd name="connsiteX11" fmla="*/ 178275 w 3810827"/>
-                <a:gd name="connsiteY11" fmla="*/ 1204061 h 3634591"/>
-                <a:gd name="connsiteX12" fmla="*/ 669921 w 3810827"/>
-                <a:gd name="connsiteY12" fmla="*/ 585306 h 3634591"/>
-                <a:gd name="connsiteX13" fmla="*/ 1380730 w 3810827"/>
-                <a:gd name="connsiteY13" fmla="*/ 156203 h 3634591"/>
-                <a:gd name="connsiteX14" fmla="*/ 2180840 w 3810827"/>
-                <a:gd name="connsiteY14" fmla="*/ 0 h 3634591"/>
-              </a:gdLst>
-              <a:ahLst/>
-              <a:cxnLst>
-                <a:cxn ang="0">
-                  <a:pos x="connsiteX0" y="connsiteY0"/>
-                </a:cxn>
-                <a:cxn ang="0">
-                  <a:pos x="connsiteX1" y="connsiteY1"/>
-                </a:cxn>
-                <a:cxn ang="0">
-                  <a:pos x="connsiteX2" y="connsiteY2"/>
-                </a:cxn>
-                <a:cxn ang="0">
-                  <a:pos x="connsiteX3" y="connsiteY3"/>
-                </a:cxn>
-                <a:cxn ang="0">
-                  <a:pos x="connsiteX4" y="connsiteY4"/>
-                </a:cxn>
-                <a:cxn ang="0">
-                  <a:pos x="connsiteX5" y="connsiteY5"/>
-                </a:cxn>
-                <a:cxn ang="0">
-                  <a:pos x="connsiteX6" y="connsiteY6"/>
-                </a:cxn>
-                <a:cxn ang="0">
-                  <a:pos x="connsiteX7" y="connsiteY7"/>
-                </a:cxn>
-                <a:cxn ang="0">
-                  <a:pos x="connsiteX8" y="connsiteY8"/>
-                </a:cxn>
-                <a:cxn ang="0">
-                  <a:pos x="connsiteX9" y="connsiteY9"/>
-                </a:cxn>
-                <a:cxn ang="0">
-                  <a:pos x="connsiteX10" y="connsiteY10"/>
-                </a:cxn>
-                <a:cxn ang="0">
-                  <a:pos x="connsiteX11" y="connsiteY11"/>
-                </a:cxn>
-                <a:cxn ang="0">
-                  <a:pos x="connsiteX12" y="connsiteY12"/>
-                </a:cxn>
-                <a:cxn ang="0">
-                  <a:pos x="connsiteX13" y="connsiteY13"/>
-                </a:cxn>
-                <a:cxn ang="0">
-                  <a:pos x="connsiteX14" y="connsiteY14"/>
-                </a:cxn>
-              </a:cxnLst>
-              <a:rect l="l" t="t" r="r" b="b"/>
-              <a:pathLst>
-                <a:path w="3810827" h="3634591">
-                  <a:moveTo>
-                    <a:pt x="2180840" y="0"/>
-                  </a:moveTo>
-                  <a:cubicBezTo>
-                    <a:pt x="2431406" y="0"/>
-                    <a:pt x="2662018" y="48886"/>
-                    <a:pt x="2866380" y="145165"/>
-                  </a:cubicBezTo>
-                  <a:cubicBezTo>
-                    <a:pt x="3057903" y="235467"/>
-                    <a:pt x="3226119" y="367269"/>
-                    <a:pt x="3366366" y="536835"/>
-                  </a:cubicBezTo>
-                  <a:cubicBezTo>
-                    <a:pt x="3652997" y="883519"/>
-                    <a:pt x="3810827" y="1376199"/>
-                    <a:pt x="3810827" y="1924156"/>
-                  </a:cubicBezTo>
-                  <a:cubicBezTo>
-                    <a:pt x="3810827" y="2142775"/>
-                    <a:pt x="3749739" y="2318234"/>
-                    <a:pt x="3612844" y="2493111"/>
-                  </a:cubicBezTo>
-                  <a:cubicBezTo>
-                    <a:pt x="3469652" y="2676041"/>
-                    <a:pt x="3254495" y="2844528"/>
-                    <a:pt x="3026664" y="3022891"/>
-                  </a:cubicBezTo>
-                  <a:cubicBezTo>
-                    <a:pt x="2984630" y="3055759"/>
-                    <a:pt x="2941206" y="3089789"/>
-                    <a:pt x="2897783" y="3124233"/>
-                  </a:cubicBezTo>
-                  <a:cubicBezTo>
-                    <a:pt x="2509094" y="3432490"/>
-                    <a:pt x="2225408" y="3634591"/>
-                    <a:pt x="1838765" y="3634591"/>
-                  </a:cubicBezTo>
-                  <a:cubicBezTo>
-                    <a:pt x="1249640" y="3634591"/>
-                    <a:pt x="832413" y="3386508"/>
-                    <a:pt x="443724" y="2805020"/>
-                  </a:cubicBezTo>
-                  <a:cubicBezTo>
-                    <a:pt x="392859" y="2728910"/>
-                    <a:pt x="343138" y="2659690"/>
-                    <a:pt x="295053" y="2592792"/>
-                  </a:cubicBezTo>
-                  <a:cubicBezTo>
-                    <a:pt x="95761" y="2315411"/>
-                    <a:pt x="0" y="2171160"/>
-                    <a:pt x="0" y="1924156"/>
-                  </a:cubicBezTo>
-                  <a:cubicBezTo>
-                    <a:pt x="0" y="1678896"/>
-                    <a:pt x="60024" y="1436622"/>
-                    <a:pt x="178275" y="1204061"/>
-                  </a:cubicBezTo>
-                  <a:cubicBezTo>
-                    <a:pt x="293990" y="976561"/>
-                    <a:pt x="459425" y="768319"/>
-                    <a:pt x="669921" y="585306"/>
-                  </a:cubicBezTo>
-                  <a:cubicBezTo>
-                    <a:pt x="876818" y="405365"/>
-                    <a:pt x="1122558" y="256964"/>
-                    <a:pt x="1380730" y="156203"/>
-                  </a:cubicBezTo>
-                  <a:cubicBezTo>
-                    <a:pt x="1645852" y="52539"/>
-                    <a:pt x="1915145" y="0"/>
-                    <a:pt x="2180840" y="0"/>
-                  </a:cubicBezTo>
-                  <a:close/>
-                </a:path>
-              </a:pathLst>
-            </a:custGeom>
-            <a:noFill/>
-            <a:ln w="19050">
-              <a:solidFill>
-                <a:srgbClr val="FFFFFF"/>
-              </a:solidFill>
-            </a:ln>
-          </p:spPr>
-          <p:style>
-            <a:lnRef idx="2">
-              <a:schemeClr val="accent1">
-                <a:shade val="50000"/>
-              </a:schemeClr>
-            </a:lnRef>
-            <a:fillRef idx="1">
-              <a:schemeClr val="accent1"/>
-            </a:fillRef>
-            <a:effectRef idx="0">
-              <a:schemeClr val="accent1"/>
-            </a:effectRef>
-            <a:fontRef idx="minor">
-              <a:schemeClr val="lt1"/>
-            </a:fontRef>
-          </p:style>
-          <p:txBody>
-            <a:bodyPr wrap="square" rtlCol="0" anchor="ctr">
-              <a:noAutofit/>
-            </a:bodyPr>
-            <a:lstStyle/>
-            <a:p>
-              <a:pPr algn="ctr"/>
-              <a:endParaRPr lang="en-US" dirty="0"/>
-            </a:p>
-          </p:txBody>
-        </p:sp>
-        <p:sp>
-          <p:nvSpPr>
-            <p:cNvPr id="25" name="Freeform: Shape 24">
-              <a:extLst>
-                <a:ext uri="{FF2B5EF4-FFF2-40B4-BE49-F238E27FC236}">
-                  <a16:creationId xmlns:a16="http://schemas.microsoft.com/office/drawing/2014/main" id="{87FC31AD-FBB3-4219-A758-D6F7594A0A81}"/>
-                </a:ext>
-                <a:ext uri="{C183D7F6-B498-43B3-948B-1728B52AA6E4}">
-                  <adec:decorative xmlns:adec="http://schemas.microsoft.com/office/drawing/2017/decorative" val="1"/>
-                </a:ext>
-              </a:extLst>
-            </p:cNvPr>
-            <p:cNvSpPr/>
-            <p:nvPr>
-              <p:extLst>
-                <p:ext uri="{386F3935-93C4-4BCD-93E2-E3B085C9AB24}">
-                  <p16:designElem xmlns:p16="http://schemas.microsoft.com/office/powerpoint/2015/main" val="1"/>
-                </p:ext>
-              </p:extLst>
-            </p:nvPr>
-          </p:nvSpPr>
-          <p:spPr>
-            <a:xfrm>
-              <a:off x="1033671" y="1232452"/>
-              <a:ext cx="4715122" cy="4439901"/>
-            </a:xfrm>
-            <a:custGeom>
-              <a:avLst/>
-              <a:gdLst>
-                <a:gd name="connsiteX0" fmla="*/ 2180840 w 3810827"/>
-                <a:gd name="connsiteY0" fmla="*/ 0 h 3634591"/>
-                <a:gd name="connsiteX1" fmla="*/ 2866380 w 3810827"/>
-                <a:gd name="connsiteY1" fmla="*/ 145165 h 3634591"/>
-                <a:gd name="connsiteX2" fmla="*/ 3366366 w 3810827"/>
-                <a:gd name="connsiteY2" fmla="*/ 536835 h 3634591"/>
-                <a:gd name="connsiteX3" fmla="*/ 3810827 w 3810827"/>
-                <a:gd name="connsiteY3" fmla="*/ 1924156 h 3634591"/>
-                <a:gd name="connsiteX4" fmla="*/ 3612844 w 3810827"/>
-                <a:gd name="connsiteY4" fmla="*/ 2493111 h 3634591"/>
-                <a:gd name="connsiteX5" fmla="*/ 3026664 w 3810827"/>
-                <a:gd name="connsiteY5" fmla="*/ 3022891 h 3634591"/>
-                <a:gd name="connsiteX6" fmla="*/ 2897783 w 3810827"/>
-                <a:gd name="connsiteY6" fmla="*/ 3124233 h 3634591"/>
-                <a:gd name="connsiteX7" fmla="*/ 1838765 w 3810827"/>
-                <a:gd name="connsiteY7" fmla="*/ 3634591 h 3634591"/>
-                <a:gd name="connsiteX8" fmla="*/ 443724 w 3810827"/>
-                <a:gd name="connsiteY8" fmla="*/ 2805020 h 3634591"/>
-                <a:gd name="connsiteX9" fmla="*/ 295053 w 3810827"/>
-                <a:gd name="connsiteY9" fmla="*/ 2592792 h 3634591"/>
-                <a:gd name="connsiteX10" fmla="*/ 0 w 3810827"/>
-                <a:gd name="connsiteY10" fmla="*/ 1924156 h 3634591"/>
-                <a:gd name="connsiteX11" fmla="*/ 178275 w 3810827"/>
-                <a:gd name="connsiteY11" fmla="*/ 1204061 h 3634591"/>
-                <a:gd name="connsiteX12" fmla="*/ 669921 w 3810827"/>
-                <a:gd name="connsiteY12" fmla="*/ 585306 h 3634591"/>
-                <a:gd name="connsiteX13" fmla="*/ 1380730 w 3810827"/>
-                <a:gd name="connsiteY13" fmla="*/ 156203 h 3634591"/>
-                <a:gd name="connsiteX14" fmla="*/ 2180840 w 3810827"/>
-                <a:gd name="connsiteY14" fmla="*/ 0 h 3634591"/>
-              </a:gdLst>
-              <a:ahLst/>
-              <a:cxnLst>
-                <a:cxn ang="0">
-                  <a:pos x="connsiteX0" y="connsiteY0"/>
-                </a:cxn>
-                <a:cxn ang="0">
-                  <a:pos x="connsiteX1" y="connsiteY1"/>
-                </a:cxn>
-                <a:cxn ang="0">
-                  <a:pos x="connsiteX2" y="connsiteY2"/>
-                </a:cxn>
-                <a:cxn ang="0">
-                  <a:pos x="connsiteX3" y="connsiteY3"/>
-                </a:cxn>
-                <a:cxn ang="0">
-                  <a:pos x="connsiteX4" y="connsiteY4"/>
-                </a:cxn>
-                <a:cxn ang="0">
-                  <a:pos x="connsiteX5" y="connsiteY5"/>
-                </a:cxn>
-                <a:cxn ang="0">
-                  <a:pos x="connsiteX6" y="connsiteY6"/>
-                </a:cxn>
-                <a:cxn ang="0">
-                  <a:pos x="connsiteX7" y="connsiteY7"/>
-                </a:cxn>
-                <a:cxn ang="0">
-                  <a:pos x="connsiteX8" y="connsiteY8"/>
-                </a:cxn>
-                <a:cxn ang="0">
-                  <a:pos x="connsiteX9" y="connsiteY9"/>
-                </a:cxn>
-                <a:cxn ang="0">
-                  <a:pos x="connsiteX10" y="connsiteY10"/>
-                </a:cxn>
-                <a:cxn ang="0">
-                  <a:pos x="connsiteX11" y="connsiteY11"/>
-                </a:cxn>
-                <a:cxn ang="0">
-                  <a:pos x="connsiteX12" y="connsiteY12"/>
-                </a:cxn>
-                <a:cxn ang="0">
-                  <a:pos x="connsiteX13" y="connsiteY13"/>
-                </a:cxn>
-                <a:cxn ang="0">
-                  <a:pos x="connsiteX14" y="connsiteY14"/>
-                </a:cxn>
-              </a:cxnLst>
-              <a:rect l="l" t="t" r="r" b="b"/>
-              <a:pathLst>
-                <a:path w="3810827" h="3634591">
-                  <a:moveTo>
-                    <a:pt x="2180840" y="0"/>
-                  </a:moveTo>
-                  <a:cubicBezTo>
-                    <a:pt x="2431406" y="0"/>
-                    <a:pt x="2662018" y="48886"/>
-                    <a:pt x="2866380" y="145165"/>
-                  </a:cubicBezTo>
-                  <a:cubicBezTo>
-                    <a:pt x="3057903" y="235467"/>
-                    <a:pt x="3226119" y="367269"/>
-                    <a:pt x="3366366" y="536835"/>
-                  </a:cubicBezTo>
-                  <a:cubicBezTo>
-                    <a:pt x="3652997" y="883519"/>
-                    <a:pt x="3810827" y="1376199"/>
-                    <a:pt x="3810827" y="1924156"/>
-                  </a:cubicBezTo>
-                  <a:cubicBezTo>
-                    <a:pt x="3810827" y="2142775"/>
-                    <a:pt x="3749739" y="2318234"/>
-                    <a:pt x="3612844" y="2493111"/>
-                  </a:cubicBezTo>
-                  <a:cubicBezTo>
-                    <a:pt x="3469652" y="2676041"/>
-                    <a:pt x="3254495" y="2844528"/>
-                    <a:pt x="3026664" y="3022891"/>
-                  </a:cubicBezTo>
-                  <a:cubicBezTo>
-                    <a:pt x="2984630" y="3055759"/>
-                    <a:pt x="2941206" y="3089789"/>
-                    <a:pt x="2897783" y="3124233"/>
-                  </a:cubicBezTo>
-                  <a:cubicBezTo>
-                    <a:pt x="2509094" y="3432490"/>
-                    <a:pt x="2225408" y="3634591"/>
-                    <a:pt x="1838765" y="3634591"/>
-                  </a:cubicBezTo>
-                  <a:cubicBezTo>
-                    <a:pt x="1249640" y="3634591"/>
-                    <a:pt x="832413" y="3386508"/>
-                    <a:pt x="443724" y="2805020"/>
-                  </a:cubicBezTo>
-                  <a:cubicBezTo>
-                    <a:pt x="392859" y="2728910"/>
-                    <a:pt x="343138" y="2659690"/>
-                    <a:pt x="295053" y="2592792"/>
-                  </a:cubicBezTo>
-                  <a:cubicBezTo>
-                    <a:pt x="95761" y="2315411"/>
-                    <a:pt x="0" y="2171160"/>
-                    <a:pt x="0" y="1924156"/>
-                  </a:cubicBezTo>
-                  <a:cubicBezTo>
-                    <a:pt x="0" y="1678896"/>
-                    <a:pt x="60024" y="1436622"/>
-                    <a:pt x="178275" y="1204061"/>
-                  </a:cubicBezTo>
-                  <a:cubicBezTo>
-                    <a:pt x="293990" y="976561"/>
-                    <a:pt x="459425" y="768319"/>
-                    <a:pt x="669921" y="585306"/>
-                  </a:cubicBezTo>
-                  <a:cubicBezTo>
-                    <a:pt x="876818" y="405365"/>
-                    <a:pt x="1122558" y="256964"/>
-                    <a:pt x="1380730" y="156203"/>
-                  </a:cubicBezTo>
-                  <a:cubicBezTo>
-                    <a:pt x="1645852" y="52539"/>
-                    <a:pt x="1915145" y="0"/>
-                    <a:pt x="2180840" y="0"/>
-                  </a:cubicBezTo>
-                  <a:close/>
-                </a:path>
-              </a:pathLst>
-            </a:custGeom>
-            <a:solidFill>
-              <a:schemeClr val="bg1">
-                <a:alpha val="85000"/>
-              </a:schemeClr>
-            </a:solidFill>
-            <a:ln>
-              <a:noFill/>
-            </a:ln>
-          </p:spPr>
-          <p:style>
-            <a:lnRef idx="2">
-              <a:schemeClr val="accent1">
-                <a:shade val="50000"/>
-              </a:schemeClr>
-            </a:lnRef>
-            <a:fillRef idx="1">
-              <a:schemeClr val="accent1"/>
-            </a:fillRef>
-            <a:effectRef idx="0">
-              <a:schemeClr val="accent1"/>
-            </a:effectRef>
-            <a:fontRef idx="minor">
-              <a:schemeClr val="lt1"/>
-            </a:fontRef>
-          </p:style>
-          <p:txBody>
-            <a:bodyPr wrap="square" rtlCol="0" anchor="ctr">
-              <a:noAutofit/>
-            </a:bodyPr>
-            <a:lstStyle/>
-            <a:p>
-              <a:pPr algn="ctr"/>
-              <a:endParaRPr lang="en-US" dirty="0"/>
-            </a:p>
-          </p:txBody>
-        </p:sp>
-      </p:grpSp>
       <p:sp>
         <p:nvSpPr>
           <p:cNvPr id="2" name="Title 1">
             <a:extLst>
               <a:ext uri="{FF2B5EF4-FFF2-40B4-BE49-F238E27FC236}">
-                <a16:creationId xmlns:a16="http://schemas.microsoft.com/office/drawing/2014/main" id="{9DBDA61A-3548-4DAB-8E87-8108897C8DB0}"/>
+                <a16:creationId xmlns:a16="http://schemas.microsoft.com/office/drawing/2014/main" id="{5DD749AD-77AE-452F-B200-27C862DD34A3}"/>
               </a:ext>
             </a:extLst>
           </p:cNvPr>
@@ -13650,13 +13246,13 @@
             <a:spLocks noGrp="1"/>
           </p:cNvSpPr>
           <p:nvPr>
-            <p:ph type="ctrTitle"/>
+            <p:ph type="title"/>
           </p:nvPr>
         </p:nvSpPr>
         <p:spPr>
           <a:xfrm>
-            <a:off x="1471463" y="1685677"/>
-            <a:ext cx="4181444" cy="2362673"/>
+            <a:off x="992518" y="442913"/>
+            <a:ext cx="5271804" cy="1639888"/>
           </a:xfrm>
         </p:spPr>
         <p:txBody>
@@ -13665,70 +13261,78 @@
           </a:bodyPr>
           <a:lstStyle/>
           <a:p>
-            <a:pPr algn="ctr">
+            <a:r>
+              <a:rPr lang="en-US" dirty="0"/>
+              <a:t>What is LMS(µ-LMS) ?</a:t>
+            </a:r>
+          </a:p>
+        </p:txBody>
+      </p:sp>
+      <p:sp>
+        <p:nvSpPr>
+          <p:cNvPr id="3" name="Content Placeholder 2">
+            <a:extLst>
+              <a:ext uri="{FF2B5EF4-FFF2-40B4-BE49-F238E27FC236}">
+                <a16:creationId xmlns:a16="http://schemas.microsoft.com/office/drawing/2014/main" id="{DBC134D6-0AB2-40F9-8622-00C235D37A9D}"/>
+              </a:ext>
+            </a:extLst>
+          </p:cNvPr>
+          <p:cNvSpPr>
+            <a:spLocks noGrp="1"/>
+          </p:cNvSpPr>
+          <p:nvPr>
+            <p:ph idx="1"/>
+          </p:nvPr>
+        </p:nvSpPr>
+        <p:spPr>
+          <a:xfrm>
+            <a:off x="992519" y="2312988"/>
+            <a:ext cx="5271804" cy="3651250"/>
+          </a:xfrm>
+        </p:spPr>
+        <p:txBody>
+          <a:bodyPr>
+            <a:normAutofit/>
+          </a:bodyPr>
+          <a:lstStyle/>
+          <a:p>
+            <a:pPr>
               <a:lnSpc>
                 <a:spcPct val="100000"/>
               </a:lnSpc>
             </a:pPr>
             <a:r>
-              <a:rPr lang="en-US" sz="3700">
-                <a:solidFill>
-                  <a:schemeClr val="tx1">
-                    <a:lumMod val="75000"/>
-                    <a:lumOff val="25000"/>
-                  </a:schemeClr>
-                </a:solidFill>
-                <a:latin typeface="Franklin Gothic Book" panose="020B0503020102020204" pitchFamily="34" charset="0"/>
-              </a:rPr>
-              <a:t>µ-LMS: Approximate Gradient Descent</a:t>
+              <a:rPr lang="en-US" sz="1600"/>
+              <a:t>The Widrow-Hoff µ-LMS algorithm is a supervised learning algorithm used in machine learning and signal processing for adaptive filtering, prediction, and control. The algorithm is also known as the Least Mean Square (LMS) algorithm, or the Adaptive Linear Neuron (ADALINE).</a:t>
+            </a:r>
+          </a:p>
+          <a:p>
+            <a:pPr>
+              <a:lnSpc>
+                <a:spcPct val="100000"/>
+              </a:lnSpc>
+            </a:pPr>
+            <a:endParaRPr lang="en-US" sz="1600"/>
+          </a:p>
+          <a:p>
+            <a:pPr>
+              <a:lnSpc>
+                <a:spcPct val="100000"/>
+              </a:lnSpc>
+            </a:pPr>
+            <a:r>
+              <a:rPr lang="en-US" sz="1600"/>
+              <a:t>The µ-LMS algorithm is based on the principle of minimizing the mean squared error (MSE) between the desired output and the predicted output. It works by adjusting the weights of a linear filter based on the error between the predicted output and the desired output.</a:t>
             </a:r>
           </a:p>
         </p:txBody>
       </p:sp>
-    </p:spTree>
-    <p:extLst>
-      <p:ext uri="{BB962C8B-B14F-4D97-AF65-F5344CB8AC3E}">
-        <p14:creationId xmlns:p14="http://schemas.microsoft.com/office/powerpoint/2010/main" val="2691642322"/>
-      </p:ext>
-    </p:extLst>
-  </p:cSld>
-  <p:clrMapOvr>
-    <a:masterClrMapping/>
-  </p:clrMapOvr>
-</p:sld>
-</file>
-
-<file path=ppt/slides/slide2.xml><?xml version="1.0" encoding="utf-8"?>
-<p:sld xmlns:a="http://schemas.openxmlformats.org/drawingml/2006/main" xmlns:r="http://schemas.openxmlformats.org/officeDocument/2006/relationships" xmlns:p="http://schemas.openxmlformats.org/presentationml/2006/main">
-  <p:cSld>
-    <p:bg>
-      <p:bgPr>
-        <a:solidFill>
-          <a:schemeClr val="bg2"/>
-        </a:solidFill>
-        <a:effectLst/>
-      </p:bgPr>
-    </p:bg>
-    <p:spTree>
-      <p:nvGrpSpPr>
-        <p:cNvPr id="1" name=""/>
-        <p:cNvGrpSpPr/>
-        <p:nvPr/>
-      </p:nvGrpSpPr>
-      <p:grpSpPr>
-        <a:xfrm>
-          <a:off x="0" y="0"/>
-          <a:ext cx="0" cy="0"/>
-          <a:chOff x="0" y="0"/>
-          <a:chExt cx="0" cy="0"/>
-        </a:xfrm>
-      </p:grpSpPr>
-      <p:sp useBgFill="1">
+      <p:sp>
         <p:nvSpPr>
-          <p:cNvPr id="8" name="Rectangle 7">
+          <p:cNvPr id="22" name="Freeform: Shape 21">
             <a:extLst>
               <a:ext uri="{FF2B5EF4-FFF2-40B4-BE49-F238E27FC236}">
-                <a16:creationId xmlns:a16="http://schemas.microsoft.com/office/drawing/2014/main" id="{C51A08AC-F796-409C-AD97-8B476289EC51}"/>
+                <a16:creationId xmlns:a16="http://schemas.microsoft.com/office/drawing/2014/main" id="{5871FC61-DD4E-47D4-81FD-8A7E7D12B371}"/>
               </a:ext>
               <a:ext uri="{C183D7F6-B498-43B3-948B-1728B52AA6E4}">
                 <adec:decorative xmlns:adec="http://schemas.microsoft.com/office/drawing/2017/decorative" val="1"/>
@@ -13747,13 +13351,131 @@
           </p:nvPr>
         </p:nvSpPr>
         <p:spPr>
-          <a:xfrm>
-            <a:off x="153" y="0"/>
-            <a:ext cx="12191695" cy="6858000"/>
+          <a:xfrm flipH="1">
+            <a:off x="6986049" y="0"/>
+            <a:ext cx="5205951" cy="6858000"/>
           </a:xfrm>
-          <a:prstGeom prst="rect">
+          <a:custGeom>
             <a:avLst/>
-          </a:prstGeom>
+            <a:gdLst>
+              <a:gd name="connsiteX0" fmla="*/ 0 w 5205951"/>
+              <a:gd name="connsiteY0" fmla="*/ 0 h 6858000"/>
+              <a:gd name="connsiteX1" fmla="*/ 1709529 w 5205951"/>
+              <a:gd name="connsiteY1" fmla="*/ 0 h 6858000"/>
+              <a:gd name="connsiteX2" fmla="*/ 2489695 w 5205951"/>
+              <a:gd name="connsiteY2" fmla="*/ 0 h 6858000"/>
+              <a:gd name="connsiteX3" fmla="*/ 3582928 w 5205951"/>
+              <a:gd name="connsiteY3" fmla="*/ 0 h 6858000"/>
+              <a:gd name="connsiteX4" fmla="*/ 3605052 w 5205951"/>
+              <a:gd name="connsiteY4" fmla="*/ 14997 h 6858000"/>
+              <a:gd name="connsiteX5" fmla="*/ 5205951 w 5205951"/>
+              <a:gd name="connsiteY5" fmla="*/ 3621656 h 6858000"/>
+              <a:gd name="connsiteX6" fmla="*/ 3331601 w 5205951"/>
+              <a:gd name="connsiteY6" fmla="*/ 6374814 h 6858000"/>
+              <a:gd name="connsiteX7" fmla="*/ 2814953 w 5205951"/>
+              <a:gd name="connsiteY7" fmla="*/ 6780599 h 6858000"/>
+              <a:gd name="connsiteX8" fmla="*/ 2703197 w 5205951"/>
+              <a:gd name="connsiteY8" fmla="*/ 6858000 h 6858000"/>
+              <a:gd name="connsiteX9" fmla="*/ 2489695 w 5205951"/>
+              <a:gd name="connsiteY9" fmla="*/ 6858000 h 6858000"/>
+              <a:gd name="connsiteX10" fmla="*/ 1709529 w 5205951"/>
+              <a:gd name="connsiteY10" fmla="*/ 6858000 h 6858000"/>
+              <a:gd name="connsiteX11" fmla="*/ 0 w 5205951"/>
+              <a:gd name="connsiteY11" fmla="*/ 6858000 h 6858000"/>
+            </a:gdLst>
+            <a:ahLst/>
+            <a:cxnLst>
+              <a:cxn ang="0">
+                <a:pos x="connsiteX0" y="connsiteY0"/>
+              </a:cxn>
+              <a:cxn ang="0">
+                <a:pos x="connsiteX1" y="connsiteY1"/>
+              </a:cxn>
+              <a:cxn ang="0">
+                <a:pos x="connsiteX2" y="connsiteY2"/>
+              </a:cxn>
+              <a:cxn ang="0">
+                <a:pos x="connsiteX3" y="connsiteY3"/>
+              </a:cxn>
+              <a:cxn ang="0">
+                <a:pos x="connsiteX4" y="connsiteY4"/>
+              </a:cxn>
+              <a:cxn ang="0">
+                <a:pos x="connsiteX5" y="connsiteY5"/>
+              </a:cxn>
+              <a:cxn ang="0">
+                <a:pos x="connsiteX6" y="connsiteY6"/>
+              </a:cxn>
+              <a:cxn ang="0">
+                <a:pos x="connsiteX7" y="connsiteY7"/>
+              </a:cxn>
+              <a:cxn ang="0">
+                <a:pos x="connsiteX8" y="connsiteY8"/>
+              </a:cxn>
+              <a:cxn ang="0">
+                <a:pos x="connsiteX9" y="connsiteY9"/>
+              </a:cxn>
+              <a:cxn ang="0">
+                <a:pos x="connsiteX10" y="connsiteY10"/>
+              </a:cxn>
+              <a:cxn ang="0">
+                <a:pos x="connsiteX11" y="connsiteY11"/>
+              </a:cxn>
+            </a:cxnLst>
+            <a:rect l="l" t="t" r="r" b="b"/>
+            <a:pathLst>
+              <a:path w="5205951" h="6858000">
+                <a:moveTo>
+                  <a:pt x="0" y="0"/>
+                </a:moveTo>
+                <a:lnTo>
+                  <a:pt x="1709529" y="0"/>
+                </a:lnTo>
+                <a:lnTo>
+                  <a:pt x="2489695" y="0"/>
+                </a:lnTo>
+                <a:lnTo>
+                  <a:pt x="3582928" y="0"/>
+                </a:lnTo>
+                <a:lnTo>
+                  <a:pt x="3605052" y="14997"/>
+                </a:lnTo>
+                <a:cubicBezTo>
+                  <a:pt x="4632215" y="754641"/>
+                  <a:pt x="5205951" y="2093192"/>
+                  <a:pt x="5205951" y="3621656"/>
+                </a:cubicBezTo>
+                <a:cubicBezTo>
+                  <a:pt x="5205951" y="4969131"/>
+                  <a:pt x="4277226" y="5602839"/>
+                  <a:pt x="3331601" y="6374814"/>
+                </a:cubicBezTo>
+                <a:cubicBezTo>
+                  <a:pt x="3159398" y="6515397"/>
+                  <a:pt x="2988771" y="6653108"/>
+                  <a:pt x="2814953" y="6780599"/>
+                </a:cubicBezTo>
+                <a:lnTo>
+                  <a:pt x="2703197" y="6858000"/>
+                </a:lnTo>
+                <a:lnTo>
+                  <a:pt x="2489695" y="6858000"/>
+                </a:lnTo>
+                <a:lnTo>
+                  <a:pt x="1709529" y="6858000"/>
+                </a:lnTo>
+                <a:lnTo>
+                  <a:pt x="0" y="6858000"/>
+                </a:lnTo>
+                <a:close/>
+              </a:path>
+            </a:pathLst>
+          </a:custGeom>
+          <a:solidFill>
+            <a:srgbClr val="FFFFFF">
+              <a:alpha val="60000"/>
+            </a:srgbClr>
+          </a:solidFill>
           <a:ln>
             <a:noFill/>
           </a:ln>
@@ -13775,7 +13497,193 @@
           </a:fontRef>
         </p:style>
         <p:txBody>
-          <a:bodyPr rtlCol="0" anchor="ctr"/>
+          <a:bodyPr wrap="square" rtlCol="0" anchor="ctr">
+            <a:noAutofit/>
+          </a:bodyPr>
+          <a:lstStyle/>
+          <a:p>
+            <a:pPr algn="ctr"/>
+            <a:endParaRPr lang="en-US" dirty="0"/>
+          </a:p>
+        </p:txBody>
+      </p:sp>
+      <p:sp>
+        <p:nvSpPr>
+          <p:cNvPr id="24" name="Freeform: Shape 23">
+            <a:extLst>
+              <a:ext uri="{FF2B5EF4-FFF2-40B4-BE49-F238E27FC236}">
+                <a16:creationId xmlns:a16="http://schemas.microsoft.com/office/drawing/2014/main" id="{829A1E2C-5AC8-40FC-99E9-832069D39792}"/>
+              </a:ext>
+              <a:ext uri="{C183D7F6-B498-43B3-948B-1728B52AA6E4}">
+                <adec:decorative xmlns:adec="http://schemas.microsoft.com/office/drawing/2017/decorative" val="1"/>
+              </a:ext>
+            </a:extLst>
+          </p:cNvPr>
+          <p:cNvSpPr>
+            <a:spLocks noGrp="1" noRot="1" noChangeAspect="1" noMove="1" noResize="1" noEditPoints="1" noAdjustHandles="1" noChangeArrowheads="1" noChangeShapeType="1" noTextEdit="1"/>
+          </p:cNvSpPr>
+          <p:nvPr>
+            <p:extLst>
+              <p:ext uri="{386F3935-93C4-4BCD-93E2-E3B085C9AB24}">
+                <p16:designElem xmlns:p16="http://schemas.microsoft.com/office/powerpoint/2015/main" val="1"/>
+              </p:ext>
+            </p:extLst>
+          </p:nvPr>
+        </p:nvSpPr>
+        <p:spPr>
+          <a:xfrm flipH="1">
+            <a:off x="6577485" y="0"/>
+            <a:ext cx="2529723" cy="6858000"/>
+          </a:xfrm>
+          <a:custGeom>
+            <a:avLst/>
+            <a:gdLst>
+              <a:gd name="connsiteX0" fmla="*/ 1258269 w 2529723"/>
+              <a:gd name="connsiteY0" fmla="*/ 0 h 6858000"/>
+              <a:gd name="connsiteX1" fmla="*/ 1275627 w 2529723"/>
+              <a:gd name="connsiteY1" fmla="*/ 0 h 6858000"/>
+              <a:gd name="connsiteX2" fmla="*/ 1302560 w 2529723"/>
+              <a:gd name="connsiteY2" fmla="*/ 24338 h 6858000"/>
+              <a:gd name="connsiteX3" fmla="*/ 2522825 w 2529723"/>
+              <a:gd name="connsiteY3" fmla="*/ 3678515 h 6858000"/>
+              <a:gd name="connsiteX4" fmla="*/ 557500 w 2529723"/>
+              <a:gd name="connsiteY4" fmla="*/ 6451411 h 6858000"/>
+              <a:gd name="connsiteX5" fmla="*/ 32482 w 2529723"/>
+              <a:gd name="connsiteY5" fmla="*/ 6849373 h 6858000"/>
+              <a:gd name="connsiteX6" fmla="*/ 19531 w 2529723"/>
+              <a:gd name="connsiteY6" fmla="*/ 6858000 h 6858000"/>
+              <a:gd name="connsiteX7" fmla="*/ 0 w 2529723"/>
+              <a:gd name="connsiteY7" fmla="*/ 6858000 h 6858000"/>
+              <a:gd name="connsiteX8" fmla="*/ 14202 w 2529723"/>
+              <a:gd name="connsiteY8" fmla="*/ 6848540 h 6858000"/>
+              <a:gd name="connsiteX9" fmla="*/ 539221 w 2529723"/>
+              <a:gd name="connsiteY9" fmla="*/ 6450578 h 6858000"/>
+              <a:gd name="connsiteX10" fmla="*/ 2504546 w 2529723"/>
+              <a:gd name="connsiteY10" fmla="*/ 3677682 h 6858000"/>
+              <a:gd name="connsiteX11" fmla="*/ 1284280 w 2529723"/>
+              <a:gd name="connsiteY11" fmla="*/ 23504 h 6858000"/>
+            </a:gdLst>
+            <a:ahLst/>
+            <a:cxnLst>
+              <a:cxn ang="0">
+                <a:pos x="connsiteX0" y="connsiteY0"/>
+              </a:cxn>
+              <a:cxn ang="0">
+                <a:pos x="connsiteX1" y="connsiteY1"/>
+              </a:cxn>
+              <a:cxn ang="0">
+                <a:pos x="connsiteX2" y="connsiteY2"/>
+              </a:cxn>
+              <a:cxn ang="0">
+                <a:pos x="connsiteX3" y="connsiteY3"/>
+              </a:cxn>
+              <a:cxn ang="0">
+                <a:pos x="connsiteX4" y="connsiteY4"/>
+              </a:cxn>
+              <a:cxn ang="0">
+                <a:pos x="connsiteX5" y="connsiteY5"/>
+              </a:cxn>
+              <a:cxn ang="0">
+                <a:pos x="connsiteX6" y="connsiteY6"/>
+              </a:cxn>
+              <a:cxn ang="0">
+                <a:pos x="connsiteX7" y="connsiteY7"/>
+              </a:cxn>
+              <a:cxn ang="0">
+                <a:pos x="connsiteX8" y="connsiteY8"/>
+              </a:cxn>
+              <a:cxn ang="0">
+                <a:pos x="connsiteX9" y="connsiteY9"/>
+              </a:cxn>
+              <a:cxn ang="0">
+                <a:pos x="connsiteX10" y="connsiteY10"/>
+              </a:cxn>
+              <a:cxn ang="0">
+                <a:pos x="connsiteX11" y="connsiteY11"/>
+              </a:cxn>
+            </a:cxnLst>
+            <a:rect l="l" t="t" r="r" b="b"/>
+            <a:pathLst>
+              <a:path w="2529723" h="6858000">
+                <a:moveTo>
+                  <a:pt x="1258269" y="0"/>
+                </a:moveTo>
+                <a:lnTo>
+                  <a:pt x="1275627" y="0"/>
+                </a:lnTo>
+                <a:lnTo>
+                  <a:pt x="1302560" y="24338"/>
+                </a:lnTo>
+                <a:cubicBezTo>
+                  <a:pt x="2156831" y="855667"/>
+                  <a:pt x="2590622" y="2191755"/>
+                  <a:pt x="2522825" y="3678515"/>
+                </a:cubicBezTo>
+                <a:cubicBezTo>
+                  <a:pt x="2459072" y="5076606"/>
+                  <a:pt x="1519830" y="5692656"/>
+                  <a:pt x="557500" y="6451411"/>
+                </a:cubicBezTo>
+                <a:cubicBezTo>
+                  <a:pt x="382255" y="6589587"/>
+                  <a:pt x="208689" y="6724853"/>
+                  <a:pt x="32482" y="6849373"/>
+                </a:cubicBezTo>
+                <a:lnTo>
+                  <a:pt x="19531" y="6858000"/>
+                </a:lnTo>
+                <a:lnTo>
+                  <a:pt x="0" y="6858000"/>
+                </a:lnTo>
+                <a:lnTo>
+                  <a:pt x="14202" y="6848540"/>
+                </a:lnTo>
+                <a:cubicBezTo>
+                  <a:pt x="190409" y="6724020"/>
+                  <a:pt x="363976" y="6588754"/>
+                  <a:pt x="539221" y="6450578"/>
+                </a:cubicBezTo>
+                <a:cubicBezTo>
+                  <a:pt x="1501550" y="5691822"/>
+                  <a:pt x="2440792" y="5075773"/>
+                  <a:pt x="2504546" y="3677682"/>
+                </a:cubicBezTo>
+                <a:cubicBezTo>
+                  <a:pt x="2572343" y="2190921"/>
+                  <a:pt x="2138551" y="854834"/>
+                  <a:pt x="1284280" y="23504"/>
+                </a:cubicBezTo>
+                <a:close/>
+              </a:path>
+            </a:pathLst>
+          </a:custGeom>
+          <a:solidFill>
+            <a:srgbClr val="FFFFFF"/>
+          </a:solidFill>
+          <a:ln>
+            <a:noFill/>
+          </a:ln>
+        </p:spPr>
+        <p:style>
+          <a:lnRef idx="2">
+            <a:schemeClr val="accent1">
+              <a:shade val="50000"/>
+            </a:schemeClr>
+          </a:lnRef>
+          <a:fillRef idx="1">
+            <a:schemeClr val="accent1"/>
+          </a:fillRef>
+          <a:effectRef idx="0">
+            <a:schemeClr val="accent1"/>
+          </a:effectRef>
+          <a:fontRef idx="minor">
+            <a:schemeClr val="lt1"/>
+          </a:fontRef>
+        </p:style>
+        <p:txBody>
+          <a:bodyPr wrap="square" rtlCol="0" anchor="ctr">
+            <a:noAutofit/>
+          </a:bodyPr>
           <a:lstStyle/>
           <a:p>
             <a:pPr marL="0" marR="0" lvl="0" indent="0" algn="ctr" defTabSz="457200" rtl="0" eaLnBrk="1" fontAlgn="auto" latinLnBrk="0" hangingPunct="1">
@@ -13812,21 +13720,21 @@
           </a:p>
         </p:txBody>
       </p:sp>
-      <p:grpSp>
-        <p:nvGrpSpPr>
-          <p:cNvPr id="10" name="Group 9">
+      <p:sp>
+        <p:nvSpPr>
+          <p:cNvPr id="26" name="Freeform: Shape 25">
             <a:extLst>
               <a:ext uri="{FF2B5EF4-FFF2-40B4-BE49-F238E27FC236}">
-                <a16:creationId xmlns:a16="http://schemas.microsoft.com/office/drawing/2014/main" id="{1E1B312B-4E9A-405C-9CE8-10325438035E}"/>
+                <a16:creationId xmlns:a16="http://schemas.microsoft.com/office/drawing/2014/main" id="{55C54A75-E44A-4147-B9D0-FF46CFD31612}"/>
               </a:ext>
               <a:ext uri="{C183D7F6-B498-43B3-948B-1728B52AA6E4}">
                 <adec:decorative xmlns:adec="http://schemas.microsoft.com/office/drawing/2017/decorative" val="1"/>
               </a:ext>
             </a:extLst>
           </p:cNvPr>
-          <p:cNvGrpSpPr>
-            <a:grpSpLocks noGrp="1" noUngrp="1" noRot="1" noChangeAspect="1" noMove="1" noResize="1"/>
-          </p:cNvGrpSpPr>
+          <p:cNvSpPr>
+            <a:spLocks noGrp="1" noRot="1" noChangeAspect="1" noMove="1" noResize="1" noEditPoints="1" noAdjustHandles="1" noChangeArrowheads="1" noChangeShapeType="1" noTextEdit="1"/>
+          </p:cNvSpPr>
           <p:nvPr>
             <p:extLst>
               <p:ext uri="{386F3935-93C4-4BCD-93E2-E3B085C9AB24}">
@@ -13834,1019 +13742,289 @@
               </p:ext>
             </p:extLst>
           </p:nvPr>
-        </p:nvGrpSpPr>
-        <p:grpSpPr>
-          <a:xfrm>
-            <a:off x="-1" y="0"/>
-            <a:ext cx="10853745" cy="6858000"/>
-            <a:chOff x="-1" y="0"/>
-            <a:chExt cx="10934058" cy="6858000"/>
+        </p:nvSpPr>
+        <p:spPr>
+          <a:xfrm flipH="1">
+            <a:off x="6754925" y="0"/>
+            <a:ext cx="2536434" cy="6858000"/>
           </a:xfrm>
-        </p:grpSpPr>
-        <p:sp>
-          <p:nvSpPr>
-            <p:cNvPr id="11" name="Freeform: Shape 10">
-              <a:extLst>
-                <a:ext uri="{FF2B5EF4-FFF2-40B4-BE49-F238E27FC236}">
-                  <a16:creationId xmlns:a16="http://schemas.microsoft.com/office/drawing/2014/main" id="{027ED404-4912-4C80-B5EB-98E67EB26AD0}"/>
-                </a:ext>
-                <a:ext uri="{C183D7F6-B498-43B3-948B-1728B52AA6E4}">
-                  <adec:decorative xmlns:adec="http://schemas.microsoft.com/office/drawing/2017/decorative" val="1"/>
-                </a:ext>
-              </a:extLst>
-            </p:cNvPr>
-            <p:cNvSpPr/>
-            <p:nvPr>
-              <p:extLst>
-                <p:ext uri="{386F3935-93C4-4BCD-93E2-E3B085C9AB24}">
-                  <p16:designElem xmlns:p16="http://schemas.microsoft.com/office/powerpoint/2015/main" val="1"/>
-                </p:ext>
-              </p:extLst>
-            </p:nvPr>
-          </p:nvSpPr>
-          <p:spPr>
-            <a:xfrm>
-              <a:off x="-1" y="0"/>
-              <a:ext cx="10515600" cy="6858000"/>
-            </a:xfrm>
-            <a:custGeom>
-              <a:avLst/>
-              <a:gdLst>
-                <a:gd name="connsiteX0" fmla="*/ 0 w 10515600"/>
-                <a:gd name="connsiteY0" fmla="*/ 0 h 6858000"/>
-                <a:gd name="connsiteX1" fmla="*/ 3039549 w 10515600"/>
-                <a:gd name="connsiteY1" fmla="*/ 0 h 6858000"/>
-                <a:gd name="connsiteX2" fmla="*/ 3387573 w 10515600"/>
-                <a:gd name="connsiteY2" fmla="*/ 0 h 6858000"/>
-                <a:gd name="connsiteX3" fmla="*/ 3678072 w 10515600"/>
-                <a:gd name="connsiteY3" fmla="*/ 0 h 6858000"/>
-                <a:gd name="connsiteX4" fmla="*/ 3721524 w 10515600"/>
-                <a:gd name="connsiteY4" fmla="*/ 0 h 6858000"/>
-                <a:gd name="connsiteX5" fmla="*/ 4595394 w 10515600"/>
-                <a:gd name="connsiteY5" fmla="*/ 0 h 6858000"/>
-                <a:gd name="connsiteX6" fmla="*/ 4607603 w 10515600"/>
-                <a:gd name="connsiteY6" fmla="*/ 0 h 6858000"/>
-                <a:gd name="connsiteX7" fmla="*/ 4733044 w 10515600"/>
-                <a:gd name="connsiteY7" fmla="*/ 0 h 6858000"/>
-                <a:gd name="connsiteX8" fmla="*/ 6226185 w 10515600"/>
-                <a:gd name="connsiteY8" fmla="*/ 0 h 6858000"/>
-                <a:gd name="connsiteX9" fmla="*/ 8892577 w 10515600"/>
-                <a:gd name="connsiteY9" fmla="*/ 0 h 6858000"/>
-                <a:gd name="connsiteX10" fmla="*/ 8914701 w 10515600"/>
-                <a:gd name="connsiteY10" fmla="*/ 14997 h 6858000"/>
-                <a:gd name="connsiteX11" fmla="*/ 10515600 w 10515600"/>
-                <a:gd name="connsiteY11" fmla="*/ 3621656 h 6858000"/>
-                <a:gd name="connsiteX12" fmla="*/ 8641250 w 10515600"/>
-                <a:gd name="connsiteY12" fmla="*/ 6374814 h 6858000"/>
-                <a:gd name="connsiteX13" fmla="*/ 8124602 w 10515600"/>
-                <a:gd name="connsiteY13" fmla="*/ 6780599 h 6858000"/>
-                <a:gd name="connsiteX14" fmla="*/ 8012846 w 10515600"/>
-                <a:gd name="connsiteY14" fmla="*/ 6858000 h 6858000"/>
-                <a:gd name="connsiteX15" fmla="*/ 6226185 w 10515600"/>
-                <a:gd name="connsiteY15" fmla="*/ 6858000 h 6858000"/>
-                <a:gd name="connsiteX16" fmla="*/ 4607603 w 10515600"/>
-                <a:gd name="connsiteY16" fmla="*/ 6858000 h 6858000"/>
-                <a:gd name="connsiteX17" fmla="*/ 4595394 w 10515600"/>
-                <a:gd name="connsiteY17" fmla="*/ 6858000 h 6858000"/>
-                <a:gd name="connsiteX18" fmla="*/ 4424650 w 10515600"/>
-                <a:gd name="connsiteY18" fmla="*/ 6858000 h 6858000"/>
-                <a:gd name="connsiteX19" fmla="*/ 3721524 w 10515600"/>
-                <a:gd name="connsiteY19" fmla="*/ 6858000 h 6858000"/>
-                <a:gd name="connsiteX20" fmla="*/ 3678072 w 10515600"/>
-                <a:gd name="connsiteY20" fmla="*/ 6858000 h 6858000"/>
-                <a:gd name="connsiteX21" fmla="*/ 3387573 w 10515600"/>
-                <a:gd name="connsiteY21" fmla="*/ 6858000 h 6858000"/>
-                <a:gd name="connsiteX22" fmla="*/ 3039549 w 10515600"/>
-                <a:gd name="connsiteY22" fmla="*/ 6858000 h 6858000"/>
-                <a:gd name="connsiteX23" fmla="*/ 0 w 10515600"/>
-                <a:gd name="connsiteY23" fmla="*/ 6858000 h 6858000"/>
-              </a:gdLst>
-              <a:ahLst/>
-              <a:cxnLst>
-                <a:cxn ang="0">
-                  <a:pos x="connsiteX0" y="connsiteY0"/>
-                </a:cxn>
-                <a:cxn ang="0">
-                  <a:pos x="connsiteX1" y="connsiteY1"/>
-                </a:cxn>
-                <a:cxn ang="0">
-                  <a:pos x="connsiteX2" y="connsiteY2"/>
-                </a:cxn>
-                <a:cxn ang="0">
-                  <a:pos x="connsiteX3" y="connsiteY3"/>
-                </a:cxn>
-                <a:cxn ang="0">
-                  <a:pos x="connsiteX4" y="connsiteY4"/>
-                </a:cxn>
-                <a:cxn ang="0">
-                  <a:pos x="connsiteX5" y="connsiteY5"/>
-                </a:cxn>
-                <a:cxn ang="0">
-                  <a:pos x="connsiteX6" y="connsiteY6"/>
-                </a:cxn>
-                <a:cxn ang="0">
-                  <a:pos x="connsiteX7" y="connsiteY7"/>
-                </a:cxn>
-                <a:cxn ang="0">
-                  <a:pos x="connsiteX8" y="connsiteY8"/>
-                </a:cxn>
-                <a:cxn ang="0">
-                  <a:pos x="connsiteX9" y="connsiteY9"/>
-                </a:cxn>
-                <a:cxn ang="0">
-                  <a:pos x="connsiteX10" y="connsiteY10"/>
-                </a:cxn>
-                <a:cxn ang="0">
-                  <a:pos x="connsiteX11" y="connsiteY11"/>
-                </a:cxn>
-                <a:cxn ang="0">
-                  <a:pos x="connsiteX12" y="connsiteY12"/>
-                </a:cxn>
-                <a:cxn ang="0">
-                  <a:pos x="connsiteX13" y="connsiteY13"/>
-                </a:cxn>
-                <a:cxn ang="0">
-                  <a:pos x="connsiteX14" y="connsiteY14"/>
-                </a:cxn>
-                <a:cxn ang="0">
-                  <a:pos x="connsiteX15" y="connsiteY15"/>
-                </a:cxn>
-                <a:cxn ang="0">
-                  <a:pos x="connsiteX16" y="connsiteY16"/>
-                </a:cxn>
-                <a:cxn ang="0">
-                  <a:pos x="connsiteX17" y="connsiteY17"/>
-                </a:cxn>
-                <a:cxn ang="0">
-                  <a:pos x="connsiteX18" y="connsiteY18"/>
-                </a:cxn>
-                <a:cxn ang="0">
-                  <a:pos x="connsiteX19" y="connsiteY19"/>
-                </a:cxn>
-                <a:cxn ang="0">
-                  <a:pos x="connsiteX20" y="connsiteY20"/>
-                </a:cxn>
-                <a:cxn ang="0">
-                  <a:pos x="connsiteX21" y="connsiteY21"/>
-                </a:cxn>
-                <a:cxn ang="0">
-                  <a:pos x="connsiteX22" y="connsiteY22"/>
-                </a:cxn>
-                <a:cxn ang="0">
-                  <a:pos x="connsiteX23" y="connsiteY23"/>
-                </a:cxn>
-              </a:cxnLst>
-              <a:rect l="l" t="t" r="r" b="b"/>
-              <a:pathLst>
-                <a:path w="10515600" h="6858000">
-                  <a:moveTo>
-                    <a:pt x="0" y="0"/>
-                  </a:moveTo>
-                  <a:lnTo>
-                    <a:pt x="3039549" y="0"/>
-                  </a:lnTo>
-                  <a:lnTo>
-                    <a:pt x="3387573" y="0"/>
-                  </a:lnTo>
-                  <a:lnTo>
-                    <a:pt x="3678072" y="0"/>
-                  </a:lnTo>
-                  <a:lnTo>
-                    <a:pt x="3721524" y="0"/>
-                  </a:lnTo>
-                  <a:lnTo>
-                    <a:pt x="4595394" y="0"/>
-                  </a:lnTo>
-                  <a:lnTo>
-                    <a:pt x="4607603" y="0"/>
-                  </a:lnTo>
-                  <a:lnTo>
-                    <a:pt x="4733044" y="0"/>
-                  </a:lnTo>
-                  <a:lnTo>
-                    <a:pt x="6226185" y="0"/>
-                  </a:lnTo>
-                  <a:lnTo>
-                    <a:pt x="8892577" y="0"/>
-                  </a:lnTo>
-                  <a:lnTo>
-                    <a:pt x="8914701" y="14997"/>
-                  </a:lnTo>
-                  <a:cubicBezTo>
-                    <a:pt x="9941864" y="754641"/>
-                    <a:pt x="10515600" y="2093192"/>
-                    <a:pt x="10515600" y="3621656"/>
-                  </a:cubicBezTo>
-                  <a:cubicBezTo>
-                    <a:pt x="10515600" y="4969131"/>
-                    <a:pt x="9586875" y="5602839"/>
-                    <a:pt x="8641250" y="6374814"/>
-                  </a:cubicBezTo>
-                  <a:cubicBezTo>
-                    <a:pt x="8469047" y="6515397"/>
-                    <a:pt x="8298420" y="6653108"/>
-                    <a:pt x="8124602" y="6780599"/>
-                  </a:cubicBezTo>
-                  <a:lnTo>
-                    <a:pt x="8012846" y="6858000"/>
-                  </a:lnTo>
-                  <a:lnTo>
-                    <a:pt x="6226185" y="6858000"/>
-                  </a:lnTo>
-                  <a:lnTo>
-                    <a:pt x="4607603" y="6858000"/>
-                  </a:lnTo>
-                  <a:lnTo>
-                    <a:pt x="4595394" y="6858000"/>
-                  </a:lnTo>
-                  <a:lnTo>
-                    <a:pt x="4424650" y="6858000"/>
-                  </a:lnTo>
-                  <a:lnTo>
-                    <a:pt x="3721524" y="6858000"/>
-                  </a:lnTo>
-                  <a:lnTo>
-                    <a:pt x="3678072" y="6858000"/>
-                  </a:lnTo>
-                  <a:lnTo>
-                    <a:pt x="3387573" y="6858000"/>
-                  </a:lnTo>
-                  <a:lnTo>
-                    <a:pt x="3039549" y="6858000"/>
-                  </a:lnTo>
-                  <a:lnTo>
-                    <a:pt x="0" y="6858000"/>
-                  </a:lnTo>
-                  <a:close/>
-                </a:path>
-              </a:pathLst>
-            </a:custGeom>
-            <a:solidFill>
-              <a:schemeClr val="bg1">
-                <a:alpha val="60000"/>
-              </a:schemeClr>
-            </a:solidFill>
-            <a:ln>
-              <a:noFill/>
-            </a:ln>
-          </p:spPr>
-          <p:style>
-            <a:lnRef idx="2">
-              <a:schemeClr val="accent1">
-                <a:shade val="50000"/>
-              </a:schemeClr>
-            </a:lnRef>
-            <a:fillRef idx="1">
-              <a:schemeClr val="accent1"/>
-            </a:fillRef>
-            <a:effectRef idx="0">
-              <a:schemeClr val="accent1"/>
-            </a:effectRef>
-            <a:fontRef idx="minor">
-              <a:schemeClr val="lt1"/>
-            </a:fontRef>
-          </p:style>
-          <p:txBody>
-            <a:bodyPr wrap="square" rtlCol="0" anchor="ctr">
-              <a:noAutofit/>
-            </a:bodyPr>
-            <a:lstStyle/>
-            <a:p>
-              <a:pPr algn="ctr"/>
-              <a:endParaRPr lang="en-US"/>
-            </a:p>
-          </p:txBody>
-        </p:sp>
-        <p:sp>
-          <p:nvSpPr>
-            <p:cNvPr id="12" name="Freeform: Shape 11">
-              <a:extLst>
-                <a:ext uri="{FF2B5EF4-FFF2-40B4-BE49-F238E27FC236}">
-                  <a16:creationId xmlns:a16="http://schemas.microsoft.com/office/drawing/2014/main" id="{4E58012C-4DA3-4ED3-9500-41F9AF60B1A1}"/>
-                </a:ext>
-                <a:ext uri="{C183D7F6-B498-43B3-948B-1728B52AA6E4}">
-                  <adec:decorative xmlns:adec="http://schemas.microsoft.com/office/drawing/2017/decorative" val="1"/>
-                </a:ext>
-              </a:extLst>
-            </p:cNvPr>
-            <p:cNvSpPr/>
-            <p:nvPr>
-              <p:extLst>
-                <p:ext uri="{386F3935-93C4-4BCD-93E2-E3B085C9AB24}">
-                  <p16:designElem xmlns:p16="http://schemas.microsoft.com/office/powerpoint/2015/main" val="1"/>
-                </p:ext>
-              </p:extLst>
-            </p:nvPr>
-          </p:nvSpPr>
-          <p:spPr>
-            <a:xfrm>
-              <a:off x="8404334" y="0"/>
-              <a:ext cx="2529723" cy="6858000"/>
-            </a:xfrm>
-            <a:custGeom>
-              <a:avLst/>
-              <a:gdLst>
-                <a:gd name="connsiteX0" fmla="*/ 1258269 w 2529723"/>
-                <a:gd name="connsiteY0" fmla="*/ 0 h 6858000"/>
-                <a:gd name="connsiteX1" fmla="*/ 1275627 w 2529723"/>
-                <a:gd name="connsiteY1" fmla="*/ 0 h 6858000"/>
-                <a:gd name="connsiteX2" fmla="*/ 1302560 w 2529723"/>
-                <a:gd name="connsiteY2" fmla="*/ 24338 h 6858000"/>
-                <a:gd name="connsiteX3" fmla="*/ 2522825 w 2529723"/>
-                <a:gd name="connsiteY3" fmla="*/ 3678515 h 6858000"/>
-                <a:gd name="connsiteX4" fmla="*/ 557500 w 2529723"/>
-                <a:gd name="connsiteY4" fmla="*/ 6451411 h 6858000"/>
-                <a:gd name="connsiteX5" fmla="*/ 32482 w 2529723"/>
-                <a:gd name="connsiteY5" fmla="*/ 6849373 h 6858000"/>
-                <a:gd name="connsiteX6" fmla="*/ 19531 w 2529723"/>
-                <a:gd name="connsiteY6" fmla="*/ 6858000 h 6858000"/>
-                <a:gd name="connsiteX7" fmla="*/ 0 w 2529723"/>
-                <a:gd name="connsiteY7" fmla="*/ 6858000 h 6858000"/>
-                <a:gd name="connsiteX8" fmla="*/ 14202 w 2529723"/>
-                <a:gd name="connsiteY8" fmla="*/ 6848540 h 6858000"/>
-                <a:gd name="connsiteX9" fmla="*/ 539221 w 2529723"/>
-                <a:gd name="connsiteY9" fmla="*/ 6450578 h 6858000"/>
-                <a:gd name="connsiteX10" fmla="*/ 2504546 w 2529723"/>
-                <a:gd name="connsiteY10" fmla="*/ 3677682 h 6858000"/>
-                <a:gd name="connsiteX11" fmla="*/ 1284280 w 2529723"/>
-                <a:gd name="connsiteY11" fmla="*/ 23504 h 6858000"/>
-              </a:gdLst>
-              <a:ahLst/>
-              <a:cxnLst>
-                <a:cxn ang="0">
-                  <a:pos x="connsiteX0" y="connsiteY0"/>
-                </a:cxn>
-                <a:cxn ang="0">
-                  <a:pos x="connsiteX1" y="connsiteY1"/>
-                </a:cxn>
-                <a:cxn ang="0">
-                  <a:pos x="connsiteX2" y="connsiteY2"/>
-                </a:cxn>
-                <a:cxn ang="0">
-                  <a:pos x="connsiteX3" y="connsiteY3"/>
-                </a:cxn>
-                <a:cxn ang="0">
-                  <a:pos x="connsiteX4" y="connsiteY4"/>
-                </a:cxn>
-                <a:cxn ang="0">
-                  <a:pos x="connsiteX5" y="connsiteY5"/>
-                </a:cxn>
-                <a:cxn ang="0">
-                  <a:pos x="connsiteX6" y="connsiteY6"/>
-                </a:cxn>
-                <a:cxn ang="0">
-                  <a:pos x="connsiteX7" y="connsiteY7"/>
-                </a:cxn>
-                <a:cxn ang="0">
-                  <a:pos x="connsiteX8" y="connsiteY8"/>
-                </a:cxn>
-                <a:cxn ang="0">
-                  <a:pos x="connsiteX9" y="connsiteY9"/>
-                </a:cxn>
-                <a:cxn ang="0">
-                  <a:pos x="connsiteX10" y="connsiteY10"/>
-                </a:cxn>
-                <a:cxn ang="0">
-                  <a:pos x="connsiteX11" y="connsiteY11"/>
-                </a:cxn>
-              </a:cxnLst>
-              <a:rect l="l" t="t" r="r" b="b"/>
-              <a:pathLst>
-                <a:path w="2529723" h="6858000">
-                  <a:moveTo>
-                    <a:pt x="1258269" y="0"/>
-                  </a:moveTo>
-                  <a:lnTo>
-                    <a:pt x="1275627" y="0"/>
-                  </a:lnTo>
-                  <a:lnTo>
-                    <a:pt x="1302560" y="24338"/>
-                  </a:lnTo>
-                  <a:cubicBezTo>
-                    <a:pt x="2156831" y="855667"/>
-                    <a:pt x="2590622" y="2191755"/>
-                    <a:pt x="2522825" y="3678515"/>
-                  </a:cubicBezTo>
-                  <a:cubicBezTo>
-                    <a:pt x="2459072" y="5076606"/>
-                    <a:pt x="1519830" y="5692656"/>
-                    <a:pt x="557500" y="6451411"/>
-                  </a:cubicBezTo>
-                  <a:cubicBezTo>
-                    <a:pt x="382255" y="6589587"/>
-                    <a:pt x="208689" y="6724853"/>
-                    <a:pt x="32482" y="6849373"/>
-                  </a:cubicBezTo>
-                  <a:lnTo>
-                    <a:pt x="19531" y="6858000"/>
-                  </a:lnTo>
-                  <a:lnTo>
-                    <a:pt x="0" y="6858000"/>
-                  </a:lnTo>
-                  <a:lnTo>
-                    <a:pt x="14202" y="6848540"/>
-                  </a:lnTo>
-                  <a:cubicBezTo>
-                    <a:pt x="190409" y="6724020"/>
-                    <a:pt x="363976" y="6588754"/>
-                    <a:pt x="539221" y="6450578"/>
-                  </a:cubicBezTo>
-                  <a:cubicBezTo>
-                    <a:pt x="1501550" y="5691822"/>
-                    <a:pt x="2440792" y="5075773"/>
-                    <a:pt x="2504546" y="3677682"/>
-                  </a:cubicBezTo>
-                  <a:cubicBezTo>
-                    <a:pt x="2572343" y="2190921"/>
-                    <a:pt x="2138551" y="854834"/>
-                    <a:pt x="1284280" y="23504"/>
-                  </a:cubicBezTo>
-                  <a:close/>
-                </a:path>
-              </a:pathLst>
-            </a:custGeom>
-            <a:solidFill>
-              <a:srgbClr val="FFFFFF"/>
-            </a:solidFill>
-            <a:ln>
-              <a:noFill/>
-            </a:ln>
-          </p:spPr>
-          <p:style>
-            <a:lnRef idx="2">
-              <a:schemeClr val="accent1">
-                <a:shade val="50000"/>
-              </a:schemeClr>
-            </a:lnRef>
-            <a:fillRef idx="1">
-              <a:schemeClr val="accent1"/>
-            </a:fillRef>
-            <a:effectRef idx="0">
-              <a:schemeClr val="accent1"/>
-            </a:effectRef>
-            <a:fontRef idx="minor">
-              <a:schemeClr val="lt1"/>
-            </a:fontRef>
-          </p:style>
-          <p:txBody>
-            <a:bodyPr wrap="square" rtlCol="0" anchor="ctr">
-              <a:noAutofit/>
-            </a:bodyPr>
-            <a:lstStyle/>
-            <a:p>
-              <a:pPr marL="0" marR="0" lvl="0" indent="0" algn="ctr" defTabSz="457200" rtl="0" eaLnBrk="1" fontAlgn="auto" latinLnBrk="0" hangingPunct="1">
-                <a:lnSpc>
-                  <a:spcPct val="100000"/>
-                </a:lnSpc>
-                <a:spcBef>
-                  <a:spcPts val="0"/>
-                </a:spcBef>
-                <a:spcAft>
-                  <a:spcPts val="0"/>
-                </a:spcAft>
-                <a:buClrTx/>
-                <a:buSzTx/>
-                <a:buFontTx/>
-                <a:buNone/>
-                <a:tabLst/>
-                <a:defRPr/>
-              </a:pPr>
-              <a:endParaRPr kumimoji="0" lang="en-US" sz="1800" b="0" i="0" u="none" strike="noStrike" kern="1200" cap="none" spc="0" normalizeH="0" baseline="0" noProof="0" dirty="0">
-                <a:ln>
-                  <a:noFill/>
-                </a:ln>
-                <a:solidFill>
-                  <a:prstClr val="white"/>
-                </a:solidFill>
-                <a:effectLst/>
-                <a:uLnTx/>
-                <a:uFillTx/>
-                <a:latin typeface="Meiryo"/>
-                <a:ea typeface="+mn-ea"/>
-                <a:cs typeface="+mn-cs"/>
-              </a:endParaRPr>
-            </a:p>
-          </p:txBody>
-        </p:sp>
-        <p:sp>
-          <p:nvSpPr>
-            <p:cNvPr id="13" name="Freeform: Shape 12">
-              <a:extLst>
-                <a:ext uri="{FF2B5EF4-FFF2-40B4-BE49-F238E27FC236}">
-                  <a16:creationId xmlns:a16="http://schemas.microsoft.com/office/drawing/2014/main" id="{59AC73F7-22BD-4C46-B368-3F03B8478F99}"/>
-                </a:ext>
-                <a:ext uri="{C183D7F6-B498-43B3-948B-1728B52AA6E4}">
-                  <adec:decorative xmlns:adec="http://schemas.microsoft.com/office/drawing/2017/decorative" val="1"/>
-                </a:ext>
-              </a:extLst>
-            </p:cNvPr>
-            <p:cNvSpPr/>
-            <p:nvPr>
-              <p:extLst>
-                <p:ext uri="{386F3935-93C4-4BCD-93E2-E3B085C9AB24}">
-                  <p16:designElem xmlns:p16="http://schemas.microsoft.com/office/powerpoint/2015/main" val="1"/>
-                </p:ext>
-              </p:extLst>
-            </p:nvPr>
-          </p:nvSpPr>
-          <p:spPr>
-            <a:xfrm>
-              <a:off x="8184327" y="0"/>
-              <a:ext cx="2536434" cy="6858000"/>
-            </a:xfrm>
-            <a:custGeom>
-              <a:avLst/>
-              <a:gdLst>
-                <a:gd name="connsiteX0" fmla="*/ 879731 w 2536434"/>
-                <a:gd name="connsiteY0" fmla="*/ 0 h 6858000"/>
-                <a:gd name="connsiteX1" fmla="*/ 913411 w 2536434"/>
-                <a:gd name="connsiteY1" fmla="*/ 0 h 6858000"/>
-                <a:gd name="connsiteX2" fmla="*/ 935535 w 2536434"/>
-                <a:gd name="connsiteY2" fmla="*/ 14997 h 6858000"/>
-                <a:gd name="connsiteX3" fmla="*/ 2536434 w 2536434"/>
-                <a:gd name="connsiteY3" fmla="*/ 3621656 h 6858000"/>
-                <a:gd name="connsiteX4" fmla="*/ 662084 w 2536434"/>
-                <a:gd name="connsiteY4" fmla="*/ 6374814 h 6858000"/>
-                <a:gd name="connsiteX5" fmla="*/ 145436 w 2536434"/>
-                <a:gd name="connsiteY5" fmla="*/ 6780599 h 6858000"/>
-                <a:gd name="connsiteX6" fmla="*/ 33680 w 2536434"/>
-                <a:gd name="connsiteY6" fmla="*/ 6858000 h 6858000"/>
-                <a:gd name="connsiteX7" fmla="*/ 0 w 2536434"/>
-                <a:gd name="connsiteY7" fmla="*/ 6858000 h 6858000"/>
-                <a:gd name="connsiteX8" fmla="*/ 111756 w 2536434"/>
-                <a:gd name="connsiteY8" fmla="*/ 6780599 h 6858000"/>
-                <a:gd name="connsiteX9" fmla="*/ 628404 w 2536434"/>
-                <a:gd name="connsiteY9" fmla="*/ 6374814 h 6858000"/>
-                <a:gd name="connsiteX10" fmla="*/ 2502754 w 2536434"/>
-                <a:gd name="connsiteY10" fmla="*/ 3621656 h 6858000"/>
-                <a:gd name="connsiteX11" fmla="*/ 901855 w 2536434"/>
-                <a:gd name="connsiteY11" fmla="*/ 14997 h 6858000"/>
-              </a:gdLst>
-              <a:ahLst/>
-              <a:cxnLst>
-                <a:cxn ang="0">
-                  <a:pos x="connsiteX0" y="connsiteY0"/>
-                </a:cxn>
-                <a:cxn ang="0">
-                  <a:pos x="connsiteX1" y="connsiteY1"/>
-                </a:cxn>
-                <a:cxn ang="0">
-                  <a:pos x="connsiteX2" y="connsiteY2"/>
-                </a:cxn>
-                <a:cxn ang="0">
-                  <a:pos x="connsiteX3" y="connsiteY3"/>
-                </a:cxn>
-                <a:cxn ang="0">
-                  <a:pos x="connsiteX4" y="connsiteY4"/>
-                </a:cxn>
-                <a:cxn ang="0">
-                  <a:pos x="connsiteX5" y="connsiteY5"/>
-                </a:cxn>
-                <a:cxn ang="0">
-                  <a:pos x="connsiteX6" y="connsiteY6"/>
-                </a:cxn>
-                <a:cxn ang="0">
-                  <a:pos x="connsiteX7" y="connsiteY7"/>
-                </a:cxn>
-                <a:cxn ang="0">
-                  <a:pos x="connsiteX8" y="connsiteY8"/>
-                </a:cxn>
-                <a:cxn ang="0">
-                  <a:pos x="connsiteX9" y="connsiteY9"/>
-                </a:cxn>
-                <a:cxn ang="0">
-                  <a:pos x="connsiteX10" y="connsiteY10"/>
-                </a:cxn>
-                <a:cxn ang="0">
-                  <a:pos x="connsiteX11" y="connsiteY11"/>
-                </a:cxn>
-              </a:cxnLst>
-              <a:rect l="l" t="t" r="r" b="b"/>
-              <a:pathLst>
-                <a:path w="2536434" h="6858000">
-                  <a:moveTo>
-                    <a:pt x="879731" y="0"/>
-                  </a:moveTo>
-                  <a:lnTo>
-                    <a:pt x="913411" y="0"/>
-                  </a:lnTo>
-                  <a:lnTo>
-                    <a:pt x="935535" y="14997"/>
-                  </a:lnTo>
-                  <a:cubicBezTo>
-                    <a:pt x="1962698" y="754641"/>
-                    <a:pt x="2536434" y="2093192"/>
-                    <a:pt x="2536434" y="3621656"/>
-                  </a:cubicBezTo>
-                  <a:cubicBezTo>
-                    <a:pt x="2536434" y="4969131"/>
-                    <a:pt x="1607709" y="5602839"/>
-                    <a:pt x="662084" y="6374814"/>
-                  </a:cubicBezTo>
-                  <a:cubicBezTo>
-                    <a:pt x="489881" y="6515397"/>
-                    <a:pt x="319254" y="6653108"/>
-                    <a:pt x="145436" y="6780599"/>
-                  </a:cubicBezTo>
-                  <a:lnTo>
-                    <a:pt x="33680" y="6858000"/>
-                  </a:lnTo>
-                  <a:lnTo>
-                    <a:pt x="0" y="6858000"/>
-                  </a:lnTo>
-                  <a:lnTo>
-                    <a:pt x="111756" y="6780599"/>
-                  </a:lnTo>
-                  <a:cubicBezTo>
-                    <a:pt x="285574" y="6653108"/>
-                    <a:pt x="456201" y="6515397"/>
-                    <a:pt x="628404" y="6374814"/>
-                  </a:cubicBezTo>
-                  <a:cubicBezTo>
-                    <a:pt x="1574029" y="5602839"/>
-                    <a:pt x="2502754" y="4969131"/>
-                    <a:pt x="2502754" y="3621656"/>
-                  </a:cubicBezTo>
-                  <a:cubicBezTo>
-                    <a:pt x="2502754" y="2093192"/>
-                    <a:pt x="1929018" y="754641"/>
-                    <a:pt x="901855" y="14997"/>
-                  </a:cubicBezTo>
-                  <a:close/>
-                </a:path>
-              </a:pathLst>
-            </a:custGeom>
-            <a:solidFill>
-              <a:srgbClr val="FFFFFF"/>
-            </a:solidFill>
-            <a:ln>
-              <a:noFill/>
-            </a:ln>
-          </p:spPr>
-          <p:style>
-            <a:lnRef idx="2">
-              <a:schemeClr val="accent1">
-                <a:shade val="50000"/>
-              </a:schemeClr>
-            </a:lnRef>
-            <a:fillRef idx="1">
-              <a:schemeClr val="accent1"/>
-            </a:fillRef>
-            <a:effectRef idx="0">
-              <a:schemeClr val="accent1"/>
-            </a:effectRef>
-            <a:fontRef idx="minor">
-              <a:schemeClr val="lt1"/>
-            </a:fontRef>
-          </p:style>
-          <p:txBody>
-            <a:bodyPr wrap="square" rtlCol="0" anchor="ctr">
-              <a:noAutofit/>
-            </a:bodyPr>
-            <a:lstStyle/>
-            <a:p>
-              <a:pPr marL="0" marR="0" lvl="0" indent="0" algn="ctr" defTabSz="914400" rtl="0" eaLnBrk="1" fontAlgn="auto" latinLnBrk="0" hangingPunct="1">
-                <a:lnSpc>
-                  <a:spcPct val="100000"/>
-                </a:lnSpc>
-                <a:spcBef>
-                  <a:spcPts val="0"/>
-                </a:spcBef>
-                <a:spcAft>
-                  <a:spcPts val="0"/>
-                </a:spcAft>
-                <a:buClrTx/>
-                <a:buSzTx/>
-                <a:buFontTx/>
-                <a:buNone/>
-                <a:tabLst/>
-                <a:defRPr/>
-              </a:pPr>
-              <a:endParaRPr kumimoji="0" lang="en-US" sz="1800" b="0" i="0" u="none" strike="noStrike" kern="1200" cap="none" spc="0" normalizeH="0" baseline="0" noProof="0" dirty="0">
-                <a:ln>
-                  <a:noFill/>
-                </a:ln>
-                <a:solidFill>
-                  <a:prstClr val="white"/>
-                </a:solidFill>
-                <a:effectLst/>
-                <a:uLnTx/>
-                <a:uFillTx/>
-                <a:latin typeface="Meiryo"/>
-                <a:ea typeface="+mn-ea"/>
-                <a:cs typeface="+mn-cs"/>
-              </a:endParaRPr>
-            </a:p>
-          </p:txBody>
-        </p:sp>
-        <p:sp>
-          <p:nvSpPr>
-            <p:cNvPr id="14" name="Freeform: Shape 13">
-              <a:extLst>
-                <a:ext uri="{FF2B5EF4-FFF2-40B4-BE49-F238E27FC236}">
-                  <a16:creationId xmlns:a16="http://schemas.microsoft.com/office/drawing/2014/main" id="{95C99F96-8984-456F-BD66-5C019A651033}"/>
-                </a:ext>
-                <a:ext uri="{C183D7F6-B498-43B3-948B-1728B52AA6E4}">
-                  <adec:decorative xmlns:adec="http://schemas.microsoft.com/office/drawing/2017/decorative" val="1"/>
-                </a:ext>
-              </a:extLst>
-            </p:cNvPr>
-            <p:cNvSpPr/>
-            <p:nvPr>
-              <p:extLst>
-                <p:ext uri="{386F3935-93C4-4BCD-93E2-E3B085C9AB24}">
-                  <p16:designElem xmlns:p16="http://schemas.microsoft.com/office/powerpoint/2015/main" val="1"/>
-                </p:ext>
-              </p:extLst>
-            </p:nvPr>
-          </p:nvSpPr>
-          <p:spPr>
-            <a:xfrm>
-              <a:off x="7953086" y="0"/>
-              <a:ext cx="2261351" cy="6858000"/>
-            </a:xfrm>
-            <a:custGeom>
-              <a:avLst/>
-              <a:gdLst>
-                <a:gd name="connsiteX0" fmla="*/ 879731 w 2521425"/>
-                <a:gd name="connsiteY0" fmla="*/ 0 h 6858000"/>
-                <a:gd name="connsiteX1" fmla="*/ 898402 w 2521425"/>
-                <a:gd name="connsiteY1" fmla="*/ 0 h 6858000"/>
-                <a:gd name="connsiteX2" fmla="*/ 920526 w 2521425"/>
-                <a:gd name="connsiteY2" fmla="*/ 14997 h 6858000"/>
-                <a:gd name="connsiteX3" fmla="*/ 2521425 w 2521425"/>
-                <a:gd name="connsiteY3" fmla="*/ 3621656 h 6858000"/>
-                <a:gd name="connsiteX4" fmla="*/ 647075 w 2521425"/>
-                <a:gd name="connsiteY4" fmla="*/ 6374814 h 6858000"/>
-                <a:gd name="connsiteX5" fmla="*/ 130427 w 2521425"/>
-                <a:gd name="connsiteY5" fmla="*/ 6780599 h 6858000"/>
-                <a:gd name="connsiteX6" fmla="*/ 18671 w 2521425"/>
-                <a:gd name="connsiteY6" fmla="*/ 6858000 h 6858000"/>
-                <a:gd name="connsiteX7" fmla="*/ 0 w 2521425"/>
-                <a:gd name="connsiteY7" fmla="*/ 6858000 h 6858000"/>
-                <a:gd name="connsiteX8" fmla="*/ 111756 w 2521425"/>
-                <a:gd name="connsiteY8" fmla="*/ 6780599 h 6858000"/>
-                <a:gd name="connsiteX9" fmla="*/ 628404 w 2521425"/>
-                <a:gd name="connsiteY9" fmla="*/ 6374814 h 6858000"/>
-                <a:gd name="connsiteX10" fmla="*/ 2502754 w 2521425"/>
-                <a:gd name="connsiteY10" fmla="*/ 3621656 h 6858000"/>
-                <a:gd name="connsiteX11" fmla="*/ 901855 w 2521425"/>
-                <a:gd name="connsiteY11" fmla="*/ 14997 h 6858000"/>
-              </a:gdLst>
-              <a:ahLst/>
-              <a:cxnLst>
-                <a:cxn ang="0">
-                  <a:pos x="connsiteX0" y="connsiteY0"/>
-                </a:cxn>
-                <a:cxn ang="0">
-                  <a:pos x="connsiteX1" y="connsiteY1"/>
-                </a:cxn>
-                <a:cxn ang="0">
-                  <a:pos x="connsiteX2" y="connsiteY2"/>
-                </a:cxn>
-                <a:cxn ang="0">
-                  <a:pos x="connsiteX3" y="connsiteY3"/>
-                </a:cxn>
-                <a:cxn ang="0">
-                  <a:pos x="connsiteX4" y="connsiteY4"/>
-                </a:cxn>
-                <a:cxn ang="0">
-                  <a:pos x="connsiteX5" y="connsiteY5"/>
-                </a:cxn>
-                <a:cxn ang="0">
-                  <a:pos x="connsiteX6" y="connsiteY6"/>
-                </a:cxn>
-                <a:cxn ang="0">
-                  <a:pos x="connsiteX7" y="connsiteY7"/>
-                </a:cxn>
-                <a:cxn ang="0">
-                  <a:pos x="connsiteX8" y="connsiteY8"/>
-                </a:cxn>
-                <a:cxn ang="0">
-                  <a:pos x="connsiteX9" y="connsiteY9"/>
-                </a:cxn>
-                <a:cxn ang="0">
-                  <a:pos x="connsiteX10" y="connsiteY10"/>
-                </a:cxn>
-                <a:cxn ang="0">
-                  <a:pos x="connsiteX11" y="connsiteY11"/>
-                </a:cxn>
-              </a:cxnLst>
-              <a:rect l="l" t="t" r="r" b="b"/>
-              <a:pathLst>
-                <a:path w="2521425" h="6858000">
-                  <a:moveTo>
-                    <a:pt x="879731" y="0"/>
-                  </a:moveTo>
-                  <a:lnTo>
-                    <a:pt x="898402" y="0"/>
-                  </a:lnTo>
-                  <a:lnTo>
-                    <a:pt x="920526" y="14997"/>
-                  </a:lnTo>
-                  <a:cubicBezTo>
-                    <a:pt x="1947689" y="754641"/>
-                    <a:pt x="2521425" y="2093192"/>
-                    <a:pt x="2521425" y="3621656"/>
-                  </a:cubicBezTo>
-                  <a:cubicBezTo>
-                    <a:pt x="2521425" y="4969131"/>
-                    <a:pt x="1592700" y="5602839"/>
-                    <a:pt x="647075" y="6374814"/>
-                  </a:cubicBezTo>
-                  <a:cubicBezTo>
-                    <a:pt x="474872" y="6515397"/>
-                    <a:pt x="304245" y="6653108"/>
-                    <a:pt x="130427" y="6780599"/>
-                  </a:cubicBezTo>
-                  <a:lnTo>
-                    <a:pt x="18671" y="6858000"/>
-                  </a:lnTo>
-                  <a:lnTo>
-                    <a:pt x="0" y="6858000"/>
-                  </a:lnTo>
-                  <a:lnTo>
-                    <a:pt x="111756" y="6780599"/>
-                  </a:lnTo>
-                  <a:cubicBezTo>
-                    <a:pt x="285574" y="6653108"/>
-                    <a:pt x="456201" y="6515397"/>
-                    <a:pt x="628404" y="6374814"/>
-                  </a:cubicBezTo>
-                  <a:cubicBezTo>
-                    <a:pt x="1574029" y="5602839"/>
-                    <a:pt x="2502754" y="4969131"/>
-                    <a:pt x="2502754" y="3621656"/>
-                  </a:cubicBezTo>
-                  <a:cubicBezTo>
-                    <a:pt x="2502754" y="2093192"/>
-                    <a:pt x="1929018" y="754641"/>
-                    <a:pt x="901855" y="14997"/>
-                  </a:cubicBezTo>
-                  <a:close/>
-                </a:path>
-              </a:pathLst>
-            </a:custGeom>
-            <a:solidFill>
-              <a:schemeClr val="bg2">
-                <a:lumMod val="90000"/>
-              </a:schemeClr>
-            </a:solidFill>
-            <a:ln>
-              <a:noFill/>
-            </a:ln>
-          </p:spPr>
-          <p:style>
-            <a:lnRef idx="2">
-              <a:schemeClr val="accent1">
-                <a:shade val="50000"/>
-              </a:schemeClr>
-            </a:lnRef>
-            <a:fillRef idx="1">
-              <a:schemeClr val="accent1"/>
-            </a:fillRef>
-            <a:effectRef idx="0">
-              <a:schemeClr val="accent1"/>
-            </a:effectRef>
-            <a:fontRef idx="minor">
-              <a:schemeClr val="lt1"/>
-            </a:fontRef>
-          </p:style>
-          <p:txBody>
-            <a:bodyPr wrap="square" rtlCol="0" anchor="ctr">
-              <a:noAutofit/>
-            </a:bodyPr>
-            <a:lstStyle/>
-            <a:p>
-              <a:pPr marL="0" marR="0" lvl="0" indent="0" algn="ctr" defTabSz="914400" rtl="0" eaLnBrk="1" fontAlgn="auto" latinLnBrk="0" hangingPunct="1">
-                <a:lnSpc>
-                  <a:spcPct val="100000"/>
-                </a:lnSpc>
-                <a:spcBef>
-                  <a:spcPts val="0"/>
-                </a:spcBef>
-                <a:spcAft>
-                  <a:spcPts val="0"/>
-                </a:spcAft>
-                <a:buClrTx/>
-                <a:buSzTx/>
-                <a:buFontTx/>
-                <a:buNone/>
-                <a:tabLst/>
-                <a:defRPr/>
-              </a:pPr>
-              <a:endParaRPr kumimoji="0" lang="en-US" sz="1800" b="0" i="0" u="none" strike="noStrike" kern="1200" cap="none" spc="0" normalizeH="0" baseline="0" noProof="0">
-                <a:ln>
-                  <a:noFill/>
-                </a:ln>
-                <a:solidFill>
-                  <a:prstClr val="white"/>
-                </a:solidFill>
-                <a:effectLst/>
-                <a:uLnTx/>
-                <a:uFillTx/>
-                <a:latin typeface="Meiryo"/>
-                <a:ea typeface="+mn-ea"/>
-                <a:cs typeface="+mn-cs"/>
-              </a:endParaRPr>
-            </a:p>
-          </p:txBody>
-        </p:sp>
-      </p:grpSp>
-      <p:sp>
-        <p:nvSpPr>
-          <p:cNvPr id="2" name="Title 1">
+          <a:custGeom>
+            <a:avLst/>
+            <a:gdLst>
+              <a:gd name="connsiteX0" fmla="*/ 879731 w 2536434"/>
+              <a:gd name="connsiteY0" fmla="*/ 0 h 6858000"/>
+              <a:gd name="connsiteX1" fmla="*/ 913411 w 2536434"/>
+              <a:gd name="connsiteY1" fmla="*/ 0 h 6858000"/>
+              <a:gd name="connsiteX2" fmla="*/ 935535 w 2536434"/>
+              <a:gd name="connsiteY2" fmla="*/ 14997 h 6858000"/>
+              <a:gd name="connsiteX3" fmla="*/ 2536434 w 2536434"/>
+              <a:gd name="connsiteY3" fmla="*/ 3621656 h 6858000"/>
+              <a:gd name="connsiteX4" fmla="*/ 662084 w 2536434"/>
+              <a:gd name="connsiteY4" fmla="*/ 6374814 h 6858000"/>
+              <a:gd name="connsiteX5" fmla="*/ 145436 w 2536434"/>
+              <a:gd name="connsiteY5" fmla="*/ 6780599 h 6858000"/>
+              <a:gd name="connsiteX6" fmla="*/ 33680 w 2536434"/>
+              <a:gd name="connsiteY6" fmla="*/ 6858000 h 6858000"/>
+              <a:gd name="connsiteX7" fmla="*/ 0 w 2536434"/>
+              <a:gd name="connsiteY7" fmla="*/ 6858000 h 6858000"/>
+              <a:gd name="connsiteX8" fmla="*/ 111756 w 2536434"/>
+              <a:gd name="connsiteY8" fmla="*/ 6780599 h 6858000"/>
+              <a:gd name="connsiteX9" fmla="*/ 628404 w 2536434"/>
+              <a:gd name="connsiteY9" fmla="*/ 6374814 h 6858000"/>
+              <a:gd name="connsiteX10" fmla="*/ 2502754 w 2536434"/>
+              <a:gd name="connsiteY10" fmla="*/ 3621656 h 6858000"/>
+              <a:gd name="connsiteX11" fmla="*/ 901855 w 2536434"/>
+              <a:gd name="connsiteY11" fmla="*/ 14997 h 6858000"/>
+            </a:gdLst>
+            <a:ahLst/>
+            <a:cxnLst>
+              <a:cxn ang="0">
+                <a:pos x="connsiteX0" y="connsiteY0"/>
+              </a:cxn>
+              <a:cxn ang="0">
+                <a:pos x="connsiteX1" y="connsiteY1"/>
+              </a:cxn>
+              <a:cxn ang="0">
+                <a:pos x="connsiteX2" y="connsiteY2"/>
+              </a:cxn>
+              <a:cxn ang="0">
+                <a:pos x="connsiteX3" y="connsiteY3"/>
+              </a:cxn>
+              <a:cxn ang="0">
+                <a:pos x="connsiteX4" y="connsiteY4"/>
+              </a:cxn>
+              <a:cxn ang="0">
+                <a:pos x="connsiteX5" y="connsiteY5"/>
+              </a:cxn>
+              <a:cxn ang="0">
+                <a:pos x="connsiteX6" y="connsiteY6"/>
+              </a:cxn>
+              <a:cxn ang="0">
+                <a:pos x="connsiteX7" y="connsiteY7"/>
+              </a:cxn>
+              <a:cxn ang="0">
+                <a:pos x="connsiteX8" y="connsiteY8"/>
+              </a:cxn>
+              <a:cxn ang="0">
+                <a:pos x="connsiteX9" y="connsiteY9"/>
+              </a:cxn>
+              <a:cxn ang="0">
+                <a:pos x="connsiteX10" y="connsiteY10"/>
+              </a:cxn>
+              <a:cxn ang="0">
+                <a:pos x="connsiteX11" y="connsiteY11"/>
+              </a:cxn>
+            </a:cxnLst>
+            <a:rect l="l" t="t" r="r" b="b"/>
+            <a:pathLst>
+              <a:path w="2536434" h="6858000">
+                <a:moveTo>
+                  <a:pt x="879731" y="0"/>
+                </a:moveTo>
+                <a:lnTo>
+                  <a:pt x="913411" y="0"/>
+                </a:lnTo>
+                <a:lnTo>
+                  <a:pt x="935535" y="14997"/>
+                </a:lnTo>
+                <a:cubicBezTo>
+                  <a:pt x="1962698" y="754641"/>
+                  <a:pt x="2536434" y="2093192"/>
+                  <a:pt x="2536434" y="3621656"/>
+                </a:cubicBezTo>
+                <a:cubicBezTo>
+                  <a:pt x="2536434" y="4969131"/>
+                  <a:pt x="1607709" y="5602839"/>
+                  <a:pt x="662084" y="6374814"/>
+                </a:cubicBezTo>
+                <a:cubicBezTo>
+                  <a:pt x="489881" y="6515397"/>
+                  <a:pt x="319254" y="6653108"/>
+                  <a:pt x="145436" y="6780599"/>
+                </a:cubicBezTo>
+                <a:lnTo>
+                  <a:pt x="33680" y="6858000"/>
+                </a:lnTo>
+                <a:lnTo>
+                  <a:pt x="0" y="6858000"/>
+                </a:lnTo>
+                <a:lnTo>
+                  <a:pt x="111756" y="6780599"/>
+                </a:lnTo>
+                <a:cubicBezTo>
+                  <a:pt x="285574" y="6653108"/>
+                  <a:pt x="456201" y="6515397"/>
+                  <a:pt x="628404" y="6374814"/>
+                </a:cubicBezTo>
+                <a:cubicBezTo>
+                  <a:pt x="1574029" y="5602839"/>
+                  <a:pt x="2502754" y="4969131"/>
+                  <a:pt x="2502754" y="3621656"/>
+                </a:cubicBezTo>
+                <a:cubicBezTo>
+                  <a:pt x="2502754" y="2093192"/>
+                  <a:pt x="1929018" y="754641"/>
+                  <a:pt x="901855" y="14997"/>
+                </a:cubicBezTo>
+                <a:close/>
+              </a:path>
+            </a:pathLst>
+          </a:custGeom>
+          <a:solidFill>
+            <a:srgbClr val="FFFFFF"/>
+          </a:solidFill>
+          <a:ln>
+            <a:noFill/>
+          </a:ln>
+        </p:spPr>
+        <p:style>
+          <a:lnRef idx="2">
+            <a:schemeClr val="accent1">
+              <a:shade val="50000"/>
+            </a:schemeClr>
+          </a:lnRef>
+          <a:fillRef idx="1">
+            <a:schemeClr val="accent1"/>
+          </a:fillRef>
+          <a:effectRef idx="0">
+            <a:schemeClr val="accent1"/>
+          </a:effectRef>
+          <a:fontRef idx="minor">
+            <a:schemeClr val="lt1"/>
+          </a:fontRef>
+        </p:style>
+        <p:txBody>
+          <a:bodyPr wrap="square" rtlCol="0" anchor="ctr">
+            <a:noAutofit/>
+          </a:bodyPr>
+          <a:lstStyle/>
+          <a:p>
+            <a:pPr marL="0" marR="0" lvl="0" indent="0" algn="ctr" defTabSz="914400" rtl="0" eaLnBrk="1" fontAlgn="auto" latinLnBrk="0" hangingPunct="1">
+              <a:lnSpc>
+                <a:spcPct val="100000"/>
+              </a:lnSpc>
+              <a:spcBef>
+                <a:spcPts val="0"/>
+              </a:spcBef>
+              <a:spcAft>
+                <a:spcPts val="0"/>
+              </a:spcAft>
+              <a:buClrTx/>
+              <a:buSzTx/>
+              <a:buFontTx/>
+              <a:buNone/>
+              <a:tabLst/>
+              <a:defRPr/>
+            </a:pPr>
+            <a:endParaRPr kumimoji="0" lang="en-US" sz="1800" b="0" i="0" u="none" strike="noStrike" kern="1200" cap="none" spc="0" normalizeH="0" baseline="0" noProof="0" dirty="0">
+              <a:ln>
+                <a:noFill/>
+              </a:ln>
+              <a:solidFill>
+                <a:prstClr val="white"/>
+              </a:solidFill>
+              <a:effectLst/>
+              <a:uLnTx/>
+              <a:uFillTx/>
+              <a:latin typeface="Meiryo"/>
+              <a:ea typeface="+mn-ea"/>
+              <a:cs typeface="+mn-cs"/>
+            </a:endParaRPr>
+          </a:p>
+        </p:txBody>
+      </p:sp>
+      <p:pic>
+        <p:nvPicPr>
+          <p:cNvPr id="16" name="Picture 15" descr="Graph on document with pen">
             <a:extLst>
               <a:ext uri="{FF2B5EF4-FFF2-40B4-BE49-F238E27FC236}">
-                <a16:creationId xmlns:a16="http://schemas.microsoft.com/office/drawing/2014/main" id="{5DD749AD-77AE-452F-B200-27C862DD34A3}"/>
+                <a16:creationId xmlns:a16="http://schemas.microsoft.com/office/drawing/2014/main" id="{654EEE5B-965F-7E99-04A7-6398F8D414A5}"/>
               </a:ext>
             </a:extLst>
           </p:cNvPr>
-          <p:cNvSpPr>
-            <a:spLocks noGrp="1"/>
-          </p:cNvSpPr>
-          <p:nvPr>
-            <p:ph type="title"/>
-          </p:nvPr>
-        </p:nvSpPr>
+          <p:cNvPicPr>
+            <a:picLocks noChangeAspect="1"/>
+          </p:cNvPicPr>
+          <p:nvPr/>
+        </p:nvPicPr>
+        <p:blipFill rotWithShape="1">
+          <a:blip r:embed="rId2"/>
+          <a:srcRect l="32586" r="18863" b="-1"/>
+          <a:stretch/>
+        </p:blipFill>
         <p:spPr>
           <a:xfrm>
-            <a:off x="1920875" y="442913"/>
-            <a:ext cx="6857365" cy="1344612"/>
+            <a:off x="7203882" y="10"/>
+            <a:ext cx="4988118" cy="6857990"/>
           </a:xfrm>
+          <a:custGeom>
+            <a:avLst/>
+            <a:gdLst/>
+            <a:ahLst/>
+            <a:cxnLst/>
+            <a:rect l="l" t="t" r="r" b="b"/>
+            <a:pathLst>
+              <a:path w="4901771" h="6858000">
+                <a:moveTo>
+                  <a:pt x="1623023" y="0"/>
+                </a:moveTo>
+                <a:lnTo>
+                  <a:pt x="2716256" y="0"/>
+                </a:lnTo>
+                <a:lnTo>
+                  <a:pt x="3496422" y="0"/>
+                </a:lnTo>
+                <a:lnTo>
+                  <a:pt x="4544484" y="0"/>
+                </a:lnTo>
+                <a:lnTo>
+                  <a:pt x="4710787" y="0"/>
+                </a:lnTo>
+                <a:lnTo>
+                  <a:pt x="4901771" y="0"/>
+                </a:lnTo>
+                <a:lnTo>
+                  <a:pt x="4901771" y="6858000"/>
+                </a:lnTo>
+                <a:lnTo>
+                  <a:pt x="4710787" y="6858000"/>
+                </a:lnTo>
+                <a:lnTo>
+                  <a:pt x="4544484" y="6858000"/>
+                </a:lnTo>
+                <a:lnTo>
+                  <a:pt x="3496422" y="6858000"/>
+                </a:lnTo>
+                <a:lnTo>
+                  <a:pt x="2716256" y="6858000"/>
+                </a:lnTo>
+                <a:lnTo>
+                  <a:pt x="2502754" y="6858000"/>
+                </a:lnTo>
+                <a:lnTo>
+                  <a:pt x="2390998" y="6780599"/>
+                </a:lnTo>
+                <a:cubicBezTo>
+                  <a:pt x="2217180" y="6653108"/>
+                  <a:pt x="2046553" y="6515397"/>
+                  <a:pt x="1874350" y="6374814"/>
+                </a:cubicBezTo>
+                <a:cubicBezTo>
+                  <a:pt x="928725" y="5602839"/>
+                  <a:pt x="0" y="4969131"/>
+                  <a:pt x="0" y="3621656"/>
+                </a:cubicBezTo>
+                <a:cubicBezTo>
+                  <a:pt x="0" y="2093192"/>
+                  <a:pt x="573736" y="754641"/>
+                  <a:pt x="1600899" y="14997"/>
+                </a:cubicBezTo>
+                <a:close/>
+              </a:path>
+            </a:pathLst>
+          </a:custGeom>
         </p:spPr>
-        <p:txBody>
-          <a:bodyPr anchor="b">
-            <a:normAutofit/>
-          </a:bodyPr>
-          <a:lstStyle/>
-          <a:p>
-            <a:r>
-              <a:rPr lang="en-US" dirty="0"/>
-              <a:t>What is LMS(µ-LMS) ?</a:t>
-            </a:r>
-          </a:p>
-        </p:txBody>
-      </p:sp>
-      <p:sp>
-        <p:nvSpPr>
-          <p:cNvPr id="3" name="Content Placeholder 2">
-            <a:extLst>
-              <a:ext uri="{FF2B5EF4-FFF2-40B4-BE49-F238E27FC236}">
-                <a16:creationId xmlns:a16="http://schemas.microsoft.com/office/drawing/2014/main" id="{DBC134D6-0AB2-40F9-8622-00C235D37A9D}"/>
-              </a:ext>
-            </a:extLst>
-          </p:cNvPr>
-          <p:cNvSpPr>
-            <a:spLocks noGrp="1"/>
-          </p:cNvSpPr>
-          <p:nvPr>
-            <p:ph idx="1"/>
-          </p:nvPr>
-        </p:nvSpPr>
-        <p:spPr>
-          <a:xfrm>
-            <a:off x="1920875" y="2312988"/>
-            <a:ext cx="6857365" cy="3651250"/>
-          </a:xfrm>
-        </p:spPr>
-        <p:txBody>
-          <a:bodyPr>
-            <a:normAutofit/>
-          </a:bodyPr>
-          <a:lstStyle/>
-          <a:p>
-            <a:pPr>
-              <a:lnSpc>
-                <a:spcPct val="100000"/>
-              </a:lnSpc>
-            </a:pPr>
-            <a:r>
-              <a:rPr lang="en-US" sz="1900"/>
-              <a:t>The Widrow-Hoff µ-LMS algorithm is a supervised learning algorithm used in machine learning and signal processing for adaptive filtering, prediction, and control. The algorithm is also known as the Least Mean Square (LMS) algorithm, or the Adaptive Linear Neuron (ADALINE).</a:t>
-            </a:r>
-          </a:p>
-          <a:p>
-            <a:pPr>
-              <a:lnSpc>
-                <a:spcPct val="100000"/>
-              </a:lnSpc>
-            </a:pPr>
-            <a:endParaRPr lang="en-US" sz="1900"/>
-          </a:p>
-          <a:p>
-            <a:pPr>
-              <a:lnSpc>
-                <a:spcPct val="100000"/>
-              </a:lnSpc>
-            </a:pPr>
-            <a:r>
-              <a:rPr lang="en-US" sz="1900"/>
-              <a:t>The µ-LMS algorithm is based on the principle of minimizing the mean squared error (MSE) between the desired output and the predicted output. It works by adjusting the weights of a linear filter based on the error between the predicted output and the desired output.</a:t>
-            </a:r>
-          </a:p>
-        </p:txBody>
-      </p:sp>
+      </p:pic>
     </p:spTree>
     <p:extLst>
       <p:ext uri="{BB962C8B-B14F-4D97-AF65-F5344CB8AC3E}">
@@ -17007,6 +16185,14 @@
 <file path=ppt/slides/slide5.xml><?xml version="1.0" encoding="utf-8"?>
 <p:sld xmlns:a="http://schemas.openxmlformats.org/drawingml/2006/main" xmlns:r="http://schemas.openxmlformats.org/officeDocument/2006/relationships" xmlns:p="http://schemas.openxmlformats.org/presentationml/2006/main">
   <p:cSld>
+    <p:bg>
+      <p:bgPr>
+        <a:solidFill>
+          <a:schemeClr val="bg2"/>
+        </a:solidFill>
+        <a:effectLst/>
+      </p:bgPr>
+    </p:bg>
     <p:spTree>
       <p:nvGrpSpPr>
         <p:cNvPr id="1" name=""/>
@@ -17021,6 +16207,733 @@
           <a:chExt cx="0" cy="0"/>
         </a:xfrm>
       </p:grpSpPr>
+      <p:sp useBgFill="1">
+        <p:nvSpPr>
+          <p:cNvPr id="18" name="Rectangle 17">
+            <a:extLst>
+              <a:ext uri="{FF2B5EF4-FFF2-40B4-BE49-F238E27FC236}">
+                <a16:creationId xmlns:a16="http://schemas.microsoft.com/office/drawing/2014/main" id="{8181FC64-B306-4821-98E2-780662EFC486}"/>
+              </a:ext>
+              <a:ext uri="{C183D7F6-B498-43B3-948B-1728B52AA6E4}">
+                <adec:decorative xmlns:adec="http://schemas.microsoft.com/office/drawing/2017/decorative" val="1"/>
+              </a:ext>
+            </a:extLst>
+          </p:cNvPr>
+          <p:cNvSpPr>
+            <a:spLocks noGrp="1" noRot="1" noChangeAspect="1" noMove="1" noResize="1" noEditPoints="1" noAdjustHandles="1" noChangeArrowheads="1" noChangeShapeType="1" noTextEdit="1"/>
+          </p:cNvSpPr>
+          <p:nvPr>
+            <p:extLst>
+              <p:ext uri="{386F3935-93C4-4BCD-93E2-E3B085C9AB24}">
+                <p16:designElem xmlns:p16="http://schemas.microsoft.com/office/powerpoint/2015/main" val="1"/>
+              </p:ext>
+            </p:extLst>
+          </p:nvPr>
+        </p:nvSpPr>
+        <p:spPr>
+          <a:xfrm>
+            <a:off x="305" y="0"/>
+            <a:ext cx="12191695" cy="6858000"/>
+          </a:xfrm>
+          <a:prstGeom prst="rect">
+            <a:avLst/>
+          </a:prstGeom>
+          <a:ln>
+            <a:noFill/>
+          </a:ln>
+        </p:spPr>
+        <p:style>
+          <a:lnRef idx="2">
+            <a:schemeClr val="accent1">
+              <a:shade val="50000"/>
+            </a:schemeClr>
+          </a:lnRef>
+          <a:fillRef idx="1">
+            <a:schemeClr val="accent1"/>
+          </a:fillRef>
+          <a:effectRef idx="0">
+            <a:schemeClr val="accent1"/>
+          </a:effectRef>
+          <a:fontRef idx="minor">
+            <a:schemeClr val="lt1"/>
+          </a:fontRef>
+        </p:style>
+        <p:txBody>
+          <a:bodyPr rtlCol="0" anchor="ctr"/>
+          <a:lstStyle/>
+          <a:p>
+            <a:pPr marL="0" marR="0" lvl="0" indent="0" algn="ctr" defTabSz="457200" rtl="0" eaLnBrk="1" fontAlgn="auto" latinLnBrk="0" hangingPunct="1">
+              <a:lnSpc>
+                <a:spcPct val="100000"/>
+              </a:lnSpc>
+              <a:spcBef>
+                <a:spcPts val="0"/>
+              </a:spcBef>
+              <a:spcAft>
+                <a:spcPts val="0"/>
+              </a:spcAft>
+              <a:buClrTx/>
+              <a:buSzTx/>
+              <a:buFontTx/>
+              <a:buNone/>
+              <a:tabLst/>
+              <a:defRPr/>
+            </a:pPr>
+            <a:endParaRPr kumimoji="0" lang="en-US" sz="1800" b="0" i="0" u="none" strike="noStrike" kern="1200" cap="none" spc="0" normalizeH="0" baseline="0" noProof="0" dirty="0">
+              <a:ln>
+                <a:noFill/>
+              </a:ln>
+              <a:solidFill>
+                <a:prstClr val="white"/>
+              </a:solidFill>
+              <a:effectLst/>
+              <a:uLnTx/>
+              <a:uFillTx/>
+              <a:latin typeface="Meiryo"/>
+              <a:ea typeface="+mn-ea"/>
+              <a:cs typeface="+mn-cs"/>
+            </a:endParaRPr>
+          </a:p>
+        </p:txBody>
+      </p:sp>
+      <p:sp>
+        <p:nvSpPr>
+          <p:cNvPr id="20" name="Freeform: Shape 19">
+            <a:extLst>
+              <a:ext uri="{FF2B5EF4-FFF2-40B4-BE49-F238E27FC236}">
+                <a16:creationId xmlns:a16="http://schemas.microsoft.com/office/drawing/2014/main" id="{BC0385E9-02B2-4941-889A-EAD43F5BB0A3}"/>
+              </a:ext>
+              <a:ext uri="{C183D7F6-B498-43B3-948B-1728B52AA6E4}">
+                <adec:decorative xmlns:adec="http://schemas.microsoft.com/office/drawing/2017/decorative" val="1"/>
+              </a:ext>
+            </a:extLst>
+          </p:cNvPr>
+          <p:cNvSpPr>
+            <a:spLocks noGrp="1" noRot="1" noChangeAspect="1" noMove="1" noResize="1" noEditPoints="1" noAdjustHandles="1" noChangeArrowheads="1" noChangeShapeType="1" noTextEdit="1"/>
+          </p:cNvSpPr>
+          <p:nvPr>
+            <p:extLst>
+              <p:ext uri="{386F3935-93C4-4BCD-93E2-E3B085C9AB24}">
+                <p16:designElem xmlns:p16="http://schemas.microsoft.com/office/powerpoint/2015/main" val="1"/>
+              </p:ext>
+            </p:extLst>
+          </p:nvPr>
+        </p:nvSpPr>
+        <p:spPr>
+          <a:xfrm flipH="1">
+            <a:off x="6736139" y="0"/>
+            <a:ext cx="5455860" cy="6858000"/>
+          </a:xfrm>
+          <a:custGeom>
+            <a:avLst/>
+            <a:gdLst>
+              <a:gd name="connsiteX0" fmla="*/ 3832837 w 5455860"/>
+              <a:gd name="connsiteY0" fmla="*/ 0 h 6858000"/>
+              <a:gd name="connsiteX1" fmla="*/ 2739604 w 5455860"/>
+              <a:gd name="connsiteY1" fmla="*/ 0 h 6858000"/>
+              <a:gd name="connsiteX2" fmla="*/ 1959438 w 5455860"/>
+              <a:gd name="connsiteY2" fmla="*/ 0 h 6858000"/>
+              <a:gd name="connsiteX3" fmla="*/ 1895061 w 5455860"/>
+              <a:gd name="connsiteY3" fmla="*/ 0 h 6858000"/>
+              <a:gd name="connsiteX4" fmla="*/ 249909 w 5455860"/>
+              <a:gd name="connsiteY4" fmla="*/ 0 h 6858000"/>
+              <a:gd name="connsiteX5" fmla="*/ 0 w 5455860"/>
+              <a:gd name="connsiteY5" fmla="*/ 0 h 6858000"/>
+              <a:gd name="connsiteX6" fmla="*/ 0 w 5455860"/>
+              <a:gd name="connsiteY6" fmla="*/ 6858000 h 6858000"/>
+              <a:gd name="connsiteX7" fmla="*/ 249909 w 5455860"/>
+              <a:gd name="connsiteY7" fmla="*/ 6858000 h 6858000"/>
+              <a:gd name="connsiteX8" fmla="*/ 1895061 w 5455860"/>
+              <a:gd name="connsiteY8" fmla="*/ 6858000 h 6858000"/>
+              <a:gd name="connsiteX9" fmla="*/ 1959438 w 5455860"/>
+              <a:gd name="connsiteY9" fmla="*/ 6858000 h 6858000"/>
+              <a:gd name="connsiteX10" fmla="*/ 2739604 w 5455860"/>
+              <a:gd name="connsiteY10" fmla="*/ 6858000 h 6858000"/>
+              <a:gd name="connsiteX11" fmla="*/ 2953106 w 5455860"/>
+              <a:gd name="connsiteY11" fmla="*/ 6858000 h 6858000"/>
+              <a:gd name="connsiteX12" fmla="*/ 3064862 w 5455860"/>
+              <a:gd name="connsiteY12" fmla="*/ 6780599 h 6858000"/>
+              <a:gd name="connsiteX13" fmla="*/ 3581510 w 5455860"/>
+              <a:gd name="connsiteY13" fmla="*/ 6374814 h 6858000"/>
+              <a:gd name="connsiteX14" fmla="*/ 5455860 w 5455860"/>
+              <a:gd name="connsiteY14" fmla="*/ 3621656 h 6858000"/>
+              <a:gd name="connsiteX15" fmla="*/ 3854961 w 5455860"/>
+              <a:gd name="connsiteY15" fmla="*/ 14997 h 6858000"/>
+            </a:gdLst>
+            <a:ahLst/>
+            <a:cxnLst>
+              <a:cxn ang="0">
+                <a:pos x="connsiteX0" y="connsiteY0"/>
+              </a:cxn>
+              <a:cxn ang="0">
+                <a:pos x="connsiteX1" y="connsiteY1"/>
+              </a:cxn>
+              <a:cxn ang="0">
+                <a:pos x="connsiteX2" y="connsiteY2"/>
+              </a:cxn>
+              <a:cxn ang="0">
+                <a:pos x="connsiteX3" y="connsiteY3"/>
+              </a:cxn>
+              <a:cxn ang="0">
+                <a:pos x="connsiteX4" y="connsiteY4"/>
+              </a:cxn>
+              <a:cxn ang="0">
+                <a:pos x="connsiteX5" y="connsiteY5"/>
+              </a:cxn>
+              <a:cxn ang="0">
+                <a:pos x="connsiteX6" y="connsiteY6"/>
+              </a:cxn>
+              <a:cxn ang="0">
+                <a:pos x="connsiteX7" y="connsiteY7"/>
+              </a:cxn>
+              <a:cxn ang="0">
+                <a:pos x="connsiteX8" y="connsiteY8"/>
+              </a:cxn>
+              <a:cxn ang="0">
+                <a:pos x="connsiteX9" y="connsiteY9"/>
+              </a:cxn>
+              <a:cxn ang="0">
+                <a:pos x="connsiteX10" y="connsiteY10"/>
+              </a:cxn>
+              <a:cxn ang="0">
+                <a:pos x="connsiteX11" y="connsiteY11"/>
+              </a:cxn>
+              <a:cxn ang="0">
+                <a:pos x="connsiteX12" y="connsiteY12"/>
+              </a:cxn>
+              <a:cxn ang="0">
+                <a:pos x="connsiteX13" y="connsiteY13"/>
+              </a:cxn>
+              <a:cxn ang="0">
+                <a:pos x="connsiteX14" y="connsiteY14"/>
+              </a:cxn>
+              <a:cxn ang="0">
+                <a:pos x="connsiteX15" y="connsiteY15"/>
+              </a:cxn>
+            </a:cxnLst>
+            <a:rect l="l" t="t" r="r" b="b"/>
+            <a:pathLst>
+              <a:path w="5455860" h="6858000">
+                <a:moveTo>
+                  <a:pt x="3832837" y="0"/>
+                </a:moveTo>
+                <a:lnTo>
+                  <a:pt x="2739604" y="0"/>
+                </a:lnTo>
+                <a:lnTo>
+                  <a:pt x="1959438" y="0"/>
+                </a:lnTo>
+                <a:lnTo>
+                  <a:pt x="1895061" y="0"/>
+                </a:lnTo>
+                <a:lnTo>
+                  <a:pt x="249909" y="0"/>
+                </a:lnTo>
+                <a:lnTo>
+                  <a:pt x="0" y="0"/>
+                </a:lnTo>
+                <a:lnTo>
+                  <a:pt x="0" y="6858000"/>
+                </a:lnTo>
+                <a:lnTo>
+                  <a:pt x="249909" y="6858000"/>
+                </a:lnTo>
+                <a:lnTo>
+                  <a:pt x="1895061" y="6858000"/>
+                </a:lnTo>
+                <a:lnTo>
+                  <a:pt x="1959438" y="6858000"/>
+                </a:lnTo>
+                <a:lnTo>
+                  <a:pt x="2739604" y="6858000"/>
+                </a:lnTo>
+                <a:lnTo>
+                  <a:pt x="2953106" y="6858000"/>
+                </a:lnTo>
+                <a:lnTo>
+                  <a:pt x="3064862" y="6780599"/>
+                </a:lnTo>
+                <a:cubicBezTo>
+                  <a:pt x="3238680" y="6653108"/>
+                  <a:pt x="3409307" y="6515397"/>
+                  <a:pt x="3581510" y="6374814"/>
+                </a:cubicBezTo>
+                <a:cubicBezTo>
+                  <a:pt x="4527135" y="5602839"/>
+                  <a:pt x="5455860" y="4969131"/>
+                  <a:pt x="5455860" y="3621656"/>
+                </a:cubicBezTo>
+                <a:cubicBezTo>
+                  <a:pt x="5455860" y="2093192"/>
+                  <a:pt x="4882124" y="754641"/>
+                  <a:pt x="3854961" y="14997"/>
+                </a:cubicBezTo>
+                <a:close/>
+              </a:path>
+            </a:pathLst>
+          </a:custGeom>
+          <a:solidFill>
+            <a:schemeClr val="bg1">
+              <a:alpha val="60000"/>
+            </a:schemeClr>
+          </a:solidFill>
+          <a:ln>
+            <a:noFill/>
+          </a:ln>
+        </p:spPr>
+        <p:style>
+          <a:lnRef idx="2">
+            <a:schemeClr val="accent1">
+              <a:shade val="50000"/>
+            </a:schemeClr>
+          </a:lnRef>
+          <a:fillRef idx="1">
+            <a:schemeClr val="accent1"/>
+          </a:fillRef>
+          <a:effectRef idx="0">
+            <a:schemeClr val="accent1"/>
+          </a:effectRef>
+          <a:fontRef idx="minor">
+            <a:schemeClr val="lt1"/>
+          </a:fontRef>
+        </p:style>
+        <p:txBody>
+          <a:bodyPr wrap="square" rtlCol="0" anchor="ctr">
+            <a:noAutofit/>
+          </a:bodyPr>
+          <a:lstStyle/>
+          <a:p>
+            <a:pPr algn="ctr"/>
+            <a:endParaRPr lang="en-US" dirty="0"/>
+          </a:p>
+        </p:txBody>
+      </p:sp>
+      <p:sp>
+        <p:nvSpPr>
+          <p:cNvPr id="22" name="Freeform: Shape 21">
+            <a:extLst>
+              <a:ext uri="{FF2B5EF4-FFF2-40B4-BE49-F238E27FC236}">
+                <a16:creationId xmlns:a16="http://schemas.microsoft.com/office/drawing/2014/main" id="{829A1E2C-5AC8-40FC-99E9-832069D39792}"/>
+              </a:ext>
+              <a:ext uri="{C183D7F6-B498-43B3-948B-1728B52AA6E4}">
+                <adec:decorative xmlns:adec="http://schemas.microsoft.com/office/drawing/2017/decorative" val="1"/>
+              </a:ext>
+            </a:extLst>
+          </p:cNvPr>
+          <p:cNvSpPr>
+            <a:spLocks noGrp="1" noRot="1" noChangeAspect="1" noMove="1" noResize="1" noEditPoints="1" noAdjustHandles="1" noChangeArrowheads="1" noChangeShapeType="1" noTextEdit="1"/>
+          </p:cNvSpPr>
+          <p:nvPr>
+            <p:extLst>
+              <p:ext uri="{386F3935-93C4-4BCD-93E2-E3B085C9AB24}">
+                <p16:designElem xmlns:p16="http://schemas.microsoft.com/office/powerpoint/2015/main" val="1"/>
+              </p:ext>
+            </p:extLst>
+          </p:nvPr>
+        </p:nvSpPr>
+        <p:spPr>
+          <a:xfrm flipH="1">
+            <a:off x="6255864" y="0"/>
+            <a:ext cx="2529723" cy="6858000"/>
+          </a:xfrm>
+          <a:custGeom>
+            <a:avLst/>
+            <a:gdLst>
+              <a:gd name="connsiteX0" fmla="*/ 1258269 w 2529723"/>
+              <a:gd name="connsiteY0" fmla="*/ 0 h 6858000"/>
+              <a:gd name="connsiteX1" fmla="*/ 1275627 w 2529723"/>
+              <a:gd name="connsiteY1" fmla="*/ 0 h 6858000"/>
+              <a:gd name="connsiteX2" fmla="*/ 1302560 w 2529723"/>
+              <a:gd name="connsiteY2" fmla="*/ 24338 h 6858000"/>
+              <a:gd name="connsiteX3" fmla="*/ 2522825 w 2529723"/>
+              <a:gd name="connsiteY3" fmla="*/ 3678515 h 6858000"/>
+              <a:gd name="connsiteX4" fmla="*/ 557500 w 2529723"/>
+              <a:gd name="connsiteY4" fmla="*/ 6451411 h 6858000"/>
+              <a:gd name="connsiteX5" fmla="*/ 32482 w 2529723"/>
+              <a:gd name="connsiteY5" fmla="*/ 6849373 h 6858000"/>
+              <a:gd name="connsiteX6" fmla="*/ 19531 w 2529723"/>
+              <a:gd name="connsiteY6" fmla="*/ 6858000 h 6858000"/>
+              <a:gd name="connsiteX7" fmla="*/ 0 w 2529723"/>
+              <a:gd name="connsiteY7" fmla="*/ 6858000 h 6858000"/>
+              <a:gd name="connsiteX8" fmla="*/ 14202 w 2529723"/>
+              <a:gd name="connsiteY8" fmla="*/ 6848540 h 6858000"/>
+              <a:gd name="connsiteX9" fmla="*/ 539221 w 2529723"/>
+              <a:gd name="connsiteY9" fmla="*/ 6450578 h 6858000"/>
+              <a:gd name="connsiteX10" fmla="*/ 2504546 w 2529723"/>
+              <a:gd name="connsiteY10" fmla="*/ 3677682 h 6858000"/>
+              <a:gd name="connsiteX11" fmla="*/ 1284280 w 2529723"/>
+              <a:gd name="connsiteY11" fmla="*/ 23504 h 6858000"/>
+            </a:gdLst>
+            <a:ahLst/>
+            <a:cxnLst>
+              <a:cxn ang="0">
+                <a:pos x="connsiteX0" y="connsiteY0"/>
+              </a:cxn>
+              <a:cxn ang="0">
+                <a:pos x="connsiteX1" y="connsiteY1"/>
+              </a:cxn>
+              <a:cxn ang="0">
+                <a:pos x="connsiteX2" y="connsiteY2"/>
+              </a:cxn>
+              <a:cxn ang="0">
+                <a:pos x="connsiteX3" y="connsiteY3"/>
+              </a:cxn>
+              <a:cxn ang="0">
+                <a:pos x="connsiteX4" y="connsiteY4"/>
+              </a:cxn>
+              <a:cxn ang="0">
+                <a:pos x="connsiteX5" y="connsiteY5"/>
+              </a:cxn>
+              <a:cxn ang="0">
+                <a:pos x="connsiteX6" y="connsiteY6"/>
+              </a:cxn>
+              <a:cxn ang="0">
+                <a:pos x="connsiteX7" y="connsiteY7"/>
+              </a:cxn>
+              <a:cxn ang="0">
+                <a:pos x="connsiteX8" y="connsiteY8"/>
+              </a:cxn>
+              <a:cxn ang="0">
+                <a:pos x="connsiteX9" y="connsiteY9"/>
+              </a:cxn>
+              <a:cxn ang="0">
+                <a:pos x="connsiteX10" y="connsiteY10"/>
+              </a:cxn>
+              <a:cxn ang="0">
+                <a:pos x="connsiteX11" y="connsiteY11"/>
+              </a:cxn>
+            </a:cxnLst>
+            <a:rect l="l" t="t" r="r" b="b"/>
+            <a:pathLst>
+              <a:path w="2529723" h="6858000">
+                <a:moveTo>
+                  <a:pt x="1258269" y="0"/>
+                </a:moveTo>
+                <a:lnTo>
+                  <a:pt x="1275627" y="0"/>
+                </a:lnTo>
+                <a:lnTo>
+                  <a:pt x="1302560" y="24338"/>
+                </a:lnTo>
+                <a:cubicBezTo>
+                  <a:pt x="2156831" y="855667"/>
+                  <a:pt x="2590622" y="2191755"/>
+                  <a:pt x="2522825" y="3678515"/>
+                </a:cubicBezTo>
+                <a:cubicBezTo>
+                  <a:pt x="2459072" y="5076606"/>
+                  <a:pt x="1519830" y="5692656"/>
+                  <a:pt x="557500" y="6451411"/>
+                </a:cubicBezTo>
+                <a:cubicBezTo>
+                  <a:pt x="382255" y="6589587"/>
+                  <a:pt x="208689" y="6724853"/>
+                  <a:pt x="32482" y="6849373"/>
+                </a:cubicBezTo>
+                <a:lnTo>
+                  <a:pt x="19531" y="6858000"/>
+                </a:lnTo>
+                <a:lnTo>
+                  <a:pt x="0" y="6858000"/>
+                </a:lnTo>
+                <a:lnTo>
+                  <a:pt x="14202" y="6848540"/>
+                </a:lnTo>
+                <a:cubicBezTo>
+                  <a:pt x="190409" y="6724020"/>
+                  <a:pt x="363976" y="6588754"/>
+                  <a:pt x="539221" y="6450578"/>
+                </a:cubicBezTo>
+                <a:cubicBezTo>
+                  <a:pt x="1501550" y="5691822"/>
+                  <a:pt x="2440792" y="5075773"/>
+                  <a:pt x="2504546" y="3677682"/>
+                </a:cubicBezTo>
+                <a:cubicBezTo>
+                  <a:pt x="2572343" y="2190921"/>
+                  <a:pt x="2138551" y="854834"/>
+                  <a:pt x="1284280" y="23504"/>
+                </a:cubicBezTo>
+                <a:close/>
+              </a:path>
+            </a:pathLst>
+          </a:custGeom>
+          <a:solidFill>
+            <a:srgbClr val="FFFFFF"/>
+          </a:solidFill>
+          <a:ln>
+            <a:noFill/>
+          </a:ln>
+        </p:spPr>
+        <p:style>
+          <a:lnRef idx="2">
+            <a:schemeClr val="accent1">
+              <a:shade val="50000"/>
+            </a:schemeClr>
+          </a:lnRef>
+          <a:fillRef idx="1">
+            <a:schemeClr val="accent1"/>
+          </a:fillRef>
+          <a:effectRef idx="0">
+            <a:schemeClr val="accent1"/>
+          </a:effectRef>
+          <a:fontRef idx="minor">
+            <a:schemeClr val="lt1"/>
+          </a:fontRef>
+        </p:style>
+        <p:txBody>
+          <a:bodyPr wrap="square" rtlCol="0" anchor="ctr">
+            <a:noAutofit/>
+          </a:bodyPr>
+          <a:lstStyle/>
+          <a:p>
+            <a:pPr marL="0" marR="0" lvl="0" indent="0" algn="ctr" defTabSz="457200" rtl="0" eaLnBrk="1" fontAlgn="auto" latinLnBrk="0" hangingPunct="1">
+              <a:lnSpc>
+                <a:spcPct val="100000"/>
+              </a:lnSpc>
+              <a:spcBef>
+                <a:spcPts val="0"/>
+              </a:spcBef>
+              <a:spcAft>
+                <a:spcPts val="0"/>
+              </a:spcAft>
+              <a:buClrTx/>
+              <a:buSzTx/>
+              <a:buFontTx/>
+              <a:buNone/>
+              <a:tabLst/>
+              <a:defRPr/>
+            </a:pPr>
+            <a:endParaRPr kumimoji="0" lang="en-US" sz="1800" b="0" i="0" u="none" strike="noStrike" kern="1200" cap="none" spc="0" normalizeH="0" baseline="0" noProof="0" dirty="0">
+              <a:ln>
+                <a:noFill/>
+              </a:ln>
+              <a:solidFill>
+                <a:prstClr val="white"/>
+              </a:solidFill>
+              <a:effectLst/>
+              <a:uLnTx/>
+              <a:uFillTx/>
+              <a:latin typeface="Meiryo"/>
+              <a:ea typeface="+mn-ea"/>
+              <a:cs typeface="+mn-cs"/>
+            </a:endParaRPr>
+          </a:p>
+        </p:txBody>
+      </p:sp>
+      <p:sp>
+        <p:nvSpPr>
+          <p:cNvPr id="24" name="Freeform: Shape 23">
+            <a:extLst>
+              <a:ext uri="{FF2B5EF4-FFF2-40B4-BE49-F238E27FC236}">
+                <a16:creationId xmlns:a16="http://schemas.microsoft.com/office/drawing/2014/main" id="{55C54A75-E44A-4147-B9D0-FF46CFD31612}"/>
+              </a:ext>
+              <a:ext uri="{C183D7F6-B498-43B3-948B-1728B52AA6E4}">
+                <adec:decorative xmlns:adec="http://schemas.microsoft.com/office/drawing/2017/decorative" val="1"/>
+              </a:ext>
+            </a:extLst>
+          </p:cNvPr>
+          <p:cNvSpPr>
+            <a:spLocks noGrp="1" noRot="1" noChangeAspect="1" noMove="1" noResize="1" noEditPoints="1" noAdjustHandles="1" noChangeArrowheads="1" noChangeShapeType="1" noTextEdit="1"/>
+          </p:cNvSpPr>
+          <p:nvPr>
+            <p:extLst>
+              <p:ext uri="{386F3935-93C4-4BCD-93E2-E3B085C9AB24}">
+                <p16:designElem xmlns:p16="http://schemas.microsoft.com/office/powerpoint/2015/main" val="1"/>
+              </p:ext>
+            </p:extLst>
+          </p:nvPr>
+        </p:nvSpPr>
+        <p:spPr>
+          <a:xfrm flipH="1">
+            <a:off x="6469160" y="0"/>
+            <a:ext cx="2536434" cy="6858000"/>
+          </a:xfrm>
+          <a:custGeom>
+            <a:avLst/>
+            <a:gdLst>
+              <a:gd name="connsiteX0" fmla="*/ 879731 w 2536434"/>
+              <a:gd name="connsiteY0" fmla="*/ 0 h 6858000"/>
+              <a:gd name="connsiteX1" fmla="*/ 913411 w 2536434"/>
+              <a:gd name="connsiteY1" fmla="*/ 0 h 6858000"/>
+              <a:gd name="connsiteX2" fmla="*/ 935535 w 2536434"/>
+              <a:gd name="connsiteY2" fmla="*/ 14997 h 6858000"/>
+              <a:gd name="connsiteX3" fmla="*/ 2536434 w 2536434"/>
+              <a:gd name="connsiteY3" fmla="*/ 3621656 h 6858000"/>
+              <a:gd name="connsiteX4" fmla="*/ 662084 w 2536434"/>
+              <a:gd name="connsiteY4" fmla="*/ 6374814 h 6858000"/>
+              <a:gd name="connsiteX5" fmla="*/ 145436 w 2536434"/>
+              <a:gd name="connsiteY5" fmla="*/ 6780599 h 6858000"/>
+              <a:gd name="connsiteX6" fmla="*/ 33680 w 2536434"/>
+              <a:gd name="connsiteY6" fmla="*/ 6858000 h 6858000"/>
+              <a:gd name="connsiteX7" fmla="*/ 0 w 2536434"/>
+              <a:gd name="connsiteY7" fmla="*/ 6858000 h 6858000"/>
+              <a:gd name="connsiteX8" fmla="*/ 111756 w 2536434"/>
+              <a:gd name="connsiteY8" fmla="*/ 6780599 h 6858000"/>
+              <a:gd name="connsiteX9" fmla="*/ 628404 w 2536434"/>
+              <a:gd name="connsiteY9" fmla="*/ 6374814 h 6858000"/>
+              <a:gd name="connsiteX10" fmla="*/ 2502754 w 2536434"/>
+              <a:gd name="connsiteY10" fmla="*/ 3621656 h 6858000"/>
+              <a:gd name="connsiteX11" fmla="*/ 901855 w 2536434"/>
+              <a:gd name="connsiteY11" fmla="*/ 14997 h 6858000"/>
+            </a:gdLst>
+            <a:ahLst/>
+            <a:cxnLst>
+              <a:cxn ang="0">
+                <a:pos x="connsiteX0" y="connsiteY0"/>
+              </a:cxn>
+              <a:cxn ang="0">
+                <a:pos x="connsiteX1" y="connsiteY1"/>
+              </a:cxn>
+              <a:cxn ang="0">
+                <a:pos x="connsiteX2" y="connsiteY2"/>
+              </a:cxn>
+              <a:cxn ang="0">
+                <a:pos x="connsiteX3" y="connsiteY3"/>
+              </a:cxn>
+              <a:cxn ang="0">
+                <a:pos x="connsiteX4" y="connsiteY4"/>
+              </a:cxn>
+              <a:cxn ang="0">
+                <a:pos x="connsiteX5" y="connsiteY5"/>
+              </a:cxn>
+              <a:cxn ang="0">
+                <a:pos x="connsiteX6" y="connsiteY6"/>
+              </a:cxn>
+              <a:cxn ang="0">
+                <a:pos x="connsiteX7" y="connsiteY7"/>
+              </a:cxn>
+              <a:cxn ang="0">
+                <a:pos x="connsiteX8" y="connsiteY8"/>
+              </a:cxn>
+              <a:cxn ang="0">
+                <a:pos x="connsiteX9" y="connsiteY9"/>
+              </a:cxn>
+              <a:cxn ang="0">
+                <a:pos x="connsiteX10" y="connsiteY10"/>
+              </a:cxn>
+              <a:cxn ang="0">
+                <a:pos x="connsiteX11" y="connsiteY11"/>
+              </a:cxn>
+            </a:cxnLst>
+            <a:rect l="l" t="t" r="r" b="b"/>
+            <a:pathLst>
+              <a:path w="2536434" h="6858000">
+                <a:moveTo>
+                  <a:pt x="879731" y="0"/>
+                </a:moveTo>
+                <a:lnTo>
+                  <a:pt x="913411" y="0"/>
+                </a:lnTo>
+                <a:lnTo>
+                  <a:pt x="935535" y="14997"/>
+                </a:lnTo>
+                <a:cubicBezTo>
+                  <a:pt x="1962698" y="754641"/>
+                  <a:pt x="2536434" y="2093192"/>
+                  <a:pt x="2536434" y="3621656"/>
+                </a:cubicBezTo>
+                <a:cubicBezTo>
+                  <a:pt x="2536434" y="4969131"/>
+                  <a:pt x="1607709" y="5602839"/>
+                  <a:pt x="662084" y="6374814"/>
+                </a:cubicBezTo>
+                <a:cubicBezTo>
+                  <a:pt x="489881" y="6515397"/>
+                  <a:pt x="319254" y="6653108"/>
+                  <a:pt x="145436" y="6780599"/>
+                </a:cubicBezTo>
+                <a:lnTo>
+                  <a:pt x="33680" y="6858000"/>
+                </a:lnTo>
+                <a:lnTo>
+                  <a:pt x="0" y="6858000"/>
+                </a:lnTo>
+                <a:lnTo>
+                  <a:pt x="111756" y="6780599"/>
+                </a:lnTo>
+                <a:cubicBezTo>
+                  <a:pt x="285574" y="6653108"/>
+                  <a:pt x="456201" y="6515397"/>
+                  <a:pt x="628404" y="6374814"/>
+                </a:cubicBezTo>
+                <a:cubicBezTo>
+                  <a:pt x="1574029" y="5602839"/>
+                  <a:pt x="2502754" y="4969131"/>
+                  <a:pt x="2502754" y="3621656"/>
+                </a:cubicBezTo>
+                <a:cubicBezTo>
+                  <a:pt x="2502754" y="2093192"/>
+                  <a:pt x="1929018" y="754641"/>
+                  <a:pt x="901855" y="14997"/>
+                </a:cubicBezTo>
+                <a:close/>
+              </a:path>
+            </a:pathLst>
+          </a:custGeom>
+          <a:solidFill>
+            <a:srgbClr val="FFFFFF"/>
+          </a:solidFill>
+          <a:ln>
+            <a:noFill/>
+          </a:ln>
+        </p:spPr>
+        <p:style>
+          <a:lnRef idx="2">
+            <a:schemeClr val="accent1">
+              <a:shade val="50000"/>
+            </a:schemeClr>
+          </a:lnRef>
+          <a:fillRef idx="1">
+            <a:schemeClr val="accent1"/>
+          </a:fillRef>
+          <a:effectRef idx="0">
+            <a:schemeClr val="accent1"/>
+          </a:effectRef>
+          <a:fontRef idx="minor">
+            <a:schemeClr val="lt1"/>
+          </a:fontRef>
+        </p:style>
+        <p:txBody>
+          <a:bodyPr wrap="square" rtlCol="0" anchor="ctr">
+            <a:noAutofit/>
+          </a:bodyPr>
+          <a:lstStyle/>
+          <a:p>
+            <a:pPr marL="0" marR="0" lvl="0" indent="0" algn="ctr" defTabSz="914400" rtl="0" eaLnBrk="1" fontAlgn="auto" latinLnBrk="0" hangingPunct="1">
+              <a:lnSpc>
+                <a:spcPct val="100000"/>
+              </a:lnSpc>
+              <a:spcBef>
+                <a:spcPts val="0"/>
+              </a:spcBef>
+              <a:spcAft>
+                <a:spcPts val="0"/>
+              </a:spcAft>
+              <a:buClrTx/>
+              <a:buSzTx/>
+              <a:buFontTx/>
+              <a:buNone/>
+              <a:tabLst/>
+              <a:defRPr/>
+            </a:pPr>
+            <a:endParaRPr kumimoji="0" lang="en-US" sz="1800" b="0" i="0" u="none" strike="noStrike" kern="1200" cap="none" spc="0" normalizeH="0" baseline="0" noProof="0" dirty="0">
+              <a:ln>
+                <a:noFill/>
+              </a:ln>
+              <a:solidFill>
+                <a:prstClr val="white"/>
+              </a:solidFill>
+              <a:effectLst/>
+              <a:uLnTx/>
+              <a:uFillTx/>
+              <a:latin typeface="Meiryo"/>
+              <a:ea typeface="+mn-ea"/>
+              <a:cs typeface="+mn-cs"/>
+            </a:endParaRPr>
+          </a:p>
+        </p:txBody>
+      </p:sp>
       <p:sp>
         <p:nvSpPr>
           <p:cNvPr id="2" name="Title 1">
@@ -17037,54 +16950,92 @@
             <p:ph type="title"/>
           </p:nvPr>
         </p:nvSpPr>
-        <p:spPr/>
+        <p:spPr>
+          <a:xfrm>
+            <a:off x="7190706" y="2245467"/>
+            <a:ext cx="5214590" cy="2045334"/>
+          </a:xfrm>
+        </p:spPr>
         <p:txBody>
-          <a:bodyPr/>
+          <a:bodyPr anchor="b">
+            <a:normAutofit/>
+          </a:bodyPr>
           <a:lstStyle/>
           <a:p>
             <a:r>
-              <a:rPr lang="en-US" dirty="0"/>
-              <a:t>CONVERGENCE </a:t>
+              <a:rPr lang="en-US" sz="3200" dirty="0"/>
+              <a:t>ERROR CONVERGENCE WITH </a:t>
             </a:r>
             <a:r>
-              <a:rPr lang="en-US"/>
-              <a:t>WITH </a:t>
-            </a:r>
-            <a:r>
-              <a:rPr lang="en-US">
+              <a:rPr lang="en-US" sz="3200" dirty="0">
                 <a:latin typeface="Franklin Gothic Book" panose="020B0503020102020204" pitchFamily="34" charset="0"/>
               </a:rPr>
-              <a:t>µ = 0.001</a:t>
+              <a:t>µ = 0.001 &amp; 0.00001</a:t>
             </a:r>
-            <a:endParaRPr lang="en-US" dirty="0"/>
+            <a:endParaRPr lang="en-US" sz="3200" dirty="0"/>
           </a:p>
         </p:txBody>
       </p:sp>
-      <p:sp>
-        <p:nvSpPr>
-          <p:cNvPr id="3" name="Content Placeholder 2">
+      <p:pic>
+        <p:nvPicPr>
+          <p:cNvPr id="13" name="Picture 12">
             <a:extLst>
               <a:ext uri="{FF2B5EF4-FFF2-40B4-BE49-F238E27FC236}">
-                <a16:creationId xmlns:a16="http://schemas.microsoft.com/office/drawing/2014/main" id="{959CD6AE-F4C3-46B3-A5D3-8F2390E971DD}"/>
+                <a16:creationId xmlns:a16="http://schemas.microsoft.com/office/drawing/2014/main" id="{8B941B2D-FE06-46A4-B520-975E319929BE}"/>
               </a:ext>
             </a:extLst>
           </p:cNvPr>
-          <p:cNvSpPr>
-            <a:spLocks noGrp="1"/>
-          </p:cNvSpPr>
-          <p:nvPr>
-            <p:ph idx="1"/>
-          </p:nvPr>
-        </p:nvSpPr>
-        <p:spPr/>
-        <p:txBody>
-          <a:bodyPr/>
-          <a:lstStyle/>
-          <a:p>
-            <a:endParaRPr lang="en-US"/>
-          </a:p>
-        </p:txBody>
-      </p:sp>
+          <p:cNvPicPr>
+            <a:picLocks noChangeAspect="1"/>
+          </p:cNvPicPr>
+          <p:nvPr/>
+        </p:nvPicPr>
+        <p:blipFill>
+          <a:blip r:embed="rId2"/>
+          <a:stretch>
+            <a:fillRect/>
+          </a:stretch>
+        </p:blipFill>
+        <p:spPr>
+          <a:xfrm>
+            <a:off x="1171576" y="220548"/>
+            <a:ext cx="4634564" cy="3047586"/>
+          </a:xfrm>
+          <a:prstGeom prst="rect">
+            <a:avLst/>
+          </a:prstGeom>
+        </p:spPr>
+      </p:pic>
+      <p:pic>
+        <p:nvPicPr>
+          <p:cNvPr id="11" name="Picture 10">
+            <a:extLst>
+              <a:ext uri="{FF2B5EF4-FFF2-40B4-BE49-F238E27FC236}">
+                <a16:creationId xmlns:a16="http://schemas.microsoft.com/office/drawing/2014/main" id="{2007F9C0-7E60-4820-913C-F75E7668F0D9}"/>
+              </a:ext>
+            </a:extLst>
+          </p:cNvPr>
+          <p:cNvPicPr>
+            <a:picLocks noChangeAspect="1"/>
+          </p:cNvPicPr>
+          <p:nvPr/>
+        </p:nvPicPr>
+        <p:blipFill>
+          <a:blip r:embed="rId3"/>
+          <a:stretch>
+            <a:fillRect/>
+          </a:stretch>
+        </p:blipFill>
+        <p:spPr>
+          <a:xfrm>
+            <a:off x="1171576" y="3589865"/>
+            <a:ext cx="4634564" cy="3096685"/>
+          </a:xfrm>
+          <a:prstGeom prst="rect">
+            <a:avLst/>
+          </a:prstGeom>
+        </p:spPr>
+      </p:pic>
     </p:spTree>
     <p:extLst>
       <p:ext uri="{BB962C8B-B14F-4D97-AF65-F5344CB8AC3E}">
@@ -17099,6 +17050,873 @@
 </file>
 
 <file path=ppt/slides/slide6.xml><?xml version="1.0" encoding="utf-8"?>
+<p:sld xmlns:a="http://schemas.openxmlformats.org/drawingml/2006/main" xmlns:r="http://schemas.openxmlformats.org/officeDocument/2006/relationships" xmlns:p="http://schemas.openxmlformats.org/presentationml/2006/main">
+  <p:cSld>
+    <p:bg>
+      <p:bgPr>
+        <a:solidFill>
+          <a:schemeClr val="bg2"/>
+        </a:solidFill>
+        <a:effectLst/>
+      </p:bgPr>
+    </p:bg>
+    <p:spTree>
+      <p:nvGrpSpPr>
+        <p:cNvPr id="1" name=""/>
+        <p:cNvGrpSpPr/>
+        <p:nvPr/>
+      </p:nvGrpSpPr>
+      <p:grpSpPr>
+        <a:xfrm>
+          <a:off x="0" y="0"/>
+          <a:ext cx="0" cy="0"/>
+          <a:chOff x="0" y="0"/>
+          <a:chExt cx="0" cy="0"/>
+        </a:xfrm>
+      </p:grpSpPr>
+      <p:sp useBgFill="1">
+        <p:nvSpPr>
+          <p:cNvPr id="18" name="Rectangle 17">
+            <a:extLst>
+              <a:ext uri="{FF2B5EF4-FFF2-40B4-BE49-F238E27FC236}">
+                <a16:creationId xmlns:a16="http://schemas.microsoft.com/office/drawing/2014/main" id="{8181FC64-B306-4821-98E2-780662EFC486}"/>
+              </a:ext>
+              <a:ext uri="{C183D7F6-B498-43B3-948B-1728B52AA6E4}">
+                <adec:decorative xmlns:adec="http://schemas.microsoft.com/office/drawing/2017/decorative" val="1"/>
+              </a:ext>
+            </a:extLst>
+          </p:cNvPr>
+          <p:cNvSpPr>
+            <a:spLocks noGrp="1" noRot="1" noChangeAspect="1" noMove="1" noResize="1" noEditPoints="1" noAdjustHandles="1" noChangeArrowheads="1" noChangeShapeType="1" noTextEdit="1"/>
+          </p:cNvSpPr>
+          <p:nvPr>
+            <p:extLst>
+              <p:ext uri="{386F3935-93C4-4BCD-93E2-E3B085C9AB24}">
+                <p16:designElem xmlns:p16="http://schemas.microsoft.com/office/powerpoint/2015/main" val="1"/>
+              </p:ext>
+            </p:extLst>
+          </p:nvPr>
+        </p:nvSpPr>
+        <p:spPr>
+          <a:xfrm>
+            <a:off x="305" y="0"/>
+            <a:ext cx="12191695" cy="6858000"/>
+          </a:xfrm>
+          <a:prstGeom prst="rect">
+            <a:avLst/>
+          </a:prstGeom>
+          <a:ln>
+            <a:noFill/>
+          </a:ln>
+        </p:spPr>
+        <p:style>
+          <a:lnRef idx="2">
+            <a:schemeClr val="accent1">
+              <a:shade val="50000"/>
+            </a:schemeClr>
+          </a:lnRef>
+          <a:fillRef idx="1">
+            <a:schemeClr val="accent1"/>
+          </a:fillRef>
+          <a:effectRef idx="0">
+            <a:schemeClr val="accent1"/>
+          </a:effectRef>
+          <a:fontRef idx="minor">
+            <a:schemeClr val="lt1"/>
+          </a:fontRef>
+        </p:style>
+        <p:txBody>
+          <a:bodyPr rtlCol="0" anchor="ctr"/>
+          <a:lstStyle/>
+          <a:p>
+            <a:pPr marL="0" marR="0" lvl="0" indent="0" algn="ctr" defTabSz="457200" rtl="0" eaLnBrk="1" fontAlgn="auto" latinLnBrk="0" hangingPunct="1">
+              <a:lnSpc>
+                <a:spcPct val="100000"/>
+              </a:lnSpc>
+              <a:spcBef>
+                <a:spcPts val="0"/>
+              </a:spcBef>
+              <a:spcAft>
+                <a:spcPts val="0"/>
+              </a:spcAft>
+              <a:buClrTx/>
+              <a:buSzTx/>
+              <a:buFontTx/>
+              <a:buNone/>
+              <a:tabLst/>
+              <a:defRPr/>
+            </a:pPr>
+            <a:endParaRPr kumimoji="0" lang="en-US" sz="1800" b="0" i="0" u="none" strike="noStrike" kern="1200" cap="none" spc="0" normalizeH="0" baseline="0" noProof="0" dirty="0">
+              <a:ln>
+                <a:noFill/>
+              </a:ln>
+              <a:solidFill>
+                <a:prstClr val="white"/>
+              </a:solidFill>
+              <a:effectLst/>
+              <a:uLnTx/>
+              <a:uFillTx/>
+              <a:latin typeface="Meiryo"/>
+              <a:ea typeface="+mn-ea"/>
+              <a:cs typeface="+mn-cs"/>
+            </a:endParaRPr>
+          </a:p>
+        </p:txBody>
+      </p:sp>
+      <p:sp>
+        <p:nvSpPr>
+          <p:cNvPr id="20" name="Freeform: Shape 19">
+            <a:extLst>
+              <a:ext uri="{FF2B5EF4-FFF2-40B4-BE49-F238E27FC236}">
+                <a16:creationId xmlns:a16="http://schemas.microsoft.com/office/drawing/2014/main" id="{BC0385E9-02B2-4941-889A-EAD43F5BB0A3}"/>
+              </a:ext>
+              <a:ext uri="{C183D7F6-B498-43B3-948B-1728B52AA6E4}">
+                <adec:decorative xmlns:adec="http://schemas.microsoft.com/office/drawing/2017/decorative" val="1"/>
+              </a:ext>
+            </a:extLst>
+          </p:cNvPr>
+          <p:cNvSpPr>
+            <a:spLocks noGrp="1" noRot="1" noChangeAspect="1" noMove="1" noResize="1" noEditPoints="1" noAdjustHandles="1" noChangeArrowheads="1" noChangeShapeType="1" noTextEdit="1"/>
+          </p:cNvSpPr>
+          <p:nvPr>
+            <p:extLst>
+              <p:ext uri="{386F3935-93C4-4BCD-93E2-E3B085C9AB24}">
+                <p16:designElem xmlns:p16="http://schemas.microsoft.com/office/powerpoint/2015/main" val="1"/>
+              </p:ext>
+            </p:extLst>
+          </p:nvPr>
+        </p:nvSpPr>
+        <p:spPr>
+          <a:xfrm flipH="1">
+            <a:off x="6736139" y="0"/>
+            <a:ext cx="5455860" cy="6858000"/>
+          </a:xfrm>
+          <a:custGeom>
+            <a:avLst/>
+            <a:gdLst>
+              <a:gd name="connsiteX0" fmla="*/ 3832837 w 5455860"/>
+              <a:gd name="connsiteY0" fmla="*/ 0 h 6858000"/>
+              <a:gd name="connsiteX1" fmla="*/ 2739604 w 5455860"/>
+              <a:gd name="connsiteY1" fmla="*/ 0 h 6858000"/>
+              <a:gd name="connsiteX2" fmla="*/ 1959438 w 5455860"/>
+              <a:gd name="connsiteY2" fmla="*/ 0 h 6858000"/>
+              <a:gd name="connsiteX3" fmla="*/ 1895061 w 5455860"/>
+              <a:gd name="connsiteY3" fmla="*/ 0 h 6858000"/>
+              <a:gd name="connsiteX4" fmla="*/ 249909 w 5455860"/>
+              <a:gd name="connsiteY4" fmla="*/ 0 h 6858000"/>
+              <a:gd name="connsiteX5" fmla="*/ 0 w 5455860"/>
+              <a:gd name="connsiteY5" fmla="*/ 0 h 6858000"/>
+              <a:gd name="connsiteX6" fmla="*/ 0 w 5455860"/>
+              <a:gd name="connsiteY6" fmla="*/ 6858000 h 6858000"/>
+              <a:gd name="connsiteX7" fmla="*/ 249909 w 5455860"/>
+              <a:gd name="connsiteY7" fmla="*/ 6858000 h 6858000"/>
+              <a:gd name="connsiteX8" fmla="*/ 1895061 w 5455860"/>
+              <a:gd name="connsiteY8" fmla="*/ 6858000 h 6858000"/>
+              <a:gd name="connsiteX9" fmla="*/ 1959438 w 5455860"/>
+              <a:gd name="connsiteY9" fmla="*/ 6858000 h 6858000"/>
+              <a:gd name="connsiteX10" fmla="*/ 2739604 w 5455860"/>
+              <a:gd name="connsiteY10" fmla="*/ 6858000 h 6858000"/>
+              <a:gd name="connsiteX11" fmla="*/ 2953106 w 5455860"/>
+              <a:gd name="connsiteY11" fmla="*/ 6858000 h 6858000"/>
+              <a:gd name="connsiteX12" fmla="*/ 3064862 w 5455860"/>
+              <a:gd name="connsiteY12" fmla="*/ 6780599 h 6858000"/>
+              <a:gd name="connsiteX13" fmla="*/ 3581510 w 5455860"/>
+              <a:gd name="connsiteY13" fmla="*/ 6374814 h 6858000"/>
+              <a:gd name="connsiteX14" fmla="*/ 5455860 w 5455860"/>
+              <a:gd name="connsiteY14" fmla="*/ 3621656 h 6858000"/>
+              <a:gd name="connsiteX15" fmla="*/ 3854961 w 5455860"/>
+              <a:gd name="connsiteY15" fmla="*/ 14997 h 6858000"/>
+            </a:gdLst>
+            <a:ahLst/>
+            <a:cxnLst>
+              <a:cxn ang="0">
+                <a:pos x="connsiteX0" y="connsiteY0"/>
+              </a:cxn>
+              <a:cxn ang="0">
+                <a:pos x="connsiteX1" y="connsiteY1"/>
+              </a:cxn>
+              <a:cxn ang="0">
+                <a:pos x="connsiteX2" y="connsiteY2"/>
+              </a:cxn>
+              <a:cxn ang="0">
+                <a:pos x="connsiteX3" y="connsiteY3"/>
+              </a:cxn>
+              <a:cxn ang="0">
+                <a:pos x="connsiteX4" y="connsiteY4"/>
+              </a:cxn>
+              <a:cxn ang="0">
+                <a:pos x="connsiteX5" y="connsiteY5"/>
+              </a:cxn>
+              <a:cxn ang="0">
+                <a:pos x="connsiteX6" y="connsiteY6"/>
+              </a:cxn>
+              <a:cxn ang="0">
+                <a:pos x="connsiteX7" y="connsiteY7"/>
+              </a:cxn>
+              <a:cxn ang="0">
+                <a:pos x="connsiteX8" y="connsiteY8"/>
+              </a:cxn>
+              <a:cxn ang="0">
+                <a:pos x="connsiteX9" y="connsiteY9"/>
+              </a:cxn>
+              <a:cxn ang="0">
+                <a:pos x="connsiteX10" y="connsiteY10"/>
+              </a:cxn>
+              <a:cxn ang="0">
+                <a:pos x="connsiteX11" y="connsiteY11"/>
+              </a:cxn>
+              <a:cxn ang="0">
+                <a:pos x="connsiteX12" y="connsiteY12"/>
+              </a:cxn>
+              <a:cxn ang="0">
+                <a:pos x="connsiteX13" y="connsiteY13"/>
+              </a:cxn>
+              <a:cxn ang="0">
+                <a:pos x="connsiteX14" y="connsiteY14"/>
+              </a:cxn>
+              <a:cxn ang="0">
+                <a:pos x="connsiteX15" y="connsiteY15"/>
+              </a:cxn>
+            </a:cxnLst>
+            <a:rect l="l" t="t" r="r" b="b"/>
+            <a:pathLst>
+              <a:path w="5455860" h="6858000">
+                <a:moveTo>
+                  <a:pt x="3832837" y="0"/>
+                </a:moveTo>
+                <a:lnTo>
+                  <a:pt x="2739604" y="0"/>
+                </a:lnTo>
+                <a:lnTo>
+                  <a:pt x="1959438" y="0"/>
+                </a:lnTo>
+                <a:lnTo>
+                  <a:pt x="1895061" y="0"/>
+                </a:lnTo>
+                <a:lnTo>
+                  <a:pt x="249909" y="0"/>
+                </a:lnTo>
+                <a:lnTo>
+                  <a:pt x="0" y="0"/>
+                </a:lnTo>
+                <a:lnTo>
+                  <a:pt x="0" y="6858000"/>
+                </a:lnTo>
+                <a:lnTo>
+                  <a:pt x="249909" y="6858000"/>
+                </a:lnTo>
+                <a:lnTo>
+                  <a:pt x="1895061" y="6858000"/>
+                </a:lnTo>
+                <a:lnTo>
+                  <a:pt x="1959438" y="6858000"/>
+                </a:lnTo>
+                <a:lnTo>
+                  <a:pt x="2739604" y="6858000"/>
+                </a:lnTo>
+                <a:lnTo>
+                  <a:pt x="2953106" y="6858000"/>
+                </a:lnTo>
+                <a:lnTo>
+                  <a:pt x="3064862" y="6780599"/>
+                </a:lnTo>
+                <a:cubicBezTo>
+                  <a:pt x="3238680" y="6653108"/>
+                  <a:pt x="3409307" y="6515397"/>
+                  <a:pt x="3581510" y="6374814"/>
+                </a:cubicBezTo>
+                <a:cubicBezTo>
+                  <a:pt x="4527135" y="5602839"/>
+                  <a:pt x="5455860" y="4969131"/>
+                  <a:pt x="5455860" y="3621656"/>
+                </a:cubicBezTo>
+                <a:cubicBezTo>
+                  <a:pt x="5455860" y="2093192"/>
+                  <a:pt x="4882124" y="754641"/>
+                  <a:pt x="3854961" y="14997"/>
+                </a:cubicBezTo>
+                <a:close/>
+              </a:path>
+            </a:pathLst>
+          </a:custGeom>
+          <a:solidFill>
+            <a:schemeClr val="bg1">
+              <a:alpha val="60000"/>
+            </a:schemeClr>
+          </a:solidFill>
+          <a:ln>
+            <a:noFill/>
+          </a:ln>
+        </p:spPr>
+        <p:style>
+          <a:lnRef idx="2">
+            <a:schemeClr val="accent1">
+              <a:shade val="50000"/>
+            </a:schemeClr>
+          </a:lnRef>
+          <a:fillRef idx="1">
+            <a:schemeClr val="accent1"/>
+          </a:fillRef>
+          <a:effectRef idx="0">
+            <a:schemeClr val="accent1"/>
+          </a:effectRef>
+          <a:fontRef idx="minor">
+            <a:schemeClr val="lt1"/>
+          </a:fontRef>
+        </p:style>
+        <p:txBody>
+          <a:bodyPr wrap="square" rtlCol="0" anchor="ctr">
+            <a:noAutofit/>
+          </a:bodyPr>
+          <a:lstStyle/>
+          <a:p>
+            <a:pPr algn="ctr"/>
+            <a:endParaRPr lang="en-US" dirty="0"/>
+          </a:p>
+        </p:txBody>
+      </p:sp>
+      <p:sp>
+        <p:nvSpPr>
+          <p:cNvPr id="22" name="Freeform: Shape 21">
+            <a:extLst>
+              <a:ext uri="{FF2B5EF4-FFF2-40B4-BE49-F238E27FC236}">
+                <a16:creationId xmlns:a16="http://schemas.microsoft.com/office/drawing/2014/main" id="{829A1E2C-5AC8-40FC-99E9-832069D39792}"/>
+              </a:ext>
+              <a:ext uri="{C183D7F6-B498-43B3-948B-1728B52AA6E4}">
+                <adec:decorative xmlns:adec="http://schemas.microsoft.com/office/drawing/2017/decorative" val="1"/>
+              </a:ext>
+            </a:extLst>
+          </p:cNvPr>
+          <p:cNvSpPr>
+            <a:spLocks noGrp="1" noRot="1" noChangeAspect="1" noMove="1" noResize="1" noEditPoints="1" noAdjustHandles="1" noChangeArrowheads="1" noChangeShapeType="1" noTextEdit="1"/>
+          </p:cNvSpPr>
+          <p:nvPr>
+            <p:extLst>
+              <p:ext uri="{386F3935-93C4-4BCD-93E2-E3B085C9AB24}">
+                <p16:designElem xmlns:p16="http://schemas.microsoft.com/office/powerpoint/2015/main" val="1"/>
+              </p:ext>
+            </p:extLst>
+          </p:nvPr>
+        </p:nvSpPr>
+        <p:spPr>
+          <a:xfrm flipH="1">
+            <a:off x="6255864" y="0"/>
+            <a:ext cx="2529723" cy="6858000"/>
+          </a:xfrm>
+          <a:custGeom>
+            <a:avLst/>
+            <a:gdLst>
+              <a:gd name="connsiteX0" fmla="*/ 1258269 w 2529723"/>
+              <a:gd name="connsiteY0" fmla="*/ 0 h 6858000"/>
+              <a:gd name="connsiteX1" fmla="*/ 1275627 w 2529723"/>
+              <a:gd name="connsiteY1" fmla="*/ 0 h 6858000"/>
+              <a:gd name="connsiteX2" fmla="*/ 1302560 w 2529723"/>
+              <a:gd name="connsiteY2" fmla="*/ 24338 h 6858000"/>
+              <a:gd name="connsiteX3" fmla="*/ 2522825 w 2529723"/>
+              <a:gd name="connsiteY3" fmla="*/ 3678515 h 6858000"/>
+              <a:gd name="connsiteX4" fmla="*/ 557500 w 2529723"/>
+              <a:gd name="connsiteY4" fmla="*/ 6451411 h 6858000"/>
+              <a:gd name="connsiteX5" fmla="*/ 32482 w 2529723"/>
+              <a:gd name="connsiteY5" fmla="*/ 6849373 h 6858000"/>
+              <a:gd name="connsiteX6" fmla="*/ 19531 w 2529723"/>
+              <a:gd name="connsiteY6" fmla="*/ 6858000 h 6858000"/>
+              <a:gd name="connsiteX7" fmla="*/ 0 w 2529723"/>
+              <a:gd name="connsiteY7" fmla="*/ 6858000 h 6858000"/>
+              <a:gd name="connsiteX8" fmla="*/ 14202 w 2529723"/>
+              <a:gd name="connsiteY8" fmla="*/ 6848540 h 6858000"/>
+              <a:gd name="connsiteX9" fmla="*/ 539221 w 2529723"/>
+              <a:gd name="connsiteY9" fmla="*/ 6450578 h 6858000"/>
+              <a:gd name="connsiteX10" fmla="*/ 2504546 w 2529723"/>
+              <a:gd name="connsiteY10" fmla="*/ 3677682 h 6858000"/>
+              <a:gd name="connsiteX11" fmla="*/ 1284280 w 2529723"/>
+              <a:gd name="connsiteY11" fmla="*/ 23504 h 6858000"/>
+            </a:gdLst>
+            <a:ahLst/>
+            <a:cxnLst>
+              <a:cxn ang="0">
+                <a:pos x="connsiteX0" y="connsiteY0"/>
+              </a:cxn>
+              <a:cxn ang="0">
+                <a:pos x="connsiteX1" y="connsiteY1"/>
+              </a:cxn>
+              <a:cxn ang="0">
+                <a:pos x="connsiteX2" y="connsiteY2"/>
+              </a:cxn>
+              <a:cxn ang="0">
+                <a:pos x="connsiteX3" y="connsiteY3"/>
+              </a:cxn>
+              <a:cxn ang="0">
+                <a:pos x="connsiteX4" y="connsiteY4"/>
+              </a:cxn>
+              <a:cxn ang="0">
+                <a:pos x="connsiteX5" y="connsiteY5"/>
+              </a:cxn>
+              <a:cxn ang="0">
+                <a:pos x="connsiteX6" y="connsiteY6"/>
+              </a:cxn>
+              <a:cxn ang="0">
+                <a:pos x="connsiteX7" y="connsiteY7"/>
+              </a:cxn>
+              <a:cxn ang="0">
+                <a:pos x="connsiteX8" y="connsiteY8"/>
+              </a:cxn>
+              <a:cxn ang="0">
+                <a:pos x="connsiteX9" y="connsiteY9"/>
+              </a:cxn>
+              <a:cxn ang="0">
+                <a:pos x="connsiteX10" y="connsiteY10"/>
+              </a:cxn>
+              <a:cxn ang="0">
+                <a:pos x="connsiteX11" y="connsiteY11"/>
+              </a:cxn>
+            </a:cxnLst>
+            <a:rect l="l" t="t" r="r" b="b"/>
+            <a:pathLst>
+              <a:path w="2529723" h="6858000">
+                <a:moveTo>
+                  <a:pt x="1258269" y="0"/>
+                </a:moveTo>
+                <a:lnTo>
+                  <a:pt x="1275627" y="0"/>
+                </a:lnTo>
+                <a:lnTo>
+                  <a:pt x="1302560" y="24338"/>
+                </a:lnTo>
+                <a:cubicBezTo>
+                  <a:pt x="2156831" y="855667"/>
+                  <a:pt x="2590622" y="2191755"/>
+                  <a:pt x="2522825" y="3678515"/>
+                </a:cubicBezTo>
+                <a:cubicBezTo>
+                  <a:pt x="2459072" y="5076606"/>
+                  <a:pt x="1519830" y="5692656"/>
+                  <a:pt x="557500" y="6451411"/>
+                </a:cubicBezTo>
+                <a:cubicBezTo>
+                  <a:pt x="382255" y="6589587"/>
+                  <a:pt x="208689" y="6724853"/>
+                  <a:pt x="32482" y="6849373"/>
+                </a:cubicBezTo>
+                <a:lnTo>
+                  <a:pt x="19531" y="6858000"/>
+                </a:lnTo>
+                <a:lnTo>
+                  <a:pt x="0" y="6858000"/>
+                </a:lnTo>
+                <a:lnTo>
+                  <a:pt x="14202" y="6848540"/>
+                </a:lnTo>
+                <a:cubicBezTo>
+                  <a:pt x="190409" y="6724020"/>
+                  <a:pt x="363976" y="6588754"/>
+                  <a:pt x="539221" y="6450578"/>
+                </a:cubicBezTo>
+                <a:cubicBezTo>
+                  <a:pt x="1501550" y="5691822"/>
+                  <a:pt x="2440792" y="5075773"/>
+                  <a:pt x="2504546" y="3677682"/>
+                </a:cubicBezTo>
+                <a:cubicBezTo>
+                  <a:pt x="2572343" y="2190921"/>
+                  <a:pt x="2138551" y="854834"/>
+                  <a:pt x="1284280" y="23504"/>
+                </a:cubicBezTo>
+                <a:close/>
+              </a:path>
+            </a:pathLst>
+          </a:custGeom>
+          <a:solidFill>
+            <a:srgbClr val="FFFFFF"/>
+          </a:solidFill>
+          <a:ln>
+            <a:noFill/>
+          </a:ln>
+        </p:spPr>
+        <p:style>
+          <a:lnRef idx="2">
+            <a:schemeClr val="accent1">
+              <a:shade val="50000"/>
+            </a:schemeClr>
+          </a:lnRef>
+          <a:fillRef idx="1">
+            <a:schemeClr val="accent1"/>
+          </a:fillRef>
+          <a:effectRef idx="0">
+            <a:schemeClr val="accent1"/>
+          </a:effectRef>
+          <a:fontRef idx="minor">
+            <a:schemeClr val="lt1"/>
+          </a:fontRef>
+        </p:style>
+        <p:txBody>
+          <a:bodyPr wrap="square" rtlCol="0" anchor="ctr">
+            <a:noAutofit/>
+          </a:bodyPr>
+          <a:lstStyle/>
+          <a:p>
+            <a:pPr marL="0" marR="0" lvl="0" indent="0" algn="ctr" defTabSz="457200" rtl="0" eaLnBrk="1" fontAlgn="auto" latinLnBrk="0" hangingPunct="1">
+              <a:lnSpc>
+                <a:spcPct val="100000"/>
+              </a:lnSpc>
+              <a:spcBef>
+                <a:spcPts val="0"/>
+              </a:spcBef>
+              <a:spcAft>
+                <a:spcPts val="0"/>
+              </a:spcAft>
+              <a:buClrTx/>
+              <a:buSzTx/>
+              <a:buFontTx/>
+              <a:buNone/>
+              <a:tabLst/>
+              <a:defRPr/>
+            </a:pPr>
+            <a:endParaRPr kumimoji="0" lang="en-US" sz="1800" b="0" i="0" u="none" strike="noStrike" kern="1200" cap="none" spc="0" normalizeH="0" baseline="0" noProof="0" dirty="0">
+              <a:ln>
+                <a:noFill/>
+              </a:ln>
+              <a:solidFill>
+                <a:prstClr val="white"/>
+              </a:solidFill>
+              <a:effectLst/>
+              <a:uLnTx/>
+              <a:uFillTx/>
+              <a:latin typeface="Meiryo"/>
+              <a:ea typeface="+mn-ea"/>
+              <a:cs typeface="+mn-cs"/>
+            </a:endParaRPr>
+          </a:p>
+        </p:txBody>
+      </p:sp>
+      <p:sp>
+        <p:nvSpPr>
+          <p:cNvPr id="24" name="Freeform: Shape 23">
+            <a:extLst>
+              <a:ext uri="{FF2B5EF4-FFF2-40B4-BE49-F238E27FC236}">
+                <a16:creationId xmlns:a16="http://schemas.microsoft.com/office/drawing/2014/main" id="{55C54A75-E44A-4147-B9D0-FF46CFD31612}"/>
+              </a:ext>
+              <a:ext uri="{C183D7F6-B498-43B3-948B-1728B52AA6E4}">
+                <adec:decorative xmlns:adec="http://schemas.microsoft.com/office/drawing/2017/decorative" val="1"/>
+              </a:ext>
+            </a:extLst>
+          </p:cNvPr>
+          <p:cNvSpPr>
+            <a:spLocks noGrp="1" noRot="1" noChangeAspect="1" noMove="1" noResize="1" noEditPoints="1" noAdjustHandles="1" noChangeArrowheads="1" noChangeShapeType="1" noTextEdit="1"/>
+          </p:cNvSpPr>
+          <p:nvPr>
+            <p:extLst>
+              <p:ext uri="{386F3935-93C4-4BCD-93E2-E3B085C9AB24}">
+                <p16:designElem xmlns:p16="http://schemas.microsoft.com/office/powerpoint/2015/main" val="1"/>
+              </p:ext>
+            </p:extLst>
+          </p:nvPr>
+        </p:nvSpPr>
+        <p:spPr>
+          <a:xfrm flipH="1">
+            <a:off x="6469160" y="0"/>
+            <a:ext cx="2536434" cy="6858000"/>
+          </a:xfrm>
+          <a:custGeom>
+            <a:avLst/>
+            <a:gdLst>
+              <a:gd name="connsiteX0" fmla="*/ 879731 w 2536434"/>
+              <a:gd name="connsiteY0" fmla="*/ 0 h 6858000"/>
+              <a:gd name="connsiteX1" fmla="*/ 913411 w 2536434"/>
+              <a:gd name="connsiteY1" fmla="*/ 0 h 6858000"/>
+              <a:gd name="connsiteX2" fmla="*/ 935535 w 2536434"/>
+              <a:gd name="connsiteY2" fmla="*/ 14997 h 6858000"/>
+              <a:gd name="connsiteX3" fmla="*/ 2536434 w 2536434"/>
+              <a:gd name="connsiteY3" fmla="*/ 3621656 h 6858000"/>
+              <a:gd name="connsiteX4" fmla="*/ 662084 w 2536434"/>
+              <a:gd name="connsiteY4" fmla="*/ 6374814 h 6858000"/>
+              <a:gd name="connsiteX5" fmla="*/ 145436 w 2536434"/>
+              <a:gd name="connsiteY5" fmla="*/ 6780599 h 6858000"/>
+              <a:gd name="connsiteX6" fmla="*/ 33680 w 2536434"/>
+              <a:gd name="connsiteY6" fmla="*/ 6858000 h 6858000"/>
+              <a:gd name="connsiteX7" fmla="*/ 0 w 2536434"/>
+              <a:gd name="connsiteY7" fmla="*/ 6858000 h 6858000"/>
+              <a:gd name="connsiteX8" fmla="*/ 111756 w 2536434"/>
+              <a:gd name="connsiteY8" fmla="*/ 6780599 h 6858000"/>
+              <a:gd name="connsiteX9" fmla="*/ 628404 w 2536434"/>
+              <a:gd name="connsiteY9" fmla="*/ 6374814 h 6858000"/>
+              <a:gd name="connsiteX10" fmla="*/ 2502754 w 2536434"/>
+              <a:gd name="connsiteY10" fmla="*/ 3621656 h 6858000"/>
+              <a:gd name="connsiteX11" fmla="*/ 901855 w 2536434"/>
+              <a:gd name="connsiteY11" fmla="*/ 14997 h 6858000"/>
+            </a:gdLst>
+            <a:ahLst/>
+            <a:cxnLst>
+              <a:cxn ang="0">
+                <a:pos x="connsiteX0" y="connsiteY0"/>
+              </a:cxn>
+              <a:cxn ang="0">
+                <a:pos x="connsiteX1" y="connsiteY1"/>
+              </a:cxn>
+              <a:cxn ang="0">
+                <a:pos x="connsiteX2" y="connsiteY2"/>
+              </a:cxn>
+              <a:cxn ang="0">
+                <a:pos x="connsiteX3" y="connsiteY3"/>
+              </a:cxn>
+              <a:cxn ang="0">
+                <a:pos x="connsiteX4" y="connsiteY4"/>
+              </a:cxn>
+              <a:cxn ang="0">
+                <a:pos x="connsiteX5" y="connsiteY5"/>
+              </a:cxn>
+              <a:cxn ang="0">
+                <a:pos x="connsiteX6" y="connsiteY6"/>
+              </a:cxn>
+              <a:cxn ang="0">
+                <a:pos x="connsiteX7" y="connsiteY7"/>
+              </a:cxn>
+              <a:cxn ang="0">
+                <a:pos x="connsiteX8" y="connsiteY8"/>
+              </a:cxn>
+              <a:cxn ang="0">
+                <a:pos x="connsiteX9" y="connsiteY9"/>
+              </a:cxn>
+              <a:cxn ang="0">
+                <a:pos x="connsiteX10" y="connsiteY10"/>
+              </a:cxn>
+              <a:cxn ang="0">
+                <a:pos x="connsiteX11" y="connsiteY11"/>
+              </a:cxn>
+            </a:cxnLst>
+            <a:rect l="l" t="t" r="r" b="b"/>
+            <a:pathLst>
+              <a:path w="2536434" h="6858000">
+                <a:moveTo>
+                  <a:pt x="879731" y="0"/>
+                </a:moveTo>
+                <a:lnTo>
+                  <a:pt x="913411" y="0"/>
+                </a:lnTo>
+                <a:lnTo>
+                  <a:pt x="935535" y="14997"/>
+                </a:lnTo>
+                <a:cubicBezTo>
+                  <a:pt x="1962698" y="754641"/>
+                  <a:pt x="2536434" y="2093192"/>
+                  <a:pt x="2536434" y="3621656"/>
+                </a:cubicBezTo>
+                <a:cubicBezTo>
+                  <a:pt x="2536434" y="4969131"/>
+                  <a:pt x="1607709" y="5602839"/>
+                  <a:pt x="662084" y="6374814"/>
+                </a:cubicBezTo>
+                <a:cubicBezTo>
+                  <a:pt x="489881" y="6515397"/>
+                  <a:pt x="319254" y="6653108"/>
+                  <a:pt x="145436" y="6780599"/>
+                </a:cubicBezTo>
+                <a:lnTo>
+                  <a:pt x="33680" y="6858000"/>
+                </a:lnTo>
+                <a:lnTo>
+                  <a:pt x="0" y="6858000"/>
+                </a:lnTo>
+                <a:lnTo>
+                  <a:pt x="111756" y="6780599"/>
+                </a:lnTo>
+                <a:cubicBezTo>
+                  <a:pt x="285574" y="6653108"/>
+                  <a:pt x="456201" y="6515397"/>
+                  <a:pt x="628404" y="6374814"/>
+                </a:cubicBezTo>
+                <a:cubicBezTo>
+                  <a:pt x="1574029" y="5602839"/>
+                  <a:pt x="2502754" y="4969131"/>
+                  <a:pt x="2502754" y="3621656"/>
+                </a:cubicBezTo>
+                <a:cubicBezTo>
+                  <a:pt x="2502754" y="2093192"/>
+                  <a:pt x="1929018" y="754641"/>
+                  <a:pt x="901855" y="14997"/>
+                </a:cubicBezTo>
+                <a:close/>
+              </a:path>
+            </a:pathLst>
+          </a:custGeom>
+          <a:solidFill>
+            <a:srgbClr val="FFFFFF"/>
+          </a:solidFill>
+          <a:ln>
+            <a:noFill/>
+          </a:ln>
+        </p:spPr>
+        <p:style>
+          <a:lnRef idx="2">
+            <a:schemeClr val="accent1">
+              <a:shade val="50000"/>
+            </a:schemeClr>
+          </a:lnRef>
+          <a:fillRef idx="1">
+            <a:schemeClr val="accent1"/>
+          </a:fillRef>
+          <a:effectRef idx="0">
+            <a:schemeClr val="accent1"/>
+          </a:effectRef>
+          <a:fontRef idx="minor">
+            <a:schemeClr val="lt1"/>
+          </a:fontRef>
+        </p:style>
+        <p:txBody>
+          <a:bodyPr wrap="square" rtlCol="0" anchor="ctr">
+            <a:noAutofit/>
+          </a:bodyPr>
+          <a:lstStyle/>
+          <a:p>
+            <a:pPr marL="0" marR="0" lvl="0" indent="0" algn="ctr" defTabSz="914400" rtl="0" eaLnBrk="1" fontAlgn="auto" latinLnBrk="0" hangingPunct="1">
+              <a:lnSpc>
+                <a:spcPct val="100000"/>
+              </a:lnSpc>
+              <a:spcBef>
+                <a:spcPts val="0"/>
+              </a:spcBef>
+              <a:spcAft>
+                <a:spcPts val="0"/>
+              </a:spcAft>
+              <a:buClrTx/>
+              <a:buSzTx/>
+              <a:buFontTx/>
+              <a:buNone/>
+              <a:tabLst/>
+              <a:defRPr/>
+            </a:pPr>
+            <a:endParaRPr kumimoji="0" lang="en-US" sz="1800" b="0" i="0" u="none" strike="noStrike" kern="1200" cap="none" spc="0" normalizeH="0" baseline="0" noProof="0" dirty="0">
+              <a:ln>
+                <a:noFill/>
+              </a:ln>
+              <a:solidFill>
+                <a:prstClr val="white"/>
+              </a:solidFill>
+              <a:effectLst/>
+              <a:uLnTx/>
+              <a:uFillTx/>
+              <a:latin typeface="Meiryo"/>
+              <a:ea typeface="+mn-ea"/>
+              <a:cs typeface="+mn-cs"/>
+            </a:endParaRPr>
+          </a:p>
+        </p:txBody>
+      </p:sp>
+      <p:sp>
+        <p:nvSpPr>
+          <p:cNvPr id="2" name="Title 1">
+            <a:extLst>
+              <a:ext uri="{FF2B5EF4-FFF2-40B4-BE49-F238E27FC236}">
+                <a16:creationId xmlns:a16="http://schemas.microsoft.com/office/drawing/2014/main" id="{A4D19EE1-1902-4FEB-9FB5-0B909CAAE3A5}"/>
+              </a:ext>
+            </a:extLst>
+          </p:cNvPr>
+          <p:cNvSpPr>
+            <a:spLocks noGrp="1"/>
+          </p:cNvSpPr>
+          <p:nvPr>
+            <p:ph type="title"/>
+          </p:nvPr>
+        </p:nvSpPr>
+        <p:spPr>
+          <a:xfrm>
+            <a:off x="7520725" y="2245467"/>
+            <a:ext cx="4402334" cy="2045334"/>
+          </a:xfrm>
+        </p:spPr>
+        <p:txBody>
+          <a:bodyPr anchor="b">
+            <a:noAutofit/>
+          </a:bodyPr>
+          <a:lstStyle/>
+          <a:p>
+            <a:r>
+              <a:rPr lang="en-US" sz="2800" dirty="0"/>
+              <a:t>WEIGHT CONVERGENCE WITH </a:t>
+            </a:r>
+            <a:r>
+              <a:rPr lang="en-US" sz="2800" dirty="0">
+                <a:latin typeface="Franklin Gothic Book" panose="020B0503020102020204" pitchFamily="34" charset="0"/>
+              </a:rPr>
+              <a:t>µ = 0.001 &amp; 0.00001</a:t>
+            </a:r>
+            <a:endParaRPr lang="en-US" sz="2800" dirty="0"/>
+          </a:p>
+        </p:txBody>
+      </p:sp>
+      <p:pic>
+        <p:nvPicPr>
+          <p:cNvPr id="4" name="Picture 3">
+            <a:extLst>
+              <a:ext uri="{FF2B5EF4-FFF2-40B4-BE49-F238E27FC236}">
+                <a16:creationId xmlns:a16="http://schemas.microsoft.com/office/drawing/2014/main" id="{C1032504-06E8-48FE-B6E0-32C247048ACF}"/>
+              </a:ext>
+            </a:extLst>
+          </p:cNvPr>
+          <p:cNvPicPr>
+            <a:picLocks noChangeAspect="1"/>
+          </p:cNvPicPr>
+          <p:nvPr/>
+        </p:nvPicPr>
+        <p:blipFill>
+          <a:blip r:embed="rId2"/>
+          <a:stretch>
+            <a:fillRect/>
+          </a:stretch>
+        </p:blipFill>
+        <p:spPr>
+          <a:xfrm>
+            <a:off x="1171576" y="300039"/>
+            <a:ext cx="4634564" cy="2833686"/>
+          </a:xfrm>
+          <a:prstGeom prst="rect">
+            <a:avLst/>
+          </a:prstGeom>
+        </p:spPr>
+      </p:pic>
+      <p:pic>
+        <p:nvPicPr>
+          <p:cNvPr id="6" name="Picture 5">
+            <a:extLst>
+              <a:ext uri="{FF2B5EF4-FFF2-40B4-BE49-F238E27FC236}">
+                <a16:creationId xmlns:a16="http://schemas.microsoft.com/office/drawing/2014/main" id="{20D5712A-6195-402B-9C49-37805AE604A7}"/>
+              </a:ext>
+            </a:extLst>
+          </p:cNvPr>
+          <p:cNvPicPr>
+            <a:picLocks noChangeAspect="1"/>
+          </p:cNvPicPr>
+          <p:nvPr/>
+        </p:nvPicPr>
+        <p:blipFill>
+          <a:blip r:embed="rId3"/>
+          <a:stretch>
+            <a:fillRect/>
+          </a:stretch>
+        </p:blipFill>
+        <p:spPr>
+          <a:xfrm>
+            <a:off x="1161164" y="3505574"/>
+            <a:ext cx="4644976" cy="3052387"/>
+          </a:xfrm>
+          <a:prstGeom prst="rect">
+            <a:avLst/>
+          </a:prstGeom>
+        </p:spPr>
+      </p:pic>
+    </p:spTree>
+    <p:extLst>
+      <p:ext uri="{BB962C8B-B14F-4D97-AF65-F5344CB8AC3E}">
+        <p14:creationId xmlns:p14="http://schemas.microsoft.com/office/powerpoint/2010/main" val="1563566803"/>
+      </p:ext>
+    </p:extLst>
+  </p:cSld>
+  <p:clrMapOvr>
+    <a:masterClrMapping/>
+  </p:clrMapOvr>
+</p:sld>
+</file>
+
+<file path=ppt/slides/slide7.xml><?xml version="1.0" encoding="utf-8"?>
 <p:sld xmlns:a="http://schemas.openxmlformats.org/drawingml/2006/main" xmlns:r="http://schemas.openxmlformats.org/officeDocument/2006/relationships" xmlns:p="http://schemas.openxmlformats.org/presentationml/2006/main">
   <p:cSld>
     <p:bg>
@@ -17459,9 +18277,10 @@
           <a:lstStyle/>
           <a:p>
             <a:r>
-              <a:rPr lang="en-US" sz="4400" dirty="0"/>
+              <a:rPr lang="en-US" sz="4400"/>
               <a:t>Merits and Demerits of µ-LMS </a:t>
             </a:r>
+            <a:endParaRPr lang="en-US" sz="4400" dirty="0"/>
           </a:p>
         </p:txBody>
       </p:sp>
@@ -17867,7 +18686,7 @@
             <p:ph idx="1"/>
             <p:extLst>
               <p:ext uri="{D42A27DB-BD31-4B8C-83A1-F6EECF244321}">
-                <p14:modId xmlns:p14="http://schemas.microsoft.com/office/powerpoint/2010/main" val="3807532591"/>
+                <p14:modId xmlns:p14="http://schemas.microsoft.com/office/powerpoint/2010/main" val="902712592"/>
               </p:ext>
             </p:extLst>
           </p:nvPr>
@@ -17895,7 +18714,7 @@
 </p:sld>
 </file>
 
-<file path=ppt/slides/slide7.xml><?xml version="1.0" encoding="utf-8"?>
+<file path=ppt/slides/slide8.xml><?xml version="1.0" encoding="utf-8"?>
 <p:sld xmlns:a="http://schemas.openxmlformats.org/drawingml/2006/main" xmlns:r="http://schemas.openxmlformats.org/officeDocument/2006/relationships" xmlns:p="http://schemas.openxmlformats.org/presentationml/2006/main">
   <p:cSld>
     <p:bg>
@@ -19500,9 +20319,10 @@
           <a:lstStyle/>
           <a:p>
             <a:r>
-              <a:rPr lang="en-US" sz="3300" dirty="0"/>
+              <a:rPr lang="en-US" sz="3300"/>
               <a:t>APPLICATIONS OF µ-LMS</a:t>
             </a:r>
+            <a:endParaRPr lang="en-US" sz="3300" dirty="0"/>
           </a:p>
         </p:txBody>
       </p:sp>
@@ -19543,7 +20363,7 @@
               <a:buChar char="q"/>
             </a:pPr>
             <a:r>
-              <a:rPr lang="en-US" sz="1600" b="0" i="0" dirty="0">
+              <a:rPr lang="en-US" sz="1600" b="0" i="0">
                 <a:effectLst/>
                 <a:latin typeface="Söhne"/>
               </a:rPr>
@@ -19560,7 +20380,7 @@
               <a:buChar char="q"/>
             </a:pPr>
             <a:r>
-              <a:rPr lang="en-US" sz="1600" b="0" i="0" dirty="0">
+              <a:rPr lang="en-US" sz="1600" b="0" i="0">
                 <a:effectLst/>
                 <a:latin typeface="Söhne"/>
               </a:rPr>
@@ -19577,7 +20397,7 @@
               <a:buChar char="q"/>
             </a:pPr>
             <a:r>
-              <a:rPr lang="en-US" sz="1600" b="0" i="0" dirty="0">
+              <a:rPr lang="en-US" sz="1600" b="0" i="0">
                 <a:effectLst/>
                 <a:latin typeface="Söhne"/>
               </a:rPr>
@@ -19594,7 +20414,7 @@
               <a:buChar char="q"/>
             </a:pPr>
             <a:r>
-              <a:rPr lang="en-US" sz="1600" b="0" i="0" dirty="0">
+              <a:rPr lang="en-US" sz="1600" b="0" i="0">
                 <a:effectLst/>
                 <a:latin typeface="Söhne"/>
               </a:rPr>
@@ -19611,7 +20431,7 @@
               <a:buChar char="q"/>
             </a:pPr>
             <a:r>
-              <a:rPr lang="en-US" sz="1600" b="0" i="0" dirty="0">
+              <a:rPr lang="en-US" sz="1600" b="0" i="0">
                 <a:effectLst/>
                 <a:latin typeface="Söhne"/>
               </a:rPr>
@@ -19628,7 +20448,7 @@
               <a:buChar char="q"/>
             </a:pPr>
             <a:r>
-              <a:rPr lang="en-US" sz="1600" b="0" i="0" dirty="0">
+              <a:rPr lang="en-US" sz="1600" b="0" i="0">
                 <a:effectLst/>
                 <a:latin typeface="Söhne"/>
               </a:rPr>
@@ -19645,7 +20465,7 @@
               <a:buChar char="q"/>
             </a:pPr>
             <a:r>
-              <a:rPr lang="en-US" sz="1600" b="0" i="0" dirty="0">
+              <a:rPr lang="en-US" sz="1600" b="0" i="0">
                 <a:effectLst/>
                 <a:latin typeface="Söhne"/>
               </a:rPr>
@@ -19662,7 +20482,7 @@
               <a:buChar char="q"/>
             </a:pPr>
             <a:r>
-              <a:rPr lang="en-US" sz="1600" b="0" i="0" dirty="0">
+              <a:rPr lang="en-US" sz="1600" b="0" i="0">
                 <a:effectLst/>
                 <a:latin typeface="Söhne"/>
               </a:rPr>
@@ -19695,7 +20515,7 @@
 </p:sld>
 </file>
 
-<file path=ppt/slides/slide8.xml><?xml version="1.0" encoding="utf-8"?>
+<file path=ppt/slides/slide9.xml><?xml version="1.0" encoding="utf-8"?>
 <p:sld xmlns:a="http://schemas.openxmlformats.org/drawingml/2006/main" xmlns:r="http://schemas.openxmlformats.org/officeDocument/2006/relationships" xmlns:p="http://schemas.openxmlformats.org/presentationml/2006/main">
   <p:cSld>
     <p:bg>
@@ -19838,9 +20658,10 @@
           <a:lstStyle/>
           <a:p>
             <a:r>
-              <a:rPr lang="en-US" dirty="0"/>
+              <a:rPr lang="en-US"/>
               <a:t>CONCLUSION</a:t>
             </a:r>
+            <a:endParaRPr lang="en-US" dirty="0"/>
           </a:p>
         </p:txBody>
       </p:sp>
@@ -20498,14 +21319,14 @@
             <p:ph idx="1"/>
             <p:extLst>
               <p:ext uri="{D42A27DB-BD31-4B8C-83A1-F6EECF244321}">
-                <p14:modId xmlns:p14="http://schemas.microsoft.com/office/powerpoint/2010/main" val="3440241018"/>
+                <p14:modId xmlns:p14="http://schemas.microsoft.com/office/powerpoint/2010/main" val="3959848048"/>
               </p:ext>
             </p:extLst>
           </p:nvPr>
         </p:nvGraphicFramePr>
         <p:xfrm>
-          <a:off x="298017" y="942976"/>
-          <a:ext cx="6105526" cy="4867274"/>
+          <a:off x="298017" y="657225"/>
+          <a:ext cx="6105526" cy="5600699"/>
         </p:xfrm>
         <a:graphic>
           <a:graphicData uri="http://schemas.openxmlformats.org/drawingml/2006/diagram">

--- a/SC Seminar/µ-LMS.pptx
+++ b/SC Seminar/µ-LMS.pptx
@@ -14,6 +14,7 @@
     <p:sldId id="260" r:id="rId8"/>
     <p:sldId id="261" r:id="rId9"/>
     <p:sldId id="262" r:id="rId10"/>
+    <p:sldId id="265" r:id="rId11"/>
   </p:sldIdLst>
   <p:sldSz cx="12192000" cy="6858000"/>
   <p:notesSz cx="6858000" cy="9144000"/>
@@ -1918,10 +1919,9 @@
         <a:lstStyle/>
         <a:p>
           <a:r>
-            <a:rPr lang="en-US"/>
+            <a:rPr lang="en-US" dirty="0"/>
             <a:t>Fast Convergence: The algorithm can converge quickly to the optimal solution with a suitable choice of the learning rate parameter.</a:t>
           </a:r>
-          <a:endParaRPr lang="en-US" dirty="0"/>
         </a:p>
       </dgm:t>
     </dgm:pt>
@@ -2330,10 +2330,18 @@
             </a:lnSpc>
           </a:pPr>
           <a:r>
-            <a:rPr lang="en-US" b="0" baseline="0"/>
-            <a:t>The Widrow-Hoff µ-LMS algorithm is a widely used method for updating the weights of a linear regression model. </a:t>
+            <a:rPr lang="en-US" b="0" baseline="0" dirty="0"/>
+            <a:t>The </a:t>
           </a:r>
-          <a:endParaRPr lang="en-US"/>
+          <a:r>
+            <a:rPr lang="en-US" b="0" baseline="0" dirty="0" err="1"/>
+            <a:t>Widrow</a:t>
+          </a:r>
+          <a:r>
+            <a:rPr lang="en-US" b="0" baseline="0" dirty="0"/>
+            <a:t>-Hoff µ-LMS algorithm is a widely used method for updating the weights of a linear regression model. </a:t>
+          </a:r>
+          <a:endParaRPr lang="en-US" dirty="0"/>
         </a:p>
       </dgm:t>
     </dgm:pt>
@@ -2920,10 +2928,9 @@
             <a:buChar char="•"/>
           </a:pPr>
           <a:r>
-            <a:rPr lang="en-US" sz="1400" kern="1200"/>
+            <a:rPr lang="en-US" sz="1400" kern="1200" dirty="0"/>
             <a:t>Fast Convergence: The algorithm can converge quickly to the optimal solution with a suitable choice of the learning rate parameter.</a:t>
           </a:r>
-          <a:endParaRPr lang="en-US" sz="1400" kern="1200" dirty="0"/>
         </a:p>
         <a:p>
           <a:pPr marL="114300" lvl="1" indent="-114300" algn="l" defTabSz="622300">
@@ -3335,10 +3342,18 @@
             <a:buNone/>
           </a:pPr>
           <a:r>
-            <a:rPr lang="en-US" sz="1400" b="0" kern="1200" baseline="0"/>
-            <a:t>The Widrow-Hoff µ-LMS algorithm is a widely used method for updating the weights of a linear regression model. </a:t>
+            <a:rPr lang="en-US" sz="1400" b="0" kern="1200" baseline="0" dirty="0"/>
+            <a:t>The </a:t>
           </a:r>
-          <a:endParaRPr lang="en-US" sz="1400" kern="1200"/>
+          <a:r>
+            <a:rPr lang="en-US" sz="1400" b="0" kern="1200" baseline="0" dirty="0" err="1"/>
+            <a:t>Widrow</a:t>
+          </a:r>
+          <a:r>
+            <a:rPr lang="en-US" sz="1400" b="0" kern="1200" baseline="0" dirty="0"/>
+            <a:t>-Hoff µ-LMS algorithm is a widely used method for updating the weights of a linear regression model. </a:t>
+          </a:r>
+          <a:endParaRPr lang="en-US" sz="1400" kern="1200" dirty="0"/>
         </a:p>
       </dsp:txBody>
       <dsp:txXfrm>
@@ -13050,12 +13065,12 @@
         </p:spPr>
         <p:txBody>
           <a:bodyPr>
-            <a:normAutofit/>
+            <a:normAutofit fontScale="90000"/>
           </a:bodyPr>
           <a:lstStyle/>
           <a:p>
             <a:r>
-              <a:rPr lang="en-US" dirty="0">
+              <a:rPr lang="en-US" sz="6000" dirty="0">
                 <a:solidFill>
                   <a:schemeClr val="bg1"/>
                 </a:solidFill>
@@ -13080,8 +13095,8 @@
         </p:nvSpPr>
         <p:spPr>
           <a:xfrm>
-            <a:off x="8776427" y="6311154"/>
-            <a:ext cx="3415553" cy="400110"/>
+            <a:off x="5474152" y="4931669"/>
+            <a:ext cx="3415553" cy="830997"/>
           </a:xfrm>
           <a:prstGeom prst="rect">
             <a:avLst/>
@@ -13096,12 +13111,23 @@
           <a:p>
             <a:pPr algn="r"/>
             <a:r>
-              <a:rPr lang="en-US" sz="2000" dirty="0">
+              <a:rPr lang="en-US" sz="2400" b="1" dirty="0">
                 <a:solidFill>
                   <a:schemeClr val="bg1"/>
                 </a:solidFill>
               </a:rPr>
-              <a:t>By : Harshit Singh</a:t>
+              <a:t>Harshit Singh</a:t>
+            </a:r>
+          </a:p>
+          <a:p>
+            <a:pPr algn="r"/>
+            <a:r>
+              <a:rPr lang="en-US" sz="2400" b="1" dirty="0">
+                <a:solidFill>
+                  <a:schemeClr val="bg1"/>
+                </a:solidFill>
+              </a:rPr>
+              <a:t>226511</a:t>
             </a:r>
           </a:p>
         </p:txBody>
@@ -13116,6 +13142,2437 @@
   <p:clrMapOvr>
     <a:masterClrMapping/>
   </p:clrMapOvr>
+  <mc:AlternateContent xmlns:mc="http://schemas.openxmlformats.org/markup-compatibility/2006" xmlns:p14="http://schemas.microsoft.com/office/powerpoint/2010/main">
+    <mc:Choice Requires="p14">
+      <p:transition spd="med" p14:dur="700">
+        <p:fade/>
+      </p:transition>
+    </mc:Choice>
+    <mc:Fallback xmlns="">
+      <p:transition spd="med">
+        <p:fade/>
+      </p:transition>
+    </mc:Fallback>
+  </mc:AlternateContent>
+  <p:timing>
+    <p:tnLst>
+      <p:par>
+        <p:cTn id="1" dur="indefinite" restart="never" nodeType="tmRoot">
+          <p:childTnLst>
+            <p:seq concurrent="1" nextAc="seek">
+              <p:cTn id="2" dur="indefinite" nodeType="mainSeq">
+                <p:childTnLst>
+                  <p:par>
+                    <p:cTn id="3" fill="hold">
+                      <p:stCondLst>
+                        <p:cond delay="indefinite"/>
+                      </p:stCondLst>
+                      <p:childTnLst>
+                        <p:par>
+                          <p:cTn id="4" fill="hold">
+                            <p:stCondLst>
+                              <p:cond delay="0"/>
+                            </p:stCondLst>
+                            <p:childTnLst>
+                              <p:par>
+                                <p:cTn id="5" presetID="42" presetClass="entr" presetSubtype="0" fill="hold" grpId="0" nodeType="clickEffect">
+                                  <p:stCondLst>
+                                    <p:cond delay="0"/>
+                                  </p:stCondLst>
+                                  <p:childTnLst>
+                                    <p:set>
+                                      <p:cBhvr>
+                                        <p:cTn id="6" dur="1" fill="hold">
+                                          <p:stCondLst>
+                                            <p:cond delay="0"/>
+                                          </p:stCondLst>
+                                        </p:cTn>
+                                        <p:tgtEl>
+                                          <p:spTgt spid="2"/>
+                                        </p:tgtEl>
+                                        <p:attrNameLst>
+                                          <p:attrName>style.visibility</p:attrName>
+                                        </p:attrNameLst>
+                                      </p:cBhvr>
+                                      <p:to>
+                                        <p:strVal val="visible"/>
+                                      </p:to>
+                                    </p:set>
+                                    <p:animEffect transition="in" filter="fade">
+                                      <p:cBhvr>
+                                        <p:cTn id="7" dur="1000"/>
+                                        <p:tgtEl>
+                                          <p:spTgt spid="2"/>
+                                        </p:tgtEl>
+                                      </p:cBhvr>
+                                    </p:animEffect>
+                                    <p:anim calcmode="lin" valueType="num">
+                                      <p:cBhvr>
+                                        <p:cTn id="8" dur="1000" fill="hold"/>
+                                        <p:tgtEl>
+                                          <p:spTgt spid="2"/>
+                                        </p:tgtEl>
+                                        <p:attrNameLst>
+                                          <p:attrName>ppt_x</p:attrName>
+                                        </p:attrNameLst>
+                                      </p:cBhvr>
+                                      <p:tavLst>
+                                        <p:tav tm="0">
+                                          <p:val>
+                                            <p:strVal val="#ppt_x"/>
+                                          </p:val>
+                                        </p:tav>
+                                        <p:tav tm="100000">
+                                          <p:val>
+                                            <p:strVal val="#ppt_x"/>
+                                          </p:val>
+                                        </p:tav>
+                                      </p:tavLst>
+                                    </p:anim>
+                                    <p:anim calcmode="lin" valueType="num">
+                                      <p:cBhvr>
+                                        <p:cTn id="9" dur="1000" fill="hold"/>
+                                        <p:tgtEl>
+                                          <p:spTgt spid="2"/>
+                                        </p:tgtEl>
+                                        <p:attrNameLst>
+                                          <p:attrName>ppt_y</p:attrName>
+                                        </p:attrNameLst>
+                                      </p:cBhvr>
+                                      <p:tavLst>
+                                        <p:tav tm="0">
+                                          <p:val>
+                                            <p:strVal val="#ppt_y+.1"/>
+                                          </p:val>
+                                        </p:tav>
+                                        <p:tav tm="100000">
+                                          <p:val>
+                                            <p:strVal val="#ppt_y"/>
+                                          </p:val>
+                                        </p:tav>
+                                      </p:tavLst>
+                                    </p:anim>
+                                  </p:childTnLst>
+                                </p:cTn>
+                              </p:par>
+                            </p:childTnLst>
+                          </p:cTn>
+                        </p:par>
+                      </p:childTnLst>
+                    </p:cTn>
+                  </p:par>
+                  <p:par>
+                    <p:cTn id="10" fill="hold">
+                      <p:stCondLst>
+                        <p:cond delay="indefinite"/>
+                      </p:stCondLst>
+                      <p:childTnLst>
+                        <p:par>
+                          <p:cTn id="11" fill="hold">
+                            <p:stCondLst>
+                              <p:cond delay="0"/>
+                            </p:stCondLst>
+                            <p:childTnLst>
+                              <p:par>
+                                <p:cTn id="12" presetID="10" presetClass="entr" presetSubtype="0" fill="hold" grpId="0" nodeType="clickEffect">
+                                  <p:stCondLst>
+                                    <p:cond delay="0"/>
+                                  </p:stCondLst>
+                                  <p:childTnLst>
+                                    <p:set>
+                                      <p:cBhvr>
+                                        <p:cTn id="13" dur="1" fill="hold">
+                                          <p:stCondLst>
+                                            <p:cond delay="0"/>
+                                          </p:stCondLst>
+                                        </p:cTn>
+                                        <p:tgtEl>
+                                          <p:spTgt spid="3"/>
+                                        </p:tgtEl>
+                                        <p:attrNameLst>
+                                          <p:attrName>style.visibility</p:attrName>
+                                        </p:attrNameLst>
+                                      </p:cBhvr>
+                                      <p:to>
+                                        <p:strVal val="visible"/>
+                                      </p:to>
+                                    </p:set>
+                                    <p:animEffect transition="in" filter="fade">
+                                      <p:cBhvr>
+                                        <p:cTn id="14" dur="500"/>
+                                        <p:tgtEl>
+                                          <p:spTgt spid="3"/>
+                                        </p:tgtEl>
+                                      </p:cBhvr>
+                                    </p:animEffect>
+                                  </p:childTnLst>
+                                </p:cTn>
+                              </p:par>
+                            </p:childTnLst>
+                          </p:cTn>
+                        </p:par>
+                      </p:childTnLst>
+                    </p:cTn>
+                  </p:par>
+                </p:childTnLst>
+              </p:cTn>
+              <p:prevCondLst>
+                <p:cond evt="onPrev" delay="0">
+                  <p:tgtEl>
+                    <p:sldTgt/>
+                  </p:tgtEl>
+                </p:cond>
+              </p:prevCondLst>
+              <p:nextCondLst>
+                <p:cond evt="onNext" delay="0">
+                  <p:tgtEl>
+                    <p:sldTgt/>
+                  </p:tgtEl>
+                </p:cond>
+              </p:nextCondLst>
+            </p:seq>
+          </p:childTnLst>
+        </p:cTn>
+      </p:par>
+    </p:tnLst>
+    <p:bldLst>
+      <p:bldP spid="2" grpId="0"/>
+      <p:bldP spid="3" grpId="0"/>
+    </p:bldLst>
+  </p:timing>
+</p:sld>
+</file>
+
+<file path=ppt/slides/slide10.xml><?xml version="1.0" encoding="utf-8"?>
+<p:sld xmlns:a="http://schemas.openxmlformats.org/drawingml/2006/main" xmlns:r="http://schemas.openxmlformats.org/officeDocument/2006/relationships" xmlns:p="http://schemas.openxmlformats.org/presentationml/2006/main">
+  <p:cSld>
+    <p:bg>
+      <p:bgPr>
+        <a:solidFill>
+          <a:schemeClr val="bg2"/>
+        </a:solidFill>
+        <a:effectLst/>
+      </p:bgPr>
+    </p:bg>
+    <p:spTree>
+      <p:nvGrpSpPr>
+        <p:cNvPr id="1" name=""/>
+        <p:cNvGrpSpPr/>
+        <p:nvPr/>
+      </p:nvGrpSpPr>
+      <p:grpSpPr>
+        <a:xfrm>
+          <a:off x="0" y="0"/>
+          <a:ext cx="0" cy="0"/>
+          <a:chOff x="0" y="0"/>
+          <a:chExt cx="0" cy="0"/>
+        </a:xfrm>
+      </p:grpSpPr>
+      <p:sp>
+        <p:nvSpPr>
+          <p:cNvPr id="36" name="Freeform: Shape 8">
+            <a:extLst>
+              <a:ext uri="{FF2B5EF4-FFF2-40B4-BE49-F238E27FC236}">
+                <a16:creationId xmlns:a16="http://schemas.microsoft.com/office/drawing/2014/main" id="{9B0F7D69-D93C-4C38-A23D-76E000D691CD}"/>
+              </a:ext>
+              <a:ext uri="{C183D7F6-B498-43B3-948B-1728B52AA6E4}">
+                <adec:decorative xmlns:adec="http://schemas.microsoft.com/office/drawing/2017/decorative" val="1"/>
+              </a:ext>
+            </a:extLst>
+          </p:cNvPr>
+          <p:cNvSpPr>
+            <a:spLocks noGrp="1" noRot="1" noChangeAspect="1" noMove="1" noResize="1" noEditPoints="1" noAdjustHandles="1" noChangeArrowheads="1" noChangeShapeType="1" noTextEdit="1"/>
+          </p:cNvSpPr>
+          <p:nvPr>
+            <p:extLst>
+              <p:ext uri="{386F3935-93C4-4BCD-93E2-E3B085C9AB24}">
+                <p16:designElem xmlns:p16="http://schemas.microsoft.com/office/powerpoint/2015/main" val="1"/>
+              </p:ext>
+            </p:extLst>
+          </p:nvPr>
+        </p:nvSpPr>
+        <p:spPr>
+          <a:xfrm>
+            <a:off x="0" y="0"/>
+            <a:ext cx="3496422" cy="6858000"/>
+          </a:xfrm>
+          <a:custGeom>
+            <a:avLst/>
+            <a:gdLst/>
+            <a:ahLst/>
+            <a:cxnLst/>
+            <a:rect l="l" t="t" r="r" b="b"/>
+            <a:pathLst>
+              <a:path w="3496422" h="6858000">
+                <a:moveTo>
+                  <a:pt x="0" y="0"/>
+                </a:moveTo>
+                <a:lnTo>
+                  <a:pt x="1873399" y="0"/>
+                </a:lnTo>
+                <a:lnTo>
+                  <a:pt x="1895523" y="14997"/>
+                </a:lnTo>
+                <a:cubicBezTo>
+                  <a:pt x="2922686" y="754641"/>
+                  <a:pt x="3496422" y="2093192"/>
+                  <a:pt x="3496422" y="3621656"/>
+                </a:cubicBezTo>
+                <a:cubicBezTo>
+                  <a:pt x="3496422" y="4969131"/>
+                  <a:pt x="2567697" y="5602839"/>
+                  <a:pt x="1622072" y="6374814"/>
+                </a:cubicBezTo>
+                <a:cubicBezTo>
+                  <a:pt x="1449869" y="6515397"/>
+                  <a:pt x="1279242" y="6653108"/>
+                  <a:pt x="1105424" y="6780599"/>
+                </a:cubicBezTo>
+                <a:lnTo>
+                  <a:pt x="993668" y="6858000"/>
+                </a:lnTo>
+                <a:lnTo>
+                  <a:pt x="0" y="6858000"/>
+                </a:lnTo>
+                <a:close/>
+              </a:path>
+            </a:pathLst>
+          </a:custGeom>
+          <a:solidFill>
+            <a:srgbClr val="FFFFFF">
+              <a:alpha val="60000"/>
+            </a:srgbClr>
+          </a:solidFill>
+          <a:ln>
+            <a:noFill/>
+          </a:ln>
+        </p:spPr>
+        <p:style>
+          <a:lnRef idx="2">
+            <a:schemeClr val="accent1">
+              <a:shade val="50000"/>
+            </a:schemeClr>
+          </a:lnRef>
+          <a:fillRef idx="1">
+            <a:schemeClr val="accent1"/>
+          </a:fillRef>
+          <a:effectRef idx="0">
+            <a:schemeClr val="accent1"/>
+          </a:effectRef>
+          <a:fontRef idx="minor">
+            <a:schemeClr val="lt1"/>
+          </a:fontRef>
+        </p:style>
+        <p:txBody>
+          <a:bodyPr wrap="square" rtlCol="0" anchor="ctr">
+            <a:noAutofit/>
+          </a:bodyPr>
+          <a:lstStyle/>
+          <a:p>
+            <a:pPr algn="ctr"/>
+            <a:endParaRPr lang="en-US" dirty="0"/>
+          </a:p>
+        </p:txBody>
+      </p:sp>
+      <p:sp>
+        <p:nvSpPr>
+          <p:cNvPr id="37" name="Freeform: Shape 10">
+            <a:extLst>
+              <a:ext uri="{FF2B5EF4-FFF2-40B4-BE49-F238E27FC236}">
+                <a16:creationId xmlns:a16="http://schemas.microsoft.com/office/drawing/2014/main" id="{8CD419D4-EA9D-42D9-BF62-B07F0B7B672B}"/>
+              </a:ext>
+              <a:ext uri="{C183D7F6-B498-43B3-948B-1728B52AA6E4}">
+                <adec:decorative xmlns:adec="http://schemas.microsoft.com/office/drawing/2017/decorative" val="1"/>
+              </a:ext>
+            </a:extLst>
+          </p:cNvPr>
+          <p:cNvSpPr>
+            <a:spLocks noGrp="1" noRot="1" noChangeAspect="1" noMove="1" noResize="1" noEditPoints="1" noAdjustHandles="1" noChangeArrowheads="1" noChangeShapeType="1" noTextEdit="1"/>
+          </p:cNvSpPr>
+          <p:nvPr>
+            <p:extLst>
+              <p:ext uri="{386F3935-93C4-4BCD-93E2-E3B085C9AB24}">
+                <p16:designElem xmlns:p16="http://schemas.microsoft.com/office/powerpoint/2015/main" val="1"/>
+              </p:ext>
+            </p:extLst>
+          </p:nvPr>
+        </p:nvSpPr>
+        <p:spPr>
+          <a:xfrm>
+            <a:off x="1375409" y="0"/>
+            <a:ext cx="2529723" cy="6858000"/>
+          </a:xfrm>
+          <a:custGeom>
+            <a:avLst/>
+            <a:gdLst/>
+            <a:ahLst/>
+            <a:cxnLst/>
+            <a:rect l="l" t="t" r="r" b="b"/>
+            <a:pathLst>
+              <a:path w="2529723" h="6858000">
+                <a:moveTo>
+                  <a:pt x="1258269" y="0"/>
+                </a:moveTo>
+                <a:lnTo>
+                  <a:pt x="1275627" y="0"/>
+                </a:lnTo>
+                <a:lnTo>
+                  <a:pt x="1302560" y="24338"/>
+                </a:lnTo>
+                <a:cubicBezTo>
+                  <a:pt x="2156831" y="855667"/>
+                  <a:pt x="2590622" y="2191755"/>
+                  <a:pt x="2522825" y="3678515"/>
+                </a:cubicBezTo>
+                <a:cubicBezTo>
+                  <a:pt x="2459072" y="5076606"/>
+                  <a:pt x="1519830" y="5692656"/>
+                  <a:pt x="557500" y="6451411"/>
+                </a:cubicBezTo>
+                <a:cubicBezTo>
+                  <a:pt x="382255" y="6589587"/>
+                  <a:pt x="208689" y="6724853"/>
+                  <a:pt x="32482" y="6849373"/>
+                </a:cubicBezTo>
+                <a:lnTo>
+                  <a:pt x="19531" y="6858000"/>
+                </a:lnTo>
+                <a:lnTo>
+                  <a:pt x="0" y="6858000"/>
+                </a:lnTo>
+                <a:lnTo>
+                  <a:pt x="14202" y="6848540"/>
+                </a:lnTo>
+                <a:cubicBezTo>
+                  <a:pt x="190409" y="6724020"/>
+                  <a:pt x="363976" y="6588754"/>
+                  <a:pt x="539221" y="6450578"/>
+                </a:cubicBezTo>
+                <a:cubicBezTo>
+                  <a:pt x="1501550" y="5691822"/>
+                  <a:pt x="2440792" y="5075773"/>
+                  <a:pt x="2504546" y="3677682"/>
+                </a:cubicBezTo>
+                <a:cubicBezTo>
+                  <a:pt x="2572343" y="2190921"/>
+                  <a:pt x="2138551" y="854834"/>
+                  <a:pt x="1284280" y="23504"/>
+                </a:cubicBezTo>
+                <a:close/>
+              </a:path>
+            </a:pathLst>
+          </a:custGeom>
+          <a:solidFill>
+            <a:srgbClr val="FFFFFF"/>
+          </a:solidFill>
+          <a:ln>
+            <a:noFill/>
+          </a:ln>
+        </p:spPr>
+        <p:style>
+          <a:lnRef idx="2">
+            <a:schemeClr val="accent1">
+              <a:shade val="50000"/>
+            </a:schemeClr>
+          </a:lnRef>
+          <a:fillRef idx="1">
+            <a:schemeClr val="accent1"/>
+          </a:fillRef>
+          <a:effectRef idx="0">
+            <a:schemeClr val="accent1"/>
+          </a:effectRef>
+          <a:fontRef idx="minor">
+            <a:schemeClr val="lt1"/>
+          </a:fontRef>
+        </p:style>
+        <p:txBody>
+          <a:bodyPr wrap="square" rtlCol="0" anchor="ctr">
+            <a:noAutofit/>
+          </a:bodyPr>
+          <a:lstStyle/>
+          <a:p>
+            <a:pPr marL="0" marR="0" lvl="0" indent="0" algn="ctr" defTabSz="457200" rtl="0" eaLnBrk="1" fontAlgn="auto" latinLnBrk="0" hangingPunct="1">
+              <a:lnSpc>
+                <a:spcPct val="100000"/>
+              </a:lnSpc>
+              <a:spcBef>
+                <a:spcPts val="0"/>
+              </a:spcBef>
+              <a:spcAft>
+                <a:spcPts val="0"/>
+              </a:spcAft>
+              <a:buClrTx/>
+              <a:buSzTx/>
+              <a:buFontTx/>
+              <a:buNone/>
+              <a:tabLst/>
+              <a:defRPr/>
+            </a:pPr>
+            <a:endParaRPr kumimoji="0" lang="en-US" sz="1800" b="0" i="0" u="none" strike="noStrike" kern="1200" cap="none" spc="0" normalizeH="0" baseline="0" noProof="0" dirty="0">
+              <a:ln>
+                <a:noFill/>
+              </a:ln>
+              <a:solidFill>
+                <a:prstClr val="white"/>
+              </a:solidFill>
+              <a:effectLst/>
+              <a:uLnTx/>
+              <a:uFillTx/>
+              <a:latin typeface="Meiryo"/>
+              <a:ea typeface="+mn-ea"/>
+              <a:cs typeface="+mn-cs"/>
+            </a:endParaRPr>
+          </a:p>
+        </p:txBody>
+      </p:sp>
+      <p:sp>
+        <p:nvSpPr>
+          <p:cNvPr id="38" name="Freeform: Shape 12">
+            <a:extLst>
+              <a:ext uri="{FF2B5EF4-FFF2-40B4-BE49-F238E27FC236}">
+                <a16:creationId xmlns:a16="http://schemas.microsoft.com/office/drawing/2014/main" id="{1C6FEC9B-9608-4181-A9E5-A1B80E72021C}"/>
+              </a:ext>
+              <a:ext uri="{C183D7F6-B498-43B3-948B-1728B52AA6E4}">
+                <adec:decorative xmlns:adec="http://schemas.microsoft.com/office/drawing/2017/decorative" val="1"/>
+              </a:ext>
+            </a:extLst>
+          </p:cNvPr>
+          <p:cNvSpPr>
+            <a:spLocks noGrp="1" noRot="1" noChangeAspect="1" noMove="1" noResize="1" noEditPoints="1" noAdjustHandles="1" noChangeArrowheads="1" noChangeShapeType="1" noTextEdit="1"/>
+          </p:cNvSpPr>
+          <p:nvPr>
+            <p:extLst>
+              <p:ext uri="{386F3935-93C4-4BCD-93E2-E3B085C9AB24}">
+                <p16:designElem xmlns:p16="http://schemas.microsoft.com/office/powerpoint/2015/main" val="1"/>
+              </p:ext>
+            </p:extLst>
+          </p:nvPr>
+        </p:nvSpPr>
+        <p:spPr>
+          <a:xfrm>
+            <a:off x="1155402" y="0"/>
+            <a:ext cx="2536434" cy="6858000"/>
+          </a:xfrm>
+          <a:custGeom>
+            <a:avLst/>
+            <a:gdLst/>
+            <a:ahLst/>
+            <a:cxnLst/>
+            <a:rect l="l" t="t" r="r" b="b"/>
+            <a:pathLst>
+              <a:path w="2536434" h="6858000">
+                <a:moveTo>
+                  <a:pt x="879731" y="0"/>
+                </a:moveTo>
+                <a:lnTo>
+                  <a:pt x="913411" y="0"/>
+                </a:lnTo>
+                <a:lnTo>
+                  <a:pt x="935535" y="14997"/>
+                </a:lnTo>
+                <a:cubicBezTo>
+                  <a:pt x="1962698" y="754641"/>
+                  <a:pt x="2536434" y="2093192"/>
+                  <a:pt x="2536434" y="3621656"/>
+                </a:cubicBezTo>
+                <a:cubicBezTo>
+                  <a:pt x="2536434" y="4969131"/>
+                  <a:pt x="1607709" y="5602839"/>
+                  <a:pt x="662084" y="6374814"/>
+                </a:cubicBezTo>
+                <a:cubicBezTo>
+                  <a:pt x="489881" y="6515397"/>
+                  <a:pt x="319254" y="6653108"/>
+                  <a:pt x="145436" y="6780599"/>
+                </a:cubicBezTo>
+                <a:lnTo>
+                  <a:pt x="33680" y="6858000"/>
+                </a:lnTo>
+                <a:lnTo>
+                  <a:pt x="0" y="6858000"/>
+                </a:lnTo>
+                <a:lnTo>
+                  <a:pt x="111756" y="6780599"/>
+                </a:lnTo>
+                <a:cubicBezTo>
+                  <a:pt x="285574" y="6653108"/>
+                  <a:pt x="456201" y="6515397"/>
+                  <a:pt x="628404" y="6374814"/>
+                </a:cubicBezTo>
+                <a:cubicBezTo>
+                  <a:pt x="1574029" y="5602839"/>
+                  <a:pt x="2502754" y="4969131"/>
+                  <a:pt x="2502754" y="3621656"/>
+                </a:cubicBezTo>
+                <a:cubicBezTo>
+                  <a:pt x="2502754" y="2093192"/>
+                  <a:pt x="1929018" y="754641"/>
+                  <a:pt x="901855" y="14997"/>
+                </a:cubicBezTo>
+                <a:close/>
+              </a:path>
+            </a:pathLst>
+          </a:custGeom>
+          <a:solidFill>
+            <a:schemeClr val="bg1"/>
+          </a:solidFill>
+          <a:ln>
+            <a:noFill/>
+          </a:ln>
+        </p:spPr>
+        <p:style>
+          <a:lnRef idx="2">
+            <a:schemeClr val="accent1">
+              <a:shade val="50000"/>
+            </a:schemeClr>
+          </a:lnRef>
+          <a:fillRef idx="1">
+            <a:schemeClr val="accent1"/>
+          </a:fillRef>
+          <a:effectRef idx="0">
+            <a:schemeClr val="accent1"/>
+          </a:effectRef>
+          <a:fontRef idx="minor">
+            <a:schemeClr val="lt1"/>
+          </a:fontRef>
+        </p:style>
+        <p:txBody>
+          <a:bodyPr wrap="square" rtlCol="0" anchor="ctr">
+            <a:noAutofit/>
+          </a:bodyPr>
+          <a:lstStyle/>
+          <a:p>
+            <a:pPr marL="0" marR="0" lvl="0" indent="0" algn="ctr" defTabSz="914400" rtl="0" eaLnBrk="1" fontAlgn="auto" latinLnBrk="0" hangingPunct="1">
+              <a:lnSpc>
+                <a:spcPct val="100000"/>
+              </a:lnSpc>
+              <a:spcBef>
+                <a:spcPts val="0"/>
+              </a:spcBef>
+              <a:spcAft>
+                <a:spcPts val="0"/>
+              </a:spcAft>
+              <a:buClrTx/>
+              <a:buSzTx/>
+              <a:buFontTx/>
+              <a:buNone/>
+              <a:tabLst/>
+              <a:defRPr/>
+            </a:pPr>
+            <a:endParaRPr kumimoji="0" lang="en-US" sz="1800" b="0" i="0" u="none" strike="noStrike" kern="1200" cap="none" spc="0" normalizeH="0" baseline="0" noProof="0" dirty="0">
+              <a:ln>
+                <a:noFill/>
+              </a:ln>
+              <a:solidFill>
+                <a:prstClr val="white"/>
+              </a:solidFill>
+              <a:effectLst/>
+              <a:uLnTx/>
+              <a:uFillTx/>
+              <a:latin typeface="Meiryo"/>
+              <a:ea typeface="+mn-ea"/>
+              <a:cs typeface="+mn-cs"/>
+            </a:endParaRPr>
+          </a:p>
+        </p:txBody>
+      </p:sp>
+      <p:sp>
+        <p:nvSpPr>
+          <p:cNvPr id="39" name="Freeform: Shape 14">
+            <a:extLst>
+              <a:ext uri="{FF2B5EF4-FFF2-40B4-BE49-F238E27FC236}">
+                <a16:creationId xmlns:a16="http://schemas.microsoft.com/office/drawing/2014/main" id="{AB1564ED-F26F-451D-97D6-A6EC3E83FD55}"/>
+              </a:ext>
+              <a:ext uri="{C183D7F6-B498-43B3-948B-1728B52AA6E4}">
+                <adec:decorative xmlns:adec="http://schemas.microsoft.com/office/drawing/2017/decorative" val="1"/>
+              </a:ext>
+            </a:extLst>
+          </p:cNvPr>
+          <p:cNvSpPr>
+            <a:spLocks noGrp="1" noRot="1" noChangeAspect="1" noMove="1" noResize="1" noEditPoints="1" noAdjustHandles="1" noChangeArrowheads="1" noChangeShapeType="1" noTextEdit="1"/>
+          </p:cNvSpPr>
+          <p:nvPr>
+            <p:extLst>
+              <p:ext uri="{386F3935-93C4-4BCD-93E2-E3B085C9AB24}">
+                <p16:designElem xmlns:p16="http://schemas.microsoft.com/office/powerpoint/2015/main" val="1"/>
+              </p:ext>
+            </p:extLst>
+          </p:nvPr>
+        </p:nvSpPr>
+        <p:spPr>
+          <a:xfrm>
+            <a:off x="924161" y="0"/>
+            <a:ext cx="2261351" cy="6858000"/>
+          </a:xfrm>
+          <a:custGeom>
+            <a:avLst/>
+            <a:gdLst/>
+            <a:ahLst/>
+            <a:cxnLst/>
+            <a:rect l="l" t="t" r="r" b="b"/>
+            <a:pathLst>
+              <a:path w="2521425" h="6858000">
+                <a:moveTo>
+                  <a:pt x="879731" y="0"/>
+                </a:moveTo>
+                <a:lnTo>
+                  <a:pt x="898402" y="0"/>
+                </a:lnTo>
+                <a:lnTo>
+                  <a:pt x="920526" y="14997"/>
+                </a:lnTo>
+                <a:cubicBezTo>
+                  <a:pt x="1947689" y="754641"/>
+                  <a:pt x="2521425" y="2093192"/>
+                  <a:pt x="2521425" y="3621656"/>
+                </a:cubicBezTo>
+                <a:cubicBezTo>
+                  <a:pt x="2521425" y="4969131"/>
+                  <a:pt x="1592700" y="5602839"/>
+                  <a:pt x="647075" y="6374814"/>
+                </a:cubicBezTo>
+                <a:cubicBezTo>
+                  <a:pt x="474872" y="6515397"/>
+                  <a:pt x="304245" y="6653108"/>
+                  <a:pt x="130427" y="6780599"/>
+                </a:cubicBezTo>
+                <a:lnTo>
+                  <a:pt x="18671" y="6858000"/>
+                </a:lnTo>
+                <a:lnTo>
+                  <a:pt x="0" y="6858000"/>
+                </a:lnTo>
+                <a:lnTo>
+                  <a:pt x="111756" y="6780599"/>
+                </a:lnTo>
+                <a:cubicBezTo>
+                  <a:pt x="285574" y="6653108"/>
+                  <a:pt x="456201" y="6515397"/>
+                  <a:pt x="628404" y="6374814"/>
+                </a:cubicBezTo>
+                <a:cubicBezTo>
+                  <a:pt x="1574029" y="5602839"/>
+                  <a:pt x="2502754" y="4969131"/>
+                  <a:pt x="2502754" y="3621656"/>
+                </a:cubicBezTo>
+                <a:cubicBezTo>
+                  <a:pt x="2502754" y="2093192"/>
+                  <a:pt x="1929018" y="754641"/>
+                  <a:pt x="901855" y="14997"/>
+                </a:cubicBezTo>
+                <a:close/>
+              </a:path>
+            </a:pathLst>
+          </a:custGeom>
+          <a:solidFill>
+            <a:schemeClr val="bg2">
+              <a:lumMod val="90000"/>
+            </a:schemeClr>
+          </a:solidFill>
+          <a:ln>
+            <a:noFill/>
+          </a:ln>
+        </p:spPr>
+        <p:style>
+          <a:lnRef idx="2">
+            <a:schemeClr val="accent1">
+              <a:shade val="50000"/>
+            </a:schemeClr>
+          </a:lnRef>
+          <a:fillRef idx="1">
+            <a:schemeClr val="accent1"/>
+          </a:fillRef>
+          <a:effectRef idx="0">
+            <a:schemeClr val="accent1"/>
+          </a:effectRef>
+          <a:fontRef idx="minor">
+            <a:schemeClr val="lt1"/>
+          </a:fontRef>
+        </p:style>
+        <p:txBody>
+          <a:bodyPr wrap="square" rtlCol="0" anchor="ctr">
+            <a:noAutofit/>
+          </a:bodyPr>
+          <a:lstStyle/>
+          <a:p>
+            <a:pPr marL="0" marR="0" lvl="0" indent="0" algn="ctr" defTabSz="914400" rtl="0" eaLnBrk="1" fontAlgn="auto" latinLnBrk="0" hangingPunct="1">
+              <a:lnSpc>
+                <a:spcPct val="100000"/>
+              </a:lnSpc>
+              <a:spcBef>
+                <a:spcPts val="0"/>
+              </a:spcBef>
+              <a:spcAft>
+                <a:spcPts val="0"/>
+              </a:spcAft>
+              <a:buClrTx/>
+              <a:buSzTx/>
+              <a:buFontTx/>
+              <a:buNone/>
+              <a:tabLst/>
+              <a:defRPr/>
+            </a:pPr>
+            <a:endParaRPr kumimoji="0" lang="en-US" sz="1800" b="0" i="0" u="none" strike="noStrike" kern="1200" cap="none" spc="0" normalizeH="0" baseline="0" noProof="0">
+              <a:ln>
+                <a:noFill/>
+              </a:ln>
+              <a:solidFill>
+                <a:prstClr val="white"/>
+              </a:solidFill>
+              <a:effectLst/>
+              <a:uLnTx/>
+              <a:uFillTx/>
+              <a:latin typeface="Meiryo"/>
+              <a:ea typeface="+mn-ea"/>
+              <a:cs typeface="+mn-cs"/>
+            </a:endParaRPr>
+          </a:p>
+        </p:txBody>
+      </p:sp>
+      <p:sp>
+        <p:nvSpPr>
+          <p:cNvPr id="40" name="Freeform: Shape 16">
+            <a:extLst>
+              <a:ext uri="{FF2B5EF4-FFF2-40B4-BE49-F238E27FC236}">
+                <a16:creationId xmlns:a16="http://schemas.microsoft.com/office/drawing/2014/main" id="{AF50A80E-5DCB-4320-9947-73BF2D6F059F}"/>
+              </a:ext>
+              <a:ext uri="{C183D7F6-B498-43B3-948B-1728B52AA6E4}">
+                <adec:decorative xmlns:adec="http://schemas.microsoft.com/office/drawing/2017/decorative" val="1"/>
+              </a:ext>
+            </a:extLst>
+          </p:cNvPr>
+          <p:cNvSpPr>
+            <a:spLocks noGrp="1" noRot="1" noChangeAspect="1" noMove="1" noResize="1" noEditPoints="1" noAdjustHandles="1" noChangeArrowheads="1" noChangeShapeType="1" noTextEdit="1"/>
+          </p:cNvSpPr>
+          <p:nvPr>
+            <p:extLst>
+              <p:ext uri="{386F3935-93C4-4BCD-93E2-E3B085C9AB24}">
+                <p16:designElem xmlns:p16="http://schemas.microsoft.com/office/powerpoint/2015/main" val="1"/>
+              </p:ext>
+            </p:extLst>
+          </p:nvPr>
+        </p:nvSpPr>
+        <p:spPr>
+          <a:xfrm>
+            <a:off x="0" y="0"/>
+            <a:ext cx="3496422" cy="6858000"/>
+          </a:xfrm>
+          <a:custGeom>
+            <a:avLst/>
+            <a:gdLst/>
+            <a:ahLst/>
+            <a:cxnLst/>
+            <a:rect l="l" t="t" r="r" b="b"/>
+            <a:pathLst>
+              <a:path w="3496422" h="6858000">
+                <a:moveTo>
+                  <a:pt x="0" y="0"/>
+                </a:moveTo>
+                <a:lnTo>
+                  <a:pt x="1873399" y="0"/>
+                </a:lnTo>
+                <a:lnTo>
+                  <a:pt x="1895523" y="14997"/>
+                </a:lnTo>
+                <a:cubicBezTo>
+                  <a:pt x="2922686" y="754641"/>
+                  <a:pt x="3496422" y="2093192"/>
+                  <a:pt x="3496422" y="3621656"/>
+                </a:cubicBezTo>
+                <a:cubicBezTo>
+                  <a:pt x="3496422" y="4969131"/>
+                  <a:pt x="2567697" y="5602839"/>
+                  <a:pt x="1622072" y="6374814"/>
+                </a:cubicBezTo>
+                <a:cubicBezTo>
+                  <a:pt x="1449869" y="6515397"/>
+                  <a:pt x="1279242" y="6653108"/>
+                  <a:pt x="1105424" y="6780599"/>
+                </a:cubicBezTo>
+                <a:lnTo>
+                  <a:pt x="993668" y="6858000"/>
+                </a:lnTo>
+                <a:lnTo>
+                  <a:pt x="0" y="6858000"/>
+                </a:lnTo>
+                <a:close/>
+              </a:path>
+            </a:pathLst>
+          </a:custGeom>
+          <a:solidFill>
+            <a:srgbClr val="FFFFFF">
+              <a:alpha val="60000"/>
+            </a:srgbClr>
+          </a:solidFill>
+          <a:ln>
+            <a:noFill/>
+          </a:ln>
+        </p:spPr>
+        <p:style>
+          <a:lnRef idx="2">
+            <a:schemeClr val="accent1">
+              <a:shade val="50000"/>
+            </a:schemeClr>
+          </a:lnRef>
+          <a:fillRef idx="1">
+            <a:schemeClr val="accent1"/>
+          </a:fillRef>
+          <a:effectRef idx="0">
+            <a:schemeClr val="accent1"/>
+          </a:effectRef>
+          <a:fontRef idx="minor">
+            <a:schemeClr val="lt1"/>
+          </a:fontRef>
+        </p:style>
+        <p:txBody>
+          <a:bodyPr wrap="square" rtlCol="0" anchor="ctr">
+            <a:noAutofit/>
+          </a:bodyPr>
+          <a:lstStyle/>
+          <a:p>
+            <a:pPr algn="ctr"/>
+            <a:endParaRPr lang="en-US" dirty="0"/>
+          </a:p>
+        </p:txBody>
+      </p:sp>
+      <p:sp>
+        <p:nvSpPr>
+          <p:cNvPr id="41" name="Freeform: Shape 18">
+            <a:extLst>
+              <a:ext uri="{FF2B5EF4-FFF2-40B4-BE49-F238E27FC236}">
+                <a16:creationId xmlns:a16="http://schemas.microsoft.com/office/drawing/2014/main" id="{4E9C9717-43F9-44EA-9215-3F2D15B1C737}"/>
+              </a:ext>
+              <a:ext uri="{C183D7F6-B498-43B3-948B-1728B52AA6E4}">
+                <adec:decorative xmlns:adec="http://schemas.microsoft.com/office/drawing/2017/decorative" val="1"/>
+              </a:ext>
+            </a:extLst>
+          </p:cNvPr>
+          <p:cNvSpPr>
+            <a:spLocks noGrp="1" noRot="1" noChangeAspect="1" noMove="1" noResize="1" noEditPoints="1" noAdjustHandles="1" noChangeArrowheads="1" noChangeShapeType="1" noTextEdit="1"/>
+          </p:cNvSpPr>
+          <p:nvPr>
+            <p:extLst>
+              <p:ext uri="{386F3935-93C4-4BCD-93E2-E3B085C9AB24}">
+                <p16:designElem xmlns:p16="http://schemas.microsoft.com/office/powerpoint/2015/main" val="1"/>
+              </p:ext>
+            </p:extLst>
+          </p:nvPr>
+        </p:nvSpPr>
+        <p:spPr>
+          <a:xfrm>
+            <a:off x="1375409" y="0"/>
+            <a:ext cx="2529723" cy="6858000"/>
+          </a:xfrm>
+          <a:custGeom>
+            <a:avLst/>
+            <a:gdLst/>
+            <a:ahLst/>
+            <a:cxnLst/>
+            <a:rect l="l" t="t" r="r" b="b"/>
+            <a:pathLst>
+              <a:path w="2529723" h="6858000">
+                <a:moveTo>
+                  <a:pt x="1258269" y="0"/>
+                </a:moveTo>
+                <a:lnTo>
+                  <a:pt x="1275627" y="0"/>
+                </a:lnTo>
+                <a:lnTo>
+                  <a:pt x="1302560" y="24338"/>
+                </a:lnTo>
+                <a:cubicBezTo>
+                  <a:pt x="2156831" y="855667"/>
+                  <a:pt x="2590622" y="2191755"/>
+                  <a:pt x="2522825" y="3678515"/>
+                </a:cubicBezTo>
+                <a:cubicBezTo>
+                  <a:pt x="2459072" y="5076606"/>
+                  <a:pt x="1519830" y="5692656"/>
+                  <a:pt x="557500" y="6451411"/>
+                </a:cubicBezTo>
+                <a:cubicBezTo>
+                  <a:pt x="382255" y="6589587"/>
+                  <a:pt x="208689" y="6724853"/>
+                  <a:pt x="32482" y="6849373"/>
+                </a:cubicBezTo>
+                <a:lnTo>
+                  <a:pt x="19531" y="6858000"/>
+                </a:lnTo>
+                <a:lnTo>
+                  <a:pt x="0" y="6858000"/>
+                </a:lnTo>
+                <a:lnTo>
+                  <a:pt x="14202" y="6848540"/>
+                </a:lnTo>
+                <a:cubicBezTo>
+                  <a:pt x="190409" y="6724020"/>
+                  <a:pt x="363976" y="6588754"/>
+                  <a:pt x="539221" y="6450578"/>
+                </a:cubicBezTo>
+                <a:cubicBezTo>
+                  <a:pt x="1501550" y="5691822"/>
+                  <a:pt x="2440792" y="5075773"/>
+                  <a:pt x="2504546" y="3677682"/>
+                </a:cubicBezTo>
+                <a:cubicBezTo>
+                  <a:pt x="2572343" y="2190921"/>
+                  <a:pt x="2138551" y="854834"/>
+                  <a:pt x="1284280" y="23504"/>
+                </a:cubicBezTo>
+                <a:close/>
+              </a:path>
+            </a:pathLst>
+          </a:custGeom>
+          <a:solidFill>
+            <a:srgbClr val="FFFFFF"/>
+          </a:solidFill>
+          <a:ln>
+            <a:noFill/>
+          </a:ln>
+        </p:spPr>
+        <p:style>
+          <a:lnRef idx="2">
+            <a:schemeClr val="accent1">
+              <a:shade val="50000"/>
+            </a:schemeClr>
+          </a:lnRef>
+          <a:fillRef idx="1">
+            <a:schemeClr val="accent1"/>
+          </a:fillRef>
+          <a:effectRef idx="0">
+            <a:schemeClr val="accent1"/>
+          </a:effectRef>
+          <a:fontRef idx="minor">
+            <a:schemeClr val="lt1"/>
+          </a:fontRef>
+        </p:style>
+        <p:txBody>
+          <a:bodyPr wrap="square" rtlCol="0" anchor="ctr">
+            <a:noAutofit/>
+          </a:bodyPr>
+          <a:lstStyle/>
+          <a:p>
+            <a:pPr marL="0" marR="0" lvl="0" indent="0" algn="ctr" defTabSz="457200" rtl="0" eaLnBrk="1" fontAlgn="auto" latinLnBrk="0" hangingPunct="1">
+              <a:lnSpc>
+                <a:spcPct val="100000"/>
+              </a:lnSpc>
+              <a:spcBef>
+                <a:spcPts val="0"/>
+              </a:spcBef>
+              <a:spcAft>
+                <a:spcPts val="0"/>
+              </a:spcAft>
+              <a:buClrTx/>
+              <a:buSzTx/>
+              <a:buFontTx/>
+              <a:buNone/>
+              <a:tabLst/>
+              <a:defRPr/>
+            </a:pPr>
+            <a:endParaRPr kumimoji="0" lang="en-US" sz="1800" b="0" i="0" u="none" strike="noStrike" kern="1200" cap="none" spc="0" normalizeH="0" baseline="0" noProof="0" dirty="0">
+              <a:ln>
+                <a:noFill/>
+              </a:ln>
+              <a:solidFill>
+                <a:prstClr val="white"/>
+              </a:solidFill>
+              <a:effectLst/>
+              <a:uLnTx/>
+              <a:uFillTx/>
+              <a:latin typeface="Meiryo"/>
+              <a:ea typeface="+mn-ea"/>
+              <a:cs typeface="+mn-cs"/>
+            </a:endParaRPr>
+          </a:p>
+        </p:txBody>
+      </p:sp>
+      <p:sp>
+        <p:nvSpPr>
+          <p:cNvPr id="42" name="Freeform: Shape 20">
+            <a:extLst>
+              <a:ext uri="{FF2B5EF4-FFF2-40B4-BE49-F238E27FC236}">
+                <a16:creationId xmlns:a16="http://schemas.microsoft.com/office/drawing/2014/main" id="{E66004D1-3DCE-405F-9046-6DE912409E12}"/>
+              </a:ext>
+              <a:ext uri="{C183D7F6-B498-43B3-948B-1728B52AA6E4}">
+                <adec:decorative xmlns:adec="http://schemas.microsoft.com/office/drawing/2017/decorative" val="1"/>
+              </a:ext>
+            </a:extLst>
+          </p:cNvPr>
+          <p:cNvSpPr>
+            <a:spLocks noGrp="1" noRot="1" noChangeAspect="1" noMove="1" noResize="1" noEditPoints="1" noAdjustHandles="1" noChangeArrowheads="1" noChangeShapeType="1" noTextEdit="1"/>
+          </p:cNvSpPr>
+          <p:nvPr>
+            <p:extLst>
+              <p:ext uri="{386F3935-93C4-4BCD-93E2-E3B085C9AB24}">
+                <p16:designElem xmlns:p16="http://schemas.microsoft.com/office/powerpoint/2015/main" val="1"/>
+              </p:ext>
+            </p:extLst>
+          </p:nvPr>
+        </p:nvSpPr>
+        <p:spPr>
+          <a:xfrm>
+            <a:off x="1155402" y="0"/>
+            <a:ext cx="2536434" cy="6858000"/>
+          </a:xfrm>
+          <a:custGeom>
+            <a:avLst/>
+            <a:gdLst/>
+            <a:ahLst/>
+            <a:cxnLst/>
+            <a:rect l="l" t="t" r="r" b="b"/>
+            <a:pathLst>
+              <a:path w="2536434" h="6858000">
+                <a:moveTo>
+                  <a:pt x="879731" y="0"/>
+                </a:moveTo>
+                <a:lnTo>
+                  <a:pt x="913411" y="0"/>
+                </a:lnTo>
+                <a:lnTo>
+                  <a:pt x="935535" y="14997"/>
+                </a:lnTo>
+                <a:cubicBezTo>
+                  <a:pt x="1962698" y="754641"/>
+                  <a:pt x="2536434" y="2093192"/>
+                  <a:pt x="2536434" y="3621656"/>
+                </a:cubicBezTo>
+                <a:cubicBezTo>
+                  <a:pt x="2536434" y="4969131"/>
+                  <a:pt x="1607709" y="5602839"/>
+                  <a:pt x="662084" y="6374814"/>
+                </a:cubicBezTo>
+                <a:cubicBezTo>
+                  <a:pt x="489881" y="6515397"/>
+                  <a:pt x="319254" y="6653108"/>
+                  <a:pt x="145436" y="6780599"/>
+                </a:cubicBezTo>
+                <a:lnTo>
+                  <a:pt x="33680" y="6858000"/>
+                </a:lnTo>
+                <a:lnTo>
+                  <a:pt x="0" y="6858000"/>
+                </a:lnTo>
+                <a:lnTo>
+                  <a:pt x="111756" y="6780599"/>
+                </a:lnTo>
+                <a:cubicBezTo>
+                  <a:pt x="285574" y="6653108"/>
+                  <a:pt x="456201" y="6515397"/>
+                  <a:pt x="628404" y="6374814"/>
+                </a:cubicBezTo>
+                <a:cubicBezTo>
+                  <a:pt x="1574029" y="5602839"/>
+                  <a:pt x="2502754" y="4969131"/>
+                  <a:pt x="2502754" y="3621656"/>
+                </a:cubicBezTo>
+                <a:cubicBezTo>
+                  <a:pt x="2502754" y="2093192"/>
+                  <a:pt x="1929018" y="754641"/>
+                  <a:pt x="901855" y="14997"/>
+                </a:cubicBezTo>
+                <a:close/>
+              </a:path>
+            </a:pathLst>
+          </a:custGeom>
+          <a:solidFill>
+            <a:schemeClr val="bg1"/>
+          </a:solidFill>
+          <a:ln>
+            <a:noFill/>
+          </a:ln>
+        </p:spPr>
+        <p:style>
+          <a:lnRef idx="2">
+            <a:schemeClr val="accent1">
+              <a:shade val="50000"/>
+            </a:schemeClr>
+          </a:lnRef>
+          <a:fillRef idx="1">
+            <a:schemeClr val="accent1"/>
+          </a:fillRef>
+          <a:effectRef idx="0">
+            <a:schemeClr val="accent1"/>
+          </a:effectRef>
+          <a:fontRef idx="minor">
+            <a:schemeClr val="lt1"/>
+          </a:fontRef>
+        </p:style>
+        <p:txBody>
+          <a:bodyPr wrap="square" rtlCol="0" anchor="ctr">
+            <a:noAutofit/>
+          </a:bodyPr>
+          <a:lstStyle/>
+          <a:p>
+            <a:pPr marL="0" marR="0" lvl="0" indent="0" algn="ctr" defTabSz="914400" rtl="0" eaLnBrk="1" fontAlgn="auto" latinLnBrk="0" hangingPunct="1">
+              <a:lnSpc>
+                <a:spcPct val="100000"/>
+              </a:lnSpc>
+              <a:spcBef>
+                <a:spcPts val="0"/>
+              </a:spcBef>
+              <a:spcAft>
+                <a:spcPts val="0"/>
+              </a:spcAft>
+              <a:buClrTx/>
+              <a:buSzTx/>
+              <a:buFontTx/>
+              <a:buNone/>
+              <a:tabLst/>
+              <a:defRPr/>
+            </a:pPr>
+            <a:endParaRPr kumimoji="0" lang="en-US" sz="1800" b="0" i="0" u="none" strike="noStrike" kern="1200" cap="none" spc="0" normalizeH="0" baseline="0" noProof="0" dirty="0">
+              <a:ln>
+                <a:noFill/>
+              </a:ln>
+              <a:solidFill>
+                <a:prstClr val="white"/>
+              </a:solidFill>
+              <a:effectLst/>
+              <a:uLnTx/>
+              <a:uFillTx/>
+              <a:latin typeface="Meiryo"/>
+              <a:ea typeface="+mn-ea"/>
+              <a:cs typeface="+mn-cs"/>
+            </a:endParaRPr>
+          </a:p>
+        </p:txBody>
+      </p:sp>
+      <p:sp>
+        <p:nvSpPr>
+          <p:cNvPr id="43" name="Freeform: Shape 22">
+            <a:extLst>
+              <a:ext uri="{FF2B5EF4-FFF2-40B4-BE49-F238E27FC236}">
+                <a16:creationId xmlns:a16="http://schemas.microsoft.com/office/drawing/2014/main" id="{D1319957-918B-4BBC-B357-957813808CDF}"/>
+              </a:ext>
+              <a:ext uri="{C183D7F6-B498-43B3-948B-1728B52AA6E4}">
+                <adec:decorative xmlns:adec="http://schemas.microsoft.com/office/drawing/2017/decorative" val="1"/>
+              </a:ext>
+            </a:extLst>
+          </p:cNvPr>
+          <p:cNvSpPr>
+            <a:spLocks noGrp="1" noRot="1" noChangeAspect="1" noMove="1" noResize="1" noEditPoints="1" noAdjustHandles="1" noChangeArrowheads="1" noChangeShapeType="1" noTextEdit="1"/>
+          </p:cNvSpPr>
+          <p:nvPr>
+            <p:extLst>
+              <p:ext uri="{386F3935-93C4-4BCD-93E2-E3B085C9AB24}">
+                <p16:designElem xmlns:p16="http://schemas.microsoft.com/office/powerpoint/2015/main" val="1"/>
+              </p:ext>
+            </p:extLst>
+          </p:nvPr>
+        </p:nvSpPr>
+        <p:spPr>
+          <a:xfrm>
+            <a:off x="924161" y="0"/>
+            <a:ext cx="2261351" cy="6858000"/>
+          </a:xfrm>
+          <a:custGeom>
+            <a:avLst/>
+            <a:gdLst/>
+            <a:ahLst/>
+            <a:cxnLst/>
+            <a:rect l="l" t="t" r="r" b="b"/>
+            <a:pathLst>
+              <a:path w="2521425" h="6858000">
+                <a:moveTo>
+                  <a:pt x="879731" y="0"/>
+                </a:moveTo>
+                <a:lnTo>
+                  <a:pt x="898402" y="0"/>
+                </a:lnTo>
+                <a:lnTo>
+                  <a:pt x="920526" y="14997"/>
+                </a:lnTo>
+                <a:cubicBezTo>
+                  <a:pt x="1947689" y="754641"/>
+                  <a:pt x="2521425" y="2093192"/>
+                  <a:pt x="2521425" y="3621656"/>
+                </a:cubicBezTo>
+                <a:cubicBezTo>
+                  <a:pt x="2521425" y="4969131"/>
+                  <a:pt x="1592700" y="5602839"/>
+                  <a:pt x="647075" y="6374814"/>
+                </a:cubicBezTo>
+                <a:cubicBezTo>
+                  <a:pt x="474872" y="6515397"/>
+                  <a:pt x="304245" y="6653108"/>
+                  <a:pt x="130427" y="6780599"/>
+                </a:cubicBezTo>
+                <a:lnTo>
+                  <a:pt x="18671" y="6858000"/>
+                </a:lnTo>
+                <a:lnTo>
+                  <a:pt x="0" y="6858000"/>
+                </a:lnTo>
+                <a:lnTo>
+                  <a:pt x="111756" y="6780599"/>
+                </a:lnTo>
+                <a:cubicBezTo>
+                  <a:pt x="285574" y="6653108"/>
+                  <a:pt x="456201" y="6515397"/>
+                  <a:pt x="628404" y="6374814"/>
+                </a:cubicBezTo>
+                <a:cubicBezTo>
+                  <a:pt x="1574029" y="5602839"/>
+                  <a:pt x="2502754" y="4969131"/>
+                  <a:pt x="2502754" y="3621656"/>
+                </a:cubicBezTo>
+                <a:cubicBezTo>
+                  <a:pt x="2502754" y="2093192"/>
+                  <a:pt x="1929018" y="754641"/>
+                  <a:pt x="901855" y="14997"/>
+                </a:cubicBezTo>
+                <a:close/>
+              </a:path>
+            </a:pathLst>
+          </a:custGeom>
+          <a:solidFill>
+            <a:schemeClr val="bg2">
+              <a:lumMod val="90000"/>
+            </a:schemeClr>
+          </a:solidFill>
+          <a:ln>
+            <a:noFill/>
+          </a:ln>
+        </p:spPr>
+        <p:style>
+          <a:lnRef idx="2">
+            <a:schemeClr val="accent1">
+              <a:shade val="50000"/>
+            </a:schemeClr>
+          </a:lnRef>
+          <a:fillRef idx="1">
+            <a:schemeClr val="accent1"/>
+          </a:fillRef>
+          <a:effectRef idx="0">
+            <a:schemeClr val="accent1"/>
+          </a:effectRef>
+          <a:fontRef idx="minor">
+            <a:schemeClr val="lt1"/>
+          </a:fontRef>
+        </p:style>
+        <p:txBody>
+          <a:bodyPr wrap="square" rtlCol="0" anchor="ctr">
+            <a:noAutofit/>
+          </a:bodyPr>
+          <a:lstStyle/>
+          <a:p>
+            <a:pPr marL="0" marR="0" lvl="0" indent="0" algn="ctr" defTabSz="914400" rtl="0" eaLnBrk="1" fontAlgn="auto" latinLnBrk="0" hangingPunct="1">
+              <a:lnSpc>
+                <a:spcPct val="100000"/>
+              </a:lnSpc>
+              <a:spcBef>
+                <a:spcPts val="0"/>
+              </a:spcBef>
+              <a:spcAft>
+                <a:spcPts val="0"/>
+              </a:spcAft>
+              <a:buClrTx/>
+              <a:buSzTx/>
+              <a:buFontTx/>
+              <a:buNone/>
+              <a:tabLst/>
+              <a:defRPr/>
+            </a:pPr>
+            <a:endParaRPr kumimoji="0" lang="en-US" sz="1800" b="0" i="0" u="none" strike="noStrike" kern="1200" cap="none" spc="0" normalizeH="0" baseline="0" noProof="0">
+              <a:ln>
+                <a:noFill/>
+              </a:ln>
+              <a:solidFill>
+                <a:prstClr val="white"/>
+              </a:solidFill>
+              <a:effectLst/>
+              <a:uLnTx/>
+              <a:uFillTx/>
+              <a:latin typeface="Meiryo"/>
+              <a:ea typeface="+mn-ea"/>
+              <a:cs typeface="+mn-cs"/>
+            </a:endParaRPr>
+          </a:p>
+        </p:txBody>
+      </p:sp>
+      <p:sp useBgFill="1">
+        <p:nvSpPr>
+          <p:cNvPr id="44" name="Rectangle 24">
+            <a:extLst>
+              <a:ext uri="{FF2B5EF4-FFF2-40B4-BE49-F238E27FC236}">
+                <a16:creationId xmlns:a16="http://schemas.microsoft.com/office/drawing/2014/main" id="{0DBF1ABE-8590-450D-BB49-BDDCCF3EEA9E}"/>
+              </a:ext>
+              <a:ext uri="{C183D7F6-B498-43B3-948B-1728B52AA6E4}">
+                <adec:decorative xmlns:adec="http://schemas.microsoft.com/office/drawing/2017/decorative" val="1"/>
+              </a:ext>
+            </a:extLst>
+          </p:cNvPr>
+          <p:cNvSpPr>
+            <a:spLocks noGrp="1" noRot="1" noChangeAspect="1" noMove="1" noResize="1" noEditPoints="1" noAdjustHandles="1" noChangeArrowheads="1" noChangeShapeType="1" noTextEdit="1"/>
+          </p:cNvSpPr>
+          <p:nvPr>
+            <p:extLst>
+              <p:ext uri="{386F3935-93C4-4BCD-93E2-E3B085C9AB24}">
+                <p16:designElem xmlns:p16="http://schemas.microsoft.com/office/powerpoint/2015/main" val="1"/>
+              </p:ext>
+            </p:extLst>
+          </p:nvPr>
+        </p:nvSpPr>
+        <p:spPr>
+          <a:xfrm>
+            <a:off x="305" y="0"/>
+            <a:ext cx="12191695" cy="6858000"/>
+          </a:xfrm>
+          <a:prstGeom prst="rect">
+            <a:avLst/>
+          </a:prstGeom>
+          <a:ln>
+            <a:noFill/>
+          </a:ln>
+        </p:spPr>
+        <p:style>
+          <a:lnRef idx="2">
+            <a:schemeClr val="accent1">
+              <a:shade val="50000"/>
+            </a:schemeClr>
+          </a:lnRef>
+          <a:fillRef idx="1">
+            <a:schemeClr val="accent1"/>
+          </a:fillRef>
+          <a:effectRef idx="0">
+            <a:schemeClr val="accent1"/>
+          </a:effectRef>
+          <a:fontRef idx="minor">
+            <a:schemeClr val="lt1"/>
+          </a:fontRef>
+        </p:style>
+        <p:txBody>
+          <a:bodyPr rtlCol="0" anchor="ctr"/>
+          <a:lstStyle/>
+          <a:p>
+            <a:pPr marL="0" marR="0" lvl="0" indent="0" algn="ctr" defTabSz="457200" rtl="0" eaLnBrk="1" fontAlgn="auto" latinLnBrk="0" hangingPunct="1">
+              <a:lnSpc>
+                <a:spcPct val="100000"/>
+              </a:lnSpc>
+              <a:spcBef>
+                <a:spcPts val="0"/>
+              </a:spcBef>
+              <a:spcAft>
+                <a:spcPts val="0"/>
+              </a:spcAft>
+              <a:buClrTx/>
+              <a:buSzTx/>
+              <a:buFontTx/>
+              <a:buNone/>
+              <a:tabLst/>
+              <a:defRPr/>
+            </a:pPr>
+            <a:endParaRPr kumimoji="0" lang="en-US" sz="1800" b="0" i="0" u="none" strike="noStrike" kern="1200" cap="none" spc="0" normalizeH="0" baseline="0" noProof="0" dirty="0">
+              <a:ln>
+                <a:noFill/>
+              </a:ln>
+              <a:solidFill>
+                <a:prstClr val="white"/>
+              </a:solidFill>
+              <a:effectLst/>
+              <a:uLnTx/>
+              <a:uFillTx/>
+              <a:latin typeface="Meiryo"/>
+              <a:ea typeface="+mn-ea"/>
+              <a:cs typeface="+mn-cs"/>
+            </a:endParaRPr>
+          </a:p>
+        </p:txBody>
+      </p:sp>
+      <p:sp>
+        <p:nvSpPr>
+          <p:cNvPr id="45" name="Freeform: Shape 26">
+            <a:extLst>
+              <a:ext uri="{FF2B5EF4-FFF2-40B4-BE49-F238E27FC236}">
+                <a16:creationId xmlns:a16="http://schemas.microsoft.com/office/drawing/2014/main" id="{F624CBFB-D803-467F-960F-B6A30F8218C6}"/>
+              </a:ext>
+              <a:ext uri="{C183D7F6-B498-43B3-948B-1728B52AA6E4}">
+                <adec:decorative xmlns:adec="http://schemas.microsoft.com/office/drawing/2017/decorative" val="1"/>
+              </a:ext>
+            </a:extLst>
+          </p:cNvPr>
+          <p:cNvSpPr>
+            <a:spLocks noGrp="1" noRot="1" noChangeAspect="1" noMove="1" noResize="1" noEditPoints="1" noAdjustHandles="1" noChangeArrowheads="1" noChangeShapeType="1" noTextEdit="1"/>
+          </p:cNvSpPr>
+          <p:nvPr>
+            <p:extLst>
+              <p:ext uri="{386F3935-93C4-4BCD-93E2-E3B085C9AB24}">
+                <p16:designElem xmlns:p16="http://schemas.microsoft.com/office/powerpoint/2015/main" val="1"/>
+              </p:ext>
+            </p:extLst>
+          </p:nvPr>
+        </p:nvSpPr>
+        <p:spPr>
+          <a:xfrm rot="5400000">
+            <a:off x="3167675" y="-3167677"/>
+            <a:ext cx="5856341" cy="12191695"/>
+          </a:xfrm>
+          <a:custGeom>
+            <a:avLst/>
+            <a:gdLst>
+              <a:gd name="connsiteX0" fmla="*/ 0 w 5856341"/>
+              <a:gd name="connsiteY0" fmla="*/ 12191695 h 12191695"/>
+              <a:gd name="connsiteX1" fmla="*/ 0 w 5856341"/>
+              <a:gd name="connsiteY1" fmla="*/ 0 h 12191695"/>
+              <a:gd name="connsiteX2" fmla="*/ 243849 w 5856341"/>
+              <a:gd name="connsiteY2" fmla="*/ 0 h 12191695"/>
+              <a:gd name="connsiteX3" fmla="*/ 505121 w 5856341"/>
+              <a:gd name="connsiteY3" fmla="*/ 0 h 12191695"/>
+              <a:gd name="connsiteX4" fmla="*/ 723207 w 5856341"/>
+              <a:gd name="connsiteY4" fmla="*/ 0 h 12191695"/>
+              <a:gd name="connsiteX5" fmla="*/ 755828 w 5856341"/>
+              <a:gd name="connsiteY5" fmla="*/ 0 h 12191695"/>
+              <a:gd name="connsiteX6" fmla="*/ 1411868 w 5856341"/>
+              <a:gd name="connsiteY6" fmla="*/ 0 h 12191695"/>
+              <a:gd name="connsiteX7" fmla="*/ 1421034 w 5856341"/>
+              <a:gd name="connsiteY7" fmla="*/ 0 h 12191695"/>
+              <a:gd name="connsiteX8" fmla="*/ 1515206 w 5856341"/>
+              <a:gd name="connsiteY8" fmla="*/ 0 h 12191695"/>
+              <a:gd name="connsiteX9" fmla="*/ 2636151 w 5856341"/>
+              <a:gd name="connsiteY9" fmla="*/ 0 h 12191695"/>
+              <a:gd name="connsiteX10" fmla="*/ 4637890 w 5856341"/>
+              <a:gd name="connsiteY10" fmla="*/ 0 h 12191695"/>
+              <a:gd name="connsiteX11" fmla="*/ 4654499 w 5856341"/>
+              <a:gd name="connsiteY11" fmla="*/ 26661 h 12191695"/>
+              <a:gd name="connsiteX12" fmla="*/ 5856341 w 5856341"/>
+              <a:gd name="connsiteY12" fmla="*/ 6438338 h 12191695"/>
+              <a:gd name="connsiteX13" fmla="*/ 4449211 w 5856341"/>
+              <a:gd name="connsiteY13" fmla="*/ 11332719 h 12191695"/>
+              <a:gd name="connsiteX14" fmla="*/ 4061349 w 5856341"/>
+              <a:gd name="connsiteY14" fmla="*/ 12054097 h 12191695"/>
+              <a:gd name="connsiteX15" fmla="*/ 3977450 w 5856341"/>
+              <a:gd name="connsiteY15" fmla="*/ 12191695 h 12191695"/>
+              <a:gd name="connsiteX16" fmla="*/ 2636151 w 5856341"/>
+              <a:gd name="connsiteY16" fmla="*/ 12191695 h 12191695"/>
+              <a:gd name="connsiteX17" fmla="*/ 1421034 w 5856341"/>
+              <a:gd name="connsiteY17" fmla="*/ 12191695 h 12191695"/>
+              <a:gd name="connsiteX18" fmla="*/ 1411868 w 5856341"/>
+              <a:gd name="connsiteY18" fmla="*/ 12191695 h 12191695"/>
+              <a:gd name="connsiteX19" fmla="*/ 1283685 w 5856341"/>
+              <a:gd name="connsiteY19" fmla="*/ 12191695 h 12191695"/>
+              <a:gd name="connsiteX20" fmla="*/ 755828 w 5856341"/>
+              <a:gd name="connsiteY20" fmla="*/ 12191695 h 12191695"/>
+              <a:gd name="connsiteX21" fmla="*/ 723207 w 5856341"/>
+              <a:gd name="connsiteY21" fmla="*/ 12191695 h 12191695"/>
+              <a:gd name="connsiteX22" fmla="*/ 505121 w 5856341"/>
+              <a:gd name="connsiteY22" fmla="*/ 12191695 h 12191695"/>
+              <a:gd name="connsiteX23" fmla="*/ 243849 w 5856341"/>
+              <a:gd name="connsiteY23" fmla="*/ 12191695 h 12191695"/>
+            </a:gdLst>
+            <a:ahLst/>
+            <a:cxnLst>
+              <a:cxn ang="0">
+                <a:pos x="connsiteX0" y="connsiteY0"/>
+              </a:cxn>
+              <a:cxn ang="0">
+                <a:pos x="connsiteX1" y="connsiteY1"/>
+              </a:cxn>
+              <a:cxn ang="0">
+                <a:pos x="connsiteX2" y="connsiteY2"/>
+              </a:cxn>
+              <a:cxn ang="0">
+                <a:pos x="connsiteX3" y="connsiteY3"/>
+              </a:cxn>
+              <a:cxn ang="0">
+                <a:pos x="connsiteX4" y="connsiteY4"/>
+              </a:cxn>
+              <a:cxn ang="0">
+                <a:pos x="connsiteX5" y="connsiteY5"/>
+              </a:cxn>
+              <a:cxn ang="0">
+                <a:pos x="connsiteX6" y="connsiteY6"/>
+              </a:cxn>
+              <a:cxn ang="0">
+                <a:pos x="connsiteX7" y="connsiteY7"/>
+              </a:cxn>
+              <a:cxn ang="0">
+                <a:pos x="connsiteX8" y="connsiteY8"/>
+              </a:cxn>
+              <a:cxn ang="0">
+                <a:pos x="connsiteX9" y="connsiteY9"/>
+              </a:cxn>
+              <a:cxn ang="0">
+                <a:pos x="connsiteX10" y="connsiteY10"/>
+              </a:cxn>
+              <a:cxn ang="0">
+                <a:pos x="connsiteX11" y="connsiteY11"/>
+              </a:cxn>
+              <a:cxn ang="0">
+                <a:pos x="connsiteX12" y="connsiteY12"/>
+              </a:cxn>
+              <a:cxn ang="0">
+                <a:pos x="connsiteX13" y="connsiteY13"/>
+              </a:cxn>
+              <a:cxn ang="0">
+                <a:pos x="connsiteX14" y="connsiteY14"/>
+              </a:cxn>
+              <a:cxn ang="0">
+                <a:pos x="connsiteX15" y="connsiteY15"/>
+              </a:cxn>
+              <a:cxn ang="0">
+                <a:pos x="connsiteX16" y="connsiteY16"/>
+              </a:cxn>
+              <a:cxn ang="0">
+                <a:pos x="connsiteX17" y="connsiteY17"/>
+              </a:cxn>
+              <a:cxn ang="0">
+                <a:pos x="connsiteX18" y="connsiteY18"/>
+              </a:cxn>
+              <a:cxn ang="0">
+                <a:pos x="connsiteX19" y="connsiteY19"/>
+              </a:cxn>
+              <a:cxn ang="0">
+                <a:pos x="connsiteX20" y="connsiteY20"/>
+              </a:cxn>
+              <a:cxn ang="0">
+                <a:pos x="connsiteX21" y="connsiteY21"/>
+              </a:cxn>
+              <a:cxn ang="0">
+                <a:pos x="connsiteX22" y="connsiteY22"/>
+              </a:cxn>
+              <a:cxn ang="0">
+                <a:pos x="connsiteX23" y="connsiteY23"/>
+              </a:cxn>
+            </a:cxnLst>
+            <a:rect l="l" t="t" r="r" b="b"/>
+            <a:pathLst>
+              <a:path w="5856341" h="12191695">
+                <a:moveTo>
+                  <a:pt x="0" y="12191695"/>
+                </a:moveTo>
+                <a:lnTo>
+                  <a:pt x="0" y="0"/>
+                </a:lnTo>
+                <a:lnTo>
+                  <a:pt x="243849" y="0"/>
+                </a:lnTo>
+                <a:lnTo>
+                  <a:pt x="505121" y="0"/>
+                </a:lnTo>
+                <a:lnTo>
+                  <a:pt x="723207" y="0"/>
+                </a:lnTo>
+                <a:lnTo>
+                  <a:pt x="755828" y="0"/>
+                </a:lnTo>
+                <a:lnTo>
+                  <a:pt x="1411868" y="0"/>
+                </a:lnTo>
+                <a:lnTo>
+                  <a:pt x="1421034" y="0"/>
+                </a:lnTo>
+                <a:lnTo>
+                  <a:pt x="1515206" y="0"/>
+                </a:lnTo>
+                <a:lnTo>
+                  <a:pt x="2636151" y="0"/>
+                </a:lnTo>
+                <a:lnTo>
+                  <a:pt x="4637890" y="0"/>
+                </a:lnTo>
+                <a:lnTo>
+                  <a:pt x="4654499" y="26661"/>
+                </a:lnTo>
+                <a:cubicBezTo>
+                  <a:pt x="5425621" y="1341551"/>
+                  <a:pt x="5856341" y="3721137"/>
+                  <a:pt x="5856341" y="6438338"/>
+                </a:cubicBezTo>
+                <a:cubicBezTo>
+                  <a:pt x="5856341" y="8833790"/>
+                  <a:pt x="5159120" y="9960353"/>
+                  <a:pt x="4449211" y="11332719"/>
+                </a:cubicBezTo>
+                <a:cubicBezTo>
+                  <a:pt x="4319934" y="11582638"/>
+                  <a:pt x="4191839" y="11827452"/>
+                  <a:pt x="4061349" y="12054097"/>
+                </a:cubicBezTo>
+                <a:lnTo>
+                  <a:pt x="3977450" y="12191695"/>
+                </a:lnTo>
+                <a:lnTo>
+                  <a:pt x="2636151" y="12191695"/>
+                </a:lnTo>
+                <a:lnTo>
+                  <a:pt x="1421034" y="12191695"/>
+                </a:lnTo>
+                <a:lnTo>
+                  <a:pt x="1411868" y="12191695"/>
+                </a:lnTo>
+                <a:lnTo>
+                  <a:pt x="1283685" y="12191695"/>
+                </a:lnTo>
+                <a:lnTo>
+                  <a:pt x="755828" y="12191695"/>
+                </a:lnTo>
+                <a:lnTo>
+                  <a:pt x="723207" y="12191695"/>
+                </a:lnTo>
+                <a:lnTo>
+                  <a:pt x="505121" y="12191695"/>
+                </a:lnTo>
+                <a:lnTo>
+                  <a:pt x="243849" y="12191695"/>
+                </a:lnTo>
+                <a:close/>
+              </a:path>
+            </a:pathLst>
+          </a:custGeom>
+          <a:solidFill>
+            <a:schemeClr val="bg1">
+              <a:alpha val="60000"/>
+            </a:schemeClr>
+          </a:solidFill>
+          <a:ln>
+            <a:noFill/>
+          </a:ln>
+        </p:spPr>
+        <p:style>
+          <a:lnRef idx="2">
+            <a:schemeClr val="accent1">
+              <a:shade val="50000"/>
+            </a:schemeClr>
+          </a:lnRef>
+          <a:fillRef idx="1">
+            <a:schemeClr val="accent1"/>
+          </a:fillRef>
+          <a:effectRef idx="0">
+            <a:schemeClr val="accent1"/>
+          </a:effectRef>
+          <a:fontRef idx="minor">
+            <a:schemeClr val="lt1"/>
+          </a:fontRef>
+        </p:style>
+        <p:txBody>
+          <a:bodyPr wrap="square" rtlCol="0" anchor="ctr">
+            <a:noAutofit/>
+          </a:bodyPr>
+          <a:lstStyle/>
+          <a:p>
+            <a:pPr algn="ctr"/>
+            <a:endParaRPr lang="en-US"/>
+          </a:p>
+        </p:txBody>
+      </p:sp>
+      <p:sp>
+        <p:nvSpPr>
+          <p:cNvPr id="4" name="TextBox 3">
+            <a:extLst>
+              <a:ext uri="{FF2B5EF4-FFF2-40B4-BE49-F238E27FC236}">
+                <a16:creationId xmlns:a16="http://schemas.microsoft.com/office/drawing/2014/main" id="{08C975E1-2BE8-4E8A-A9E1-5549482C2650}"/>
+              </a:ext>
+            </a:extLst>
+          </p:cNvPr>
+          <p:cNvSpPr txBox="1"/>
+          <p:nvPr/>
+        </p:nvSpPr>
+        <p:spPr>
+          <a:xfrm>
+            <a:off x="1661823" y="1346268"/>
+            <a:ext cx="8868354" cy="2463667"/>
+          </a:xfrm>
+          <a:prstGeom prst="rect">
+            <a:avLst/>
+          </a:prstGeom>
+        </p:spPr>
+        <p:txBody>
+          <a:bodyPr vert="horz" lIns="109728" tIns="109728" rIns="109728" bIns="91440" rtlCol="0" anchor="b">
+            <a:normAutofit/>
+          </a:bodyPr>
+          <a:lstStyle/>
+          <a:p>
+            <a:pPr algn="ctr">
+              <a:lnSpc>
+                <a:spcPct val="120000"/>
+              </a:lnSpc>
+              <a:spcBef>
+                <a:spcPct val="0"/>
+              </a:spcBef>
+              <a:spcAft>
+                <a:spcPts val="600"/>
+              </a:spcAft>
+            </a:pPr>
+            <a:r>
+              <a:rPr lang="en-US" sz="6600" b="1" spc="150" dirty="0">
+                <a:solidFill>
+                  <a:schemeClr val="tx1">
+                    <a:lumMod val="85000"/>
+                    <a:lumOff val="15000"/>
+                  </a:schemeClr>
+                </a:solidFill>
+                <a:latin typeface="+mj-lt"/>
+                <a:ea typeface="+mj-ea"/>
+                <a:cs typeface="+mj-cs"/>
+              </a:rPr>
+              <a:t>THANK YOU!</a:t>
+            </a:r>
+          </a:p>
+        </p:txBody>
+      </p:sp>
+      <p:sp>
+        <p:nvSpPr>
+          <p:cNvPr id="46" name="Freeform: Shape 28">
+            <a:extLst>
+              <a:ext uri="{FF2B5EF4-FFF2-40B4-BE49-F238E27FC236}">
+                <a16:creationId xmlns:a16="http://schemas.microsoft.com/office/drawing/2014/main" id="{FBA7E51E-7B6A-4A79-8F84-47C845C7A2CC}"/>
+              </a:ext>
+              <a:ext uri="{C183D7F6-B498-43B3-948B-1728B52AA6E4}">
+                <adec:decorative xmlns:adec="http://schemas.microsoft.com/office/drawing/2017/decorative" val="1"/>
+              </a:ext>
+            </a:extLst>
+          </p:cNvPr>
+          <p:cNvSpPr>
+            <a:spLocks noGrp="1" noRot="1" noChangeAspect="1" noMove="1" noResize="1" noEditPoints="1" noAdjustHandles="1" noChangeArrowheads="1" noChangeShapeType="1" noTextEdit="1"/>
+          </p:cNvSpPr>
+          <p:nvPr>
+            <p:extLst>
+              <p:ext uri="{386F3935-93C4-4BCD-93E2-E3B085C9AB24}">
+                <p16:designElem xmlns:p16="http://schemas.microsoft.com/office/powerpoint/2015/main" val="1"/>
+              </p:ext>
+            </p:extLst>
+          </p:nvPr>
+        </p:nvSpPr>
+        <p:spPr>
+          <a:xfrm rot="5400000">
+            <a:off x="5146277" y="-874927"/>
+            <a:ext cx="1899138" cy="12191695"/>
+          </a:xfrm>
+          <a:custGeom>
+            <a:avLst/>
+            <a:gdLst>
+              <a:gd name="connsiteX0" fmla="*/ 1258269 w 2529723"/>
+              <a:gd name="connsiteY0" fmla="*/ 0 h 6858000"/>
+              <a:gd name="connsiteX1" fmla="*/ 1275627 w 2529723"/>
+              <a:gd name="connsiteY1" fmla="*/ 0 h 6858000"/>
+              <a:gd name="connsiteX2" fmla="*/ 1302560 w 2529723"/>
+              <a:gd name="connsiteY2" fmla="*/ 24338 h 6858000"/>
+              <a:gd name="connsiteX3" fmla="*/ 2522825 w 2529723"/>
+              <a:gd name="connsiteY3" fmla="*/ 3678515 h 6858000"/>
+              <a:gd name="connsiteX4" fmla="*/ 557500 w 2529723"/>
+              <a:gd name="connsiteY4" fmla="*/ 6451411 h 6858000"/>
+              <a:gd name="connsiteX5" fmla="*/ 32482 w 2529723"/>
+              <a:gd name="connsiteY5" fmla="*/ 6849373 h 6858000"/>
+              <a:gd name="connsiteX6" fmla="*/ 19531 w 2529723"/>
+              <a:gd name="connsiteY6" fmla="*/ 6858000 h 6858000"/>
+              <a:gd name="connsiteX7" fmla="*/ 0 w 2529723"/>
+              <a:gd name="connsiteY7" fmla="*/ 6858000 h 6858000"/>
+              <a:gd name="connsiteX8" fmla="*/ 14202 w 2529723"/>
+              <a:gd name="connsiteY8" fmla="*/ 6848540 h 6858000"/>
+              <a:gd name="connsiteX9" fmla="*/ 539221 w 2529723"/>
+              <a:gd name="connsiteY9" fmla="*/ 6450578 h 6858000"/>
+              <a:gd name="connsiteX10" fmla="*/ 2504546 w 2529723"/>
+              <a:gd name="connsiteY10" fmla="*/ 3677682 h 6858000"/>
+              <a:gd name="connsiteX11" fmla="*/ 1284280 w 2529723"/>
+              <a:gd name="connsiteY11" fmla="*/ 23504 h 6858000"/>
+            </a:gdLst>
+            <a:ahLst/>
+            <a:cxnLst>
+              <a:cxn ang="0">
+                <a:pos x="connsiteX0" y="connsiteY0"/>
+              </a:cxn>
+              <a:cxn ang="0">
+                <a:pos x="connsiteX1" y="connsiteY1"/>
+              </a:cxn>
+              <a:cxn ang="0">
+                <a:pos x="connsiteX2" y="connsiteY2"/>
+              </a:cxn>
+              <a:cxn ang="0">
+                <a:pos x="connsiteX3" y="connsiteY3"/>
+              </a:cxn>
+              <a:cxn ang="0">
+                <a:pos x="connsiteX4" y="connsiteY4"/>
+              </a:cxn>
+              <a:cxn ang="0">
+                <a:pos x="connsiteX5" y="connsiteY5"/>
+              </a:cxn>
+              <a:cxn ang="0">
+                <a:pos x="connsiteX6" y="connsiteY6"/>
+              </a:cxn>
+              <a:cxn ang="0">
+                <a:pos x="connsiteX7" y="connsiteY7"/>
+              </a:cxn>
+              <a:cxn ang="0">
+                <a:pos x="connsiteX8" y="connsiteY8"/>
+              </a:cxn>
+              <a:cxn ang="0">
+                <a:pos x="connsiteX9" y="connsiteY9"/>
+              </a:cxn>
+              <a:cxn ang="0">
+                <a:pos x="connsiteX10" y="connsiteY10"/>
+              </a:cxn>
+              <a:cxn ang="0">
+                <a:pos x="connsiteX11" y="connsiteY11"/>
+              </a:cxn>
+            </a:cxnLst>
+            <a:rect l="l" t="t" r="r" b="b"/>
+            <a:pathLst>
+              <a:path w="2529723" h="6858000">
+                <a:moveTo>
+                  <a:pt x="1258269" y="0"/>
+                </a:moveTo>
+                <a:lnTo>
+                  <a:pt x="1275627" y="0"/>
+                </a:lnTo>
+                <a:lnTo>
+                  <a:pt x="1302560" y="24338"/>
+                </a:lnTo>
+                <a:cubicBezTo>
+                  <a:pt x="2156831" y="855667"/>
+                  <a:pt x="2590622" y="2191755"/>
+                  <a:pt x="2522825" y="3678515"/>
+                </a:cubicBezTo>
+                <a:cubicBezTo>
+                  <a:pt x="2459072" y="5076606"/>
+                  <a:pt x="1519830" y="5692656"/>
+                  <a:pt x="557500" y="6451411"/>
+                </a:cubicBezTo>
+                <a:cubicBezTo>
+                  <a:pt x="382255" y="6589587"/>
+                  <a:pt x="208689" y="6724853"/>
+                  <a:pt x="32482" y="6849373"/>
+                </a:cubicBezTo>
+                <a:lnTo>
+                  <a:pt x="19531" y="6858000"/>
+                </a:lnTo>
+                <a:lnTo>
+                  <a:pt x="0" y="6858000"/>
+                </a:lnTo>
+                <a:lnTo>
+                  <a:pt x="14202" y="6848540"/>
+                </a:lnTo>
+                <a:cubicBezTo>
+                  <a:pt x="190409" y="6724020"/>
+                  <a:pt x="363976" y="6588754"/>
+                  <a:pt x="539221" y="6450578"/>
+                </a:cubicBezTo>
+                <a:cubicBezTo>
+                  <a:pt x="1501550" y="5691822"/>
+                  <a:pt x="2440792" y="5075773"/>
+                  <a:pt x="2504546" y="3677682"/>
+                </a:cubicBezTo>
+                <a:cubicBezTo>
+                  <a:pt x="2572343" y="2190921"/>
+                  <a:pt x="2138551" y="854834"/>
+                  <a:pt x="1284280" y="23504"/>
+                </a:cubicBezTo>
+                <a:close/>
+              </a:path>
+            </a:pathLst>
+          </a:custGeom>
+          <a:solidFill>
+            <a:srgbClr val="FFFFFF"/>
+          </a:solidFill>
+          <a:ln>
+            <a:noFill/>
+          </a:ln>
+        </p:spPr>
+        <p:style>
+          <a:lnRef idx="2">
+            <a:schemeClr val="accent1">
+              <a:shade val="50000"/>
+            </a:schemeClr>
+          </a:lnRef>
+          <a:fillRef idx="1">
+            <a:schemeClr val="accent1"/>
+          </a:fillRef>
+          <a:effectRef idx="0">
+            <a:schemeClr val="accent1"/>
+          </a:effectRef>
+          <a:fontRef idx="minor">
+            <a:schemeClr val="lt1"/>
+          </a:fontRef>
+        </p:style>
+        <p:txBody>
+          <a:bodyPr wrap="square" rtlCol="0" anchor="ctr">
+            <a:noAutofit/>
+          </a:bodyPr>
+          <a:lstStyle/>
+          <a:p>
+            <a:pPr marL="0" marR="0" lvl="0" indent="0" algn="ctr" defTabSz="457200" rtl="0" eaLnBrk="1" fontAlgn="auto" latinLnBrk="0" hangingPunct="1">
+              <a:lnSpc>
+                <a:spcPct val="100000"/>
+              </a:lnSpc>
+              <a:spcBef>
+                <a:spcPts val="0"/>
+              </a:spcBef>
+              <a:spcAft>
+                <a:spcPts val="0"/>
+              </a:spcAft>
+              <a:buClrTx/>
+              <a:buSzTx/>
+              <a:buFontTx/>
+              <a:buNone/>
+              <a:tabLst/>
+              <a:defRPr/>
+            </a:pPr>
+            <a:endParaRPr kumimoji="0" lang="en-US" sz="1800" b="0" i="0" u="none" strike="noStrike" kern="1200" cap="none" spc="0" normalizeH="0" baseline="0" noProof="0" dirty="0">
+              <a:ln>
+                <a:noFill/>
+              </a:ln>
+              <a:solidFill>
+                <a:prstClr val="white"/>
+              </a:solidFill>
+              <a:effectLst/>
+              <a:uLnTx/>
+              <a:uFillTx/>
+              <a:latin typeface="Meiryo"/>
+              <a:ea typeface="+mn-ea"/>
+              <a:cs typeface="+mn-cs"/>
+            </a:endParaRPr>
+          </a:p>
+        </p:txBody>
+      </p:sp>
+      <p:sp>
+        <p:nvSpPr>
+          <p:cNvPr id="47" name="Freeform: Shape 30">
+            <a:extLst>
+              <a:ext uri="{FF2B5EF4-FFF2-40B4-BE49-F238E27FC236}">
+                <a16:creationId xmlns:a16="http://schemas.microsoft.com/office/drawing/2014/main" id="{03C85561-90D2-4AFA-B2C5-F2D61D86C2BD}"/>
+              </a:ext>
+              <a:ext uri="{C183D7F6-B498-43B3-948B-1728B52AA6E4}">
+                <adec:decorative xmlns:adec="http://schemas.microsoft.com/office/drawing/2017/decorative" val="1"/>
+              </a:ext>
+            </a:extLst>
+          </p:cNvPr>
+          <p:cNvSpPr>
+            <a:spLocks noGrp="1" noRot="1" noChangeAspect="1" noMove="1" noResize="1" noEditPoints="1" noAdjustHandles="1" noChangeArrowheads="1" noChangeShapeType="1" noTextEdit="1"/>
+          </p:cNvSpPr>
+          <p:nvPr>
+            <p:extLst>
+              <p:ext uri="{386F3935-93C4-4BCD-93E2-E3B085C9AB24}">
+                <p16:designElem xmlns:p16="http://schemas.microsoft.com/office/powerpoint/2015/main" val="1"/>
+              </p:ext>
+            </p:extLst>
+          </p:nvPr>
+        </p:nvSpPr>
+        <p:spPr>
+          <a:xfrm rot="5400000">
+            <a:off x="5143758" y="-1037574"/>
+            <a:ext cx="1904176" cy="12191695"/>
+          </a:xfrm>
+          <a:custGeom>
+            <a:avLst/>
+            <a:gdLst>
+              <a:gd name="connsiteX0" fmla="*/ 879731 w 2536434"/>
+              <a:gd name="connsiteY0" fmla="*/ 0 h 6858000"/>
+              <a:gd name="connsiteX1" fmla="*/ 913411 w 2536434"/>
+              <a:gd name="connsiteY1" fmla="*/ 0 h 6858000"/>
+              <a:gd name="connsiteX2" fmla="*/ 935535 w 2536434"/>
+              <a:gd name="connsiteY2" fmla="*/ 14997 h 6858000"/>
+              <a:gd name="connsiteX3" fmla="*/ 2536434 w 2536434"/>
+              <a:gd name="connsiteY3" fmla="*/ 3621656 h 6858000"/>
+              <a:gd name="connsiteX4" fmla="*/ 662084 w 2536434"/>
+              <a:gd name="connsiteY4" fmla="*/ 6374814 h 6858000"/>
+              <a:gd name="connsiteX5" fmla="*/ 145436 w 2536434"/>
+              <a:gd name="connsiteY5" fmla="*/ 6780599 h 6858000"/>
+              <a:gd name="connsiteX6" fmla="*/ 33680 w 2536434"/>
+              <a:gd name="connsiteY6" fmla="*/ 6858000 h 6858000"/>
+              <a:gd name="connsiteX7" fmla="*/ 0 w 2536434"/>
+              <a:gd name="connsiteY7" fmla="*/ 6858000 h 6858000"/>
+              <a:gd name="connsiteX8" fmla="*/ 111756 w 2536434"/>
+              <a:gd name="connsiteY8" fmla="*/ 6780599 h 6858000"/>
+              <a:gd name="connsiteX9" fmla="*/ 628404 w 2536434"/>
+              <a:gd name="connsiteY9" fmla="*/ 6374814 h 6858000"/>
+              <a:gd name="connsiteX10" fmla="*/ 2502754 w 2536434"/>
+              <a:gd name="connsiteY10" fmla="*/ 3621656 h 6858000"/>
+              <a:gd name="connsiteX11" fmla="*/ 901855 w 2536434"/>
+              <a:gd name="connsiteY11" fmla="*/ 14997 h 6858000"/>
+            </a:gdLst>
+            <a:ahLst/>
+            <a:cxnLst>
+              <a:cxn ang="0">
+                <a:pos x="connsiteX0" y="connsiteY0"/>
+              </a:cxn>
+              <a:cxn ang="0">
+                <a:pos x="connsiteX1" y="connsiteY1"/>
+              </a:cxn>
+              <a:cxn ang="0">
+                <a:pos x="connsiteX2" y="connsiteY2"/>
+              </a:cxn>
+              <a:cxn ang="0">
+                <a:pos x="connsiteX3" y="connsiteY3"/>
+              </a:cxn>
+              <a:cxn ang="0">
+                <a:pos x="connsiteX4" y="connsiteY4"/>
+              </a:cxn>
+              <a:cxn ang="0">
+                <a:pos x="connsiteX5" y="connsiteY5"/>
+              </a:cxn>
+              <a:cxn ang="0">
+                <a:pos x="connsiteX6" y="connsiteY6"/>
+              </a:cxn>
+              <a:cxn ang="0">
+                <a:pos x="connsiteX7" y="connsiteY7"/>
+              </a:cxn>
+              <a:cxn ang="0">
+                <a:pos x="connsiteX8" y="connsiteY8"/>
+              </a:cxn>
+              <a:cxn ang="0">
+                <a:pos x="connsiteX9" y="connsiteY9"/>
+              </a:cxn>
+              <a:cxn ang="0">
+                <a:pos x="connsiteX10" y="connsiteY10"/>
+              </a:cxn>
+              <a:cxn ang="0">
+                <a:pos x="connsiteX11" y="connsiteY11"/>
+              </a:cxn>
+            </a:cxnLst>
+            <a:rect l="l" t="t" r="r" b="b"/>
+            <a:pathLst>
+              <a:path w="2536434" h="6858000">
+                <a:moveTo>
+                  <a:pt x="879731" y="0"/>
+                </a:moveTo>
+                <a:lnTo>
+                  <a:pt x="913411" y="0"/>
+                </a:lnTo>
+                <a:lnTo>
+                  <a:pt x="935535" y="14997"/>
+                </a:lnTo>
+                <a:cubicBezTo>
+                  <a:pt x="1962698" y="754641"/>
+                  <a:pt x="2536434" y="2093192"/>
+                  <a:pt x="2536434" y="3621656"/>
+                </a:cubicBezTo>
+                <a:cubicBezTo>
+                  <a:pt x="2536434" y="4969131"/>
+                  <a:pt x="1607709" y="5602839"/>
+                  <a:pt x="662084" y="6374814"/>
+                </a:cubicBezTo>
+                <a:cubicBezTo>
+                  <a:pt x="489881" y="6515397"/>
+                  <a:pt x="319254" y="6653108"/>
+                  <a:pt x="145436" y="6780599"/>
+                </a:cubicBezTo>
+                <a:lnTo>
+                  <a:pt x="33680" y="6858000"/>
+                </a:lnTo>
+                <a:lnTo>
+                  <a:pt x="0" y="6858000"/>
+                </a:lnTo>
+                <a:lnTo>
+                  <a:pt x="111756" y="6780599"/>
+                </a:lnTo>
+                <a:cubicBezTo>
+                  <a:pt x="285574" y="6653108"/>
+                  <a:pt x="456201" y="6515397"/>
+                  <a:pt x="628404" y="6374814"/>
+                </a:cubicBezTo>
+                <a:cubicBezTo>
+                  <a:pt x="1574029" y="5602839"/>
+                  <a:pt x="2502754" y="4969131"/>
+                  <a:pt x="2502754" y="3621656"/>
+                </a:cubicBezTo>
+                <a:cubicBezTo>
+                  <a:pt x="2502754" y="2093192"/>
+                  <a:pt x="1929018" y="754641"/>
+                  <a:pt x="901855" y="14997"/>
+                </a:cubicBezTo>
+                <a:close/>
+              </a:path>
+            </a:pathLst>
+          </a:custGeom>
+          <a:solidFill>
+            <a:srgbClr val="FFFFFF"/>
+          </a:solidFill>
+          <a:ln>
+            <a:noFill/>
+          </a:ln>
+        </p:spPr>
+        <p:style>
+          <a:lnRef idx="2">
+            <a:schemeClr val="accent1">
+              <a:shade val="50000"/>
+            </a:schemeClr>
+          </a:lnRef>
+          <a:fillRef idx="1">
+            <a:schemeClr val="accent1"/>
+          </a:fillRef>
+          <a:effectRef idx="0">
+            <a:schemeClr val="accent1"/>
+          </a:effectRef>
+          <a:fontRef idx="minor">
+            <a:schemeClr val="lt1"/>
+          </a:fontRef>
+        </p:style>
+        <p:txBody>
+          <a:bodyPr wrap="square" rtlCol="0" anchor="ctr">
+            <a:noAutofit/>
+          </a:bodyPr>
+          <a:lstStyle/>
+          <a:p>
+            <a:pPr marL="0" marR="0" lvl="0" indent="0" algn="ctr" defTabSz="914400" rtl="0" eaLnBrk="1" fontAlgn="auto" latinLnBrk="0" hangingPunct="1">
+              <a:lnSpc>
+                <a:spcPct val="100000"/>
+              </a:lnSpc>
+              <a:spcBef>
+                <a:spcPts val="0"/>
+              </a:spcBef>
+              <a:spcAft>
+                <a:spcPts val="0"/>
+              </a:spcAft>
+              <a:buClrTx/>
+              <a:buSzTx/>
+              <a:buFontTx/>
+              <a:buNone/>
+              <a:tabLst/>
+              <a:defRPr/>
+            </a:pPr>
+            <a:endParaRPr kumimoji="0" lang="en-US" sz="1800" b="0" i="0" u="none" strike="noStrike" kern="1200" cap="none" spc="0" normalizeH="0" baseline="0" noProof="0" dirty="0">
+              <a:ln>
+                <a:noFill/>
+              </a:ln>
+              <a:solidFill>
+                <a:prstClr val="white"/>
+              </a:solidFill>
+              <a:effectLst/>
+              <a:uLnTx/>
+              <a:uFillTx/>
+              <a:latin typeface="Meiryo"/>
+              <a:ea typeface="+mn-ea"/>
+              <a:cs typeface="+mn-cs"/>
+            </a:endParaRPr>
+          </a:p>
+        </p:txBody>
+      </p:sp>
+      <p:sp>
+        <p:nvSpPr>
+          <p:cNvPr id="48" name="Freeform: Shape 32">
+            <a:extLst>
+              <a:ext uri="{FF2B5EF4-FFF2-40B4-BE49-F238E27FC236}">
+                <a16:creationId xmlns:a16="http://schemas.microsoft.com/office/drawing/2014/main" id="{9026B71D-5A6F-48FE-AC6A-D7AAA018064B}"/>
+              </a:ext>
+              <a:ext uri="{C183D7F6-B498-43B3-948B-1728B52AA6E4}">
+                <adec:decorative xmlns:adec="http://schemas.microsoft.com/office/drawing/2017/decorative" val="1"/>
+              </a:ext>
+            </a:extLst>
+          </p:cNvPr>
+          <p:cNvSpPr>
+            <a:spLocks noGrp="1" noRot="1" noChangeAspect="1" noMove="1" noResize="1" noEditPoints="1" noAdjustHandles="1" noChangeArrowheads="1" noChangeShapeType="1" noTextEdit="1"/>
+          </p:cNvSpPr>
+          <p:nvPr>
+            <p:extLst>
+              <p:ext uri="{386F3935-93C4-4BCD-93E2-E3B085C9AB24}">
+                <p16:designElem xmlns:p16="http://schemas.microsoft.com/office/powerpoint/2015/main" val="1"/>
+              </p:ext>
+            </p:extLst>
+          </p:nvPr>
+        </p:nvSpPr>
+        <p:spPr>
+          <a:xfrm rot="5400000">
+            <a:off x="5247015" y="-1314429"/>
+            <a:ext cx="1697663" cy="12191695"/>
+          </a:xfrm>
+          <a:custGeom>
+            <a:avLst/>
+            <a:gdLst>
+              <a:gd name="connsiteX0" fmla="*/ 879731 w 2521425"/>
+              <a:gd name="connsiteY0" fmla="*/ 0 h 6858000"/>
+              <a:gd name="connsiteX1" fmla="*/ 898402 w 2521425"/>
+              <a:gd name="connsiteY1" fmla="*/ 0 h 6858000"/>
+              <a:gd name="connsiteX2" fmla="*/ 920526 w 2521425"/>
+              <a:gd name="connsiteY2" fmla="*/ 14997 h 6858000"/>
+              <a:gd name="connsiteX3" fmla="*/ 2521425 w 2521425"/>
+              <a:gd name="connsiteY3" fmla="*/ 3621656 h 6858000"/>
+              <a:gd name="connsiteX4" fmla="*/ 647075 w 2521425"/>
+              <a:gd name="connsiteY4" fmla="*/ 6374814 h 6858000"/>
+              <a:gd name="connsiteX5" fmla="*/ 130427 w 2521425"/>
+              <a:gd name="connsiteY5" fmla="*/ 6780599 h 6858000"/>
+              <a:gd name="connsiteX6" fmla="*/ 18671 w 2521425"/>
+              <a:gd name="connsiteY6" fmla="*/ 6858000 h 6858000"/>
+              <a:gd name="connsiteX7" fmla="*/ 0 w 2521425"/>
+              <a:gd name="connsiteY7" fmla="*/ 6858000 h 6858000"/>
+              <a:gd name="connsiteX8" fmla="*/ 111756 w 2521425"/>
+              <a:gd name="connsiteY8" fmla="*/ 6780599 h 6858000"/>
+              <a:gd name="connsiteX9" fmla="*/ 628404 w 2521425"/>
+              <a:gd name="connsiteY9" fmla="*/ 6374814 h 6858000"/>
+              <a:gd name="connsiteX10" fmla="*/ 2502754 w 2521425"/>
+              <a:gd name="connsiteY10" fmla="*/ 3621656 h 6858000"/>
+              <a:gd name="connsiteX11" fmla="*/ 901855 w 2521425"/>
+              <a:gd name="connsiteY11" fmla="*/ 14997 h 6858000"/>
+            </a:gdLst>
+            <a:ahLst/>
+            <a:cxnLst>
+              <a:cxn ang="0">
+                <a:pos x="connsiteX0" y="connsiteY0"/>
+              </a:cxn>
+              <a:cxn ang="0">
+                <a:pos x="connsiteX1" y="connsiteY1"/>
+              </a:cxn>
+              <a:cxn ang="0">
+                <a:pos x="connsiteX2" y="connsiteY2"/>
+              </a:cxn>
+              <a:cxn ang="0">
+                <a:pos x="connsiteX3" y="connsiteY3"/>
+              </a:cxn>
+              <a:cxn ang="0">
+                <a:pos x="connsiteX4" y="connsiteY4"/>
+              </a:cxn>
+              <a:cxn ang="0">
+                <a:pos x="connsiteX5" y="connsiteY5"/>
+              </a:cxn>
+              <a:cxn ang="0">
+                <a:pos x="connsiteX6" y="connsiteY6"/>
+              </a:cxn>
+              <a:cxn ang="0">
+                <a:pos x="connsiteX7" y="connsiteY7"/>
+              </a:cxn>
+              <a:cxn ang="0">
+                <a:pos x="connsiteX8" y="connsiteY8"/>
+              </a:cxn>
+              <a:cxn ang="0">
+                <a:pos x="connsiteX9" y="connsiteY9"/>
+              </a:cxn>
+              <a:cxn ang="0">
+                <a:pos x="connsiteX10" y="connsiteY10"/>
+              </a:cxn>
+              <a:cxn ang="0">
+                <a:pos x="connsiteX11" y="connsiteY11"/>
+              </a:cxn>
+            </a:cxnLst>
+            <a:rect l="l" t="t" r="r" b="b"/>
+            <a:pathLst>
+              <a:path w="2521425" h="6858000">
+                <a:moveTo>
+                  <a:pt x="879731" y="0"/>
+                </a:moveTo>
+                <a:lnTo>
+                  <a:pt x="898402" y="0"/>
+                </a:lnTo>
+                <a:lnTo>
+                  <a:pt x="920526" y="14997"/>
+                </a:lnTo>
+                <a:cubicBezTo>
+                  <a:pt x="1947689" y="754641"/>
+                  <a:pt x="2521425" y="2093192"/>
+                  <a:pt x="2521425" y="3621656"/>
+                </a:cubicBezTo>
+                <a:cubicBezTo>
+                  <a:pt x="2521425" y="4969131"/>
+                  <a:pt x="1592700" y="5602839"/>
+                  <a:pt x="647075" y="6374814"/>
+                </a:cubicBezTo>
+                <a:cubicBezTo>
+                  <a:pt x="474872" y="6515397"/>
+                  <a:pt x="304245" y="6653108"/>
+                  <a:pt x="130427" y="6780599"/>
+                </a:cubicBezTo>
+                <a:lnTo>
+                  <a:pt x="18671" y="6858000"/>
+                </a:lnTo>
+                <a:lnTo>
+                  <a:pt x="0" y="6858000"/>
+                </a:lnTo>
+                <a:lnTo>
+                  <a:pt x="111756" y="6780599"/>
+                </a:lnTo>
+                <a:cubicBezTo>
+                  <a:pt x="285574" y="6653108"/>
+                  <a:pt x="456201" y="6515397"/>
+                  <a:pt x="628404" y="6374814"/>
+                </a:cubicBezTo>
+                <a:cubicBezTo>
+                  <a:pt x="1574029" y="5602839"/>
+                  <a:pt x="2502754" y="4969131"/>
+                  <a:pt x="2502754" y="3621656"/>
+                </a:cubicBezTo>
+                <a:cubicBezTo>
+                  <a:pt x="2502754" y="2093192"/>
+                  <a:pt x="1929018" y="754641"/>
+                  <a:pt x="901855" y="14997"/>
+                </a:cubicBezTo>
+                <a:close/>
+              </a:path>
+            </a:pathLst>
+          </a:custGeom>
+          <a:solidFill>
+            <a:schemeClr val="bg2">
+              <a:lumMod val="90000"/>
+            </a:schemeClr>
+          </a:solidFill>
+          <a:ln>
+            <a:noFill/>
+          </a:ln>
+        </p:spPr>
+        <p:style>
+          <a:lnRef idx="2">
+            <a:schemeClr val="accent1">
+              <a:shade val="50000"/>
+            </a:schemeClr>
+          </a:lnRef>
+          <a:fillRef idx="1">
+            <a:schemeClr val="accent1"/>
+          </a:fillRef>
+          <a:effectRef idx="0">
+            <a:schemeClr val="accent1"/>
+          </a:effectRef>
+          <a:fontRef idx="minor">
+            <a:schemeClr val="lt1"/>
+          </a:fontRef>
+        </p:style>
+        <p:txBody>
+          <a:bodyPr wrap="square" rtlCol="0" anchor="ctr">
+            <a:noAutofit/>
+          </a:bodyPr>
+          <a:lstStyle/>
+          <a:p>
+            <a:pPr marL="0" marR="0" lvl="0" indent="0" algn="ctr" defTabSz="914400" rtl="0" eaLnBrk="1" fontAlgn="auto" latinLnBrk="0" hangingPunct="1">
+              <a:lnSpc>
+                <a:spcPct val="100000"/>
+              </a:lnSpc>
+              <a:spcBef>
+                <a:spcPts val="0"/>
+              </a:spcBef>
+              <a:spcAft>
+                <a:spcPts val="0"/>
+              </a:spcAft>
+              <a:buClrTx/>
+              <a:buSzTx/>
+              <a:buFontTx/>
+              <a:buNone/>
+              <a:tabLst/>
+              <a:defRPr/>
+            </a:pPr>
+            <a:endParaRPr kumimoji="0" lang="en-US" sz="1800" b="0" i="0" u="none" strike="noStrike" kern="1200" cap="none" spc="0" normalizeH="0" baseline="0" noProof="0">
+              <a:ln>
+                <a:noFill/>
+              </a:ln>
+              <a:solidFill>
+                <a:prstClr val="white"/>
+              </a:solidFill>
+              <a:effectLst/>
+              <a:uLnTx/>
+              <a:uFillTx/>
+              <a:latin typeface="Meiryo"/>
+              <a:ea typeface="+mn-ea"/>
+              <a:cs typeface="+mn-cs"/>
+            </a:endParaRPr>
+          </a:p>
+        </p:txBody>
+      </p:sp>
+    </p:spTree>
+    <p:extLst>
+      <p:ext uri="{BB962C8B-B14F-4D97-AF65-F5344CB8AC3E}">
+        <p14:creationId xmlns:p14="http://schemas.microsoft.com/office/powerpoint/2010/main" val="1914937630"/>
+      </p:ext>
+    </p:extLst>
+  </p:cSld>
+  <p:clrMapOvr>
+    <a:masterClrMapping/>
+  </p:clrMapOvr>
+  <mc:AlternateContent xmlns:mc="http://schemas.openxmlformats.org/markup-compatibility/2006" xmlns:p14="http://schemas.microsoft.com/office/powerpoint/2010/main">
+    <mc:Choice Requires="p14">
+      <p:transition spd="slow" p14:dur="1400">
+        <p14:ripple/>
+      </p:transition>
+    </mc:Choice>
+    <mc:Fallback xmlns="">
+      <p:transition spd="slow">
+        <p:fade/>
+      </p:transition>
+    </mc:Fallback>
+  </mc:AlternateContent>
 </p:sld>
 </file>
 
@@ -13251,8 +15708,8 @@
         </p:nvSpPr>
         <p:spPr>
           <a:xfrm>
-            <a:off x="992518" y="442913"/>
-            <a:ext cx="5271804" cy="1639888"/>
+            <a:off x="992517" y="442913"/>
+            <a:ext cx="5762407" cy="1639888"/>
           </a:xfrm>
         </p:spPr>
         <p:txBody>
@@ -13262,7 +15719,7 @@
           <a:lstStyle/>
           <a:p>
             <a:r>
-              <a:rPr lang="en-US" dirty="0"/>
+              <a:rPr lang="en-US" sz="4000" dirty="0"/>
               <a:t>What is LMS(µ-LMS) ?</a:t>
             </a:r>
           </a:p>
@@ -13302,7 +15759,7 @@
               </a:lnSpc>
             </a:pPr>
             <a:r>
-              <a:rPr lang="en-US" sz="1600"/>
+              <a:rPr lang="en-US" sz="1600" dirty="0"/>
               <a:t>The Widrow-Hoff µ-LMS algorithm is a supervised learning algorithm used in machine learning and signal processing for adaptive filtering, prediction, and control. The algorithm is also known as the Least Mean Square (LMS) algorithm, or the Adaptive Linear Neuron (ADALINE).</a:t>
             </a:r>
           </a:p>
@@ -13312,7 +15769,7 @@
                 <a:spcPct val="100000"/>
               </a:lnSpc>
             </a:pPr>
-            <a:endParaRPr lang="en-US" sz="1600"/>
+            <a:endParaRPr lang="en-US" sz="1600" dirty="0"/>
           </a:p>
           <a:p>
             <a:pPr>
@@ -13321,7 +15778,7 @@
               </a:lnSpc>
             </a:pPr>
             <a:r>
-              <a:rPr lang="en-US" sz="1600"/>
+              <a:rPr lang="en-US" sz="1600" dirty="0"/>
               <a:t>The µ-LMS algorithm is based on the principle of minimizing the mean squared error (MSE) between the desired output and the predicted output. It works by adjusting the weights of a linear filter based on the error between the predicted output and the desired output.</a:t>
             </a:r>
           </a:p>
@@ -14035,6 +16492,273 @@
   <p:clrMapOvr>
     <a:masterClrMapping/>
   </p:clrMapOvr>
+  <mc:AlternateContent xmlns:mc="http://schemas.openxmlformats.org/markup-compatibility/2006" xmlns:p14="http://schemas.microsoft.com/office/powerpoint/2010/main">
+    <mc:Choice Requires="p14">
+      <p:transition spd="slow">
+        <p14:flash/>
+      </p:transition>
+    </mc:Choice>
+    <mc:Fallback xmlns="">
+      <p:transition spd="slow">
+        <p:fade/>
+      </p:transition>
+    </mc:Fallback>
+  </mc:AlternateContent>
+  <p:timing>
+    <p:tnLst>
+      <p:par>
+        <p:cTn id="1" dur="indefinite" restart="never" nodeType="tmRoot">
+          <p:childTnLst>
+            <p:seq concurrent="1" nextAc="seek">
+              <p:cTn id="2" dur="indefinite" nodeType="mainSeq">
+                <p:childTnLst>
+                  <p:par>
+                    <p:cTn id="3" fill="hold">
+                      <p:stCondLst>
+                        <p:cond delay="indefinite"/>
+                      </p:stCondLst>
+                      <p:childTnLst>
+                        <p:par>
+                          <p:cTn id="4" fill="hold">
+                            <p:stCondLst>
+                              <p:cond delay="0"/>
+                            </p:stCondLst>
+                            <p:childTnLst>
+                              <p:par>
+                                <p:cTn id="5" presetID="47" presetClass="entr" presetSubtype="0" fill="hold" grpId="0" nodeType="clickEffect">
+                                  <p:stCondLst>
+                                    <p:cond delay="0"/>
+                                  </p:stCondLst>
+                                  <p:childTnLst>
+                                    <p:set>
+                                      <p:cBhvr>
+                                        <p:cTn id="6" dur="1" fill="hold">
+                                          <p:stCondLst>
+                                            <p:cond delay="0"/>
+                                          </p:stCondLst>
+                                        </p:cTn>
+                                        <p:tgtEl>
+                                          <p:spTgt spid="2"/>
+                                        </p:tgtEl>
+                                        <p:attrNameLst>
+                                          <p:attrName>style.visibility</p:attrName>
+                                        </p:attrNameLst>
+                                      </p:cBhvr>
+                                      <p:to>
+                                        <p:strVal val="visible"/>
+                                      </p:to>
+                                    </p:set>
+                                    <p:animEffect transition="in" filter="fade">
+                                      <p:cBhvr>
+                                        <p:cTn id="7" dur="1000"/>
+                                        <p:tgtEl>
+                                          <p:spTgt spid="2"/>
+                                        </p:tgtEl>
+                                      </p:cBhvr>
+                                    </p:animEffect>
+                                    <p:anim calcmode="lin" valueType="num">
+                                      <p:cBhvr>
+                                        <p:cTn id="8" dur="1000" fill="hold"/>
+                                        <p:tgtEl>
+                                          <p:spTgt spid="2"/>
+                                        </p:tgtEl>
+                                        <p:attrNameLst>
+                                          <p:attrName>ppt_x</p:attrName>
+                                        </p:attrNameLst>
+                                      </p:cBhvr>
+                                      <p:tavLst>
+                                        <p:tav tm="0">
+                                          <p:val>
+                                            <p:strVal val="#ppt_x"/>
+                                          </p:val>
+                                        </p:tav>
+                                        <p:tav tm="100000">
+                                          <p:val>
+                                            <p:strVal val="#ppt_x"/>
+                                          </p:val>
+                                        </p:tav>
+                                      </p:tavLst>
+                                    </p:anim>
+                                    <p:anim calcmode="lin" valueType="num">
+                                      <p:cBhvr>
+                                        <p:cTn id="9" dur="1000" fill="hold"/>
+                                        <p:tgtEl>
+                                          <p:spTgt spid="2"/>
+                                        </p:tgtEl>
+                                        <p:attrNameLst>
+                                          <p:attrName>ppt_y</p:attrName>
+                                        </p:attrNameLst>
+                                      </p:cBhvr>
+                                      <p:tavLst>
+                                        <p:tav tm="0">
+                                          <p:val>
+                                            <p:strVal val="#ppt_y-.1"/>
+                                          </p:val>
+                                        </p:tav>
+                                        <p:tav tm="100000">
+                                          <p:val>
+                                            <p:strVal val="#ppt_y"/>
+                                          </p:val>
+                                        </p:tav>
+                                      </p:tavLst>
+                                    </p:anim>
+                                  </p:childTnLst>
+                                </p:cTn>
+                              </p:par>
+                            </p:childTnLst>
+                          </p:cTn>
+                        </p:par>
+                      </p:childTnLst>
+                    </p:cTn>
+                  </p:par>
+                  <p:par>
+                    <p:cTn id="10" fill="hold">
+                      <p:stCondLst>
+                        <p:cond delay="indefinite"/>
+                      </p:stCondLst>
+                      <p:childTnLst>
+                        <p:par>
+                          <p:cTn id="11" fill="hold">
+                            <p:stCondLst>
+                              <p:cond delay="0"/>
+                            </p:stCondLst>
+                            <p:childTnLst>
+                              <p:par>
+                                <p:cTn id="12" presetID="10" presetClass="entr" presetSubtype="0" fill="hold" grpId="0" nodeType="clickEffect">
+                                  <p:stCondLst>
+                                    <p:cond delay="0"/>
+                                  </p:stCondLst>
+                                  <p:childTnLst>
+                                    <p:set>
+                                      <p:cBhvr>
+                                        <p:cTn id="13" dur="1" fill="hold">
+                                          <p:stCondLst>
+                                            <p:cond delay="0"/>
+                                          </p:stCondLst>
+                                        </p:cTn>
+                                        <p:tgtEl>
+                                          <p:spTgt spid="3">
+                                            <p:txEl>
+                                              <p:pRg st="0" end="0"/>
+                                            </p:txEl>
+                                          </p:spTgt>
+                                        </p:tgtEl>
+                                        <p:attrNameLst>
+                                          <p:attrName>style.visibility</p:attrName>
+                                        </p:attrNameLst>
+                                      </p:cBhvr>
+                                      <p:to>
+                                        <p:strVal val="visible"/>
+                                      </p:to>
+                                    </p:set>
+                                    <p:animEffect transition="in" filter="fade">
+                                      <p:cBhvr>
+                                        <p:cTn id="14" dur="500"/>
+                                        <p:tgtEl>
+                                          <p:spTgt spid="3">
+                                            <p:txEl>
+                                              <p:pRg st="0" end="0"/>
+                                            </p:txEl>
+                                          </p:spTgt>
+                                        </p:tgtEl>
+                                      </p:cBhvr>
+                                    </p:animEffect>
+                                  </p:childTnLst>
+                                </p:cTn>
+                              </p:par>
+                            </p:childTnLst>
+                          </p:cTn>
+                        </p:par>
+                      </p:childTnLst>
+                    </p:cTn>
+                  </p:par>
+                  <p:par>
+                    <p:cTn id="15" fill="hold">
+                      <p:stCondLst>
+                        <p:cond delay="indefinite"/>
+                      </p:stCondLst>
+                      <p:childTnLst>
+                        <p:par>
+                          <p:cTn id="16" fill="hold">
+                            <p:stCondLst>
+                              <p:cond delay="0"/>
+                            </p:stCondLst>
+                            <p:childTnLst>
+                              <p:par>
+                                <p:cTn id="17" presetID="10" presetClass="entr" presetSubtype="0" fill="hold" grpId="0" nodeType="clickEffect">
+                                  <p:stCondLst>
+                                    <p:cond delay="0"/>
+                                  </p:stCondLst>
+                                  <p:childTnLst>
+                                    <p:set>
+                                      <p:cBhvr>
+                                        <p:cTn id="18" dur="1" fill="hold">
+                                          <p:stCondLst>
+                                            <p:cond delay="0"/>
+                                          </p:stCondLst>
+                                        </p:cTn>
+                                        <p:tgtEl>
+                                          <p:spTgt spid="3">
+                                            <p:txEl>
+                                              <p:pRg st="2" end="2"/>
+                                            </p:txEl>
+                                          </p:spTgt>
+                                        </p:tgtEl>
+                                        <p:attrNameLst>
+                                          <p:attrName>style.visibility</p:attrName>
+                                        </p:attrNameLst>
+                                      </p:cBhvr>
+                                      <p:to>
+                                        <p:strVal val="visible"/>
+                                      </p:to>
+                                    </p:set>
+                                    <p:animEffect transition="in" filter="fade">
+                                      <p:cBhvr>
+                                        <p:cTn id="19" dur="500"/>
+                                        <p:tgtEl>
+                                          <p:spTgt spid="3">
+                                            <p:txEl>
+                                              <p:pRg st="2" end="2"/>
+                                            </p:txEl>
+                                          </p:spTgt>
+                                        </p:tgtEl>
+                                      </p:cBhvr>
+                                    </p:animEffect>
+                                  </p:childTnLst>
+                                </p:cTn>
+                              </p:par>
+                            </p:childTnLst>
+                          </p:cTn>
+                        </p:par>
+                      </p:childTnLst>
+                    </p:cTn>
+                  </p:par>
+                </p:childTnLst>
+              </p:cTn>
+              <p:prevCondLst>
+                <p:cond evt="onPrev" delay="0">
+                  <p:tgtEl>
+                    <p:sldTgt/>
+                  </p:tgtEl>
+                </p:cond>
+              </p:prevCondLst>
+              <p:nextCondLst>
+                <p:cond evt="onNext" delay="0">
+                  <p:tgtEl>
+                    <p:sldTgt/>
+                  </p:tgtEl>
+                </p:cond>
+              </p:nextCondLst>
+            </p:seq>
+          </p:childTnLst>
+        </p:cTn>
+      </p:par>
+    </p:tnLst>
+    <p:bldLst>
+      <p:bldP spid="2" grpId="0"/>
+      <p:bldP spid="3" grpId="0" build="p"/>
+    </p:bldLst>
+  </p:timing>
 </p:sld>
 </file>
 
@@ -14171,7 +16895,7 @@
         <p:spPr>
           <a:xfrm>
             <a:off x="695326" y="0"/>
-            <a:ext cx="5568997" cy="1639888"/>
+            <a:ext cx="6225427" cy="1639888"/>
           </a:xfrm>
         </p:spPr>
         <p:txBody>
@@ -14181,16 +16905,16 @@
           <a:lstStyle/>
           <a:p>
             <a:r>
-              <a:rPr lang="en-US" dirty="0"/>
+              <a:rPr lang="en-US" sz="4000" dirty="0"/>
               <a:t>How does </a:t>
             </a:r>
             <a:r>
-              <a:rPr lang="en-US" dirty="0">
+              <a:rPr lang="en-US" sz="4000" dirty="0">
                 <a:latin typeface="Franklin Gothic Book" panose="020B0503020102020204" pitchFamily="34" charset="0"/>
               </a:rPr>
               <a:t>µ-LMS Works ?</a:t>
             </a:r>
-            <a:endParaRPr lang="en-US" dirty="0"/>
+            <a:endParaRPr lang="en-US" sz="4000" dirty="0"/>
           </a:p>
         </p:txBody>
       </p:sp>
@@ -14252,14 +16976,14 @@
             </a:r>
           </a:p>
           <a:p>
-            <a:pPr>
+            <a:pPr algn="just">
               <a:lnSpc>
                 <a:spcPct val="100000"/>
               </a:lnSpc>
             </a:pPr>
             <a:r>
               <a:rPr lang="en-US" sz="1600" b="1" dirty="0"/>
-              <a:t>w(n+1) = w(n) + 2µe(n)x(n)</a:t>
+              <a:t>                  w(n+1) = w(n) + 2µe(n)x(n)</a:t>
             </a:r>
           </a:p>
           <a:p>
@@ -14983,6 +17707,395 @@
   <p:clrMapOvr>
     <a:masterClrMapping/>
   </p:clrMapOvr>
+  <mc:AlternateContent xmlns:mc="http://schemas.openxmlformats.org/markup-compatibility/2006" xmlns:p14="http://schemas.microsoft.com/office/powerpoint/2010/main">
+    <mc:Choice Requires="p14">
+      <p:transition spd="slow" p14:dur="1600">
+        <p14:conveyor dir="l"/>
+      </p:transition>
+    </mc:Choice>
+    <mc:Fallback xmlns="">
+      <p:transition spd="slow">
+        <p:fade/>
+      </p:transition>
+    </mc:Fallback>
+  </mc:AlternateContent>
+  <p:timing>
+    <p:tnLst>
+      <p:par>
+        <p:cTn id="1" dur="indefinite" restart="never" nodeType="tmRoot">
+          <p:childTnLst>
+            <p:seq concurrent="1" nextAc="seek">
+              <p:cTn id="2" dur="indefinite" nodeType="mainSeq">
+                <p:childTnLst>
+                  <p:par>
+                    <p:cTn id="3" fill="hold">
+                      <p:stCondLst>
+                        <p:cond delay="indefinite"/>
+                      </p:stCondLst>
+                      <p:childTnLst>
+                        <p:par>
+                          <p:cTn id="4" fill="hold">
+                            <p:stCondLst>
+                              <p:cond delay="0"/>
+                            </p:stCondLst>
+                            <p:childTnLst>
+                              <p:par>
+                                <p:cTn id="5" presetID="42" presetClass="entr" presetSubtype="0" fill="hold" grpId="0" nodeType="clickEffect">
+                                  <p:stCondLst>
+                                    <p:cond delay="0"/>
+                                  </p:stCondLst>
+                                  <p:childTnLst>
+                                    <p:set>
+                                      <p:cBhvr>
+                                        <p:cTn id="6" dur="1" fill="hold">
+                                          <p:stCondLst>
+                                            <p:cond delay="0"/>
+                                          </p:stCondLst>
+                                        </p:cTn>
+                                        <p:tgtEl>
+                                          <p:spTgt spid="4"/>
+                                        </p:tgtEl>
+                                        <p:attrNameLst>
+                                          <p:attrName>style.visibility</p:attrName>
+                                        </p:attrNameLst>
+                                      </p:cBhvr>
+                                      <p:to>
+                                        <p:strVal val="visible"/>
+                                      </p:to>
+                                    </p:set>
+                                    <p:animEffect transition="in" filter="fade">
+                                      <p:cBhvr>
+                                        <p:cTn id="7" dur="1000"/>
+                                        <p:tgtEl>
+                                          <p:spTgt spid="4"/>
+                                        </p:tgtEl>
+                                      </p:cBhvr>
+                                    </p:animEffect>
+                                    <p:anim calcmode="lin" valueType="num">
+                                      <p:cBhvr>
+                                        <p:cTn id="8" dur="1000" fill="hold"/>
+                                        <p:tgtEl>
+                                          <p:spTgt spid="4"/>
+                                        </p:tgtEl>
+                                        <p:attrNameLst>
+                                          <p:attrName>ppt_x</p:attrName>
+                                        </p:attrNameLst>
+                                      </p:cBhvr>
+                                      <p:tavLst>
+                                        <p:tav tm="0">
+                                          <p:val>
+                                            <p:strVal val="#ppt_x"/>
+                                          </p:val>
+                                        </p:tav>
+                                        <p:tav tm="100000">
+                                          <p:val>
+                                            <p:strVal val="#ppt_x"/>
+                                          </p:val>
+                                        </p:tav>
+                                      </p:tavLst>
+                                    </p:anim>
+                                    <p:anim calcmode="lin" valueType="num">
+                                      <p:cBhvr>
+                                        <p:cTn id="9" dur="1000" fill="hold"/>
+                                        <p:tgtEl>
+                                          <p:spTgt spid="4"/>
+                                        </p:tgtEl>
+                                        <p:attrNameLst>
+                                          <p:attrName>ppt_y</p:attrName>
+                                        </p:attrNameLst>
+                                      </p:cBhvr>
+                                      <p:tavLst>
+                                        <p:tav tm="0">
+                                          <p:val>
+                                            <p:strVal val="#ppt_y+.1"/>
+                                          </p:val>
+                                        </p:tav>
+                                        <p:tav tm="100000">
+                                          <p:val>
+                                            <p:strVal val="#ppt_y"/>
+                                          </p:val>
+                                        </p:tav>
+                                      </p:tavLst>
+                                    </p:anim>
+                                  </p:childTnLst>
+                                </p:cTn>
+                              </p:par>
+                            </p:childTnLst>
+                          </p:cTn>
+                        </p:par>
+                      </p:childTnLst>
+                    </p:cTn>
+                  </p:par>
+                  <p:par>
+                    <p:cTn id="10" fill="hold">
+                      <p:stCondLst>
+                        <p:cond delay="indefinite"/>
+                      </p:stCondLst>
+                      <p:childTnLst>
+                        <p:par>
+                          <p:cTn id="11" fill="hold">
+                            <p:stCondLst>
+                              <p:cond delay="0"/>
+                            </p:stCondLst>
+                            <p:childTnLst>
+                              <p:par>
+                                <p:cTn id="12" presetID="18" presetClass="entr" presetSubtype="12" fill="hold" grpId="0" nodeType="clickEffect">
+                                  <p:stCondLst>
+                                    <p:cond delay="0"/>
+                                  </p:stCondLst>
+                                  <p:childTnLst>
+                                    <p:set>
+                                      <p:cBhvr>
+                                        <p:cTn id="13" dur="1" fill="hold">
+                                          <p:stCondLst>
+                                            <p:cond delay="0"/>
+                                          </p:stCondLst>
+                                        </p:cTn>
+                                        <p:tgtEl>
+                                          <p:spTgt spid="5">
+                                            <p:txEl>
+                                              <p:pRg st="0" end="0"/>
+                                            </p:txEl>
+                                          </p:spTgt>
+                                        </p:tgtEl>
+                                        <p:attrNameLst>
+                                          <p:attrName>style.visibility</p:attrName>
+                                        </p:attrNameLst>
+                                      </p:cBhvr>
+                                      <p:to>
+                                        <p:strVal val="visible"/>
+                                      </p:to>
+                                    </p:set>
+                                    <p:animEffect transition="in" filter="strips(downLeft)">
+                                      <p:cBhvr>
+                                        <p:cTn id="14" dur="500"/>
+                                        <p:tgtEl>
+                                          <p:spTgt spid="5">
+                                            <p:txEl>
+                                              <p:pRg st="0" end="0"/>
+                                            </p:txEl>
+                                          </p:spTgt>
+                                        </p:tgtEl>
+                                      </p:cBhvr>
+                                    </p:animEffect>
+                                  </p:childTnLst>
+                                </p:cTn>
+                              </p:par>
+                            </p:childTnLst>
+                          </p:cTn>
+                        </p:par>
+                      </p:childTnLst>
+                    </p:cTn>
+                  </p:par>
+                  <p:par>
+                    <p:cTn id="15" fill="hold">
+                      <p:stCondLst>
+                        <p:cond delay="indefinite"/>
+                      </p:stCondLst>
+                      <p:childTnLst>
+                        <p:par>
+                          <p:cTn id="16" fill="hold">
+                            <p:stCondLst>
+                              <p:cond delay="0"/>
+                            </p:stCondLst>
+                            <p:childTnLst>
+                              <p:par>
+                                <p:cTn id="17" presetID="18" presetClass="entr" presetSubtype="12" fill="hold" grpId="0" nodeType="clickEffect">
+                                  <p:stCondLst>
+                                    <p:cond delay="0"/>
+                                  </p:stCondLst>
+                                  <p:childTnLst>
+                                    <p:set>
+                                      <p:cBhvr>
+                                        <p:cTn id="18" dur="1" fill="hold">
+                                          <p:stCondLst>
+                                            <p:cond delay="0"/>
+                                          </p:stCondLst>
+                                        </p:cTn>
+                                        <p:tgtEl>
+                                          <p:spTgt spid="5">
+                                            <p:txEl>
+                                              <p:pRg st="2" end="2"/>
+                                            </p:txEl>
+                                          </p:spTgt>
+                                        </p:tgtEl>
+                                        <p:attrNameLst>
+                                          <p:attrName>style.visibility</p:attrName>
+                                        </p:attrNameLst>
+                                      </p:cBhvr>
+                                      <p:to>
+                                        <p:strVal val="visible"/>
+                                      </p:to>
+                                    </p:set>
+                                    <p:animEffect transition="in" filter="strips(downLeft)">
+                                      <p:cBhvr>
+                                        <p:cTn id="19" dur="500"/>
+                                        <p:tgtEl>
+                                          <p:spTgt spid="5">
+                                            <p:txEl>
+                                              <p:pRg st="2" end="2"/>
+                                            </p:txEl>
+                                          </p:spTgt>
+                                        </p:tgtEl>
+                                      </p:cBhvr>
+                                    </p:animEffect>
+                                  </p:childTnLst>
+                                </p:cTn>
+                              </p:par>
+                            </p:childTnLst>
+                          </p:cTn>
+                        </p:par>
+                      </p:childTnLst>
+                    </p:cTn>
+                  </p:par>
+                  <p:par>
+                    <p:cTn id="20" fill="hold">
+                      <p:stCondLst>
+                        <p:cond delay="indefinite"/>
+                      </p:stCondLst>
+                      <p:childTnLst>
+                        <p:par>
+                          <p:cTn id="21" fill="hold">
+                            <p:stCondLst>
+                              <p:cond delay="0"/>
+                            </p:stCondLst>
+                            <p:childTnLst>
+                              <p:par>
+                                <p:cTn id="22" presetID="18" presetClass="entr" presetSubtype="12" fill="hold" grpId="0" nodeType="clickEffect">
+                                  <p:stCondLst>
+                                    <p:cond delay="0"/>
+                                  </p:stCondLst>
+                                  <p:childTnLst>
+                                    <p:set>
+                                      <p:cBhvr>
+                                        <p:cTn id="23" dur="1" fill="hold">
+                                          <p:stCondLst>
+                                            <p:cond delay="0"/>
+                                          </p:stCondLst>
+                                        </p:cTn>
+                                        <p:tgtEl>
+                                          <p:spTgt spid="5">
+                                            <p:txEl>
+                                              <p:pRg st="3" end="3"/>
+                                            </p:txEl>
+                                          </p:spTgt>
+                                        </p:tgtEl>
+                                        <p:attrNameLst>
+                                          <p:attrName>style.visibility</p:attrName>
+                                        </p:attrNameLst>
+                                      </p:cBhvr>
+                                      <p:to>
+                                        <p:strVal val="visible"/>
+                                      </p:to>
+                                    </p:set>
+                                    <p:animEffect transition="in" filter="strips(downLeft)">
+                                      <p:cBhvr>
+                                        <p:cTn id="24" dur="500"/>
+                                        <p:tgtEl>
+                                          <p:spTgt spid="5">
+                                            <p:txEl>
+                                              <p:pRg st="3" end="3"/>
+                                            </p:txEl>
+                                          </p:spTgt>
+                                        </p:tgtEl>
+                                      </p:cBhvr>
+                                    </p:animEffect>
+                                  </p:childTnLst>
+                                </p:cTn>
+                              </p:par>
+                            </p:childTnLst>
+                          </p:cTn>
+                        </p:par>
+                      </p:childTnLst>
+                    </p:cTn>
+                  </p:par>
+                  <p:par>
+                    <p:cTn id="25" fill="hold">
+                      <p:stCondLst>
+                        <p:cond delay="indefinite"/>
+                      </p:stCondLst>
+                      <p:childTnLst>
+                        <p:par>
+                          <p:cTn id="26" fill="hold">
+                            <p:stCondLst>
+                              <p:cond delay="0"/>
+                            </p:stCondLst>
+                            <p:childTnLst>
+                              <p:par>
+                                <p:cTn id="27" presetID="18" presetClass="entr" presetSubtype="12" fill="hold" grpId="0" nodeType="clickEffect">
+                                  <p:stCondLst>
+                                    <p:cond delay="0"/>
+                                  </p:stCondLst>
+                                  <p:childTnLst>
+                                    <p:set>
+                                      <p:cBhvr>
+                                        <p:cTn id="28" dur="1" fill="hold">
+                                          <p:stCondLst>
+                                            <p:cond delay="0"/>
+                                          </p:stCondLst>
+                                        </p:cTn>
+                                        <p:tgtEl>
+                                          <p:spTgt spid="5">
+                                            <p:txEl>
+                                              <p:pRg st="4" end="4"/>
+                                            </p:txEl>
+                                          </p:spTgt>
+                                        </p:tgtEl>
+                                        <p:attrNameLst>
+                                          <p:attrName>style.visibility</p:attrName>
+                                        </p:attrNameLst>
+                                      </p:cBhvr>
+                                      <p:to>
+                                        <p:strVal val="visible"/>
+                                      </p:to>
+                                    </p:set>
+                                    <p:animEffect transition="in" filter="strips(downLeft)">
+                                      <p:cBhvr>
+                                        <p:cTn id="29" dur="500"/>
+                                        <p:tgtEl>
+                                          <p:spTgt spid="5">
+                                            <p:txEl>
+                                              <p:pRg st="4" end="4"/>
+                                            </p:txEl>
+                                          </p:spTgt>
+                                        </p:tgtEl>
+                                      </p:cBhvr>
+                                    </p:animEffect>
+                                  </p:childTnLst>
+                                </p:cTn>
+                              </p:par>
+                            </p:childTnLst>
+                          </p:cTn>
+                        </p:par>
+                      </p:childTnLst>
+                    </p:cTn>
+                  </p:par>
+                </p:childTnLst>
+              </p:cTn>
+              <p:prevCondLst>
+                <p:cond evt="onPrev" delay="0">
+                  <p:tgtEl>
+                    <p:sldTgt/>
+                  </p:tgtEl>
+                </p:cond>
+              </p:prevCondLst>
+              <p:nextCondLst>
+                <p:cond evt="onNext" delay="0">
+                  <p:tgtEl>
+                    <p:sldTgt/>
+                  </p:tgtEl>
+                </p:cond>
+              </p:nextCondLst>
+            </p:seq>
+          </p:childTnLst>
+        </p:cTn>
+      </p:par>
+    </p:tnLst>
+    <p:bldLst>
+      <p:bldP spid="4" grpId="0"/>
+      <p:bldP spid="5" grpId="0" build="p"/>
+    </p:bldLst>
+  </p:timing>
 </p:sld>
 </file>
 
@@ -16179,6 +19292,900 @@
   <p:clrMapOvr>
     <a:masterClrMapping/>
   </p:clrMapOvr>
+  <p:transition spd="slow">
+    <p:wipe/>
+  </p:transition>
+  <p:timing>
+    <p:tnLst>
+      <p:par>
+        <p:cTn id="1" dur="indefinite" restart="never" nodeType="tmRoot">
+          <p:childTnLst>
+            <p:seq concurrent="1" nextAc="seek">
+              <p:cTn id="2" dur="indefinite" nodeType="mainSeq">
+                <p:childTnLst>
+                  <p:par>
+                    <p:cTn id="3" fill="hold">
+                      <p:stCondLst>
+                        <p:cond delay="indefinite"/>
+                      </p:stCondLst>
+                      <p:childTnLst>
+                        <p:par>
+                          <p:cTn id="4" fill="hold">
+                            <p:stCondLst>
+                              <p:cond delay="0"/>
+                            </p:stCondLst>
+                            <p:childTnLst>
+                              <p:par>
+                                <p:cTn id="5" presetID="14" presetClass="entr" presetSubtype="10" fill="hold" grpId="0" nodeType="clickEffect">
+                                  <p:stCondLst>
+                                    <p:cond delay="0"/>
+                                  </p:stCondLst>
+                                  <p:childTnLst>
+                                    <p:set>
+                                      <p:cBhvr>
+                                        <p:cTn id="6" dur="1" fill="hold">
+                                          <p:stCondLst>
+                                            <p:cond delay="0"/>
+                                          </p:stCondLst>
+                                        </p:cTn>
+                                        <p:tgtEl>
+                                          <p:spTgt spid="2"/>
+                                        </p:tgtEl>
+                                        <p:attrNameLst>
+                                          <p:attrName>style.visibility</p:attrName>
+                                        </p:attrNameLst>
+                                      </p:cBhvr>
+                                      <p:to>
+                                        <p:strVal val="visible"/>
+                                      </p:to>
+                                    </p:set>
+                                    <p:animEffect transition="in" filter="randombar(horizontal)">
+                                      <p:cBhvr>
+                                        <p:cTn id="7" dur="500"/>
+                                        <p:tgtEl>
+                                          <p:spTgt spid="2"/>
+                                        </p:tgtEl>
+                                      </p:cBhvr>
+                                    </p:animEffect>
+                                  </p:childTnLst>
+                                </p:cTn>
+                              </p:par>
+                            </p:childTnLst>
+                          </p:cTn>
+                        </p:par>
+                      </p:childTnLst>
+                    </p:cTn>
+                  </p:par>
+                  <p:par>
+                    <p:cTn id="8" fill="hold">
+                      <p:stCondLst>
+                        <p:cond delay="indefinite"/>
+                      </p:stCondLst>
+                      <p:childTnLst>
+                        <p:par>
+                          <p:cTn id="9" fill="hold">
+                            <p:stCondLst>
+                              <p:cond delay="0"/>
+                            </p:stCondLst>
+                            <p:childTnLst>
+                              <p:par>
+                                <p:cTn id="10" presetID="42" presetClass="entr" presetSubtype="0" fill="hold" nodeType="clickEffect">
+                                  <p:stCondLst>
+                                    <p:cond delay="0"/>
+                                  </p:stCondLst>
+                                  <p:childTnLst>
+                                    <p:set>
+                                      <p:cBhvr>
+                                        <p:cTn id="11" dur="1" fill="hold">
+                                          <p:stCondLst>
+                                            <p:cond delay="0"/>
+                                          </p:stCondLst>
+                                        </p:cTn>
+                                        <p:tgtEl>
+                                          <p:spTgt spid="17">
+                                            <p:txEl>
+                                              <p:pRg st="0" end="0"/>
+                                            </p:txEl>
+                                          </p:spTgt>
+                                        </p:tgtEl>
+                                        <p:attrNameLst>
+                                          <p:attrName>style.visibility</p:attrName>
+                                        </p:attrNameLst>
+                                      </p:cBhvr>
+                                      <p:to>
+                                        <p:strVal val="visible"/>
+                                      </p:to>
+                                    </p:set>
+                                    <p:animEffect transition="in" filter="fade">
+                                      <p:cBhvr>
+                                        <p:cTn id="12" dur="1000"/>
+                                        <p:tgtEl>
+                                          <p:spTgt spid="17">
+                                            <p:txEl>
+                                              <p:pRg st="0" end="0"/>
+                                            </p:txEl>
+                                          </p:spTgt>
+                                        </p:tgtEl>
+                                      </p:cBhvr>
+                                    </p:animEffect>
+                                    <p:anim calcmode="lin" valueType="num">
+                                      <p:cBhvr>
+                                        <p:cTn id="13" dur="1000" fill="hold"/>
+                                        <p:tgtEl>
+                                          <p:spTgt spid="17">
+                                            <p:txEl>
+                                              <p:pRg st="0" end="0"/>
+                                            </p:txEl>
+                                          </p:spTgt>
+                                        </p:tgtEl>
+                                        <p:attrNameLst>
+                                          <p:attrName>ppt_x</p:attrName>
+                                        </p:attrNameLst>
+                                      </p:cBhvr>
+                                      <p:tavLst>
+                                        <p:tav tm="0">
+                                          <p:val>
+                                            <p:strVal val="#ppt_x"/>
+                                          </p:val>
+                                        </p:tav>
+                                        <p:tav tm="100000">
+                                          <p:val>
+                                            <p:strVal val="#ppt_x"/>
+                                          </p:val>
+                                        </p:tav>
+                                      </p:tavLst>
+                                    </p:anim>
+                                    <p:anim calcmode="lin" valueType="num">
+                                      <p:cBhvr>
+                                        <p:cTn id="14" dur="1000" fill="hold"/>
+                                        <p:tgtEl>
+                                          <p:spTgt spid="17">
+                                            <p:txEl>
+                                              <p:pRg st="0" end="0"/>
+                                            </p:txEl>
+                                          </p:spTgt>
+                                        </p:tgtEl>
+                                        <p:attrNameLst>
+                                          <p:attrName>ppt_y</p:attrName>
+                                        </p:attrNameLst>
+                                      </p:cBhvr>
+                                      <p:tavLst>
+                                        <p:tav tm="0">
+                                          <p:val>
+                                            <p:strVal val="#ppt_y+.1"/>
+                                          </p:val>
+                                        </p:tav>
+                                        <p:tav tm="100000">
+                                          <p:val>
+                                            <p:strVal val="#ppt_y"/>
+                                          </p:val>
+                                        </p:tav>
+                                      </p:tavLst>
+                                    </p:anim>
+                                  </p:childTnLst>
+                                </p:cTn>
+                              </p:par>
+                            </p:childTnLst>
+                          </p:cTn>
+                        </p:par>
+                      </p:childTnLst>
+                    </p:cTn>
+                  </p:par>
+                  <p:par>
+                    <p:cTn id="15" fill="hold">
+                      <p:stCondLst>
+                        <p:cond delay="indefinite"/>
+                      </p:stCondLst>
+                      <p:childTnLst>
+                        <p:par>
+                          <p:cTn id="16" fill="hold">
+                            <p:stCondLst>
+                              <p:cond delay="0"/>
+                            </p:stCondLst>
+                            <p:childTnLst>
+                              <p:par>
+                                <p:cTn id="17" presetID="42" presetClass="entr" presetSubtype="0" fill="hold" nodeType="clickEffect">
+                                  <p:stCondLst>
+                                    <p:cond delay="0"/>
+                                  </p:stCondLst>
+                                  <p:childTnLst>
+                                    <p:set>
+                                      <p:cBhvr>
+                                        <p:cTn id="18" dur="1" fill="hold">
+                                          <p:stCondLst>
+                                            <p:cond delay="0"/>
+                                          </p:stCondLst>
+                                        </p:cTn>
+                                        <p:tgtEl>
+                                          <p:spTgt spid="17">
+                                            <p:txEl>
+                                              <p:pRg st="1" end="1"/>
+                                            </p:txEl>
+                                          </p:spTgt>
+                                        </p:tgtEl>
+                                        <p:attrNameLst>
+                                          <p:attrName>style.visibility</p:attrName>
+                                        </p:attrNameLst>
+                                      </p:cBhvr>
+                                      <p:to>
+                                        <p:strVal val="visible"/>
+                                      </p:to>
+                                    </p:set>
+                                    <p:animEffect transition="in" filter="fade">
+                                      <p:cBhvr>
+                                        <p:cTn id="19" dur="1000"/>
+                                        <p:tgtEl>
+                                          <p:spTgt spid="17">
+                                            <p:txEl>
+                                              <p:pRg st="1" end="1"/>
+                                            </p:txEl>
+                                          </p:spTgt>
+                                        </p:tgtEl>
+                                      </p:cBhvr>
+                                    </p:animEffect>
+                                    <p:anim calcmode="lin" valueType="num">
+                                      <p:cBhvr>
+                                        <p:cTn id="20" dur="1000" fill="hold"/>
+                                        <p:tgtEl>
+                                          <p:spTgt spid="17">
+                                            <p:txEl>
+                                              <p:pRg st="1" end="1"/>
+                                            </p:txEl>
+                                          </p:spTgt>
+                                        </p:tgtEl>
+                                        <p:attrNameLst>
+                                          <p:attrName>ppt_x</p:attrName>
+                                        </p:attrNameLst>
+                                      </p:cBhvr>
+                                      <p:tavLst>
+                                        <p:tav tm="0">
+                                          <p:val>
+                                            <p:strVal val="#ppt_x"/>
+                                          </p:val>
+                                        </p:tav>
+                                        <p:tav tm="100000">
+                                          <p:val>
+                                            <p:strVal val="#ppt_x"/>
+                                          </p:val>
+                                        </p:tav>
+                                      </p:tavLst>
+                                    </p:anim>
+                                    <p:anim calcmode="lin" valueType="num">
+                                      <p:cBhvr>
+                                        <p:cTn id="21" dur="1000" fill="hold"/>
+                                        <p:tgtEl>
+                                          <p:spTgt spid="17">
+                                            <p:txEl>
+                                              <p:pRg st="1" end="1"/>
+                                            </p:txEl>
+                                          </p:spTgt>
+                                        </p:tgtEl>
+                                        <p:attrNameLst>
+                                          <p:attrName>ppt_y</p:attrName>
+                                        </p:attrNameLst>
+                                      </p:cBhvr>
+                                      <p:tavLst>
+                                        <p:tav tm="0">
+                                          <p:val>
+                                            <p:strVal val="#ppt_y+.1"/>
+                                          </p:val>
+                                        </p:tav>
+                                        <p:tav tm="100000">
+                                          <p:val>
+                                            <p:strVal val="#ppt_y"/>
+                                          </p:val>
+                                        </p:tav>
+                                      </p:tavLst>
+                                    </p:anim>
+                                  </p:childTnLst>
+                                </p:cTn>
+                              </p:par>
+                            </p:childTnLst>
+                          </p:cTn>
+                        </p:par>
+                      </p:childTnLst>
+                    </p:cTn>
+                  </p:par>
+                  <p:par>
+                    <p:cTn id="22" fill="hold">
+                      <p:stCondLst>
+                        <p:cond delay="indefinite"/>
+                      </p:stCondLst>
+                      <p:childTnLst>
+                        <p:par>
+                          <p:cTn id="23" fill="hold">
+                            <p:stCondLst>
+                              <p:cond delay="0"/>
+                            </p:stCondLst>
+                            <p:childTnLst>
+                              <p:par>
+                                <p:cTn id="24" presetID="42" presetClass="entr" presetSubtype="0" fill="hold" nodeType="clickEffect">
+                                  <p:stCondLst>
+                                    <p:cond delay="0"/>
+                                  </p:stCondLst>
+                                  <p:childTnLst>
+                                    <p:set>
+                                      <p:cBhvr>
+                                        <p:cTn id="25" dur="1" fill="hold">
+                                          <p:stCondLst>
+                                            <p:cond delay="0"/>
+                                          </p:stCondLst>
+                                        </p:cTn>
+                                        <p:tgtEl>
+                                          <p:spTgt spid="17">
+                                            <p:txEl>
+                                              <p:pRg st="2" end="2"/>
+                                            </p:txEl>
+                                          </p:spTgt>
+                                        </p:tgtEl>
+                                        <p:attrNameLst>
+                                          <p:attrName>style.visibility</p:attrName>
+                                        </p:attrNameLst>
+                                      </p:cBhvr>
+                                      <p:to>
+                                        <p:strVal val="visible"/>
+                                      </p:to>
+                                    </p:set>
+                                    <p:animEffect transition="in" filter="fade">
+                                      <p:cBhvr>
+                                        <p:cTn id="26" dur="1000"/>
+                                        <p:tgtEl>
+                                          <p:spTgt spid="17">
+                                            <p:txEl>
+                                              <p:pRg st="2" end="2"/>
+                                            </p:txEl>
+                                          </p:spTgt>
+                                        </p:tgtEl>
+                                      </p:cBhvr>
+                                    </p:animEffect>
+                                    <p:anim calcmode="lin" valueType="num">
+                                      <p:cBhvr>
+                                        <p:cTn id="27" dur="1000" fill="hold"/>
+                                        <p:tgtEl>
+                                          <p:spTgt spid="17">
+                                            <p:txEl>
+                                              <p:pRg st="2" end="2"/>
+                                            </p:txEl>
+                                          </p:spTgt>
+                                        </p:tgtEl>
+                                        <p:attrNameLst>
+                                          <p:attrName>ppt_x</p:attrName>
+                                        </p:attrNameLst>
+                                      </p:cBhvr>
+                                      <p:tavLst>
+                                        <p:tav tm="0">
+                                          <p:val>
+                                            <p:strVal val="#ppt_x"/>
+                                          </p:val>
+                                        </p:tav>
+                                        <p:tav tm="100000">
+                                          <p:val>
+                                            <p:strVal val="#ppt_x"/>
+                                          </p:val>
+                                        </p:tav>
+                                      </p:tavLst>
+                                    </p:anim>
+                                    <p:anim calcmode="lin" valueType="num">
+                                      <p:cBhvr>
+                                        <p:cTn id="28" dur="1000" fill="hold"/>
+                                        <p:tgtEl>
+                                          <p:spTgt spid="17">
+                                            <p:txEl>
+                                              <p:pRg st="2" end="2"/>
+                                            </p:txEl>
+                                          </p:spTgt>
+                                        </p:tgtEl>
+                                        <p:attrNameLst>
+                                          <p:attrName>ppt_y</p:attrName>
+                                        </p:attrNameLst>
+                                      </p:cBhvr>
+                                      <p:tavLst>
+                                        <p:tav tm="0">
+                                          <p:val>
+                                            <p:strVal val="#ppt_y+.1"/>
+                                          </p:val>
+                                        </p:tav>
+                                        <p:tav tm="100000">
+                                          <p:val>
+                                            <p:strVal val="#ppt_y"/>
+                                          </p:val>
+                                        </p:tav>
+                                      </p:tavLst>
+                                    </p:anim>
+                                  </p:childTnLst>
+                                </p:cTn>
+                              </p:par>
+                            </p:childTnLst>
+                          </p:cTn>
+                        </p:par>
+                      </p:childTnLst>
+                    </p:cTn>
+                  </p:par>
+                  <p:par>
+                    <p:cTn id="29" fill="hold">
+                      <p:stCondLst>
+                        <p:cond delay="indefinite"/>
+                      </p:stCondLst>
+                      <p:childTnLst>
+                        <p:par>
+                          <p:cTn id="30" fill="hold">
+                            <p:stCondLst>
+                              <p:cond delay="0"/>
+                            </p:stCondLst>
+                            <p:childTnLst>
+                              <p:par>
+                                <p:cTn id="31" presetID="42" presetClass="entr" presetSubtype="0" fill="hold" nodeType="clickEffect">
+                                  <p:stCondLst>
+                                    <p:cond delay="0"/>
+                                  </p:stCondLst>
+                                  <p:childTnLst>
+                                    <p:set>
+                                      <p:cBhvr>
+                                        <p:cTn id="32" dur="1" fill="hold">
+                                          <p:stCondLst>
+                                            <p:cond delay="0"/>
+                                          </p:stCondLst>
+                                        </p:cTn>
+                                        <p:tgtEl>
+                                          <p:spTgt spid="17">
+                                            <p:txEl>
+                                              <p:pRg st="3" end="3"/>
+                                            </p:txEl>
+                                          </p:spTgt>
+                                        </p:tgtEl>
+                                        <p:attrNameLst>
+                                          <p:attrName>style.visibility</p:attrName>
+                                        </p:attrNameLst>
+                                      </p:cBhvr>
+                                      <p:to>
+                                        <p:strVal val="visible"/>
+                                      </p:to>
+                                    </p:set>
+                                    <p:animEffect transition="in" filter="fade">
+                                      <p:cBhvr>
+                                        <p:cTn id="33" dur="1000"/>
+                                        <p:tgtEl>
+                                          <p:spTgt spid="17">
+                                            <p:txEl>
+                                              <p:pRg st="3" end="3"/>
+                                            </p:txEl>
+                                          </p:spTgt>
+                                        </p:tgtEl>
+                                      </p:cBhvr>
+                                    </p:animEffect>
+                                    <p:anim calcmode="lin" valueType="num">
+                                      <p:cBhvr>
+                                        <p:cTn id="34" dur="1000" fill="hold"/>
+                                        <p:tgtEl>
+                                          <p:spTgt spid="17">
+                                            <p:txEl>
+                                              <p:pRg st="3" end="3"/>
+                                            </p:txEl>
+                                          </p:spTgt>
+                                        </p:tgtEl>
+                                        <p:attrNameLst>
+                                          <p:attrName>ppt_x</p:attrName>
+                                        </p:attrNameLst>
+                                      </p:cBhvr>
+                                      <p:tavLst>
+                                        <p:tav tm="0">
+                                          <p:val>
+                                            <p:strVal val="#ppt_x"/>
+                                          </p:val>
+                                        </p:tav>
+                                        <p:tav tm="100000">
+                                          <p:val>
+                                            <p:strVal val="#ppt_x"/>
+                                          </p:val>
+                                        </p:tav>
+                                      </p:tavLst>
+                                    </p:anim>
+                                    <p:anim calcmode="lin" valueType="num">
+                                      <p:cBhvr>
+                                        <p:cTn id="35" dur="1000" fill="hold"/>
+                                        <p:tgtEl>
+                                          <p:spTgt spid="17">
+                                            <p:txEl>
+                                              <p:pRg st="3" end="3"/>
+                                            </p:txEl>
+                                          </p:spTgt>
+                                        </p:tgtEl>
+                                        <p:attrNameLst>
+                                          <p:attrName>ppt_y</p:attrName>
+                                        </p:attrNameLst>
+                                      </p:cBhvr>
+                                      <p:tavLst>
+                                        <p:tav tm="0">
+                                          <p:val>
+                                            <p:strVal val="#ppt_y+.1"/>
+                                          </p:val>
+                                        </p:tav>
+                                        <p:tav tm="100000">
+                                          <p:val>
+                                            <p:strVal val="#ppt_y"/>
+                                          </p:val>
+                                        </p:tav>
+                                      </p:tavLst>
+                                    </p:anim>
+                                  </p:childTnLst>
+                                </p:cTn>
+                              </p:par>
+                            </p:childTnLst>
+                          </p:cTn>
+                        </p:par>
+                      </p:childTnLst>
+                    </p:cTn>
+                  </p:par>
+                  <p:par>
+                    <p:cTn id="36" fill="hold">
+                      <p:stCondLst>
+                        <p:cond delay="indefinite"/>
+                      </p:stCondLst>
+                      <p:childTnLst>
+                        <p:par>
+                          <p:cTn id="37" fill="hold">
+                            <p:stCondLst>
+                              <p:cond delay="0"/>
+                            </p:stCondLst>
+                            <p:childTnLst>
+                              <p:par>
+                                <p:cTn id="38" presetID="42" presetClass="entr" presetSubtype="0" fill="hold" nodeType="clickEffect">
+                                  <p:stCondLst>
+                                    <p:cond delay="0"/>
+                                  </p:stCondLst>
+                                  <p:childTnLst>
+                                    <p:set>
+                                      <p:cBhvr>
+                                        <p:cTn id="39" dur="1" fill="hold">
+                                          <p:stCondLst>
+                                            <p:cond delay="0"/>
+                                          </p:stCondLst>
+                                        </p:cTn>
+                                        <p:tgtEl>
+                                          <p:spTgt spid="17">
+                                            <p:txEl>
+                                              <p:pRg st="4" end="4"/>
+                                            </p:txEl>
+                                          </p:spTgt>
+                                        </p:tgtEl>
+                                        <p:attrNameLst>
+                                          <p:attrName>style.visibility</p:attrName>
+                                        </p:attrNameLst>
+                                      </p:cBhvr>
+                                      <p:to>
+                                        <p:strVal val="visible"/>
+                                      </p:to>
+                                    </p:set>
+                                    <p:animEffect transition="in" filter="fade">
+                                      <p:cBhvr>
+                                        <p:cTn id="40" dur="1000"/>
+                                        <p:tgtEl>
+                                          <p:spTgt spid="17">
+                                            <p:txEl>
+                                              <p:pRg st="4" end="4"/>
+                                            </p:txEl>
+                                          </p:spTgt>
+                                        </p:tgtEl>
+                                      </p:cBhvr>
+                                    </p:animEffect>
+                                    <p:anim calcmode="lin" valueType="num">
+                                      <p:cBhvr>
+                                        <p:cTn id="41" dur="1000" fill="hold"/>
+                                        <p:tgtEl>
+                                          <p:spTgt spid="17">
+                                            <p:txEl>
+                                              <p:pRg st="4" end="4"/>
+                                            </p:txEl>
+                                          </p:spTgt>
+                                        </p:tgtEl>
+                                        <p:attrNameLst>
+                                          <p:attrName>ppt_x</p:attrName>
+                                        </p:attrNameLst>
+                                      </p:cBhvr>
+                                      <p:tavLst>
+                                        <p:tav tm="0">
+                                          <p:val>
+                                            <p:strVal val="#ppt_x"/>
+                                          </p:val>
+                                        </p:tav>
+                                        <p:tav tm="100000">
+                                          <p:val>
+                                            <p:strVal val="#ppt_x"/>
+                                          </p:val>
+                                        </p:tav>
+                                      </p:tavLst>
+                                    </p:anim>
+                                    <p:anim calcmode="lin" valueType="num">
+                                      <p:cBhvr>
+                                        <p:cTn id="42" dur="1000" fill="hold"/>
+                                        <p:tgtEl>
+                                          <p:spTgt spid="17">
+                                            <p:txEl>
+                                              <p:pRg st="4" end="4"/>
+                                            </p:txEl>
+                                          </p:spTgt>
+                                        </p:tgtEl>
+                                        <p:attrNameLst>
+                                          <p:attrName>ppt_y</p:attrName>
+                                        </p:attrNameLst>
+                                      </p:cBhvr>
+                                      <p:tavLst>
+                                        <p:tav tm="0">
+                                          <p:val>
+                                            <p:strVal val="#ppt_y+.1"/>
+                                          </p:val>
+                                        </p:tav>
+                                        <p:tav tm="100000">
+                                          <p:val>
+                                            <p:strVal val="#ppt_y"/>
+                                          </p:val>
+                                        </p:tav>
+                                      </p:tavLst>
+                                    </p:anim>
+                                  </p:childTnLst>
+                                </p:cTn>
+                              </p:par>
+                            </p:childTnLst>
+                          </p:cTn>
+                        </p:par>
+                      </p:childTnLst>
+                    </p:cTn>
+                  </p:par>
+                  <p:par>
+                    <p:cTn id="43" fill="hold">
+                      <p:stCondLst>
+                        <p:cond delay="indefinite"/>
+                      </p:stCondLst>
+                      <p:childTnLst>
+                        <p:par>
+                          <p:cTn id="44" fill="hold">
+                            <p:stCondLst>
+                              <p:cond delay="0"/>
+                            </p:stCondLst>
+                            <p:childTnLst>
+                              <p:par>
+                                <p:cTn id="45" presetID="42" presetClass="entr" presetSubtype="0" fill="hold" nodeType="clickEffect">
+                                  <p:stCondLst>
+                                    <p:cond delay="0"/>
+                                  </p:stCondLst>
+                                  <p:childTnLst>
+                                    <p:set>
+                                      <p:cBhvr>
+                                        <p:cTn id="46" dur="1" fill="hold">
+                                          <p:stCondLst>
+                                            <p:cond delay="0"/>
+                                          </p:stCondLst>
+                                        </p:cTn>
+                                        <p:tgtEl>
+                                          <p:spTgt spid="17">
+                                            <p:txEl>
+                                              <p:pRg st="5" end="5"/>
+                                            </p:txEl>
+                                          </p:spTgt>
+                                        </p:tgtEl>
+                                        <p:attrNameLst>
+                                          <p:attrName>style.visibility</p:attrName>
+                                        </p:attrNameLst>
+                                      </p:cBhvr>
+                                      <p:to>
+                                        <p:strVal val="visible"/>
+                                      </p:to>
+                                    </p:set>
+                                    <p:animEffect transition="in" filter="fade">
+                                      <p:cBhvr>
+                                        <p:cTn id="47" dur="1000"/>
+                                        <p:tgtEl>
+                                          <p:spTgt spid="17">
+                                            <p:txEl>
+                                              <p:pRg st="5" end="5"/>
+                                            </p:txEl>
+                                          </p:spTgt>
+                                        </p:tgtEl>
+                                      </p:cBhvr>
+                                    </p:animEffect>
+                                    <p:anim calcmode="lin" valueType="num">
+                                      <p:cBhvr>
+                                        <p:cTn id="48" dur="1000" fill="hold"/>
+                                        <p:tgtEl>
+                                          <p:spTgt spid="17">
+                                            <p:txEl>
+                                              <p:pRg st="5" end="5"/>
+                                            </p:txEl>
+                                          </p:spTgt>
+                                        </p:tgtEl>
+                                        <p:attrNameLst>
+                                          <p:attrName>ppt_x</p:attrName>
+                                        </p:attrNameLst>
+                                      </p:cBhvr>
+                                      <p:tavLst>
+                                        <p:tav tm="0">
+                                          <p:val>
+                                            <p:strVal val="#ppt_x"/>
+                                          </p:val>
+                                        </p:tav>
+                                        <p:tav tm="100000">
+                                          <p:val>
+                                            <p:strVal val="#ppt_x"/>
+                                          </p:val>
+                                        </p:tav>
+                                      </p:tavLst>
+                                    </p:anim>
+                                    <p:anim calcmode="lin" valueType="num">
+                                      <p:cBhvr>
+                                        <p:cTn id="49" dur="1000" fill="hold"/>
+                                        <p:tgtEl>
+                                          <p:spTgt spid="17">
+                                            <p:txEl>
+                                              <p:pRg st="5" end="5"/>
+                                            </p:txEl>
+                                          </p:spTgt>
+                                        </p:tgtEl>
+                                        <p:attrNameLst>
+                                          <p:attrName>ppt_y</p:attrName>
+                                        </p:attrNameLst>
+                                      </p:cBhvr>
+                                      <p:tavLst>
+                                        <p:tav tm="0">
+                                          <p:val>
+                                            <p:strVal val="#ppt_y+.1"/>
+                                          </p:val>
+                                        </p:tav>
+                                        <p:tav tm="100000">
+                                          <p:val>
+                                            <p:strVal val="#ppt_y"/>
+                                          </p:val>
+                                        </p:tav>
+                                      </p:tavLst>
+                                    </p:anim>
+                                  </p:childTnLst>
+                                </p:cTn>
+                              </p:par>
+                            </p:childTnLst>
+                          </p:cTn>
+                        </p:par>
+                      </p:childTnLst>
+                    </p:cTn>
+                  </p:par>
+                  <p:par>
+                    <p:cTn id="50" fill="hold">
+                      <p:stCondLst>
+                        <p:cond delay="indefinite"/>
+                      </p:stCondLst>
+                      <p:childTnLst>
+                        <p:par>
+                          <p:cTn id="51" fill="hold">
+                            <p:stCondLst>
+                              <p:cond delay="0"/>
+                            </p:stCondLst>
+                            <p:childTnLst>
+                              <p:par>
+                                <p:cTn id="52" presetID="42" presetClass="entr" presetSubtype="0" fill="hold" nodeType="clickEffect">
+                                  <p:stCondLst>
+                                    <p:cond delay="0"/>
+                                  </p:stCondLst>
+                                  <p:childTnLst>
+                                    <p:set>
+                                      <p:cBhvr>
+                                        <p:cTn id="53" dur="1" fill="hold">
+                                          <p:stCondLst>
+                                            <p:cond delay="0"/>
+                                          </p:stCondLst>
+                                        </p:cTn>
+                                        <p:tgtEl>
+                                          <p:spTgt spid="17">
+                                            <p:txEl>
+                                              <p:pRg st="6" end="6"/>
+                                            </p:txEl>
+                                          </p:spTgt>
+                                        </p:tgtEl>
+                                        <p:attrNameLst>
+                                          <p:attrName>style.visibility</p:attrName>
+                                        </p:attrNameLst>
+                                      </p:cBhvr>
+                                      <p:to>
+                                        <p:strVal val="visible"/>
+                                      </p:to>
+                                    </p:set>
+                                    <p:animEffect transition="in" filter="fade">
+                                      <p:cBhvr>
+                                        <p:cTn id="54" dur="1000"/>
+                                        <p:tgtEl>
+                                          <p:spTgt spid="17">
+                                            <p:txEl>
+                                              <p:pRg st="6" end="6"/>
+                                            </p:txEl>
+                                          </p:spTgt>
+                                        </p:tgtEl>
+                                      </p:cBhvr>
+                                    </p:animEffect>
+                                    <p:anim calcmode="lin" valueType="num">
+                                      <p:cBhvr>
+                                        <p:cTn id="55" dur="1000" fill="hold"/>
+                                        <p:tgtEl>
+                                          <p:spTgt spid="17">
+                                            <p:txEl>
+                                              <p:pRg st="6" end="6"/>
+                                            </p:txEl>
+                                          </p:spTgt>
+                                        </p:tgtEl>
+                                        <p:attrNameLst>
+                                          <p:attrName>ppt_x</p:attrName>
+                                        </p:attrNameLst>
+                                      </p:cBhvr>
+                                      <p:tavLst>
+                                        <p:tav tm="0">
+                                          <p:val>
+                                            <p:strVal val="#ppt_x"/>
+                                          </p:val>
+                                        </p:tav>
+                                        <p:tav tm="100000">
+                                          <p:val>
+                                            <p:strVal val="#ppt_x"/>
+                                          </p:val>
+                                        </p:tav>
+                                      </p:tavLst>
+                                    </p:anim>
+                                    <p:anim calcmode="lin" valueType="num">
+                                      <p:cBhvr>
+                                        <p:cTn id="56" dur="1000" fill="hold"/>
+                                        <p:tgtEl>
+                                          <p:spTgt spid="17">
+                                            <p:txEl>
+                                              <p:pRg st="6" end="6"/>
+                                            </p:txEl>
+                                          </p:spTgt>
+                                        </p:tgtEl>
+                                        <p:attrNameLst>
+                                          <p:attrName>ppt_y</p:attrName>
+                                        </p:attrNameLst>
+                                      </p:cBhvr>
+                                      <p:tavLst>
+                                        <p:tav tm="0">
+                                          <p:val>
+                                            <p:strVal val="#ppt_y+.1"/>
+                                          </p:val>
+                                        </p:tav>
+                                        <p:tav tm="100000">
+                                          <p:val>
+                                            <p:strVal val="#ppt_y"/>
+                                          </p:val>
+                                        </p:tav>
+                                      </p:tavLst>
+                                    </p:anim>
+                                  </p:childTnLst>
+                                </p:cTn>
+                              </p:par>
+                            </p:childTnLst>
+                          </p:cTn>
+                        </p:par>
+                      </p:childTnLst>
+                    </p:cTn>
+                  </p:par>
+                </p:childTnLst>
+              </p:cTn>
+              <p:prevCondLst>
+                <p:cond evt="onPrev" delay="0">
+                  <p:tgtEl>
+                    <p:sldTgt/>
+                  </p:tgtEl>
+                </p:cond>
+              </p:prevCondLst>
+              <p:nextCondLst>
+                <p:cond evt="onNext" delay="0">
+                  <p:tgtEl>
+                    <p:sldTgt/>
+                  </p:tgtEl>
+                </p:cond>
+              </p:nextCondLst>
+            </p:seq>
+          </p:childTnLst>
+        </p:cTn>
+      </p:par>
+    </p:tnLst>
+    <p:bldLst>
+      <p:bldP spid="2" grpId="0"/>
+    </p:bldLst>
+  </p:timing>
 </p:sld>
 </file>
 
@@ -17046,6 +21053,302 @@
   <p:clrMapOvr>
     <a:masterClrMapping/>
   </p:clrMapOvr>
+  <mc:AlternateContent xmlns:mc="http://schemas.openxmlformats.org/markup-compatibility/2006" xmlns:p14="http://schemas.microsoft.com/office/powerpoint/2010/main">
+    <mc:Choice Requires="p14">
+      <p:transition spd="slow" p14:dur="1600">
+        <p14:prism isContent="1" isInverted="1"/>
+      </p:transition>
+    </mc:Choice>
+    <mc:Fallback xmlns="">
+      <p:transition spd="slow">
+        <p:fade/>
+      </p:transition>
+    </mc:Fallback>
+  </mc:AlternateContent>
+  <p:timing>
+    <p:tnLst>
+      <p:par>
+        <p:cTn id="1" dur="indefinite" restart="never" nodeType="tmRoot">
+          <p:childTnLst>
+            <p:seq concurrent="1" nextAc="seek">
+              <p:cTn id="2" dur="indefinite" nodeType="mainSeq">
+                <p:childTnLst>
+                  <p:par>
+                    <p:cTn id="3" fill="hold">
+                      <p:stCondLst>
+                        <p:cond delay="indefinite"/>
+                      </p:stCondLst>
+                      <p:childTnLst>
+                        <p:par>
+                          <p:cTn id="4" fill="hold">
+                            <p:stCondLst>
+                              <p:cond delay="0"/>
+                            </p:stCondLst>
+                            <p:childTnLst>
+                              <p:par>
+                                <p:cTn id="5" presetID="10" presetClass="entr" presetSubtype="0" fill="hold" grpId="0" nodeType="clickEffect">
+                                  <p:stCondLst>
+                                    <p:cond delay="0"/>
+                                  </p:stCondLst>
+                                  <p:childTnLst>
+                                    <p:set>
+                                      <p:cBhvr>
+                                        <p:cTn id="6" dur="1" fill="hold">
+                                          <p:stCondLst>
+                                            <p:cond delay="0"/>
+                                          </p:stCondLst>
+                                        </p:cTn>
+                                        <p:tgtEl>
+                                          <p:spTgt spid="2"/>
+                                        </p:tgtEl>
+                                        <p:attrNameLst>
+                                          <p:attrName>style.visibility</p:attrName>
+                                        </p:attrNameLst>
+                                      </p:cBhvr>
+                                      <p:to>
+                                        <p:strVal val="visible"/>
+                                      </p:to>
+                                    </p:set>
+                                    <p:animEffect transition="in" filter="fade">
+                                      <p:cBhvr>
+                                        <p:cTn id="7" dur="500"/>
+                                        <p:tgtEl>
+                                          <p:spTgt spid="2"/>
+                                        </p:tgtEl>
+                                      </p:cBhvr>
+                                    </p:animEffect>
+                                  </p:childTnLst>
+                                </p:cTn>
+                              </p:par>
+                            </p:childTnLst>
+                          </p:cTn>
+                        </p:par>
+                      </p:childTnLst>
+                    </p:cTn>
+                  </p:par>
+                  <p:par>
+                    <p:cTn id="8" fill="hold">
+                      <p:stCondLst>
+                        <p:cond delay="indefinite"/>
+                      </p:stCondLst>
+                      <p:childTnLst>
+                        <p:par>
+                          <p:cTn id="9" fill="hold">
+                            <p:stCondLst>
+                              <p:cond delay="0"/>
+                            </p:stCondLst>
+                            <p:childTnLst>
+                              <p:par>
+                                <p:cTn id="10" presetID="42" presetClass="entr" presetSubtype="0" fill="hold" nodeType="clickEffect">
+                                  <p:stCondLst>
+                                    <p:cond delay="0"/>
+                                  </p:stCondLst>
+                                  <p:childTnLst>
+                                    <p:set>
+                                      <p:cBhvr>
+                                        <p:cTn id="11" dur="1" fill="hold">
+                                          <p:stCondLst>
+                                            <p:cond delay="0"/>
+                                          </p:stCondLst>
+                                        </p:cTn>
+                                        <p:tgtEl>
+                                          <p:spTgt spid="13"/>
+                                        </p:tgtEl>
+                                        <p:attrNameLst>
+                                          <p:attrName>style.visibility</p:attrName>
+                                        </p:attrNameLst>
+                                      </p:cBhvr>
+                                      <p:to>
+                                        <p:strVal val="visible"/>
+                                      </p:to>
+                                    </p:set>
+                                    <p:animEffect transition="in" filter="fade">
+                                      <p:cBhvr>
+                                        <p:cTn id="12" dur="1000"/>
+                                        <p:tgtEl>
+                                          <p:spTgt spid="13"/>
+                                        </p:tgtEl>
+                                      </p:cBhvr>
+                                    </p:animEffect>
+                                    <p:anim calcmode="lin" valueType="num">
+                                      <p:cBhvr>
+                                        <p:cTn id="13" dur="1000" fill="hold"/>
+                                        <p:tgtEl>
+                                          <p:spTgt spid="13"/>
+                                        </p:tgtEl>
+                                        <p:attrNameLst>
+                                          <p:attrName>ppt_x</p:attrName>
+                                        </p:attrNameLst>
+                                      </p:cBhvr>
+                                      <p:tavLst>
+                                        <p:tav tm="0">
+                                          <p:val>
+                                            <p:strVal val="#ppt_x"/>
+                                          </p:val>
+                                        </p:tav>
+                                        <p:tav tm="100000">
+                                          <p:val>
+                                            <p:strVal val="#ppt_x"/>
+                                          </p:val>
+                                        </p:tav>
+                                      </p:tavLst>
+                                    </p:anim>
+                                    <p:anim calcmode="lin" valueType="num">
+                                      <p:cBhvr>
+                                        <p:cTn id="14" dur="1000" fill="hold"/>
+                                        <p:tgtEl>
+                                          <p:spTgt spid="13"/>
+                                        </p:tgtEl>
+                                        <p:attrNameLst>
+                                          <p:attrName>ppt_y</p:attrName>
+                                        </p:attrNameLst>
+                                      </p:cBhvr>
+                                      <p:tavLst>
+                                        <p:tav tm="0">
+                                          <p:val>
+                                            <p:strVal val="#ppt_y+.1"/>
+                                          </p:val>
+                                        </p:tav>
+                                        <p:tav tm="100000">
+                                          <p:val>
+                                            <p:strVal val="#ppt_y"/>
+                                          </p:val>
+                                        </p:tav>
+                                      </p:tavLst>
+                                    </p:anim>
+                                  </p:childTnLst>
+                                </p:cTn>
+                              </p:par>
+                            </p:childTnLst>
+                          </p:cTn>
+                        </p:par>
+                      </p:childTnLst>
+                    </p:cTn>
+                  </p:par>
+                  <p:par>
+                    <p:cTn id="15" fill="hold">
+                      <p:stCondLst>
+                        <p:cond delay="indefinite"/>
+                      </p:stCondLst>
+                      <p:childTnLst>
+                        <p:par>
+                          <p:cTn id="16" fill="hold">
+                            <p:stCondLst>
+                              <p:cond delay="0"/>
+                            </p:stCondLst>
+                            <p:childTnLst>
+                              <p:par>
+                                <p:cTn id="17" presetID="42" presetClass="entr" presetSubtype="0" fill="hold" nodeType="clickEffect">
+                                  <p:stCondLst>
+                                    <p:cond delay="0"/>
+                                  </p:stCondLst>
+                                  <p:childTnLst>
+                                    <p:set>
+                                      <p:cBhvr>
+                                        <p:cTn id="18" dur="1" fill="hold">
+                                          <p:stCondLst>
+                                            <p:cond delay="0"/>
+                                          </p:stCondLst>
+                                        </p:cTn>
+                                        <p:tgtEl>
+                                          <p:spTgt spid="11"/>
+                                        </p:tgtEl>
+                                        <p:attrNameLst>
+                                          <p:attrName>style.visibility</p:attrName>
+                                        </p:attrNameLst>
+                                      </p:cBhvr>
+                                      <p:to>
+                                        <p:strVal val="visible"/>
+                                      </p:to>
+                                    </p:set>
+                                    <p:animEffect transition="in" filter="fade">
+                                      <p:cBhvr>
+                                        <p:cTn id="19" dur="1000"/>
+                                        <p:tgtEl>
+                                          <p:spTgt spid="11"/>
+                                        </p:tgtEl>
+                                      </p:cBhvr>
+                                    </p:animEffect>
+                                    <p:anim calcmode="lin" valueType="num">
+                                      <p:cBhvr>
+                                        <p:cTn id="20" dur="1000" fill="hold"/>
+                                        <p:tgtEl>
+                                          <p:spTgt spid="11"/>
+                                        </p:tgtEl>
+                                        <p:attrNameLst>
+                                          <p:attrName>ppt_x</p:attrName>
+                                        </p:attrNameLst>
+                                      </p:cBhvr>
+                                      <p:tavLst>
+                                        <p:tav tm="0">
+                                          <p:val>
+                                            <p:strVal val="#ppt_x"/>
+                                          </p:val>
+                                        </p:tav>
+                                        <p:tav tm="100000">
+                                          <p:val>
+                                            <p:strVal val="#ppt_x"/>
+                                          </p:val>
+                                        </p:tav>
+                                      </p:tavLst>
+                                    </p:anim>
+                                    <p:anim calcmode="lin" valueType="num">
+                                      <p:cBhvr>
+                                        <p:cTn id="21" dur="1000" fill="hold"/>
+                                        <p:tgtEl>
+                                          <p:spTgt spid="11"/>
+                                        </p:tgtEl>
+                                        <p:attrNameLst>
+                                          <p:attrName>ppt_y</p:attrName>
+                                        </p:attrNameLst>
+                                      </p:cBhvr>
+                                      <p:tavLst>
+                                        <p:tav tm="0">
+                                          <p:val>
+                                            <p:strVal val="#ppt_y+.1"/>
+                                          </p:val>
+                                        </p:tav>
+                                        <p:tav tm="100000">
+                                          <p:val>
+                                            <p:strVal val="#ppt_y"/>
+                                          </p:val>
+                                        </p:tav>
+                                      </p:tavLst>
+                                    </p:anim>
+                                  </p:childTnLst>
+                                </p:cTn>
+                              </p:par>
+                            </p:childTnLst>
+                          </p:cTn>
+                        </p:par>
+                      </p:childTnLst>
+                    </p:cTn>
+                  </p:par>
+                </p:childTnLst>
+              </p:cTn>
+              <p:prevCondLst>
+                <p:cond evt="onPrev" delay="0">
+                  <p:tgtEl>
+                    <p:sldTgt/>
+                  </p:tgtEl>
+                </p:cond>
+              </p:prevCondLst>
+              <p:nextCondLst>
+                <p:cond evt="onNext" delay="0">
+                  <p:tgtEl>
+                    <p:sldTgt/>
+                  </p:tgtEl>
+                </p:cond>
+              </p:nextCondLst>
+            </p:seq>
+          </p:childTnLst>
+        </p:cTn>
+      </p:par>
+    </p:tnLst>
+    <p:bldLst>
+      <p:bldP spid="2" grpId="0"/>
+    </p:bldLst>
+  </p:timing>
 </p:sld>
 </file>
 
@@ -17913,6 +22216,293 @@
   <p:clrMapOvr>
     <a:masterClrMapping/>
   </p:clrMapOvr>
+  <p:transition spd="slow">
+    <p:push dir="u"/>
+  </p:transition>
+  <p:timing>
+    <p:tnLst>
+      <p:par>
+        <p:cTn id="1" dur="indefinite" restart="never" nodeType="tmRoot">
+          <p:childTnLst>
+            <p:seq concurrent="1" nextAc="seek">
+              <p:cTn id="2" dur="indefinite" nodeType="mainSeq">
+                <p:childTnLst>
+                  <p:par>
+                    <p:cTn id="3" fill="hold">
+                      <p:stCondLst>
+                        <p:cond delay="indefinite"/>
+                      </p:stCondLst>
+                      <p:childTnLst>
+                        <p:par>
+                          <p:cTn id="4" fill="hold">
+                            <p:stCondLst>
+                              <p:cond delay="0"/>
+                            </p:stCondLst>
+                            <p:childTnLst>
+                              <p:par>
+                                <p:cTn id="5" presetID="6" presetClass="entr" presetSubtype="16" fill="hold" grpId="0" nodeType="clickEffect">
+                                  <p:stCondLst>
+                                    <p:cond delay="0"/>
+                                  </p:stCondLst>
+                                  <p:childTnLst>
+                                    <p:set>
+                                      <p:cBhvr>
+                                        <p:cTn id="6" dur="1" fill="hold">
+                                          <p:stCondLst>
+                                            <p:cond delay="0"/>
+                                          </p:stCondLst>
+                                        </p:cTn>
+                                        <p:tgtEl>
+                                          <p:spTgt spid="2"/>
+                                        </p:tgtEl>
+                                        <p:attrNameLst>
+                                          <p:attrName>style.visibility</p:attrName>
+                                        </p:attrNameLst>
+                                      </p:cBhvr>
+                                      <p:to>
+                                        <p:strVal val="visible"/>
+                                      </p:to>
+                                    </p:set>
+                                    <p:animEffect transition="in" filter="circle(in)">
+                                      <p:cBhvr>
+                                        <p:cTn id="7" dur="2000"/>
+                                        <p:tgtEl>
+                                          <p:spTgt spid="2"/>
+                                        </p:tgtEl>
+                                      </p:cBhvr>
+                                    </p:animEffect>
+                                  </p:childTnLst>
+                                </p:cTn>
+                              </p:par>
+                            </p:childTnLst>
+                          </p:cTn>
+                        </p:par>
+                      </p:childTnLst>
+                    </p:cTn>
+                  </p:par>
+                  <p:par>
+                    <p:cTn id="8" fill="hold">
+                      <p:stCondLst>
+                        <p:cond delay="indefinite"/>
+                      </p:stCondLst>
+                      <p:childTnLst>
+                        <p:par>
+                          <p:cTn id="9" fill="hold">
+                            <p:stCondLst>
+                              <p:cond delay="0"/>
+                            </p:stCondLst>
+                            <p:childTnLst>
+                              <p:par>
+                                <p:cTn id="10" presetID="42" presetClass="entr" presetSubtype="0" fill="hold" nodeType="clickEffect">
+                                  <p:stCondLst>
+                                    <p:cond delay="0"/>
+                                  </p:stCondLst>
+                                  <p:childTnLst>
+                                    <p:set>
+                                      <p:cBhvr>
+                                        <p:cTn id="11" dur="1" fill="hold">
+                                          <p:stCondLst>
+                                            <p:cond delay="0"/>
+                                          </p:stCondLst>
+                                        </p:cTn>
+                                        <p:tgtEl>
+                                          <p:spTgt spid="4"/>
+                                        </p:tgtEl>
+                                        <p:attrNameLst>
+                                          <p:attrName>style.visibility</p:attrName>
+                                        </p:attrNameLst>
+                                      </p:cBhvr>
+                                      <p:to>
+                                        <p:strVal val="visible"/>
+                                      </p:to>
+                                    </p:set>
+                                    <p:animEffect transition="in" filter="fade">
+                                      <p:cBhvr>
+                                        <p:cTn id="12" dur="1000"/>
+                                        <p:tgtEl>
+                                          <p:spTgt spid="4"/>
+                                        </p:tgtEl>
+                                      </p:cBhvr>
+                                    </p:animEffect>
+                                    <p:anim calcmode="lin" valueType="num">
+                                      <p:cBhvr>
+                                        <p:cTn id="13" dur="1000" fill="hold"/>
+                                        <p:tgtEl>
+                                          <p:spTgt spid="4"/>
+                                        </p:tgtEl>
+                                        <p:attrNameLst>
+                                          <p:attrName>ppt_x</p:attrName>
+                                        </p:attrNameLst>
+                                      </p:cBhvr>
+                                      <p:tavLst>
+                                        <p:tav tm="0">
+                                          <p:val>
+                                            <p:strVal val="#ppt_x"/>
+                                          </p:val>
+                                        </p:tav>
+                                        <p:tav tm="100000">
+                                          <p:val>
+                                            <p:strVal val="#ppt_x"/>
+                                          </p:val>
+                                        </p:tav>
+                                      </p:tavLst>
+                                    </p:anim>
+                                    <p:anim calcmode="lin" valueType="num">
+                                      <p:cBhvr>
+                                        <p:cTn id="14" dur="1000" fill="hold"/>
+                                        <p:tgtEl>
+                                          <p:spTgt spid="4"/>
+                                        </p:tgtEl>
+                                        <p:attrNameLst>
+                                          <p:attrName>ppt_y</p:attrName>
+                                        </p:attrNameLst>
+                                      </p:cBhvr>
+                                      <p:tavLst>
+                                        <p:tav tm="0">
+                                          <p:val>
+                                            <p:strVal val="#ppt_y+.1"/>
+                                          </p:val>
+                                        </p:tav>
+                                        <p:tav tm="100000">
+                                          <p:val>
+                                            <p:strVal val="#ppt_y"/>
+                                          </p:val>
+                                        </p:tav>
+                                      </p:tavLst>
+                                    </p:anim>
+                                  </p:childTnLst>
+                                </p:cTn>
+                              </p:par>
+                            </p:childTnLst>
+                          </p:cTn>
+                        </p:par>
+                      </p:childTnLst>
+                    </p:cTn>
+                  </p:par>
+                  <p:par>
+                    <p:cTn id="15" fill="hold">
+                      <p:stCondLst>
+                        <p:cond delay="indefinite"/>
+                      </p:stCondLst>
+                      <p:childTnLst>
+                        <p:par>
+                          <p:cTn id="16" fill="hold">
+                            <p:stCondLst>
+                              <p:cond delay="0"/>
+                            </p:stCondLst>
+                            <p:childTnLst>
+                              <p:par>
+                                <p:cTn id="17" presetID="42" presetClass="entr" presetSubtype="0" fill="hold" nodeType="clickEffect">
+                                  <p:stCondLst>
+                                    <p:cond delay="0"/>
+                                  </p:stCondLst>
+                                  <p:childTnLst>
+                                    <p:set>
+                                      <p:cBhvr>
+                                        <p:cTn id="18" dur="1" fill="hold">
+                                          <p:stCondLst>
+                                            <p:cond delay="0"/>
+                                          </p:stCondLst>
+                                        </p:cTn>
+                                        <p:tgtEl>
+                                          <p:spTgt spid="6"/>
+                                        </p:tgtEl>
+                                        <p:attrNameLst>
+                                          <p:attrName>style.visibility</p:attrName>
+                                        </p:attrNameLst>
+                                      </p:cBhvr>
+                                      <p:to>
+                                        <p:strVal val="visible"/>
+                                      </p:to>
+                                    </p:set>
+                                    <p:animEffect transition="in" filter="fade">
+                                      <p:cBhvr>
+                                        <p:cTn id="19" dur="1000"/>
+                                        <p:tgtEl>
+                                          <p:spTgt spid="6"/>
+                                        </p:tgtEl>
+                                      </p:cBhvr>
+                                    </p:animEffect>
+                                    <p:anim calcmode="lin" valueType="num">
+                                      <p:cBhvr>
+                                        <p:cTn id="20" dur="1000" fill="hold"/>
+                                        <p:tgtEl>
+                                          <p:spTgt spid="6"/>
+                                        </p:tgtEl>
+                                        <p:attrNameLst>
+                                          <p:attrName>ppt_x</p:attrName>
+                                        </p:attrNameLst>
+                                      </p:cBhvr>
+                                      <p:tavLst>
+                                        <p:tav tm="0">
+                                          <p:val>
+                                            <p:strVal val="#ppt_x"/>
+                                          </p:val>
+                                        </p:tav>
+                                        <p:tav tm="100000">
+                                          <p:val>
+                                            <p:strVal val="#ppt_x"/>
+                                          </p:val>
+                                        </p:tav>
+                                      </p:tavLst>
+                                    </p:anim>
+                                    <p:anim calcmode="lin" valueType="num">
+                                      <p:cBhvr>
+                                        <p:cTn id="21" dur="1000" fill="hold"/>
+                                        <p:tgtEl>
+                                          <p:spTgt spid="6"/>
+                                        </p:tgtEl>
+                                        <p:attrNameLst>
+                                          <p:attrName>ppt_y</p:attrName>
+                                        </p:attrNameLst>
+                                      </p:cBhvr>
+                                      <p:tavLst>
+                                        <p:tav tm="0">
+                                          <p:val>
+                                            <p:strVal val="#ppt_y+.1"/>
+                                          </p:val>
+                                        </p:tav>
+                                        <p:tav tm="100000">
+                                          <p:val>
+                                            <p:strVal val="#ppt_y"/>
+                                          </p:val>
+                                        </p:tav>
+                                      </p:tavLst>
+                                    </p:anim>
+                                  </p:childTnLst>
+                                </p:cTn>
+                              </p:par>
+                            </p:childTnLst>
+                          </p:cTn>
+                        </p:par>
+                      </p:childTnLst>
+                    </p:cTn>
+                  </p:par>
+                </p:childTnLst>
+              </p:cTn>
+              <p:prevCondLst>
+                <p:cond evt="onPrev" delay="0">
+                  <p:tgtEl>
+                    <p:sldTgt/>
+                  </p:tgtEl>
+                </p:cond>
+              </p:prevCondLst>
+              <p:nextCondLst>
+                <p:cond evt="onNext" delay="0">
+                  <p:tgtEl>
+                    <p:sldTgt/>
+                  </p:tgtEl>
+                </p:cond>
+              </p:nextCondLst>
+            </p:seq>
+          </p:childTnLst>
+        </p:cTn>
+      </p:par>
+    </p:tnLst>
+    <p:bldLst>
+      <p:bldP spid="2" grpId="0"/>
+    </p:bldLst>
+  </p:timing>
 </p:sld>
 </file>
 
@@ -18277,10 +22867,9 @@
           <a:lstStyle/>
           <a:p>
             <a:r>
-              <a:rPr lang="en-US" sz="4400"/>
+              <a:rPr lang="en-US" sz="4400" dirty="0"/>
               <a:t>Merits and Demerits of µ-LMS </a:t>
             </a:r>
-            <a:endParaRPr lang="en-US" sz="4400" dirty="0"/>
           </a:p>
         </p:txBody>
       </p:sp>
@@ -18711,6 +23300,206 @@
   <p:clrMapOvr>
     <a:masterClrMapping/>
   </p:clrMapOvr>
+  <mc:AlternateContent xmlns:mc="http://schemas.openxmlformats.org/markup-compatibility/2006" xmlns:p15="http://schemas.microsoft.com/office/powerpoint/2012/main">
+    <mc:Choice Requires="p15">
+      <p:transition xmlns:p14="http://schemas.microsoft.com/office/powerpoint/2010/main" spd="slow" p14:dur="2000">
+        <p15:prstTrans prst="drape"/>
+      </p:transition>
+    </mc:Choice>
+    <mc:Fallback xmlns="">
+      <p:transition spd="slow">
+        <p:fade/>
+      </p:transition>
+    </mc:Fallback>
+  </mc:AlternateContent>
+  <p:timing>
+    <p:tnLst>
+      <p:par>
+        <p:cTn id="1" dur="indefinite" restart="never" nodeType="tmRoot">
+          <p:childTnLst>
+            <p:seq concurrent="1" nextAc="seek">
+              <p:cTn id="2" dur="indefinite" nodeType="mainSeq">
+                <p:childTnLst>
+                  <p:par>
+                    <p:cTn id="3" fill="hold">
+                      <p:stCondLst>
+                        <p:cond delay="indefinite"/>
+                      </p:stCondLst>
+                      <p:childTnLst>
+                        <p:par>
+                          <p:cTn id="4" fill="hold">
+                            <p:stCondLst>
+                              <p:cond delay="0"/>
+                            </p:stCondLst>
+                            <p:childTnLst>
+                              <p:par>
+                                <p:cTn id="5" presetID="10" presetClass="entr" presetSubtype="0" fill="hold" grpId="0" nodeType="clickEffect">
+                                  <p:stCondLst>
+                                    <p:cond delay="0"/>
+                                  </p:stCondLst>
+                                  <p:childTnLst>
+                                    <p:set>
+                                      <p:cBhvr>
+                                        <p:cTn id="6" dur="1" fill="hold">
+                                          <p:stCondLst>
+                                            <p:cond delay="0"/>
+                                          </p:stCondLst>
+                                        </p:cTn>
+                                        <p:tgtEl>
+                                          <p:spTgt spid="2"/>
+                                        </p:tgtEl>
+                                        <p:attrNameLst>
+                                          <p:attrName>style.visibility</p:attrName>
+                                        </p:attrNameLst>
+                                      </p:cBhvr>
+                                      <p:to>
+                                        <p:strVal val="visible"/>
+                                      </p:to>
+                                    </p:set>
+                                    <p:animEffect transition="in" filter="fade">
+                                      <p:cBhvr>
+                                        <p:cTn id="7" dur="500"/>
+                                        <p:tgtEl>
+                                          <p:spTgt spid="2"/>
+                                        </p:tgtEl>
+                                      </p:cBhvr>
+                                    </p:animEffect>
+                                  </p:childTnLst>
+                                </p:cTn>
+                              </p:par>
+                            </p:childTnLst>
+                          </p:cTn>
+                        </p:par>
+                      </p:childTnLst>
+                    </p:cTn>
+                  </p:par>
+                  <p:par>
+                    <p:cTn id="8" fill="hold">
+                      <p:stCondLst>
+                        <p:cond delay="indefinite"/>
+                      </p:stCondLst>
+                      <p:childTnLst>
+                        <p:par>
+                          <p:cTn id="9" fill="hold">
+                            <p:stCondLst>
+                              <p:cond delay="0"/>
+                            </p:stCondLst>
+                            <p:childTnLst>
+                              <p:par>
+                                <p:cTn id="10" presetID="42" presetClass="entr" presetSubtype="0" fill="hold" grpId="0" nodeType="clickEffect">
+                                  <p:stCondLst>
+                                    <p:cond delay="0"/>
+                                  </p:stCondLst>
+                                  <p:childTnLst>
+                                    <p:set>
+                                      <p:cBhvr>
+                                        <p:cTn id="11" dur="1" fill="hold">
+                                          <p:stCondLst>
+                                            <p:cond delay="0"/>
+                                          </p:stCondLst>
+                                        </p:cTn>
+                                        <p:tgtEl>
+                                          <p:spTgt spid="22"/>
+                                        </p:tgtEl>
+                                        <p:attrNameLst>
+                                          <p:attrName>style.visibility</p:attrName>
+                                        </p:attrNameLst>
+                                      </p:cBhvr>
+                                      <p:to>
+                                        <p:strVal val="visible"/>
+                                      </p:to>
+                                    </p:set>
+                                    <p:animEffect transition="in" filter="fade">
+                                      <p:cBhvr>
+                                        <p:cTn id="12" dur="1000"/>
+                                        <p:tgtEl>
+                                          <p:spTgt spid="22"/>
+                                        </p:tgtEl>
+                                      </p:cBhvr>
+                                    </p:animEffect>
+                                    <p:anim calcmode="lin" valueType="num">
+                                      <p:cBhvr>
+                                        <p:cTn id="13" dur="1000" fill="hold"/>
+                                        <p:tgtEl>
+                                          <p:spTgt spid="22"/>
+                                        </p:tgtEl>
+                                        <p:attrNameLst>
+                                          <p:attrName>ppt_x</p:attrName>
+                                        </p:attrNameLst>
+                                      </p:cBhvr>
+                                      <p:tavLst>
+                                        <p:tav tm="0">
+                                          <p:val>
+                                            <p:strVal val="#ppt_x"/>
+                                          </p:val>
+                                        </p:tav>
+                                        <p:tav tm="100000">
+                                          <p:val>
+                                            <p:strVal val="#ppt_x"/>
+                                          </p:val>
+                                        </p:tav>
+                                      </p:tavLst>
+                                    </p:anim>
+                                    <p:anim calcmode="lin" valueType="num">
+                                      <p:cBhvr>
+                                        <p:cTn id="14" dur="1000" fill="hold"/>
+                                        <p:tgtEl>
+                                          <p:spTgt spid="22"/>
+                                        </p:tgtEl>
+                                        <p:attrNameLst>
+                                          <p:attrName>ppt_y</p:attrName>
+                                        </p:attrNameLst>
+                                      </p:cBhvr>
+                                      <p:tavLst>
+                                        <p:tav tm="0">
+                                          <p:val>
+                                            <p:strVal val="#ppt_y+.1"/>
+                                          </p:val>
+                                        </p:tav>
+                                        <p:tav tm="100000">
+                                          <p:val>
+                                            <p:strVal val="#ppt_y"/>
+                                          </p:val>
+                                        </p:tav>
+                                      </p:tavLst>
+                                    </p:anim>
+                                  </p:childTnLst>
+                                </p:cTn>
+                              </p:par>
+                            </p:childTnLst>
+                          </p:cTn>
+                        </p:par>
+                      </p:childTnLst>
+                    </p:cTn>
+                  </p:par>
+                </p:childTnLst>
+              </p:cTn>
+              <p:prevCondLst>
+                <p:cond evt="onPrev" delay="0">
+                  <p:tgtEl>
+                    <p:sldTgt/>
+                  </p:tgtEl>
+                </p:cond>
+              </p:prevCondLst>
+              <p:nextCondLst>
+                <p:cond evt="onNext" delay="0">
+                  <p:tgtEl>
+                    <p:sldTgt/>
+                  </p:tgtEl>
+                </p:cond>
+              </p:nextCondLst>
+            </p:seq>
+          </p:childTnLst>
+        </p:cTn>
+      </p:par>
+    </p:tnLst>
+    <p:bldLst>
+      <p:bldP spid="2" grpId="0"/>
+      <p:bldGraphic spid="22" grpId="0">
+        <p:bldAsOne/>
+      </p:bldGraphic>
+    </p:bldLst>
+  </p:timing>
 </p:sld>
 </file>
 
@@ -20319,10 +25108,9 @@
           <a:lstStyle/>
           <a:p>
             <a:r>
-              <a:rPr lang="en-US" sz="3300"/>
+              <a:rPr lang="en-US" sz="3300" dirty="0"/>
               <a:t>APPLICATIONS OF µ-LMS</a:t>
             </a:r>
-            <a:endParaRPr lang="en-US" sz="3300" dirty="0"/>
           </a:p>
         </p:txBody>
       </p:sp>
@@ -20363,7 +25151,7 @@
               <a:buChar char="q"/>
             </a:pPr>
             <a:r>
-              <a:rPr lang="en-US" sz="1600" b="0" i="0">
+              <a:rPr lang="en-US" sz="1600" b="0" i="0" dirty="0">
                 <a:effectLst/>
                 <a:latin typeface="Söhne"/>
               </a:rPr>
@@ -20380,7 +25168,7 @@
               <a:buChar char="q"/>
             </a:pPr>
             <a:r>
-              <a:rPr lang="en-US" sz="1600" b="0" i="0">
+              <a:rPr lang="en-US" sz="1600" b="0" i="0" dirty="0">
                 <a:effectLst/>
                 <a:latin typeface="Söhne"/>
               </a:rPr>
@@ -20397,7 +25185,7 @@
               <a:buChar char="q"/>
             </a:pPr>
             <a:r>
-              <a:rPr lang="en-US" sz="1600" b="0" i="0">
+              <a:rPr lang="en-US" sz="1600" b="0" i="0" dirty="0">
                 <a:effectLst/>
                 <a:latin typeface="Söhne"/>
               </a:rPr>
@@ -20414,7 +25202,7 @@
               <a:buChar char="q"/>
             </a:pPr>
             <a:r>
-              <a:rPr lang="en-US" sz="1600" b="0" i="0">
+              <a:rPr lang="en-US" sz="1600" b="0" i="0" dirty="0">
                 <a:effectLst/>
                 <a:latin typeface="Söhne"/>
               </a:rPr>
@@ -20431,7 +25219,7 @@
               <a:buChar char="q"/>
             </a:pPr>
             <a:r>
-              <a:rPr lang="en-US" sz="1600" b="0" i="0">
+              <a:rPr lang="en-US" sz="1600" b="0" i="0" dirty="0">
                 <a:effectLst/>
                 <a:latin typeface="Söhne"/>
               </a:rPr>
@@ -20448,7 +25236,7 @@
               <a:buChar char="q"/>
             </a:pPr>
             <a:r>
-              <a:rPr lang="en-US" sz="1600" b="0" i="0">
+              <a:rPr lang="en-US" sz="1600" b="0" i="0" dirty="0">
                 <a:effectLst/>
                 <a:latin typeface="Söhne"/>
               </a:rPr>
@@ -20465,7 +25253,7 @@
               <a:buChar char="q"/>
             </a:pPr>
             <a:r>
-              <a:rPr lang="en-US" sz="1600" b="0" i="0">
+              <a:rPr lang="en-US" sz="1600" b="0" i="0" dirty="0">
                 <a:effectLst/>
                 <a:latin typeface="Söhne"/>
               </a:rPr>
@@ -20482,7 +25270,7 @@
               <a:buChar char="q"/>
             </a:pPr>
             <a:r>
-              <a:rPr lang="en-US" sz="1600" b="0" i="0">
+              <a:rPr lang="en-US" sz="1600" b="0" i="0" dirty="0">
                 <a:effectLst/>
                 <a:latin typeface="Söhne"/>
               </a:rPr>
@@ -20512,6 +25300,1093 @@
   <p:clrMapOvr>
     <a:masterClrMapping/>
   </p:clrMapOvr>
+  <mc:AlternateContent xmlns:mc="http://schemas.openxmlformats.org/markup-compatibility/2006" xmlns:p15="http://schemas.microsoft.com/office/powerpoint/2012/main">
+    <mc:Choice Requires="p15">
+      <p:transition xmlns:p14="http://schemas.microsoft.com/office/powerpoint/2010/main" spd="slow" p14:dur="2000">
+        <p15:prstTrans prst="fallOver"/>
+      </p:transition>
+    </mc:Choice>
+    <mc:Fallback xmlns="">
+      <p:transition spd="slow">
+        <p:fade/>
+      </p:transition>
+    </mc:Fallback>
+  </mc:AlternateContent>
+  <p:timing>
+    <p:tnLst>
+      <p:par>
+        <p:cTn id="1" dur="indefinite" restart="never" nodeType="tmRoot">
+          <p:childTnLst>
+            <p:seq concurrent="1" nextAc="seek">
+              <p:cTn id="2" dur="indefinite" nodeType="mainSeq">
+                <p:childTnLst>
+                  <p:par>
+                    <p:cTn id="3" fill="hold">
+                      <p:stCondLst>
+                        <p:cond delay="indefinite"/>
+                      </p:stCondLst>
+                      <p:childTnLst>
+                        <p:par>
+                          <p:cTn id="4" fill="hold">
+                            <p:stCondLst>
+                              <p:cond delay="0"/>
+                            </p:stCondLst>
+                            <p:childTnLst>
+                              <p:par>
+                                <p:cTn id="5" presetID="31" presetClass="entr" presetSubtype="0" fill="hold" grpId="0" nodeType="clickEffect">
+                                  <p:stCondLst>
+                                    <p:cond delay="0"/>
+                                  </p:stCondLst>
+                                  <p:childTnLst>
+                                    <p:set>
+                                      <p:cBhvr>
+                                        <p:cTn id="6" dur="1" fill="hold">
+                                          <p:stCondLst>
+                                            <p:cond delay="0"/>
+                                          </p:stCondLst>
+                                        </p:cTn>
+                                        <p:tgtEl>
+                                          <p:spTgt spid="2"/>
+                                        </p:tgtEl>
+                                        <p:attrNameLst>
+                                          <p:attrName>style.visibility</p:attrName>
+                                        </p:attrNameLst>
+                                      </p:cBhvr>
+                                      <p:to>
+                                        <p:strVal val="visible"/>
+                                      </p:to>
+                                    </p:set>
+                                    <p:anim calcmode="lin" valueType="num">
+                                      <p:cBhvr>
+                                        <p:cTn id="7" dur="1000" fill="hold"/>
+                                        <p:tgtEl>
+                                          <p:spTgt spid="2"/>
+                                        </p:tgtEl>
+                                        <p:attrNameLst>
+                                          <p:attrName>ppt_w</p:attrName>
+                                        </p:attrNameLst>
+                                      </p:cBhvr>
+                                      <p:tavLst>
+                                        <p:tav tm="0">
+                                          <p:val>
+                                            <p:fltVal val="0"/>
+                                          </p:val>
+                                        </p:tav>
+                                        <p:tav tm="100000">
+                                          <p:val>
+                                            <p:strVal val="#ppt_w"/>
+                                          </p:val>
+                                        </p:tav>
+                                      </p:tavLst>
+                                    </p:anim>
+                                    <p:anim calcmode="lin" valueType="num">
+                                      <p:cBhvr>
+                                        <p:cTn id="8" dur="1000" fill="hold"/>
+                                        <p:tgtEl>
+                                          <p:spTgt spid="2"/>
+                                        </p:tgtEl>
+                                        <p:attrNameLst>
+                                          <p:attrName>ppt_h</p:attrName>
+                                        </p:attrNameLst>
+                                      </p:cBhvr>
+                                      <p:tavLst>
+                                        <p:tav tm="0">
+                                          <p:val>
+                                            <p:fltVal val="0"/>
+                                          </p:val>
+                                        </p:tav>
+                                        <p:tav tm="100000">
+                                          <p:val>
+                                            <p:strVal val="#ppt_h"/>
+                                          </p:val>
+                                        </p:tav>
+                                      </p:tavLst>
+                                    </p:anim>
+                                    <p:anim calcmode="lin" valueType="num">
+                                      <p:cBhvr>
+                                        <p:cTn id="9" dur="1000" fill="hold"/>
+                                        <p:tgtEl>
+                                          <p:spTgt spid="2"/>
+                                        </p:tgtEl>
+                                        <p:attrNameLst>
+                                          <p:attrName>style.rotation</p:attrName>
+                                        </p:attrNameLst>
+                                      </p:cBhvr>
+                                      <p:tavLst>
+                                        <p:tav tm="0">
+                                          <p:val>
+                                            <p:fltVal val="90"/>
+                                          </p:val>
+                                        </p:tav>
+                                        <p:tav tm="100000">
+                                          <p:val>
+                                            <p:fltVal val="0"/>
+                                          </p:val>
+                                        </p:tav>
+                                      </p:tavLst>
+                                    </p:anim>
+                                    <p:animEffect transition="in" filter="fade">
+                                      <p:cBhvr>
+                                        <p:cTn id="10" dur="1000"/>
+                                        <p:tgtEl>
+                                          <p:spTgt spid="2"/>
+                                        </p:tgtEl>
+                                      </p:cBhvr>
+                                    </p:animEffect>
+                                  </p:childTnLst>
+                                </p:cTn>
+                              </p:par>
+                            </p:childTnLst>
+                          </p:cTn>
+                        </p:par>
+                      </p:childTnLst>
+                    </p:cTn>
+                  </p:par>
+                  <p:par>
+                    <p:cTn id="11" fill="hold">
+                      <p:stCondLst>
+                        <p:cond delay="indefinite"/>
+                      </p:stCondLst>
+                      <p:childTnLst>
+                        <p:par>
+                          <p:cTn id="12" fill="hold">
+                            <p:stCondLst>
+                              <p:cond delay="0"/>
+                            </p:stCondLst>
+                            <p:childTnLst>
+                              <p:par>
+                                <p:cTn id="13" presetID="42" presetClass="entr" presetSubtype="0" fill="hold" nodeType="clickEffect">
+                                  <p:stCondLst>
+                                    <p:cond delay="0"/>
+                                  </p:stCondLst>
+                                  <p:childTnLst>
+                                    <p:set>
+                                      <p:cBhvr>
+                                        <p:cTn id="14" dur="1" fill="hold">
+                                          <p:stCondLst>
+                                            <p:cond delay="0"/>
+                                          </p:stCondLst>
+                                        </p:cTn>
+                                        <p:tgtEl>
+                                          <p:spTgt spid="3">
+                                            <p:txEl>
+                                              <p:pRg st="0" end="0"/>
+                                            </p:txEl>
+                                          </p:spTgt>
+                                        </p:tgtEl>
+                                        <p:attrNameLst>
+                                          <p:attrName>style.visibility</p:attrName>
+                                        </p:attrNameLst>
+                                      </p:cBhvr>
+                                      <p:to>
+                                        <p:strVal val="visible"/>
+                                      </p:to>
+                                    </p:set>
+                                    <p:animEffect transition="in" filter="fade">
+                                      <p:cBhvr>
+                                        <p:cTn id="15" dur="1000"/>
+                                        <p:tgtEl>
+                                          <p:spTgt spid="3">
+                                            <p:txEl>
+                                              <p:pRg st="0" end="0"/>
+                                            </p:txEl>
+                                          </p:spTgt>
+                                        </p:tgtEl>
+                                      </p:cBhvr>
+                                    </p:animEffect>
+                                    <p:anim calcmode="lin" valueType="num">
+                                      <p:cBhvr>
+                                        <p:cTn id="16" dur="1000" fill="hold"/>
+                                        <p:tgtEl>
+                                          <p:spTgt spid="3">
+                                            <p:txEl>
+                                              <p:pRg st="0" end="0"/>
+                                            </p:txEl>
+                                          </p:spTgt>
+                                        </p:tgtEl>
+                                        <p:attrNameLst>
+                                          <p:attrName>ppt_x</p:attrName>
+                                        </p:attrNameLst>
+                                      </p:cBhvr>
+                                      <p:tavLst>
+                                        <p:tav tm="0">
+                                          <p:val>
+                                            <p:strVal val="#ppt_x"/>
+                                          </p:val>
+                                        </p:tav>
+                                        <p:tav tm="100000">
+                                          <p:val>
+                                            <p:strVal val="#ppt_x"/>
+                                          </p:val>
+                                        </p:tav>
+                                      </p:tavLst>
+                                    </p:anim>
+                                    <p:anim calcmode="lin" valueType="num">
+                                      <p:cBhvr>
+                                        <p:cTn id="17" dur="1000" fill="hold"/>
+                                        <p:tgtEl>
+                                          <p:spTgt spid="3">
+                                            <p:txEl>
+                                              <p:pRg st="0" end="0"/>
+                                            </p:txEl>
+                                          </p:spTgt>
+                                        </p:tgtEl>
+                                        <p:attrNameLst>
+                                          <p:attrName>ppt_y</p:attrName>
+                                        </p:attrNameLst>
+                                      </p:cBhvr>
+                                      <p:tavLst>
+                                        <p:tav tm="0">
+                                          <p:val>
+                                            <p:strVal val="#ppt_y+.1"/>
+                                          </p:val>
+                                        </p:tav>
+                                        <p:tav tm="100000">
+                                          <p:val>
+                                            <p:strVal val="#ppt_y"/>
+                                          </p:val>
+                                        </p:tav>
+                                      </p:tavLst>
+                                    </p:anim>
+                                  </p:childTnLst>
+                                </p:cTn>
+                              </p:par>
+                            </p:childTnLst>
+                          </p:cTn>
+                        </p:par>
+                      </p:childTnLst>
+                    </p:cTn>
+                  </p:par>
+                  <p:par>
+                    <p:cTn id="18" fill="hold">
+                      <p:stCondLst>
+                        <p:cond delay="indefinite"/>
+                      </p:stCondLst>
+                      <p:childTnLst>
+                        <p:par>
+                          <p:cTn id="19" fill="hold">
+                            <p:stCondLst>
+                              <p:cond delay="0"/>
+                            </p:stCondLst>
+                            <p:childTnLst>
+                              <p:par>
+                                <p:cTn id="20" presetID="42" presetClass="entr" presetSubtype="0" fill="hold" nodeType="clickEffect">
+                                  <p:stCondLst>
+                                    <p:cond delay="0"/>
+                                  </p:stCondLst>
+                                  <p:childTnLst>
+                                    <p:set>
+                                      <p:cBhvr>
+                                        <p:cTn id="21" dur="1" fill="hold">
+                                          <p:stCondLst>
+                                            <p:cond delay="0"/>
+                                          </p:stCondLst>
+                                        </p:cTn>
+                                        <p:tgtEl>
+                                          <p:spTgt spid="3">
+                                            <p:txEl>
+                                              <p:pRg st="1" end="1"/>
+                                            </p:txEl>
+                                          </p:spTgt>
+                                        </p:tgtEl>
+                                        <p:attrNameLst>
+                                          <p:attrName>style.visibility</p:attrName>
+                                        </p:attrNameLst>
+                                      </p:cBhvr>
+                                      <p:to>
+                                        <p:strVal val="visible"/>
+                                      </p:to>
+                                    </p:set>
+                                    <p:animEffect transition="in" filter="fade">
+                                      <p:cBhvr>
+                                        <p:cTn id="22" dur="1000"/>
+                                        <p:tgtEl>
+                                          <p:spTgt spid="3">
+                                            <p:txEl>
+                                              <p:pRg st="1" end="1"/>
+                                            </p:txEl>
+                                          </p:spTgt>
+                                        </p:tgtEl>
+                                      </p:cBhvr>
+                                    </p:animEffect>
+                                    <p:anim calcmode="lin" valueType="num">
+                                      <p:cBhvr>
+                                        <p:cTn id="23" dur="1000" fill="hold"/>
+                                        <p:tgtEl>
+                                          <p:spTgt spid="3">
+                                            <p:txEl>
+                                              <p:pRg st="1" end="1"/>
+                                            </p:txEl>
+                                          </p:spTgt>
+                                        </p:tgtEl>
+                                        <p:attrNameLst>
+                                          <p:attrName>ppt_x</p:attrName>
+                                        </p:attrNameLst>
+                                      </p:cBhvr>
+                                      <p:tavLst>
+                                        <p:tav tm="0">
+                                          <p:val>
+                                            <p:strVal val="#ppt_x"/>
+                                          </p:val>
+                                        </p:tav>
+                                        <p:tav tm="100000">
+                                          <p:val>
+                                            <p:strVal val="#ppt_x"/>
+                                          </p:val>
+                                        </p:tav>
+                                      </p:tavLst>
+                                    </p:anim>
+                                    <p:anim calcmode="lin" valueType="num">
+                                      <p:cBhvr>
+                                        <p:cTn id="24" dur="1000" fill="hold"/>
+                                        <p:tgtEl>
+                                          <p:spTgt spid="3">
+                                            <p:txEl>
+                                              <p:pRg st="1" end="1"/>
+                                            </p:txEl>
+                                          </p:spTgt>
+                                        </p:tgtEl>
+                                        <p:attrNameLst>
+                                          <p:attrName>ppt_y</p:attrName>
+                                        </p:attrNameLst>
+                                      </p:cBhvr>
+                                      <p:tavLst>
+                                        <p:tav tm="0">
+                                          <p:val>
+                                            <p:strVal val="#ppt_y+.1"/>
+                                          </p:val>
+                                        </p:tav>
+                                        <p:tav tm="100000">
+                                          <p:val>
+                                            <p:strVal val="#ppt_y"/>
+                                          </p:val>
+                                        </p:tav>
+                                      </p:tavLst>
+                                    </p:anim>
+                                  </p:childTnLst>
+                                </p:cTn>
+                              </p:par>
+                            </p:childTnLst>
+                          </p:cTn>
+                        </p:par>
+                      </p:childTnLst>
+                    </p:cTn>
+                  </p:par>
+                  <p:par>
+                    <p:cTn id="25" fill="hold">
+                      <p:stCondLst>
+                        <p:cond delay="indefinite"/>
+                      </p:stCondLst>
+                      <p:childTnLst>
+                        <p:par>
+                          <p:cTn id="26" fill="hold">
+                            <p:stCondLst>
+                              <p:cond delay="0"/>
+                            </p:stCondLst>
+                            <p:childTnLst>
+                              <p:par>
+                                <p:cTn id="27" presetID="42" presetClass="entr" presetSubtype="0" fill="hold" nodeType="clickEffect">
+                                  <p:stCondLst>
+                                    <p:cond delay="0"/>
+                                  </p:stCondLst>
+                                  <p:childTnLst>
+                                    <p:set>
+                                      <p:cBhvr>
+                                        <p:cTn id="28" dur="1" fill="hold">
+                                          <p:stCondLst>
+                                            <p:cond delay="0"/>
+                                          </p:stCondLst>
+                                        </p:cTn>
+                                        <p:tgtEl>
+                                          <p:spTgt spid="3">
+                                            <p:txEl>
+                                              <p:pRg st="2" end="2"/>
+                                            </p:txEl>
+                                          </p:spTgt>
+                                        </p:tgtEl>
+                                        <p:attrNameLst>
+                                          <p:attrName>style.visibility</p:attrName>
+                                        </p:attrNameLst>
+                                      </p:cBhvr>
+                                      <p:to>
+                                        <p:strVal val="visible"/>
+                                      </p:to>
+                                    </p:set>
+                                    <p:animEffect transition="in" filter="fade">
+                                      <p:cBhvr>
+                                        <p:cTn id="29" dur="1000"/>
+                                        <p:tgtEl>
+                                          <p:spTgt spid="3">
+                                            <p:txEl>
+                                              <p:pRg st="2" end="2"/>
+                                            </p:txEl>
+                                          </p:spTgt>
+                                        </p:tgtEl>
+                                      </p:cBhvr>
+                                    </p:animEffect>
+                                    <p:anim calcmode="lin" valueType="num">
+                                      <p:cBhvr>
+                                        <p:cTn id="30" dur="1000" fill="hold"/>
+                                        <p:tgtEl>
+                                          <p:spTgt spid="3">
+                                            <p:txEl>
+                                              <p:pRg st="2" end="2"/>
+                                            </p:txEl>
+                                          </p:spTgt>
+                                        </p:tgtEl>
+                                        <p:attrNameLst>
+                                          <p:attrName>ppt_x</p:attrName>
+                                        </p:attrNameLst>
+                                      </p:cBhvr>
+                                      <p:tavLst>
+                                        <p:tav tm="0">
+                                          <p:val>
+                                            <p:strVal val="#ppt_x"/>
+                                          </p:val>
+                                        </p:tav>
+                                        <p:tav tm="100000">
+                                          <p:val>
+                                            <p:strVal val="#ppt_x"/>
+                                          </p:val>
+                                        </p:tav>
+                                      </p:tavLst>
+                                    </p:anim>
+                                    <p:anim calcmode="lin" valueType="num">
+                                      <p:cBhvr>
+                                        <p:cTn id="31" dur="1000" fill="hold"/>
+                                        <p:tgtEl>
+                                          <p:spTgt spid="3">
+                                            <p:txEl>
+                                              <p:pRg st="2" end="2"/>
+                                            </p:txEl>
+                                          </p:spTgt>
+                                        </p:tgtEl>
+                                        <p:attrNameLst>
+                                          <p:attrName>ppt_y</p:attrName>
+                                        </p:attrNameLst>
+                                      </p:cBhvr>
+                                      <p:tavLst>
+                                        <p:tav tm="0">
+                                          <p:val>
+                                            <p:strVal val="#ppt_y+.1"/>
+                                          </p:val>
+                                        </p:tav>
+                                        <p:tav tm="100000">
+                                          <p:val>
+                                            <p:strVal val="#ppt_y"/>
+                                          </p:val>
+                                        </p:tav>
+                                      </p:tavLst>
+                                    </p:anim>
+                                  </p:childTnLst>
+                                </p:cTn>
+                              </p:par>
+                            </p:childTnLst>
+                          </p:cTn>
+                        </p:par>
+                      </p:childTnLst>
+                    </p:cTn>
+                  </p:par>
+                  <p:par>
+                    <p:cTn id="32" fill="hold">
+                      <p:stCondLst>
+                        <p:cond delay="indefinite"/>
+                      </p:stCondLst>
+                      <p:childTnLst>
+                        <p:par>
+                          <p:cTn id="33" fill="hold">
+                            <p:stCondLst>
+                              <p:cond delay="0"/>
+                            </p:stCondLst>
+                            <p:childTnLst>
+                              <p:par>
+                                <p:cTn id="34" presetID="42" presetClass="entr" presetSubtype="0" fill="hold" nodeType="clickEffect">
+                                  <p:stCondLst>
+                                    <p:cond delay="0"/>
+                                  </p:stCondLst>
+                                  <p:childTnLst>
+                                    <p:set>
+                                      <p:cBhvr>
+                                        <p:cTn id="35" dur="1" fill="hold">
+                                          <p:stCondLst>
+                                            <p:cond delay="0"/>
+                                          </p:stCondLst>
+                                        </p:cTn>
+                                        <p:tgtEl>
+                                          <p:spTgt spid="3">
+                                            <p:txEl>
+                                              <p:pRg st="3" end="3"/>
+                                            </p:txEl>
+                                          </p:spTgt>
+                                        </p:tgtEl>
+                                        <p:attrNameLst>
+                                          <p:attrName>style.visibility</p:attrName>
+                                        </p:attrNameLst>
+                                      </p:cBhvr>
+                                      <p:to>
+                                        <p:strVal val="visible"/>
+                                      </p:to>
+                                    </p:set>
+                                    <p:animEffect transition="in" filter="fade">
+                                      <p:cBhvr>
+                                        <p:cTn id="36" dur="1000"/>
+                                        <p:tgtEl>
+                                          <p:spTgt spid="3">
+                                            <p:txEl>
+                                              <p:pRg st="3" end="3"/>
+                                            </p:txEl>
+                                          </p:spTgt>
+                                        </p:tgtEl>
+                                      </p:cBhvr>
+                                    </p:animEffect>
+                                    <p:anim calcmode="lin" valueType="num">
+                                      <p:cBhvr>
+                                        <p:cTn id="37" dur="1000" fill="hold"/>
+                                        <p:tgtEl>
+                                          <p:spTgt spid="3">
+                                            <p:txEl>
+                                              <p:pRg st="3" end="3"/>
+                                            </p:txEl>
+                                          </p:spTgt>
+                                        </p:tgtEl>
+                                        <p:attrNameLst>
+                                          <p:attrName>ppt_x</p:attrName>
+                                        </p:attrNameLst>
+                                      </p:cBhvr>
+                                      <p:tavLst>
+                                        <p:tav tm="0">
+                                          <p:val>
+                                            <p:strVal val="#ppt_x"/>
+                                          </p:val>
+                                        </p:tav>
+                                        <p:tav tm="100000">
+                                          <p:val>
+                                            <p:strVal val="#ppt_x"/>
+                                          </p:val>
+                                        </p:tav>
+                                      </p:tavLst>
+                                    </p:anim>
+                                    <p:anim calcmode="lin" valueType="num">
+                                      <p:cBhvr>
+                                        <p:cTn id="38" dur="1000" fill="hold"/>
+                                        <p:tgtEl>
+                                          <p:spTgt spid="3">
+                                            <p:txEl>
+                                              <p:pRg st="3" end="3"/>
+                                            </p:txEl>
+                                          </p:spTgt>
+                                        </p:tgtEl>
+                                        <p:attrNameLst>
+                                          <p:attrName>ppt_y</p:attrName>
+                                        </p:attrNameLst>
+                                      </p:cBhvr>
+                                      <p:tavLst>
+                                        <p:tav tm="0">
+                                          <p:val>
+                                            <p:strVal val="#ppt_y+.1"/>
+                                          </p:val>
+                                        </p:tav>
+                                        <p:tav tm="100000">
+                                          <p:val>
+                                            <p:strVal val="#ppt_y"/>
+                                          </p:val>
+                                        </p:tav>
+                                      </p:tavLst>
+                                    </p:anim>
+                                  </p:childTnLst>
+                                </p:cTn>
+                              </p:par>
+                            </p:childTnLst>
+                          </p:cTn>
+                        </p:par>
+                      </p:childTnLst>
+                    </p:cTn>
+                  </p:par>
+                  <p:par>
+                    <p:cTn id="39" fill="hold">
+                      <p:stCondLst>
+                        <p:cond delay="indefinite"/>
+                      </p:stCondLst>
+                      <p:childTnLst>
+                        <p:par>
+                          <p:cTn id="40" fill="hold">
+                            <p:stCondLst>
+                              <p:cond delay="0"/>
+                            </p:stCondLst>
+                            <p:childTnLst>
+                              <p:par>
+                                <p:cTn id="41" presetID="42" presetClass="entr" presetSubtype="0" fill="hold" nodeType="clickEffect">
+                                  <p:stCondLst>
+                                    <p:cond delay="0"/>
+                                  </p:stCondLst>
+                                  <p:childTnLst>
+                                    <p:set>
+                                      <p:cBhvr>
+                                        <p:cTn id="42" dur="1" fill="hold">
+                                          <p:stCondLst>
+                                            <p:cond delay="0"/>
+                                          </p:stCondLst>
+                                        </p:cTn>
+                                        <p:tgtEl>
+                                          <p:spTgt spid="3">
+                                            <p:txEl>
+                                              <p:pRg st="4" end="4"/>
+                                            </p:txEl>
+                                          </p:spTgt>
+                                        </p:tgtEl>
+                                        <p:attrNameLst>
+                                          <p:attrName>style.visibility</p:attrName>
+                                        </p:attrNameLst>
+                                      </p:cBhvr>
+                                      <p:to>
+                                        <p:strVal val="visible"/>
+                                      </p:to>
+                                    </p:set>
+                                    <p:animEffect transition="in" filter="fade">
+                                      <p:cBhvr>
+                                        <p:cTn id="43" dur="1000"/>
+                                        <p:tgtEl>
+                                          <p:spTgt spid="3">
+                                            <p:txEl>
+                                              <p:pRg st="4" end="4"/>
+                                            </p:txEl>
+                                          </p:spTgt>
+                                        </p:tgtEl>
+                                      </p:cBhvr>
+                                    </p:animEffect>
+                                    <p:anim calcmode="lin" valueType="num">
+                                      <p:cBhvr>
+                                        <p:cTn id="44" dur="1000" fill="hold"/>
+                                        <p:tgtEl>
+                                          <p:spTgt spid="3">
+                                            <p:txEl>
+                                              <p:pRg st="4" end="4"/>
+                                            </p:txEl>
+                                          </p:spTgt>
+                                        </p:tgtEl>
+                                        <p:attrNameLst>
+                                          <p:attrName>ppt_x</p:attrName>
+                                        </p:attrNameLst>
+                                      </p:cBhvr>
+                                      <p:tavLst>
+                                        <p:tav tm="0">
+                                          <p:val>
+                                            <p:strVal val="#ppt_x"/>
+                                          </p:val>
+                                        </p:tav>
+                                        <p:tav tm="100000">
+                                          <p:val>
+                                            <p:strVal val="#ppt_x"/>
+                                          </p:val>
+                                        </p:tav>
+                                      </p:tavLst>
+                                    </p:anim>
+                                    <p:anim calcmode="lin" valueType="num">
+                                      <p:cBhvr>
+                                        <p:cTn id="45" dur="1000" fill="hold"/>
+                                        <p:tgtEl>
+                                          <p:spTgt spid="3">
+                                            <p:txEl>
+                                              <p:pRg st="4" end="4"/>
+                                            </p:txEl>
+                                          </p:spTgt>
+                                        </p:tgtEl>
+                                        <p:attrNameLst>
+                                          <p:attrName>ppt_y</p:attrName>
+                                        </p:attrNameLst>
+                                      </p:cBhvr>
+                                      <p:tavLst>
+                                        <p:tav tm="0">
+                                          <p:val>
+                                            <p:strVal val="#ppt_y+.1"/>
+                                          </p:val>
+                                        </p:tav>
+                                        <p:tav tm="100000">
+                                          <p:val>
+                                            <p:strVal val="#ppt_y"/>
+                                          </p:val>
+                                        </p:tav>
+                                      </p:tavLst>
+                                    </p:anim>
+                                  </p:childTnLst>
+                                </p:cTn>
+                              </p:par>
+                            </p:childTnLst>
+                          </p:cTn>
+                        </p:par>
+                      </p:childTnLst>
+                    </p:cTn>
+                  </p:par>
+                  <p:par>
+                    <p:cTn id="46" fill="hold">
+                      <p:stCondLst>
+                        <p:cond delay="indefinite"/>
+                      </p:stCondLst>
+                      <p:childTnLst>
+                        <p:par>
+                          <p:cTn id="47" fill="hold">
+                            <p:stCondLst>
+                              <p:cond delay="0"/>
+                            </p:stCondLst>
+                            <p:childTnLst>
+                              <p:par>
+                                <p:cTn id="48" presetID="42" presetClass="entr" presetSubtype="0" fill="hold" nodeType="clickEffect">
+                                  <p:stCondLst>
+                                    <p:cond delay="0"/>
+                                  </p:stCondLst>
+                                  <p:childTnLst>
+                                    <p:set>
+                                      <p:cBhvr>
+                                        <p:cTn id="49" dur="1" fill="hold">
+                                          <p:stCondLst>
+                                            <p:cond delay="0"/>
+                                          </p:stCondLst>
+                                        </p:cTn>
+                                        <p:tgtEl>
+                                          <p:spTgt spid="3">
+                                            <p:txEl>
+                                              <p:pRg st="5" end="5"/>
+                                            </p:txEl>
+                                          </p:spTgt>
+                                        </p:tgtEl>
+                                        <p:attrNameLst>
+                                          <p:attrName>style.visibility</p:attrName>
+                                        </p:attrNameLst>
+                                      </p:cBhvr>
+                                      <p:to>
+                                        <p:strVal val="visible"/>
+                                      </p:to>
+                                    </p:set>
+                                    <p:animEffect transition="in" filter="fade">
+                                      <p:cBhvr>
+                                        <p:cTn id="50" dur="1000"/>
+                                        <p:tgtEl>
+                                          <p:spTgt spid="3">
+                                            <p:txEl>
+                                              <p:pRg st="5" end="5"/>
+                                            </p:txEl>
+                                          </p:spTgt>
+                                        </p:tgtEl>
+                                      </p:cBhvr>
+                                    </p:animEffect>
+                                    <p:anim calcmode="lin" valueType="num">
+                                      <p:cBhvr>
+                                        <p:cTn id="51" dur="1000" fill="hold"/>
+                                        <p:tgtEl>
+                                          <p:spTgt spid="3">
+                                            <p:txEl>
+                                              <p:pRg st="5" end="5"/>
+                                            </p:txEl>
+                                          </p:spTgt>
+                                        </p:tgtEl>
+                                        <p:attrNameLst>
+                                          <p:attrName>ppt_x</p:attrName>
+                                        </p:attrNameLst>
+                                      </p:cBhvr>
+                                      <p:tavLst>
+                                        <p:tav tm="0">
+                                          <p:val>
+                                            <p:strVal val="#ppt_x"/>
+                                          </p:val>
+                                        </p:tav>
+                                        <p:tav tm="100000">
+                                          <p:val>
+                                            <p:strVal val="#ppt_x"/>
+                                          </p:val>
+                                        </p:tav>
+                                      </p:tavLst>
+                                    </p:anim>
+                                    <p:anim calcmode="lin" valueType="num">
+                                      <p:cBhvr>
+                                        <p:cTn id="52" dur="1000" fill="hold"/>
+                                        <p:tgtEl>
+                                          <p:spTgt spid="3">
+                                            <p:txEl>
+                                              <p:pRg st="5" end="5"/>
+                                            </p:txEl>
+                                          </p:spTgt>
+                                        </p:tgtEl>
+                                        <p:attrNameLst>
+                                          <p:attrName>ppt_y</p:attrName>
+                                        </p:attrNameLst>
+                                      </p:cBhvr>
+                                      <p:tavLst>
+                                        <p:tav tm="0">
+                                          <p:val>
+                                            <p:strVal val="#ppt_y+.1"/>
+                                          </p:val>
+                                        </p:tav>
+                                        <p:tav tm="100000">
+                                          <p:val>
+                                            <p:strVal val="#ppt_y"/>
+                                          </p:val>
+                                        </p:tav>
+                                      </p:tavLst>
+                                    </p:anim>
+                                  </p:childTnLst>
+                                </p:cTn>
+                              </p:par>
+                            </p:childTnLst>
+                          </p:cTn>
+                        </p:par>
+                      </p:childTnLst>
+                    </p:cTn>
+                  </p:par>
+                  <p:par>
+                    <p:cTn id="53" fill="hold">
+                      <p:stCondLst>
+                        <p:cond delay="indefinite"/>
+                      </p:stCondLst>
+                      <p:childTnLst>
+                        <p:par>
+                          <p:cTn id="54" fill="hold">
+                            <p:stCondLst>
+                              <p:cond delay="0"/>
+                            </p:stCondLst>
+                            <p:childTnLst>
+                              <p:par>
+                                <p:cTn id="55" presetID="42" presetClass="entr" presetSubtype="0" fill="hold" nodeType="clickEffect">
+                                  <p:stCondLst>
+                                    <p:cond delay="0"/>
+                                  </p:stCondLst>
+                                  <p:childTnLst>
+                                    <p:set>
+                                      <p:cBhvr>
+                                        <p:cTn id="56" dur="1" fill="hold">
+                                          <p:stCondLst>
+                                            <p:cond delay="0"/>
+                                          </p:stCondLst>
+                                        </p:cTn>
+                                        <p:tgtEl>
+                                          <p:spTgt spid="3">
+                                            <p:txEl>
+                                              <p:pRg st="6" end="6"/>
+                                            </p:txEl>
+                                          </p:spTgt>
+                                        </p:tgtEl>
+                                        <p:attrNameLst>
+                                          <p:attrName>style.visibility</p:attrName>
+                                        </p:attrNameLst>
+                                      </p:cBhvr>
+                                      <p:to>
+                                        <p:strVal val="visible"/>
+                                      </p:to>
+                                    </p:set>
+                                    <p:animEffect transition="in" filter="fade">
+                                      <p:cBhvr>
+                                        <p:cTn id="57" dur="1000"/>
+                                        <p:tgtEl>
+                                          <p:spTgt spid="3">
+                                            <p:txEl>
+                                              <p:pRg st="6" end="6"/>
+                                            </p:txEl>
+                                          </p:spTgt>
+                                        </p:tgtEl>
+                                      </p:cBhvr>
+                                    </p:animEffect>
+                                    <p:anim calcmode="lin" valueType="num">
+                                      <p:cBhvr>
+                                        <p:cTn id="58" dur="1000" fill="hold"/>
+                                        <p:tgtEl>
+                                          <p:spTgt spid="3">
+                                            <p:txEl>
+                                              <p:pRg st="6" end="6"/>
+                                            </p:txEl>
+                                          </p:spTgt>
+                                        </p:tgtEl>
+                                        <p:attrNameLst>
+                                          <p:attrName>ppt_x</p:attrName>
+                                        </p:attrNameLst>
+                                      </p:cBhvr>
+                                      <p:tavLst>
+                                        <p:tav tm="0">
+                                          <p:val>
+                                            <p:strVal val="#ppt_x"/>
+                                          </p:val>
+                                        </p:tav>
+                                        <p:tav tm="100000">
+                                          <p:val>
+                                            <p:strVal val="#ppt_x"/>
+                                          </p:val>
+                                        </p:tav>
+                                      </p:tavLst>
+                                    </p:anim>
+                                    <p:anim calcmode="lin" valueType="num">
+                                      <p:cBhvr>
+                                        <p:cTn id="59" dur="1000" fill="hold"/>
+                                        <p:tgtEl>
+                                          <p:spTgt spid="3">
+                                            <p:txEl>
+                                              <p:pRg st="6" end="6"/>
+                                            </p:txEl>
+                                          </p:spTgt>
+                                        </p:tgtEl>
+                                        <p:attrNameLst>
+                                          <p:attrName>ppt_y</p:attrName>
+                                        </p:attrNameLst>
+                                      </p:cBhvr>
+                                      <p:tavLst>
+                                        <p:tav tm="0">
+                                          <p:val>
+                                            <p:strVal val="#ppt_y+.1"/>
+                                          </p:val>
+                                        </p:tav>
+                                        <p:tav tm="100000">
+                                          <p:val>
+                                            <p:strVal val="#ppt_y"/>
+                                          </p:val>
+                                        </p:tav>
+                                      </p:tavLst>
+                                    </p:anim>
+                                  </p:childTnLst>
+                                </p:cTn>
+                              </p:par>
+                            </p:childTnLst>
+                          </p:cTn>
+                        </p:par>
+                      </p:childTnLst>
+                    </p:cTn>
+                  </p:par>
+                  <p:par>
+                    <p:cTn id="60" fill="hold">
+                      <p:stCondLst>
+                        <p:cond delay="indefinite"/>
+                      </p:stCondLst>
+                      <p:childTnLst>
+                        <p:par>
+                          <p:cTn id="61" fill="hold">
+                            <p:stCondLst>
+                              <p:cond delay="0"/>
+                            </p:stCondLst>
+                            <p:childTnLst>
+                              <p:par>
+                                <p:cTn id="62" presetID="42" presetClass="entr" presetSubtype="0" fill="hold" nodeType="clickEffect">
+                                  <p:stCondLst>
+                                    <p:cond delay="0"/>
+                                  </p:stCondLst>
+                                  <p:childTnLst>
+                                    <p:set>
+                                      <p:cBhvr>
+                                        <p:cTn id="63" dur="1" fill="hold">
+                                          <p:stCondLst>
+                                            <p:cond delay="0"/>
+                                          </p:stCondLst>
+                                        </p:cTn>
+                                        <p:tgtEl>
+                                          <p:spTgt spid="3">
+                                            <p:txEl>
+                                              <p:pRg st="7" end="7"/>
+                                            </p:txEl>
+                                          </p:spTgt>
+                                        </p:tgtEl>
+                                        <p:attrNameLst>
+                                          <p:attrName>style.visibility</p:attrName>
+                                        </p:attrNameLst>
+                                      </p:cBhvr>
+                                      <p:to>
+                                        <p:strVal val="visible"/>
+                                      </p:to>
+                                    </p:set>
+                                    <p:animEffect transition="in" filter="fade">
+                                      <p:cBhvr>
+                                        <p:cTn id="64" dur="1000"/>
+                                        <p:tgtEl>
+                                          <p:spTgt spid="3">
+                                            <p:txEl>
+                                              <p:pRg st="7" end="7"/>
+                                            </p:txEl>
+                                          </p:spTgt>
+                                        </p:tgtEl>
+                                      </p:cBhvr>
+                                    </p:animEffect>
+                                    <p:anim calcmode="lin" valueType="num">
+                                      <p:cBhvr>
+                                        <p:cTn id="65" dur="1000" fill="hold"/>
+                                        <p:tgtEl>
+                                          <p:spTgt spid="3">
+                                            <p:txEl>
+                                              <p:pRg st="7" end="7"/>
+                                            </p:txEl>
+                                          </p:spTgt>
+                                        </p:tgtEl>
+                                        <p:attrNameLst>
+                                          <p:attrName>ppt_x</p:attrName>
+                                        </p:attrNameLst>
+                                      </p:cBhvr>
+                                      <p:tavLst>
+                                        <p:tav tm="0">
+                                          <p:val>
+                                            <p:strVal val="#ppt_x"/>
+                                          </p:val>
+                                        </p:tav>
+                                        <p:tav tm="100000">
+                                          <p:val>
+                                            <p:strVal val="#ppt_x"/>
+                                          </p:val>
+                                        </p:tav>
+                                      </p:tavLst>
+                                    </p:anim>
+                                    <p:anim calcmode="lin" valueType="num">
+                                      <p:cBhvr>
+                                        <p:cTn id="66" dur="1000" fill="hold"/>
+                                        <p:tgtEl>
+                                          <p:spTgt spid="3">
+                                            <p:txEl>
+                                              <p:pRg st="7" end="7"/>
+                                            </p:txEl>
+                                          </p:spTgt>
+                                        </p:tgtEl>
+                                        <p:attrNameLst>
+                                          <p:attrName>ppt_y</p:attrName>
+                                        </p:attrNameLst>
+                                      </p:cBhvr>
+                                      <p:tavLst>
+                                        <p:tav tm="0">
+                                          <p:val>
+                                            <p:strVal val="#ppt_y+.1"/>
+                                          </p:val>
+                                        </p:tav>
+                                        <p:tav tm="100000">
+                                          <p:val>
+                                            <p:strVal val="#ppt_y"/>
+                                          </p:val>
+                                        </p:tav>
+                                      </p:tavLst>
+                                    </p:anim>
+                                  </p:childTnLst>
+                                </p:cTn>
+                              </p:par>
+                            </p:childTnLst>
+                          </p:cTn>
+                        </p:par>
+                      </p:childTnLst>
+                    </p:cTn>
+                  </p:par>
+                </p:childTnLst>
+              </p:cTn>
+              <p:prevCondLst>
+                <p:cond evt="onPrev" delay="0">
+                  <p:tgtEl>
+                    <p:sldTgt/>
+                  </p:tgtEl>
+                </p:cond>
+              </p:prevCondLst>
+              <p:nextCondLst>
+                <p:cond evt="onNext" delay="0">
+                  <p:tgtEl>
+                    <p:sldTgt/>
+                  </p:tgtEl>
+                </p:cond>
+              </p:nextCondLst>
+            </p:seq>
+          </p:childTnLst>
+        </p:cTn>
+      </p:par>
+    </p:tnLst>
+    <p:bldLst>
+      <p:bldP spid="2" grpId="0"/>
+    </p:bldLst>
+  </p:timing>
 </p:sld>
 </file>
 
@@ -20658,10 +26533,9 @@
           <a:lstStyle/>
           <a:p>
             <a:r>
-              <a:rPr lang="en-US"/>
+              <a:rPr lang="en-US" dirty="0"/>
               <a:t>CONCLUSION</a:t>
             </a:r>
-            <a:endParaRPr lang="en-US" dirty="0"/>
           </a:p>
         </p:txBody>
       </p:sp>
@@ -21344,6 +27218,206 @@
   <p:clrMapOvr>
     <a:masterClrMapping/>
   </p:clrMapOvr>
+  <mc:AlternateContent xmlns:mc="http://schemas.openxmlformats.org/markup-compatibility/2006" xmlns:p15="http://schemas.microsoft.com/office/powerpoint/2012/main">
+    <mc:Choice Requires="p15">
+      <p:transition xmlns:p14="http://schemas.microsoft.com/office/powerpoint/2010/main" spd="slow" p14:dur="2000">
+        <p15:prstTrans prst="fallOver"/>
+      </p:transition>
+    </mc:Choice>
+    <mc:Fallback xmlns="">
+      <p:transition spd="slow">
+        <p:fade/>
+      </p:transition>
+    </mc:Fallback>
+  </mc:AlternateContent>
+  <p:timing>
+    <p:tnLst>
+      <p:par>
+        <p:cTn id="1" dur="indefinite" restart="never" nodeType="tmRoot">
+          <p:childTnLst>
+            <p:seq concurrent="1" nextAc="seek">
+              <p:cTn id="2" dur="indefinite" nodeType="mainSeq">
+                <p:childTnLst>
+                  <p:par>
+                    <p:cTn id="3" fill="hold">
+                      <p:stCondLst>
+                        <p:cond delay="indefinite"/>
+                      </p:stCondLst>
+                      <p:childTnLst>
+                        <p:par>
+                          <p:cTn id="4" fill="hold">
+                            <p:stCondLst>
+                              <p:cond delay="0"/>
+                            </p:stCondLst>
+                            <p:childTnLst>
+                              <p:par>
+                                <p:cTn id="5" presetID="42" presetClass="entr" presetSubtype="0" fill="hold" grpId="0" nodeType="clickEffect">
+                                  <p:stCondLst>
+                                    <p:cond delay="0"/>
+                                  </p:stCondLst>
+                                  <p:childTnLst>
+                                    <p:set>
+                                      <p:cBhvr>
+                                        <p:cTn id="6" dur="1" fill="hold">
+                                          <p:stCondLst>
+                                            <p:cond delay="0"/>
+                                          </p:stCondLst>
+                                        </p:cTn>
+                                        <p:tgtEl>
+                                          <p:spTgt spid="9"/>
+                                        </p:tgtEl>
+                                        <p:attrNameLst>
+                                          <p:attrName>style.visibility</p:attrName>
+                                        </p:attrNameLst>
+                                      </p:cBhvr>
+                                      <p:to>
+                                        <p:strVal val="visible"/>
+                                      </p:to>
+                                    </p:set>
+                                    <p:animEffect transition="in" filter="fade">
+                                      <p:cBhvr>
+                                        <p:cTn id="7" dur="1000"/>
+                                        <p:tgtEl>
+                                          <p:spTgt spid="9"/>
+                                        </p:tgtEl>
+                                      </p:cBhvr>
+                                    </p:animEffect>
+                                    <p:anim calcmode="lin" valueType="num">
+                                      <p:cBhvr>
+                                        <p:cTn id="8" dur="1000" fill="hold"/>
+                                        <p:tgtEl>
+                                          <p:spTgt spid="9"/>
+                                        </p:tgtEl>
+                                        <p:attrNameLst>
+                                          <p:attrName>ppt_x</p:attrName>
+                                        </p:attrNameLst>
+                                      </p:cBhvr>
+                                      <p:tavLst>
+                                        <p:tav tm="0">
+                                          <p:val>
+                                            <p:strVal val="#ppt_x"/>
+                                          </p:val>
+                                        </p:tav>
+                                        <p:tav tm="100000">
+                                          <p:val>
+                                            <p:strVal val="#ppt_x"/>
+                                          </p:val>
+                                        </p:tav>
+                                      </p:tavLst>
+                                    </p:anim>
+                                    <p:anim calcmode="lin" valueType="num">
+                                      <p:cBhvr>
+                                        <p:cTn id="9" dur="1000" fill="hold"/>
+                                        <p:tgtEl>
+                                          <p:spTgt spid="9"/>
+                                        </p:tgtEl>
+                                        <p:attrNameLst>
+                                          <p:attrName>ppt_y</p:attrName>
+                                        </p:attrNameLst>
+                                      </p:cBhvr>
+                                      <p:tavLst>
+                                        <p:tav tm="0">
+                                          <p:val>
+                                            <p:strVal val="#ppt_y+.1"/>
+                                          </p:val>
+                                        </p:tav>
+                                        <p:tav tm="100000">
+                                          <p:val>
+                                            <p:strVal val="#ppt_y"/>
+                                          </p:val>
+                                        </p:tav>
+                                      </p:tavLst>
+                                    </p:anim>
+                                  </p:childTnLst>
+                                </p:cTn>
+                              </p:par>
+                            </p:childTnLst>
+                          </p:cTn>
+                        </p:par>
+                      </p:childTnLst>
+                    </p:cTn>
+                  </p:par>
+                  <p:par>
+                    <p:cTn id="10" fill="hold">
+                      <p:stCondLst>
+                        <p:cond delay="indefinite"/>
+                      </p:stCondLst>
+                      <p:childTnLst>
+                        <p:par>
+                          <p:cTn id="11" fill="hold">
+                            <p:stCondLst>
+                              <p:cond delay="0"/>
+                            </p:stCondLst>
+                            <p:childTnLst>
+                              <p:par>
+                                <p:cTn id="12" presetID="10" presetClass="entr" presetSubtype="0" fill="hold" grpId="0" nodeType="clickEffect">
+                                  <p:stCondLst>
+                                    <p:cond delay="0"/>
+                                  </p:stCondLst>
+                                  <p:childTnLst>
+                                    <p:set>
+                                      <p:cBhvr>
+                                        <p:cTn id="13" dur="1" fill="hold">
+                                          <p:stCondLst>
+                                            <p:cond delay="0"/>
+                                          </p:stCondLst>
+                                        </p:cTn>
+                                        <p:tgtEl>
+                                          <p:spTgt spid="36"/>
+                                        </p:tgtEl>
+                                        <p:attrNameLst>
+                                          <p:attrName>style.visibility</p:attrName>
+                                        </p:attrNameLst>
+                                      </p:cBhvr>
+                                      <p:to>
+                                        <p:strVal val="visible"/>
+                                      </p:to>
+                                    </p:set>
+                                    <p:animEffect transition="in" filter="fade">
+                                      <p:cBhvr>
+                                        <p:cTn id="14" dur="500"/>
+                                        <p:tgtEl>
+                                          <p:spTgt spid="36"/>
+                                        </p:tgtEl>
+                                      </p:cBhvr>
+                                    </p:animEffect>
+                                  </p:childTnLst>
+                                </p:cTn>
+                              </p:par>
+                            </p:childTnLst>
+                          </p:cTn>
+                        </p:par>
+                      </p:childTnLst>
+                    </p:cTn>
+                  </p:par>
+                </p:childTnLst>
+              </p:cTn>
+              <p:prevCondLst>
+                <p:cond evt="onPrev" delay="0">
+                  <p:tgtEl>
+                    <p:sldTgt/>
+                  </p:tgtEl>
+                </p:cond>
+              </p:prevCondLst>
+              <p:nextCondLst>
+                <p:cond evt="onNext" delay="0">
+                  <p:tgtEl>
+                    <p:sldTgt/>
+                  </p:tgtEl>
+                </p:cond>
+              </p:nextCondLst>
+            </p:seq>
+          </p:childTnLst>
+        </p:cTn>
+      </p:par>
+    </p:tnLst>
+    <p:bldLst>
+      <p:bldP spid="9" grpId="0"/>
+      <p:bldGraphic spid="36" grpId="0">
+        <p:bldAsOne/>
+      </p:bldGraphic>
+    </p:bldLst>
+  </p:timing>
 </p:sld>
 </file>
 
